--- a/TMON_애자일_테스팅_가이드_v0.2_김태영작업_수정.pptx
+++ b/TMON_애자일_테스팅_가이드_v0.2_김태영작업_수정.pptx
@@ -197,7 +197,7 @@
           <a:p>
             <a:fld id="{7B22E532-2DD0-4ACB-A6EB-124BF06C7007}" type="datetimeFigureOut">
               <a:rPr lang="en-US" smtClean="0"/>
-              <a:t>7/7/2014</a:t>
+              <a:t>7/8/2014</a:t>
             </a:fld>
             <a:endParaRPr lang="en-US"/>
           </a:p>
@@ -730,7 +730,7 @@
           <a:p>
             <a:fld id="{FE4BEAAC-1549-4734-96AE-C04D7460999F}" type="datetimeFigureOut">
               <a:rPr lang="en-US" smtClean="0"/>
-              <a:t>7/7/2014</a:t>
+              <a:t>7/8/2014</a:t>
             </a:fld>
             <a:endParaRPr lang="en-US"/>
           </a:p>
@@ -900,7 +900,7 @@
           <a:p>
             <a:fld id="{FE4BEAAC-1549-4734-96AE-C04D7460999F}" type="datetimeFigureOut">
               <a:rPr lang="en-US" smtClean="0"/>
-              <a:t>7/7/2014</a:t>
+              <a:t>7/8/2014</a:t>
             </a:fld>
             <a:endParaRPr lang="en-US"/>
           </a:p>
@@ -1080,7 +1080,7 @@
           <a:p>
             <a:fld id="{FE4BEAAC-1549-4734-96AE-C04D7460999F}" type="datetimeFigureOut">
               <a:rPr lang="en-US" smtClean="0"/>
-              <a:t>7/7/2014</a:t>
+              <a:t>7/8/2014</a:t>
             </a:fld>
             <a:endParaRPr lang="en-US"/>
           </a:p>
@@ -1250,7 +1250,7 @@
           <a:p>
             <a:fld id="{FE4BEAAC-1549-4734-96AE-C04D7460999F}" type="datetimeFigureOut">
               <a:rPr lang="en-US" smtClean="0"/>
-              <a:t>7/7/2014</a:t>
+              <a:t>7/8/2014</a:t>
             </a:fld>
             <a:endParaRPr lang="en-US"/>
           </a:p>
@@ -1496,7 +1496,7 @@
           <a:p>
             <a:fld id="{FE4BEAAC-1549-4734-96AE-C04D7460999F}" type="datetimeFigureOut">
               <a:rPr lang="en-US" smtClean="0"/>
-              <a:t>7/7/2014</a:t>
+              <a:t>7/8/2014</a:t>
             </a:fld>
             <a:endParaRPr lang="en-US"/>
           </a:p>
@@ -1784,7 +1784,7 @@
           <a:p>
             <a:fld id="{FE4BEAAC-1549-4734-96AE-C04D7460999F}" type="datetimeFigureOut">
               <a:rPr lang="en-US" smtClean="0"/>
-              <a:t>7/7/2014</a:t>
+              <a:t>7/8/2014</a:t>
             </a:fld>
             <a:endParaRPr lang="en-US"/>
           </a:p>
@@ -2206,7 +2206,7 @@
           <a:p>
             <a:fld id="{FE4BEAAC-1549-4734-96AE-C04D7460999F}" type="datetimeFigureOut">
               <a:rPr lang="en-US" smtClean="0"/>
-              <a:t>7/7/2014</a:t>
+              <a:t>7/8/2014</a:t>
             </a:fld>
             <a:endParaRPr lang="en-US"/>
           </a:p>
@@ -2324,7 +2324,7 @@
           <a:p>
             <a:fld id="{FE4BEAAC-1549-4734-96AE-C04D7460999F}" type="datetimeFigureOut">
               <a:rPr lang="en-US" smtClean="0"/>
-              <a:t>7/7/2014</a:t>
+              <a:t>7/8/2014</a:t>
             </a:fld>
             <a:endParaRPr lang="en-US"/>
           </a:p>
@@ -2419,7 +2419,7 @@
           <a:p>
             <a:fld id="{FE4BEAAC-1549-4734-96AE-C04D7460999F}" type="datetimeFigureOut">
               <a:rPr lang="en-US" smtClean="0"/>
-              <a:t>7/7/2014</a:t>
+              <a:t>7/8/2014</a:t>
             </a:fld>
             <a:endParaRPr lang="en-US"/>
           </a:p>
@@ -2696,7 +2696,7 @@
           <a:p>
             <a:fld id="{FE4BEAAC-1549-4734-96AE-C04D7460999F}" type="datetimeFigureOut">
               <a:rPr lang="en-US" smtClean="0"/>
-              <a:t>7/7/2014</a:t>
+              <a:t>7/8/2014</a:t>
             </a:fld>
             <a:endParaRPr lang="en-US"/>
           </a:p>
@@ -2949,7 +2949,7 @@
           <a:p>
             <a:fld id="{FE4BEAAC-1549-4734-96AE-C04D7460999F}" type="datetimeFigureOut">
               <a:rPr lang="en-US" smtClean="0"/>
-              <a:t>7/7/2014</a:t>
+              <a:t>7/8/2014</a:t>
             </a:fld>
             <a:endParaRPr lang="en-US"/>
           </a:p>
@@ -3162,7 +3162,7 @@
           <a:p>
             <a:fld id="{FE4BEAAC-1549-4734-96AE-C04D7460999F}" type="datetimeFigureOut">
               <a:rPr lang="en-US" smtClean="0"/>
-              <a:t>7/7/2014</a:t>
+              <a:t>7/8/2014</a:t>
             </a:fld>
             <a:endParaRPr lang="en-US"/>
           </a:p>
@@ -5026,19 +5026,7 @@
               </a:r>
               <a:r>
                 <a:rPr lang="ko-KR" altLang="en-US" sz="1200" smtClean="0"/>
-                <a:t>진행</a:t>
-              </a:r>
-              <a:r>
-                <a:rPr lang="ko-KR" altLang="en-US" sz="1200" smtClean="0"/>
-                <a:t> </a:t>
-              </a:r>
-              <a:r>
-                <a:rPr lang="ko-KR" altLang="en-US" sz="1200" smtClean="0"/>
-                <a:t>후 </a:t>
-              </a:r>
-              <a:r>
-                <a:rPr lang="ko-KR" altLang="en-US" sz="1200" smtClean="0"/>
-                <a:t>출시 가능 </a:t>
+                <a:t>진행 후 출시 가능 </a:t>
               </a:r>
               <a:endParaRPr lang="en-US" altLang="ko-KR" sz="1200" dirty="0" smtClean="0"/>
             </a:p>
@@ -6767,11 +6755,7 @@
               </a:r>
               <a:r>
                 <a:rPr lang="ko-KR" altLang="en-US" sz="1000" smtClean="0"/>
-                <a:t>시나리오 </a:t>
-              </a:r>
-              <a:r>
-                <a:rPr lang="ko-KR" altLang="en-US" sz="1000" smtClean="0"/>
-                <a:t>작</a:t>
+                <a:t>시나리오 작</a:t>
               </a:r>
               <a:r>
                 <a:rPr lang="ko-KR" altLang="en-US" sz="1000"/>
@@ -6856,15 +6840,7 @@
               </a:r>
               <a:r>
                 <a:rPr lang="ko-KR" altLang="en-US" sz="1000" smtClean="0"/>
-                <a:t>인수 </a:t>
-              </a:r>
-              <a:r>
-                <a:rPr lang="ko-KR" altLang="en-US" sz="1000" smtClean="0"/>
-                <a:t>테스트 </a:t>
-              </a:r>
-              <a:r>
-                <a:rPr lang="ko-KR" altLang="en-US" sz="1000" smtClean="0"/>
-                <a:t>구현</a:t>
+                <a:t>인수 테스트 구현</a:t>
               </a:r>
               <a:r>
                 <a:rPr lang="en-US" altLang="ko-KR" sz="1000" smtClean="0"/>
@@ -7320,11 +7296,7 @@
               <a:pPr algn="ctr"/>
               <a:r>
                 <a:rPr lang="ko-KR" altLang="en-US" sz="1000" smtClean="0"/>
-                <a:t>시스템 </a:t>
-              </a:r>
-              <a:r>
-                <a:rPr lang="ko-KR" altLang="en-US" sz="1000" smtClean="0"/>
-                <a:t>테스트</a:t>
+                <a:t>시스템 테스트</a:t>
               </a:r>
               <a:endParaRPr lang="en-US" sz="1000" dirty="0"/>
             </a:p>
@@ -7581,2799 +7553,2883 @@
           <a:chExt cx="0" cy="0"/>
         </a:xfrm>
       </p:grpSpPr>
-      <p:sp>
-        <p:nvSpPr>
-          <p:cNvPr id="52" name="자유형 51"/>
-          <p:cNvSpPr/>
+      <p:grpSp>
+        <p:nvGrpSpPr>
+          <p:cNvPr id="2" name="Group 1"/>
+          <p:cNvGrpSpPr/>
           <p:nvPr/>
-        </p:nvSpPr>
-        <p:spPr>
+        </p:nvGrpSpPr>
+        <p:grpSpPr>
           <a:xfrm>
-            <a:off x="1828680" y="2110154"/>
-            <a:ext cx="4332969" cy="3221501"/>
+            <a:off x="424601" y="553387"/>
+            <a:ext cx="8528854" cy="5791066"/>
+            <a:chOff x="424601" y="553387"/>
+            <a:chExt cx="8528854" cy="5791066"/>
           </a:xfrm>
-          <a:custGeom>
-            <a:avLst/>
-            <a:gdLst>
-              <a:gd name="connsiteX0" fmla="*/ 120 w 4332969"/>
-              <a:gd name="connsiteY0" fmla="*/ 154744 h 3221501"/>
-              <a:gd name="connsiteX1" fmla="*/ 42323 w 4332969"/>
-              <a:gd name="connsiteY1" fmla="*/ 239151 h 3221501"/>
-              <a:gd name="connsiteX2" fmla="*/ 98594 w 4332969"/>
-              <a:gd name="connsiteY2" fmla="*/ 365760 h 3221501"/>
-              <a:gd name="connsiteX3" fmla="*/ 140797 w 4332969"/>
-              <a:gd name="connsiteY3" fmla="*/ 534572 h 3221501"/>
-              <a:gd name="connsiteX4" fmla="*/ 168932 w 4332969"/>
-              <a:gd name="connsiteY4" fmla="*/ 576775 h 3221501"/>
-              <a:gd name="connsiteX5" fmla="*/ 225203 w 4332969"/>
-              <a:gd name="connsiteY5" fmla="*/ 703384 h 3221501"/>
-              <a:gd name="connsiteX6" fmla="*/ 267406 w 4332969"/>
-              <a:gd name="connsiteY6" fmla="*/ 858129 h 3221501"/>
-              <a:gd name="connsiteX7" fmla="*/ 281474 w 4332969"/>
-              <a:gd name="connsiteY7" fmla="*/ 956603 h 3221501"/>
-              <a:gd name="connsiteX8" fmla="*/ 309609 w 4332969"/>
-              <a:gd name="connsiteY8" fmla="*/ 1055077 h 3221501"/>
-              <a:gd name="connsiteX9" fmla="*/ 211135 w 4332969"/>
-              <a:gd name="connsiteY9" fmla="*/ 1083212 h 3221501"/>
-              <a:gd name="connsiteX10" fmla="*/ 239271 w 4332969"/>
-              <a:gd name="connsiteY10" fmla="*/ 1111348 h 3221501"/>
-              <a:gd name="connsiteX11" fmla="*/ 295542 w 4332969"/>
-              <a:gd name="connsiteY11" fmla="*/ 1195754 h 3221501"/>
-              <a:gd name="connsiteX12" fmla="*/ 323677 w 4332969"/>
-              <a:gd name="connsiteY12" fmla="*/ 1294228 h 3221501"/>
-              <a:gd name="connsiteX13" fmla="*/ 379948 w 4332969"/>
-              <a:gd name="connsiteY13" fmla="*/ 1364566 h 3221501"/>
-              <a:gd name="connsiteX14" fmla="*/ 394015 w 4332969"/>
-              <a:gd name="connsiteY14" fmla="*/ 1406769 h 3221501"/>
-              <a:gd name="connsiteX15" fmla="*/ 450286 w 4332969"/>
-              <a:gd name="connsiteY15" fmla="*/ 1463040 h 3221501"/>
-              <a:gd name="connsiteX16" fmla="*/ 464354 w 4332969"/>
-              <a:gd name="connsiteY16" fmla="*/ 1505243 h 3221501"/>
-              <a:gd name="connsiteX17" fmla="*/ 520625 w 4332969"/>
-              <a:gd name="connsiteY17" fmla="*/ 1603717 h 3221501"/>
-              <a:gd name="connsiteX18" fmla="*/ 576895 w 4332969"/>
-              <a:gd name="connsiteY18" fmla="*/ 1688123 h 3221501"/>
-              <a:gd name="connsiteX19" fmla="*/ 647234 w 4332969"/>
-              <a:gd name="connsiteY19" fmla="*/ 1772529 h 3221501"/>
-              <a:gd name="connsiteX20" fmla="*/ 689437 w 4332969"/>
-              <a:gd name="connsiteY20" fmla="*/ 1842868 h 3221501"/>
-              <a:gd name="connsiteX21" fmla="*/ 703505 w 4332969"/>
-              <a:gd name="connsiteY21" fmla="*/ 1885071 h 3221501"/>
-              <a:gd name="connsiteX22" fmla="*/ 759775 w 4332969"/>
-              <a:gd name="connsiteY22" fmla="*/ 1941341 h 3221501"/>
-              <a:gd name="connsiteX23" fmla="*/ 872317 w 4332969"/>
-              <a:gd name="connsiteY23" fmla="*/ 2082018 h 3221501"/>
-              <a:gd name="connsiteX24" fmla="*/ 970791 w 4332969"/>
-              <a:gd name="connsiteY24" fmla="*/ 2208628 h 3221501"/>
-              <a:gd name="connsiteX25" fmla="*/ 1012994 w 4332969"/>
-              <a:gd name="connsiteY25" fmla="*/ 2222695 h 3221501"/>
-              <a:gd name="connsiteX26" fmla="*/ 1055197 w 4332969"/>
-              <a:gd name="connsiteY26" fmla="*/ 2250831 h 3221501"/>
-              <a:gd name="connsiteX27" fmla="*/ 1083332 w 4332969"/>
-              <a:gd name="connsiteY27" fmla="*/ 2293034 h 3221501"/>
-              <a:gd name="connsiteX28" fmla="*/ 1111468 w 4332969"/>
-              <a:gd name="connsiteY28" fmla="*/ 2321169 h 3221501"/>
-              <a:gd name="connsiteX29" fmla="*/ 1139603 w 4332969"/>
-              <a:gd name="connsiteY29" fmla="*/ 2405575 h 3221501"/>
-              <a:gd name="connsiteX30" fmla="*/ 1195874 w 4332969"/>
-              <a:gd name="connsiteY30" fmla="*/ 2475914 h 3221501"/>
-              <a:gd name="connsiteX31" fmla="*/ 1252145 w 4332969"/>
-              <a:gd name="connsiteY31" fmla="*/ 2546252 h 3221501"/>
-              <a:gd name="connsiteX32" fmla="*/ 1294348 w 4332969"/>
-              <a:gd name="connsiteY32" fmla="*/ 2616591 h 3221501"/>
-              <a:gd name="connsiteX33" fmla="*/ 1336551 w 4332969"/>
-              <a:gd name="connsiteY33" fmla="*/ 2686929 h 3221501"/>
-              <a:gd name="connsiteX34" fmla="*/ 1350618 w 4332969"/>
-              <a:gd name="connsiteY34" fmla="*/ 2743200 h 3221501"/>
-              <a:gd name="connsiteX35" fmla="*/ 1406889 w 4332969"/>
-              <a:gd name="connsiteY35" fmla="*/ 2827606 h 3221501"/>
-              <a:gd name="connsiteX36" fmla="*/ 1435025 w 4332969"/>
-              <a:gd name="connsiteY36" fmla="*/ 2869809 h 3221501"/>
-              <a:gd name="connsiteX37" fmla="*/ 1477228 w 4332969"/>
-              <a:gd name="connsiteY37" fmla="*/ 2912012 h 3221501"/>
-              <a:gd name="connsiteX38" fmla="*/ 1533498 w 4332969"/>
-              <a:gd name="connsiteY38" fmla="*/ 2982351 h 3221501"/>
-              <a:gd name="connsiteX39" fmla="*/ 1730446 w 4332969"/>
-              <a:gd name="connsiteY39" fmla="*/ 3094892 h 3221501"/>
-              <a:gd name="connsiteX40" fmla="*/ 1828920 w 4332969"/>
-              <a:gd name="connsiteY40" fmla="*/ 3137095 h 3221501"/>
-              <a:gd name="connsiteX41" fmla="*/ 1941462 w 4332969"/>
-              <a:gd name="connsiteY41" fmla="*/ 3179298 h 3221501"/>
-              <a:gd name="connsiteX42" fmla="*/ 1983665 w 4332969"/>
-              <a:gd name="connsiteY42" fmla="*/ 3193366 h 3221501"/>
-              <a:gd name="connsiteX43" fmla="*/ 2166545 w 4332969"/>
-              <a:gd name="connsiteY43" fmla="*/ 3221501 h 3221501"/>
-              <a:gd name="connsiteX44" fmla="*/ 2433831 w 4332969"/>
-              <a:gd name="connsiteY44" fmla="*/ 3207434 h 3221501"/>
-              <a:gd name="connsiteX45" fmla="*/ 2447898 w 4332969"/>
-              <a:gd name="connsiteY45" fmla="*/ 3165231 h 3221501"/>
-              <a:gd name="connsiteX46" fmla="*/ 2532305 w 4332969"/>
-              <a:gd name="connsiteY46" fmla="*/ 3108960 h 3221501"/>
-              <a:gd name="connsiteX47" fmla="*/ 2574508 w 4332969"/>
-              <a:gd name="connsiteY47" fmla="*/ 3080824 h 3221501"/>
-              <a:gd name="connsiteX48" fmla="*/ 2616711 w 4332969"/>
-              <a:gd name="connsiteY48" fmla="*/ 3038621 h 3221501"/>
-              <a:gd name="connsiteX49" fmla="*/ 2672982 w 4332969"/>
-              <a:gd name="connsiteY49" fmla="*/ 3024554 h 3221501"/>
-              <a:gd name="connsiteX50" fmla="*/ 2743320 w 4332969"/>
-              <a:gd name="connsiteY50" fmla="*/ 2954215 h 3221501"/>
-              <a:gd name="connsiteX51" fmla="*/ 2841794 w 4332969"/>
-              <a:gd name="connsiteY51" fmla="*/ 2869809 h 3221501"/>
-              <a:gd name="connsiteX52" fmla="*/ 2898065 w 4332969"/>
-              <a:gd name="connsiteY52" fmla="*/ 2785403 h 3221501"/>
-              <a:gd name="connsiteX53" fmla="*/ 2926200 w 4332969"/>
-              <a:gd name="connsiteY53" fmla="*/ 2743200 h 3221501"/>
-              <a:gd name="connsiteX54" fmla="*/ 2982471 w 4332969"/>
-              <a:gd name="connsiteY54" fmla="*/ 2686929 h 3221501"/>
-              <a:gd name="connsiteX55" fmla="*/ 3024674 w 4332969"/>
-              <a:gd name="connsiteY55" fmla="*/ 2644726 h 3221501"/>
-              <a:gd name="connsiteX56" fmla="*/ 3066877 w 4332969"/>
-              <a:gd name="connsiteY56" fmla="*/ 2616591 h 3221501"/>
-              <a:gd name="connsiteX57" fmla="*/ 3095012 w 4332969"/>
-              <a:gd name="connsiteY57" fmla="*/ 2574388 h 3221501"/>
-              <a:gd name="connsiteX58" fmla="*/ 3221622 w 4332969"/>
-              <a:gd name="connsiteY58" fmla="*/ 2461846 h 3221501"/>
-              <a:gd name="connsiteX59" fmla="*/ 3235689 w 4332969"/>
-              <a:gd name="connsiteY59" fmla="*/ 2419643 h 3221501"/>
-              <a:gd name="connsiteX60" fmla="*/ 3291960 w 4332969"/>
-              <a:gd name="connsiteY60" fmla="*/ 2363372 h 3221501"/>
-              <a:gd name="connsiteX61" fmla="*/ 3348231 w 4332969"/>
-              <a:gd name="connsiteY61" fmla="*/ 2278966 h 3221501"/>
-              <a:gd name="connsiteX62" fmla="*/ 3404502 w 4332969"/>
-              <a:gd name="connsiteY62" fmla="*/ 2208628 h 3221501"/>
-              <a:gd name="connsiteX63" fmla="*/ 3432637 w 4332969"/>
-              <a:gd name="connsiteY63" fmla="*/ 2152357 h 3221501"/>
-              <a:gd name="connsiteX64" fmla="*/ 3460772 w 4332969"/>
-              <a:gd name="connsiteY64" fmla="*/ 2124221 h 3221501"/>
-              <a:gd name="connsiteX65" fmla="*/ 3474840 w 4332969"/>
-              <a:gd name="connsiteY65" fmla="*/ 2082018 h 3221501"/>
-              <a:gd name="connsiteX66" fmla="*/ 3545178 w 4332969"/>
-              <a:gd name="connsiteY66" fmla="*/ 1983544 h 3221501"/>
-              <a:gd name="connsiteX67" fmla="*/ 3559246 w 4332969"/>
-              <a:gd name="connsiteY67" fmla="*/ 1941341 h 3221501"/>
-              <a:gd name="connsiteX68" fmla="*/ 3587382 w 4332969"/>
-              <a:gd name="connsiteY68" fmla="*/ 1913206 h 3221501"/>
-              <a:gd name="connsiteX69" fmla="*/ 3643652 w 4332969"/>
-              <a:gd name="connsiteY69" fmla="*/ 1800664 h 3221501"/>
-              <a:gd name="connsiteX70" fmla="*/ 3671788 w 4332969"/>
-              <a:gd name="connsiteY70" fmla="*/ 1702191 h 3221501"/>
-              <a:gd name="connsiteX71" fmla="*/ 3685855 w 4332969"/>
-              <a:gd name="connsiteY71" fmla="*/ 1645920 h 3221501"/>
-              <a:gd name="connsiteX72" fmla="*/ 3713991 w 4332969"/>
-              <a:gd name="connsiteY72" fmla="*/ 1617784 h 3221501"/>
-              <a:gd name="connsiteX73" fmla="*/ 3770262 w 4332969"/>
-              <a:gd name="connsiteY73" fmla="*/ 1477108 h 3221501"/>
-              <a:gd name="connsiteX74" fmla="*/ 3854668 w 4332969"/>
-              <a:gd name="connsiteY74" fmla="*/ 1350498 h 3221501"/>
-              <a:gd name="connsiteX75" fmla="*/ 3868735 w 4332969"/>
-              <a:gd name="connsiteY75" fmla="*/ 1308295 h 3221501"/>
-              <a:gd name="connsiteX76" fmla="*/ 3953142 w 4332969"/>
-              <a:gd name="connsiteY76" fmla="*/ 1209821 h 3221501"/>
-              <a:gd name="connsiteX77" fmla="*/ 3995345 w 4332969"/>
-              <a:gd name="connsiteY77" fmla="*/ 1111348 h 3221501"/>
-              <a:gd name="connsiteX78" fmla="*/ 4023480 w 4332969"/>
-              <a:gd name="connsiteY78" fmla="*/ 1041009 h 3221501"/>
-              <a:gd name="connsiteX79" fmla="*/ 4079751 w 4332969"/>
-              <a:gd name="connsiteY79" fmla="*/ 956603 h 3221501"/>
-              <a:gd name="connsiteX80" fmla="*/ 4121954 w 4332969"/>
-              <a:gd name="connsiteY80" fmla="*/ 858129 h 3221501"/>
-              <a:gd name="connsiteX81" fmla="*/ 4136022 w 4332969"/>
-              <a:gd name="connsiteY81" fmla="*/ 815926 h 3221501"/>
-              <a:gd name="connsiteX82" fmla="*/ 4164157 w 4332969"/>
-              <a:gd name="connsiteY82" fmla="*/ 773723 h 3221501"/>
-              <a:gd name="connsiteX83" fmla="*/ 4192292 w 4332969"/>
-              <a:gd name="connsiteY83" fmla="*/ 717452 h 3221501"/>
-              <a:gd name="connsiteX84" fmla="*/ 4248563 w 4332969"/>
-              <a:gd name="connsiteY84" fmla="*/ 661181 h 3221501"/>
-              <a:gd name="connsiteX85" fmla="*/ 4304834 w 4332969"/>
-              <a:gd name="connsiteY85" fmla="*/ 576775 h 3221501"/>
-              <a:gd name="connsiteX86" fmla="*/ 4332969 w 4332969"/>
-              <a:gd name="connsiteY86" fmla="*/ 492369 h 3221501"/>
-              <a:gd name="connsiteX87" fmla="*/ 4234495 w 4332969"/>
-              <a:gd name="connsiteY87" fmla="*/ 323557 h 3221501"/>
-              <a:gd name="connsiteX88" fmla="*/ 4178225 w 4332969"/>
-              <a:gd name="connsiteY88" fmla="*/ 281354 h 3221501"/>
-              <a:gd name="connsiteX89" fmla="*/ 4150089 w 4332969"/>
-              <a:gd name="connsiteY89" fmla="*/ 239151 h 3221501"/>
-              <a:gd name="connsiteX90" fmla="*/ 4065683 w 4332969"/>
-              <a:gd name="connsiteY90" fmla="*/ 182880 h 3221501"/>
-              <a:gd name="connsiteX91" fmla="*/ 4037548 w 4332969"/>
-              <a:gd name="connsiteY91" fmla="*/ 154744 h 3221501"/>
-              <a:gd name="connsiteX92" fmla="*/ 3995345 w 4332969"/>
-              <a:gd name="connsiteY92" fmla="*/ 126609 h 3221501"/>
-              <a:gd name="connsiteX93" fmla="*/ 3939074 w 4332969"/>
-              <a:gd name="connsiteY93" fmla="*/ 84406 h 3221501"/>
-              <a:gd name="connsiteX94" fmla="*/ 3910938 w 4332969"/>
-              <a:gd name="connsiteY94" fmla="*/ 56271 h 3221501"/>
-              <a:gd name="connsiteX95" fmla="*/ 3868735 w 4332969"/>
-              <a:gd name="connsiteY95" fmla="*/ 42203 h 3221501"/>
-              <a:gd name="connsiteX96" fmla="*/ 3770262 w 4332969"/>
-              <a:gd name="connsiteY96" fmla="*/ 0 h 3221501"/>
-              <a:gd name="connsiteX97" fmla="*/ 3573314 w 4332969"/>
-              <a:gd name="connsiteY97" fmla="*/ 28135 h 3221501"/>
-              <a:gd name="connsiteX98" fmla="*/ 3545178 w 4332969"/>
-              <a:gd name="connsiteY98" fmla="*/ 56271 h 3221501"/>
-              <a:gd name="connsiteX99" fmla="*/ 3488908 w 4332969"/>
-              <a:gd name="connsiteY99" fmla="*/ 98474 h 3221501"/>
-              <a:gd name="connsiteX100" fmla="*/ 3404502 w 4332969"/>
-              <a:gd name="connsiteY100" fmla="*/ 168812 h 3221501"/>
-              <a:gd name="connsiteX101" fmla="*/ 3348231 w 4332969"/>
-              <a:gd name="connsiteY101" fmla="*/ 196948 h 3221501"/>
-              <a:gd name="connsiteX102" fmla="*/ 3320095 w 4332969"/>
-              <a:gd name="connsiteY102" fmla="*/ 239151 h 3221501"/>
-              <a:gd name="connsiteX103" fmla="*/ 3235689 w 4332969"/>
-              <a:gd name="connsiteY103" fmla="*/ 323557 h 3221501"/>
-              <a:gd name="connsiteX104" fmla="*/ 3179418 w 4332969"/>
-              <a:gd name="connsiteY104" fmla="*/ 407963 h 3221501"/>
-              <a:gd name="connsiteX105" fmla="*/ 3109080 w 4332969"/>
-              <a:gd name="connsiteY105" fmla="*/ 562708 h 3221501"/>
-              <a:gd name="connsiteX106" fmla="*/ 3038742 w 4332969"/>
-              <a:gd name="connsiteY106" fmla="*/ 787791 h 3221501"/>
-              <a:gd name="connsiteX107" fmla="*/ 3010606 w 4332969"/>
-              <a:gd name="connsiteY107" fmla="*/ 872197 h 3221501"/>
-              <a:gd name="connsiteX108" fmla="*/ 2996538 w 4332969"/>
-              <a:gd name="connsiteY108" fmla="*/ 942535 h 3221501"/>
-              <a:gd name="connsiteX109" fmla="*/ 2954335 w 4332969"/>
-              <a:gd name="connsiteY109" fmla="*/ 998806 h 3221501"/>
-              <a:gd name="connsiteX110" fmla="*/ 2898065 w 4332969"/>
-              <a:gd name="connsiteY110" fmla="*/ 1083212 h 3221501"/>
-              <a:gd name="connsiteX111" fmla="*/ 2869929 w 4332969"/>
-              <a:gd name="connsiteY111" fmla="*/ 1111348 h 3221501"/>
-              <a:gd name="connsiteX112" fmla="*/ 2827726 w 4332969"/>
-              <a:gd name="connsiteY112" fmla="*/ 1167618 h 3221501"/>
-              <a:gd name="connsiteX113" fmla="*/ 2771455 w 4332969"/>
-              <a:gd name="connsiteY113" fmla="*/ 1223889 h 3221501"/>
-              <a:gd name="connsiteX114" fmla="*/ 2757388 w 4332969"/>
-              <a:gd name="connsiteY114" fmla="*/ 1266092 h 3221501"/>
-              <a:gd name="connsiteX115" fmla="*/ 2701117 w 4332969"/>
-              <a:gd name="connsiteY115" fmla="*/ 1308295 h 3221501"/>
-              <a:gd name="connsiteX116" fmla="*/ 2616711 w 4332969"/>
-              <a:gd name="connsiteY116" fmla="*/ 1350498 h 3221501"/>
-              <a:gd name="connsiteX117" fmla="*/ 2588575 w 4332969"/>
-              <a:gd name="connsiteY117" fmla="*/ 1378634 h 3221501"/>
-              <a:gd name="connsiteX118" fmla="*/ 2546372 w 4332969"/>
-              <a:gd name="connsiteY118" fmla="*/ 1392701 h 3221501"/>
-              <a:gd name="connsiteX119" fmla="*/ 2532305 w 4332969"/>
-              <a:gd name="connsiteY119" fmla="*/ 1434904 h 3221501"/>
-              <a:gd name="connsiteX120" fmla="*/ 2504169 w 4332969"/>
-              <a:gd name="connsiteY120" fmla="*/ 1463040 h 3221501"/>
-              <a:gd name="connsiteX121" fmla="*/ 2476034 w 4332969"/>
-              <a:gd name="connsiteY121" fmla="*/ 1519311 h 3221501"/>
-              <a:gd name="connsiteX122" fmla="*/ 2447898 w 4332969"/>
-              <a:gd name="connsiteY122" fmla="*/ 1547446 h 3221501"/>
-              <a:gd name="connsiteX123" fmla="*/ 2419763 w 4332969"/>
-              <a:gd name="connsiteY123" fmla="*/ 1589649 h 3221501"/>
-              <a:gd name="connsiteX124" fmla="*/ 2335357 w 4332969"/>
-              <a:gd name="connsiteY124" fmla="*/ 1674055 h 3221501"/>
-              <a:gd name="connsiteX125" fmla="*/ 2222815 w 4332969"/>
-              <a:gd name="connsiteY125" fmla="*/ 1758461 h 3221501"/>
-              <a:gd name="connsiteX126" fmla="*/ 2180612 w 4332969"/>
-              <a:gd name="connsiteY126" fmla="*/ 1772529 h 3221501"/>
-              <a:gd name="connsiteX127" fmla="*/ 2138409 w 4332969"/>
-              <a:gd name="connsiteY127" fmla="*/ 1800664 h 3221501"/>
-              <a:gd name="connsiteX128" fmla="*/ 2039935 w 4332969"/>
-              <a:gd name="connsiteY128" fmla="*/ 1814732 h 3221501"/>
-              <a:gd name="connsiteX129" fmla="*/ 1814852 w 4332969"/>
-              <a:gd name="connsiteY129" fmla="*/ 1814732 h 3221501"/>
-              <a:gd name="connsiteX130" fmla="*/ 1758582 w 4332969"/>
-              <a:gd name="connsiteY130" fmla="*/ 1786597 h 3221501"/>
-              <a:gd name="connsiteX131" fmla="*/ 1730446 w 4332969"/>
-              <a:gd name="connsiteY131" fmla="*/ 1744394 h 3221501"/>
-              <a:gd name="connsiteX132" fmla="*/ 1688243 w 4332969"/>
-              <a:gd name="connsiteY132" fmla="*/ 1702191 h 3221501"/>
-              <a:gd name="connsiteX133" fmla="*/ 1674175 w 4332969"/>
-              <a:gd name="connsiteY133" fmla="*/ 1659988 h 3221501"/>
-              <a:gd name="connsiteX134" fmla="*/ 1646040 w 4332969"/>
-              <a:gd name="connsiteY134" fmla="*/ 1617784 h 3221501"/>
-              <a:gd name="connsiteX135" fmla="*/ 1631972 w 4332969"/>
-              <a:gd name="connsiteY135" fmla="*/ 1477108 h 3221501"/>
-              <a:gd name="connsiteX136" fmla="*/ 1617905 w 4332969"/>
-              <a:gd name="connsiteY136" fmla="*/ 1434904 h 3221501"/>
-              <a:gd name="connsiteX137" fmla="*/ 1603837 w 4332969"/>
-              <a:gd name="connsiteY137" fmla="*/ 1308295 h 3221501"/>
-              <a:gd name="connsiteX138" fmla="*/ 1575702 w 4332969"/>
-              <a:gd name="connsiteY138" fmla="*/ 1223889 h 3221501"/>
-              <a:gd name="connsiteX139" fmla="*/ 1561634 w 4332969"/>
-              <a:gd name="connsiteY139" fmla="*/ 1083212 h 3221501"/>
-              <a:gd name="connsiteX140" fmla="*/ 1547566 w 4332969"/>
-              <a:gd name="connsiteY140" fmla="*/ 1041009 h 3221501"/>
-              <a:gd name="connsiteX141" fmla="*/ 1533498 w 4332969"/>
-              <a:gd name="connsiteY141" fmla="*/ 914400 h 3221501"/>
-              <a:gd name="connsiteX142" fmla="*/ 1491295 w 4332969"/>
-              <a:gd name="connsiteY142" fmla="*/ 844061 h 3221501"/>
-              <a:gd name="connsiteX143" fmla="*/ 1449092 w 4332969"/>
-              <a:gd name="connsiteY143" fmla="*/ 773723 h 3221501"/>
-              <a:gd name="connsiteX144" fmla="*/ 1392822 w 4332969"/>
-              <a:gd name="connsiteY144" fmla="*/ 661181 h 3221501"/>
-              <a:gd name="connsiteX145" fmla="*/ 1322483 w 4332969"/>
-              <a:gd name="connsiteY145" fmla="*/ 590843 h 3221501"/>
-              <a:gd name="connsiteX146" fmla="*/ 1266212 w 4332969"/>
-              <a:gd name="connsiteY146" fmla="*/ 506437 h 3221501"/>
-              <a:gd name="connsiteX147" fmla="*/ 1238077 w 4332969"/>
-              <a:gd name="connsiteY147" fmla="*/ 478301 h 3221501"/>
-              <a:gd name="connsiteX148" fmla="*/ 1209942 w 4332969"/>
-              <a:gd name="connsiteY148" fmla="*/ 436098 h 3221501"/>
-              <a:gd name="connsiteX149" fmla="*/ 1181806 w 4332969"/>
-              <a:gd name="connsiteY149" fmla="*/ 407963 h 3221501"/>
-              <a:gd name="connsiteX150" fmla="*/ 1153671 w 4332969"/>
-              <a:gd name="connsiteY150" fmla="*/ 365760 h 3221501"/>
-              <a:gd name="connsiteX151" fmla="*/ 1027062 w 4332969"/>
-              <a:gd name="connsiteY151" fmla="*/ 295421 h 3221501"/>
-              <a:gd name="connsiteX152" fmla="*/ 998926 w 4332969"/>
-              <a:gd name="connsiteY152" fmla="*/ 267286 h 3221501"/>
-              <a:gd name="connsiteX153" fmla="*/ 970791 w 4332969"/>
-              <a:gd name="connsiteY153" fmla="*/ 225083 h 3221501"/>
-              <a:gd name="connsiteX154" fmla="*/ 928588 w 4332969"/>
-              <a:gd name="connsiteY154" fmla="*/ 211015 h 3221501"/>
-              <a:gd name="connsiteX155" fmla="*/ 844182 w 4332969"/>
-              <a:gd name="connsiteY155" fmla="*/ 168812 h 3221501"/>
-              <a:gd name="connsiteX156" fmla="*/ 168932 w 4332969"/>
-              <a:gd name="connsiteY156" fmla="*/ 154744 h 3221501"/>
-              <a:gd name="connsiteX157" fmla="*/ 126729 w 4332969"/>
-              <a:gd name="connsiteY157" fmla="*/ 140677 h 3221501"/>
-              <a:gd name="connsiteX158" fmla="*/ 56391 w 4332969"/>
-              <a:gd name="connsiteY158" fmla="*/ 182880 h 3221501"/>
-              <a:gd name="connsiteX159" fmla="*/ 120 w 4332969"/>
-              <a:gd name="connsiteY159" fmla="*/ 154744 h 3221501"/>
-            </a:gdLst>
-            <a:ahLst/>
-            <a:cxnLst>
-              <a:cxn ang="0">
-                <a:pos x="connsiteX0" y="connsiteY0"/>
-              </a:cxn>
-              <a:cxn ang="0">
-                <a:pos x="connsiteX1" y="connsiteY1"/>
-              </a:cxn>
-              <a:cxn ang="0">
-                <a:pos x="connsiteX2" y="connsiteY2"/>
-              </a:cxn>
-              <a:cxn ang="0">
-                <a:pos x="connsiteX3" y="connsiteY3"/>
-              </a:cxn>
-              <a:cxn ang="0">
-                <a:pos x="connsiteX4" y="connsiteY4"/>
-              </a:cxn>
-              <a:cxn ang="0">
-                <a:pos x="connsiteX5" y="connsiteY5"/>
-              </a:cxn>
-              <a:cxn ang="0">
-                <a:pos x="connsiteX6" y="connsiteY6"/>
-              </a:cxn>
-              <a:cxn ang="0">
-                <a:pos x="connsiteX7" y="connsiteY7"/>
-              </a:cxn>
-              <a:cxn ang="0">
-                <a:pos x="connsiteX8" y="connsiteY8"/>
-              </a:cxn>
-              <a:cxn ang="0">
-                <a:pos x="connsiteX9" y="connsiteY9"/>
-              </a:cxn>
-              <a:cxn ang="0">
-                <a:pos x="connsiteX10" y="connsiteY10"/>
-              </a:cxn>
-              <a:cxn ang="0">
-                <a:pos x="connsiteX11" y="connsiteY11"/>
-              </a:cxn>
-              <a:cxn ang="0">
-                <a:pos x="connsiteX12" y="connsiteY12"/>
-              </a:cxn>
-              <a:cxn ang="0">
-                <a:pos x="connsiteX13" y="connsiteY13"/>
-              </a:cxn>
-              <a:cxn ang="0">
-                <a:pos x="connsiteX14" y="connsiteY14"/>
-              </a:cxn>
-              <a:cxn ang="0">
-                <a:pos x="connsiteX15" y="connsiteY15"/>
-              </a:cxn>
-              <a:cxn ang="0">
-                <a:pos x="connsiteX16" y="connsiteY16"/>
-              </a:cxn>
-              <a:cxn ang="0">
-                <a:pos x="connsiteX17" y="connsiteY17"/>
-              </a:cxn>
-              <a:cxn ang="0">
-                <a:pos x="connsiteX18" y="connsiteY18"/>
-              </a:cxn>
-              <a:cxn ang="0">
-                <a:pos x="connsiteX19" y="connsiteY19"/>
-              </a:cxn>
-              <a:cxn ang="0">
-                <a:pos x="connsiteX20" y="connsiteY20"/>
-              </a:cxn>
-              <a:cxn ang="0">
-                <a:pos x="connsiteX21" y="connsiteY21"/>
-              </a:cxn>
-              <a:cxn ang="0">
-                <a:pos x="connsiteX22" y="connsiteY22"/>
-              </a:cxn>
-              <a:cxn ang="0">
-                <a:pos x="connsiteX23" y="connsiteY23"/>
-              </a:cxn>
-              <a:cxn ang="0">
-                <a:pos x="connsiteX24" y="connsiteY24"/>
-              </a:cxn>
-              <a:cxn ang="0">
-                <a:pos x="connsiteX25" y="connsiteY25"/>
-              </a:cxn>
-              <a:cxn ang="0">
-                <a:pos x="connsiteX26" y="connsiteY26"/>
-              </a:cxn>
-              <a:cxn ang="0">
-                <a:pos x="connsiteX27" y="connsiteY27"/>
-              </a:cxn>
-              <a:cxn ang="0">
-                <a:pos x="connsiteX28" y="connsiteY28"/>
-              </a:cxn>
-              <a:cxn ang="0">
-                <a:pos x="connsiteX29" y="connsiteY29"/>
-              </a:cxn>
-              <a:cxn ang="0">
-                <a:pos x="connsiteX30" y="connsiteY30"/>
-              </a:cxn>
-              <a:cxn ang="0">
-                <a:pos x="connsiteX31" y="connsiteY31"/>
-              </a:cxn>
-              <a:cxn ang="0">
-                <a:pos x="connsiteX32" y="connsiteY32"/>
-              </a:cxn>
-              <a:cxn ang="0">
-                <a:pos x="connsiteX33" y="connsiteY33"/>
-              </a:cxn>
-              <a:cxn ang="0">
-                <a:pos x="connsiteX34" y="connsiteY34"/>
-              </a:cxn>
-              <a:cxn ang="0">
-                <a:pos x="connsiteX35" y="connsiteY35"/>
-              </a:cxn>
-              <a:cxn ang="0">
-                <a:pos x="connsiteX36" y="connsiteY36"/>
-              </a:cxn>
-              <a:cxn ang="0">
-                <a:pos x="connsiteX37" y="connsiteY37"/>
-              </a:cxn>
-              <a:cxn ang="0">
-                <a:pos x="connsiteX38" y="connsiteY38"/>
-              </a:cxn>
-              <a:cxn ang="0">
-                <a:pos x="connsiteX39" y="connsiteY39"/>
-              </a:cxn>
-              <a:cxn ang="0">
-                <a:pos x="connsiteX40" y="connsiteY40"/>
-              </a:cxn>
-              <a:cxn ang="0">
-                <a:pos x="connsiteX41" y="connsiteY41"/>
-              </a:cxn>
-              <a:cxn ang="0">
-                <a:pos x="connsiteX42" y="connsiteY42"/>
-              </a:cxn>
-              <a:cxn ang="0">
-                <a:pos x="connsiteX43" y="connsiteY43"/>
-              </a:cxn>
-              <a:cxn ang="0">
-                <a:pos x="connsiteX44" y="connsiteY44"/>
-              </a:cxn>
-              <a:cxn ang="0">
-                <a:pos x="connsiteX45" y="connsiteY45"/>
-              </a:cxn>
-              <a:cxn ang="0">
-                <a:pos x="connsiteX46" y="connsiteY46"/>
-              </a:cxn>
-              <a:cxn ang="0">
-                <a:pos x="connsiteX47" y="connsiteY47"/>
-              </a:cxn>
-              <a:cxn ang="0">
-                <a:pos x="connsiteX48" y="connsiteY48"/>
-              </a:cxn>
-              <a:cxn ang="0">
-                <a:pos x="connsiteX49" y="connsiteY49"/>
-              </a:cxn>
-              <a:cxn ang="0">
-                <a:pos x="connsiteX50" y="connsiteY50"/>
-              </a:cxn>
-              <a:cxn ang="0">
-                <a:pos x="connsiteX51" y="connsiteY51"/>
-              </a:cxn>
-              <a:cxn ang="0">
-                <a:pos x="connsiteX52" y="connsiteY52"/>
-              </a:cxn>
-              <a:cxn ang="0">
-                <a:pos x="connsiteX53" y="connsiteY53"/>
-              </a:cxn>
-              <a:cxn ang="0">
-                <a:pos x="connsiteX54" y="connsiteY54"/>
-              </a:cxn>
-              <a:cxn ang="0">
-                <a:pos x="connsiteX55" y="connsiteY55"/>
-              </a:cxn>
-              <a:cxn ang="0">
-                <a:pos x="connsiteX56" y="connsiteY56"/>
-              </a:cxn>
-              <a:cxn ang="0">
-                <a:pos x="connsiteX57" y="connsiteY57"/>
-              </a:cxn>
-              <a:cxn ang="0">
-                <a:pos x="connsiteX58" y="connsiteY58"/>
-              </a:cxn>
-              <a:cxn ang="0">
-                <a:pos x="connsiteX59" y="connsiteY59"/>
-              </a:cxn>
-              <a:cxn ang="0">
-                <a:pos x="connsiteX60" y="connsiteY60"/>
-              </a:cxn>
-              <a:cxn ang="0">
-                <a:pos x="connsiteX61" y="connsiteY61"/>
-              </a:cxn>
-              <a:cxn ang="0">
-                <a:pos x="connsiteX62" y="connsiteY62"/>
-              </a:cxn>
-              <a:cxn ang="0">
-                <a:pos x="connsiteX63" y="connsiteY63"/>
-              </a:cxn>
-              <a:cxn ang="0">
-                <a:pos x="connsiteX64" y="connsiteY64"/>
-              </a:cxn>
-              <a:cxn ang="0">
-                <a:pos x="connsiteX65" y="connsiteY65"/>
-              </a:cxn>
-              <a:cxn ang="0">
-                <a:pos x="connsiteX66" y="connsiteY66"/>
-              </a:cxn>
-              <a:cxn ang="0">
-                <a:pos x="connsiteX67" y="connsiteY67"/>
-              </a:cxn>
-              <a:cxn ang="0">
-                <a:pos x="connsiteX68" y="connsiteY68"/>
-              </a:cxn>
-              <a:cxn ang="0">
-                <a:pos x="connsiteX69" y="connsiteY69"/>
-              </a:cxn>
-              <a:cxn ang="0">
-                <a:pos x="connsiteX70" y="connsiteY70"/>
-              </a:cxn>
-              <a:cxn ang="0">
-                <a:pos x="connsiteX71" y="connsiteY71"/>
-              </a:cxn>
-              <a:cxn ang="0">
-                <a:pos x="connsiteX72" y="connsiteY72"/>
-              </a:cxn>
-              <a:cxn ang="0">
-                <a:pos x="connsiteX73" y="connsiteY73"/>
-              </a:cxn>
-              <a:cxn ang="0">
-                <a:pos x="connsiteX74" y="connsiteY74"/>
-              </a:cxn>
-              <a:cxn ang="0">
-                <a:pos x="connsiteX75" y="connsiteY75"/>
-              </a:cxn>
-              <a:cxn ang="0">
-                <a:pos x="connsiteX76" y="connsiteY76"/>
-              </a:cxn>
-              <a:cxn ang="0">
-                <a:pos x="connsiteX77" y="connsiteY77"/>
-              </a:cxn>
-              <a:cxn ang="0">
-                <a:pos x="connsiteX78" y="connsiteY78"/>
-              </a:cxn>
-              <a:cxn ang="0">
-                <a:pos x="connsiteX79" y="connsiteY79"/>
-              </a:cxn>
-              <a:cxn ang="0">
-                <a:pos x="connsiteX80" y="connsiteY80"/>
-              </a:cxn>
-              <a:cxn ang="0">
-                <a:pos x="connsiteX81" y="connsiteY81"/>
-              </a:cxn>
-              <a:cxn ang="0">
-                <a:pos x="connsiteX82" y="connsiteY82"/>
-              </a:cxn>
-              <a:cxn ang="0">
-                <a:pos x="connsiteX83" y="connsiteY83"/>
-              </a:cxn>
-              <a:cxn ang="0">
-                <a:pos x="connsiteX84" y="connsiteY84"/>
-              </a:cxn>
-              <a:cxn ang="0">
-                <a:pos x="connsiteX85" y="connsiteY85"/>
-              </a:cxn>
-              <a:cxn ang="0">
-                <a:pos x="connsiteX86" y="connsiteY86"/>
-              </a:cxn>
-              <a:cxn ang="0">
-                <a:pos x="connsiteX87" y="connsiteY87"/>
-              </a:cxn>
-              <a:cxn ang="0">
-                <a:pos x="connsiteX88" y="connsiteY88"/>
-              </a:cxn>
-              <a:cxn ang="0">
-                <a:pos x="connsiteX89" y="connsiteY89"/>
-              </a:cxn>
-              <a:cxn ang="0">
-                <a:pos x="connsiteX90" y="connsiteY90"/>
-              </a:cxn>
-              <a:cxn ang="0">
-                <a:pos x="connsiteX91" y="connsiteY91"/>
-              </a:cxn>
-              <a:cxn ang="0">
-                <a:pos x="connsiteX92" y="connsiteY92"/>
-              </a:cxn>
-              <a:cxn ang="0">
-                <a:pos x="connsiteX93" y="connsiteY93"/>
-              </a:cxn>
-              <a:cxn ang="0">
-                <a:pos x="connsiteX94" y="connsiteY94"/>
-              </a:cxn>
-              <a:cxn ang="0">
-                <a:pos x="connsiteX95" y="connsiteY95"/>
-              </a:cxn>
-              <a:cxn ang="0">
-                <a:pos x="connsiteX96" y="connsiteY96"/>
-              </a:cxn>
-              <a:cxn ang="0">
-                <a:pos x="connsiteX97" y="connsiteY97"/>
-              </a:cxn>
-              <a:cxn ang="0">
-                <a:pos x="connsiteX98" y="connsiteY98"/>
-              </a:cxn>
-              <a:cxn ang="0">
-                <a:pos x="connsiteX99" y="connsiteY99"/>
-              </a:cxn>
-              <a:cxn ang="0">
-                <a:pos x="connsiteX100" y="connsiteY100"/>
-              </a:cxn>
-              <a:cxn ang="0">
-                <a:pos x="connsiteX101" y="connsiteY101"/>
-              </a:cxn>
-              <a:cxn ang="0">
-                <a:pos x="connsiteX102" y="connsiteY102"/>
-              </a:cxn>
-              <a:cxn ang="0">
-                <a:pos x="connsiteX103" y="connsiteY103"/>
-              </a:cxn>
-              <a:cxn ang="0">
-                <a:pos x="connsiteX104" y="connsiteY104"/>
-              </a:cxn>
-              <a:cxn ang="0">
-                <a:pos x="connsiteX105" y="connsiteY105"/>
-              </a:cxn>
-              <a:cxn ang="0">
-                <a:pos x="connsiteX106" y="connsiteY106"/>
-              </a:cxn>
-              <a:cxn ang="0">
-                <a:pos x="connsiteX107" y="connsiteY107"/>
-              </a:cxn>
-              <a:cxn ang="0">
-                <a:pos x="connsiteX108" y="connsiteY108"/>
-              </a:cxn>
-              <a:cxn ang="0">
-                <a:pos x="connsiteX109" y="connsiteY109"/>
-              </a:cxn>
-              <a:cxn ang="0">
-                <a:pos x="connsiteX110" y="connsiteY110"/>
-              </a:cxn>
-              <a:cxn ang="0">
-                <a:pos x="connsiteX111" y="connsiteY111"/>
-              </a:cxn>
-              <a:cxn ang="0">
-                <a:pos x="connsiteX112" y="connsiteY112"/>
-              </a:cxn>
-              <a:cxn ang="0">
-                <a:pos x="connsiteX113" y="connsiteY113"/>
-              </a:cxn>
-              <a:cxn ang="0">
-                <a:pos x="connsiteX114" y="connsiteY114"/>
-              </a:cxn>
-              <a:cxn ang="0">
-                <a:pos x="connsiteX115" y="connsiteY115"/>
-              </a:cxn>
-              <a:cxn ang="0">
-                <a:pos x="connsiteX116" y="connsiteY116"/>
-              </a:cxn>
-              <a:cxn ang="0">
-                <a:pos x="connsiteX117" y="connsiteY117"/>
-              </a:cxn>
-              <a:cxn ang="0">
-                <a:pos x="connsiteX118" y="connsiteY118"/>
-              </a:cxn>
-              <a:cxn ang="0">
-                <a:pos x="connsiteX119" y="connsiteY119"/>
-              </a:cxn>
-              <a:cxn ang="0">
-                <a:pos x="connsiteX120" y="connsiteY120"/>
-              </a:cxn>
-              <a:cxn ang="0">
-                <a:pos x="connsiteX121" y="connsiteY121"/>
-              </a:cxn>
-              <a:cxn ang="0">
-                <a:pos x="connsiteX122" y="connsiteY122"/>
-              </a:cxn>
-              <a:cxn ang="0">
-                <a:pos x="connsiteX123" y="connsiteY123"/>
-              </a:cxn>
-              <a:cxn ang="0">
-                <a:pos x="connsiteX124" y="connsiteY124"/>
-              </a:cxn>
-              <a:cxn ang="0">
-                <a:pos x="connsiteX125" y="connsiteY125"/>
-              </a:cxn>
-              <a:cxn ang="0">
-                <a:pos x="connsiteX126" y="connsiteY126"/>
-              </a:cxn>
-              <a:cxn ang="0">
-                <a:pos x="connsiteX127" y="connsiteY127"/>
-              </a:cxn>
-              <a:cxn ang="0">
-                <a:pos x="connsiteX128" y="connsiteY128"/>
-              </a:cxn>
-              <a:cxn ang="0">
-                <a:pos x="connsiteX129" y="connsiteY129"/>
-              </a:cxn>
-              <a:cxn ang="0">
-                <a:pos x="connsiteX130" y="connsiteY130"/>
-              </a:cxn>
-              <a:cxn ang="0">
-                <a:pos x="connsiteX131" y="connsiteY131"/>
-              </a:cxn>
-              <a:cxn ang="0">
-                <a:pos x="connsiteX132" y="connsiteY132"/>
-              </a:cxn>
-              <a:cxn ang="0">
-                <a:pos x="connsiteX133" y="connsiteY133"/>
-              </a:cxn>
-              <a:cxn ang="0">
-                <a:pos x="connsiteX134" y="connsiteY134"/>
-              </a:cxn>
-              <a:cxn ang="0">
-                <a:pos x="connsiteX135" y="connsiteY135"/>
-              </a:cxn>
-              <a:cxn ang="0">
-                <a:pos x="connsiteX136" y="connsiteY136"/>
-              </a:cxn>
-              <a:cxn ang="0">
-                <a:pos x="connsiteX137" y="connsiteY137"/>
-              </a:cxn>
-              <a:cxn ang="0">
-                <a:pos x="connsiteX138" y="connsiteY138"/>
-              </a:cxn>
-              <a:cxn ang="0">
-                <a:pos x="connsiteX139" y="connsiteY139"/>
-              </a:cxn>
-              <a:cxn ang="0">
-                <a:pos x="connsiteX140" y="connsiteY140"/>
-              </a:cxn>
-              <a:cxn ang="0">
-                <a:pos x="connsiteX141" y="connsiteY141"/>
-              </a:cxn>
-              <a:cxn ang="0">
-                <a:pos x="connsiteX142" y="connsiteY142"/>
-              </a:cxn>
-              <a:cxn ang="0">
-                <a:pos x="connsiteX143" y="connsiteY143"/>
-              </a:cxn>
-              <a:cxn ang="0">
-                <a:pos x="connsiteX144" y="connsiteY144"/>
-              </a:cxn>
-              <a:cxn ang="0">
-                <a:pos x="connsiteX145" y="connsiteY145"/>
-              </a:cxn>
-              <a:cxn ang="0">
-                <a:pos x="connsiteX146" y="connsiteY146"/>
-              </a:cxn>
-              <a:cxn ang="0">
-                <a:pos x="connsiteX147" y="connsiteY147"/>
-              </a:cxn>
-              <a:cxn ang="0">
-                <a:pos x="connsiteX148" y="connsiteY148"/>
-              </a:cxn>
-              <a:cxn ang="0">
-                <a:pos x="connsiteX149" y="connsiteY149"/>
-              </a:cxn>
-              <a:cxn ang="0">
-                <a:pos x="connsiteX150" y="connsiteY150"/>
-              </a:cxn>
-              <a:cxn ang="0">
-                <a:pos x="connsiteX151" y="connsiteY151"/>
-              </a:cxn>
-              <a:cxn ang="0">
-                <a:pos x="connsiteX152" y="connsiteY152"/>
-              </a:cxn>
-              <a:cxn ang="0">
-                <a:pos x="connsiteX153" y="connsiteY153"/>
-              </a:cxn>
-              <a:cxn ang="0">
-                <a:pos x="connsiteX154" y="connsiteY154"/>
-              </a:cxn>
-              <a:cxn ang="0">
-                <a:pos x="connsiteX155" y="connsiteY155"/>
-              </a:cxn>
-              <a:cxn ang="0">
-                <a:pos x="connsiteX156" y="connsiteY156"/>
-              </a:cxn>
-              <a:cxn ang="0">
-                <a:pos x="connsiteX157" y="connsiteY157"/>
-              </a:cxn>
-              <a:cxn ang="0">
-                <a:pos x="connsiteX158" y="connsiteY158"/>
-              </a:cxn>
-              <a:cxn ang="0">
-                <a:pos x="connsiteX159" y="connsiteY159"/>
-              </a:cxn>
-            </a:cxnLst>
-            <a:rect l="l" t="t" r="r" b="b"/>
-            <a:pathLst>
-              <a:path w="4332969" h="3221501">
-                <a:moveTo>
-                  <a:pt x="120" y="154744"/>
-                </a:moveTo>
-                <a:cubicBezTo>
-                  <a:pt x="-2225" y="164122"/>
-                  <a:pt x="30224" y="210114"/>
-                  <a:pt x="42323" y="239151"/>
-                </a:cubicBezTo>
-                <a:cubicBezTo>
-                  <a:pt x="98124" y="373076"/>
-                  <a:pt x="41282" y="279795"/>
-                  <a:pt x="98594" y="365760"/>
-                </a:cubicBezTo>
-                <a:cubicBezTo>
-                  <a:pt x="105626" y="407949"/>
-                  <a:pt x="116028" y="497418"/>
-                  <a:pt x="140797" y="534572"/>
-                </a:cubicBezTo>
-                <a:cubicBezTo>
-                  <a:pt x="150175" y="548640"/>
-                  <a:pt x="162065" y="561325"/>
-                  <a:pt x="168932" y="576775"/>
-                </a:cubicBezTo>
-                <a:cubicBezTo>
-                  <a:pt x="235896" y="727443"/>
-                  <a:pt x="161530" y="607873"/>
-                  <a:pt x="225203" y="703384"/>
-                </a:cubicBezTo>
-                <a:cubicBezTo>
-                  <a:pt x="256934" y="830312"/>
-                  <a:pt x="241110" y="779242"/>
-                  <a:pt x="267406" y="858129"/>
-                </a:cubicBezTo>
-                <a:cubicBezTo>
-                  <a:pt x="272095" y="890954"/>
-                  <a:pt x="275542" y="923980"/>
-                  <a:pt x="281474" y="956603"/>
-                </a:cubicBezTo>
-                <a:cubicBezTo>
-                  <a:pt x="288539" y="995460"/>
-                  <a:pt x="297558" y="1018921"/>
-                  <a:pt x="309609" y="1055077"/>
-                </a:cubicBezTo>
-                <a:cubicBezTo>
-                  <a:pt x="276784" y="1064455"/>
-                  <a:pt x="237792" y="1061886"/>
-                  <a:pt x="211135" y="1083212"/>
-                </a:cubicBezTo>
-                <a:cubicBezTo>
-                  <a:pt x="200778" y="1091498"/>
-                  <a:pt x="231313" y="1100737"/>
-                  <a:pt x="239271" y="1111348"/>
-                </a:cubicBezTo>
-                <a:cubicBezTo>
-                  <a:pt x="259560" y="1138400"/>
-                  <a:pt x="295542" y="1195754"/>
-                  <a:pt x="295542" y="1195754"/>
-                </a:cubicBezTo>
-                <a:cubicBezTo>
-                  <a:pt x="300050" y="1213787"/>
-                  <a:pt x="313585" y="1274044"/>
-                  <a:pt x="323677" y="1294228"/>
-                </a:cubicBezTo>
-                <a:cubicBezTo>
-                  <a:pt x="341424" y="1329722"/>
-                  <a:pt x="353777" y="1338396"/>
-                  <a:pt x="379948" y="1364566"/>
-                </a:cubicBezTo>
-                <a:cubicBezTo>
-                  <a:pt x="384637" y="1378634"/>
-                  <a:pt x="385396" y="1394702"/>
-                  <a:pt x="394015" y="1406769"/>
-                </a:cubicBezTo>
-                <a:cubicBezTo>
-                  <a:pt x="409433" y="1428354"/>
-                  <a:pt x="450286" y="1463040"/>
-                  <a:pt x="450286" y="1463040"/>
-                </a:cubicBezTo>
-                <a:cubicBezTo>
-                  <a:pt x="454975" y="1477108"/>
-                  <a:pt x="458513" y="1491613"/>
-                  <a:pt x="464354" y="1505243"/>
-                </a:cubicBezTo>
-                <a:cubicBezTo>
-                  <a:pt x="485774" y="1555222"/>
-                  <a:pt x="492366" y="1561330"/>
-                  <a:pt x="520625" y="1603717"/>
-                </a:cubicBezTo>
-                <a:cubicBezTo>
-                  <a:pt x="545346" y="1677883"/>
-                  <a:pt x="518353" y="1617874"/>
-                  <a:pt x="576895" y="1688123"/>
-                </a:cubicBezTo>
-                <a:cubicBezTo>
-                  <a:pt x="674823" y="1805636"/>
-                  <a:pt x="523938" y="1649233"/>
-                  <a:pt x="647234" y="1772529"/>
-                </a:cubicBezTo>
-                <a:cubicBezTo>
-                  <a:pt x="687086" y="1892083"/>
-                  <a:pt x="631506" y="1746315"/>
-                  <a:pt x="689437" y="1842868"/>
-                </a:cubicBezTo>
-                <a:cubicBezTo>
-                  <a:pt x="697066" y="1855584"/>
-                  <a:pt x="694886" y="1873004"/>
-                  <a:pt x="703505" y="1885071"/>
-                </a:cubicBezTo>
-                <a:cubicBezTo>
-                  <a:pt x="718923" y="1906656"/>
-                  <a:pt x="742978" y="1920811"/>
-                  <a:pt x="759775" y="1941341"/>
-                </a:cubicBezTo>
-                <a:cubicBezTo>
-                  <a:pt x="907198" y="2121525"/>
-                  <a:pt x="769276" y="1978977"/>
-                  <a:pt x="872317" y="2082018"/>
-                </a:cubicBezTo>
-                <a:cubicBezTo>
-                  <a:pt x="893735" y="2124855"/>
-                  <a:pt x="919690" y="2191595"/>
-                  <a:pt x="970791" y="2208628"/>
-                </a:cubicBezTo>
-                <a:lnTo>
-                  <a:pt x="1012994" y="2222695"/>
-                </a:lnTo>
-                <a:cubicBezTo>
-                  <a:pt x="1027062" y="2232074"/>
-                  <a:pt x="1043242" y="2238876"/>
-                  <a:pt x="1055197" y="2250831"/>
-                </a:cubicBezTo>
-                <a:cubicBezTo>
-                  <a:pt x="1067152" y="2262786"/>
-                  <a:pt x="1072770" y="2279832"/>
-                  <a:pt x="1083332" y="2293034"/>
-                </a:cubicBezTo>
-                <a:cubicBezTo>
-                  <a:pt x="1091618" y="2303391"/>
-                  <a:pt x="1102089" y="2311791"/>
-                  <a:pt x="1111468" y="2321169"/>
-                </a:cubicBezTo>
-                <a:cubicBezTo>
-                  <a:pt x="1120846" y="2349304"/>
-                  <a:pt x="1123152" y="2380899"/>
-                  <a:pt x="1139603" y="2405575"/>
-                </a:cubicBezTo>
-                <a:cubicBezTo>
-                  <a:pt x="1226198" y="2535470"/>
-                  <a:pt x="1115693" y="2375687"/>
-                  <a:pt x="1195874" y="2475914"/>
-                </a:cubicBezTo>
-                <a:cubicBezTo>
-                  <a:pt x="1266854" y="2564640"/>
-                  <a:pt x="1184214" y="2478323"/>
-                  <a:pt x="1252145" y="2546252"/>
-                </a:cubicBezTo>
-                <a:cubicBezTo>
-                  <a:pt x="1291994" y="2665804"/>
-                  <a:pt x="1236417" y="2520039"/>
-                  <a:pt x="1294348" y="2616591"/>
-                </a:cubicBezTo>
-                <a:cubicBezTo>
-                  <a:pt x="1349132" y="2707898"/>
-                  <a:pt x="1265262" y="2615643"/>
-                  <a:pt x="1336551" y="2686929"/>
-                </a:cubicBezTo>
-                <a:cubicBezTo>
-                  <a:pt x="1341240" y="2705686"/>
-                  <a:pt x="1341972" y="2725907"/>
-                  <a:pt x="1350618" y="2743200"/>
-                </a:cubicBezTo>
-                <a:cubicBezTo>
-                  <a:pt x="1365740" y="2773445"/>
-                  <a:pt x="1388132" y="2799471"/>
-                  <a:pt x="1406889" y="2827606"/>
-                </a:cubicBezTo>
-                <a:cubicBezTo>
-                  <a:pt x="1416268" y="2841674"/>
-                  <a:pt x="1423070" y="2857854"/>
-                  <a:pt x="1435025" y="2869809"/>
-                </a:cubicBezTo>
-                <a:cubicBezTo>
-                  <a:pt x="1449093" y="2883877"/>
-                  <a:pt x="1464492" y="2896728"/>
-                  <a:pt x="1477228" y="2912012"/>
-                </a:cubicBezTo>
-                <a:cubicBezTo>
-                  <a:pt x="1507987" y="2948922"/>
-                  <a:pt x="1497121" y="2955069"/>
-                  <a:pt x="1533498" y="2982351"/>
-                </a:cubicBezTo>
-                <a:cubicBezTo>
-                  <a:pt x="1763761" y="3155047"/>
-                  <a:pt x="1450035" y="2907947"/>
-                  <a:pt x="1730446" y="3094892"/>
-                </a:cubicBezTo>
-                <a:cubicBezTo>
-                  <a:pt x="1788736" y="3133753"/>
-                  <a:pt x="1756246" y="3118928"/>
-                  <a:pt x="1828920" y="3137095"/>
-                </a:cubicBezTo>
-                <a:cubicBezTo>
-                  <a:pt x="1898394" y="3183412"/>
-                  <a:pt x="1844113" y="3154961"/>
-                  <a:pt x="1941462" y="3179298"/>
-                </a:cubicBezTo>
-                <a:cubicBezTo>
-                  <a:pt x="1955848" y="3182894"/>
-                  <a:pt x="1969189" y="3190149"/>
-                  <a:pt x="1983665" y="3193366"/>
-                </a:cubicBezTo>
-                <a:cubicBezTo>
-                  <a:pt x="2018810" y="3201176"/>
-                  <a:pt x="2135120" y="3217012"/>
-                  <a:pt x="2166545" y="3221501"/>
-                </a:cubicBezTo>
-                <a:cubicBezTo>
-                  <a:pt x="2255640" y="3216812"/>
-                  <a:pt x="2346345" y="3224931"/>
-                  <a:pt x="2433831" y="3207434"/>
-                </a:cubicBezTo>
-                <a:cubicBezTo>
-                  <a:pt x="2448372" y="3204526"/>
-                  <a:pt x="2437413" y="3175716"/>
-                  <a:pt x="2447898" y="3165231"/>
-                </a:cubicBezTo>
-                <a:cubicBezTo>
-                  <a:pt x="2471809" y="3141320"/>
-                  <a:pt x="2504169" y="3127717"/>
-                  <a:pt x="2532305" y="3108960"/>
-                </a:cubicBezTo>
-                <a:cubicBezTo>
-                  <a:pt x="2546373" y="3099581"/>
-                  <a:pt x="2562553" y="3092779"/>
-                  <a:pt x="2574508" y="3080824"/>
-                </a:cubicBezTo>
-                <a:cubicBezTo>
-                  <a:pt x="2588576" y="3066756"/>
-                  <a:pt x="2599438" y="3048491"/>
-                  <a:pt x="2616711" y="3038621"/>
-                </a:cubicBezTo>
-                <a:cubicBezTo>
-                  <a:pt x="2633498" y="3029029"/>
-                  <a:pt x="2654225" y="3029243"/>
-                  <a:pt x="2672982" y="3024554"/>
-                </a:cubicBezTo>
-                <a:cubicBezTo>
-                  <a:pt x="2696428" y="3001108"/>
-                  <a:pt x="2715731" y="2972608"/>
-                  <a:pt x="2743320" y="2954215"/>
-                </a:cubicBezTo>
-                <a:cubicBezTo>
-                  <a:pt x="2781504" y="2928760"/>
-                  <a:pt x="2814503" y="2910745"/>
-                  <a:pt x="2841794" y="2869809"/>
-                </a:cubicBezTo>
-                <a:lnTo>
-                  <a:pt x="2898065" y="2785403"/>
-                </a:lnTo>
-                <a:cubicBezTo>
-                  <a:pt x="2907443" y="2771335"/>
-                  <a:pt x="2914245" y="2755155"/>
-                  <a:pt x="2926200" y="2743200"/>
-                </a:cubicBezTo>
-                <a:lnTo>
-                  <a:pt x="2982471" y="2686929"/>
-                </a:lnTo>
-                <a:cubicBezTo>
-                  <a:pt x="2996539" y="2672861"/>
-                  <a:pt x="3008121" y="2655761"/>
-                  <a:pt x="3024674" y="2644726"/>
-                </a:cubicBezTo>
-                <a:lnTo>
-                  <a:pt x="3066877" y="2616591"/>
-                </a:lnTo>
-                <a:cubicBezTo>
-                  <a:pt x="3076255" y="2602523"/>
-                  <a:pt x="3083780" y="2587025"/>
-                  <a:pt x="3095012" y="2574388"/>
-                </a:cubicBezTo>
-                <a:cubicBezTo>
-                  <a:pt x="3165095" y="2495544"/>
-                  <a:pt x="3157477" y="2504608"/>
-                  <a:pt x="3221622" y="2461846"/>
-                </a:cubicBezTo>
-                <a:cubicBezTo>
-                  <a:pt x="3226311" y="2447778"/>
-                  <a:pt x="3227070" y="2431710"/>
-                  <a:pt x="3235689" y="2419643"/>
-                </a:cubicBezTo>
-                <a:cubicBezTo>
-                  <a:pt x="3251107" y="2398058"/>
-                  <a:pt x="3291960" y="2363372"/>
-                  <a:pt x="3291960" y="2363372"/>
-                </a:cubicBezTo>
-                <a:cubicBezTo>
-                  <a:pt x="3316683" y="2289204"/>
-                  <a:pt x="3289688" y="2349218"/>
-                  <a:pt x="3348231" y="2278966"/>
-                </a:cubicBezTo>
-                <a:cubicBezTo>
-                  <a:pt x="3436952" y="2172500"/>
-                  <a:pt x="3322654" y="2290473"/>
-                  <a:pt x="3404502" y="2208628"/>
-                </a:cubicBezTo>
-                <a:cubicBezTo>
-                  <a:pt x="3413880" y="2189871"/>
-                  <a:pt x="3421005" y="2169806"/>
-                  <a:pt x="3432637" y="2152357"/>
-                </a:cubicBezTo>
-                <a:cubicBezTo>
-                  <a:pt x="3439994" y="2141321"/>
-                  <a:pt x="3453948" y="2135594"/>
-                  <a:pt x="3460772" y="2124221"/>
-                </a:cubicBezTo>
-                <a:cubicBezTo>
-                  <a:pt x="3468401" y="2111505"/>
-                  <a:pt x="3468208" y="2095281"/>
-                  <a:pt x="3474840" y="2082018"/>
-                </a:cubicBezTo>
-                <a:cubicBezTo>
-                  <a:pt x="3485126" y="2061446"/>
-                  <a:pt x="3535619" y="1996290"/>
-                  <a:pt x="3545178" y="1983544"/>
-                </a:cubicBezTo>
-                <a:cubicBezTo>
-                  <a:pt x="3549867" y="1969476"/>
-                  <a:pt x="3551617" y="1954056"/>
-                  <a:pt x="3559246" y="1941341"/>
-                </a:cubicBezTo>
-                <a:cubicBezTo>
-                  <a:pt x="3566070" y="1929968"/>
-                  <a:pt x="3581450" y="1925069"/>
-                  <a:pt x="3587382" y="1913206"/>
-                </a:cubicBezTo>
-                <a:cubicBezTo>
-                  <a:pt x="3652044" y="1783884"/>
-                  <a:pt x="3580087" y="1864231"/>
-                  <a:pt x="3643652" y="1800664"/>
-                </a:cubicBezTo>
-                <a:cubicBezTo>
-                  <a:pt x="3687647" y="1624689"/>
-                  <a:pt x="3631411" y="1843513"/>
-                  <a:pt x="3671788" y="1702191"/>
-                </a:cubicBezTo>
-                <a:cubicBezTo>
-                  <a:pt x="3677099" y="1683601"/>
-                  <a:pt x="3677209" y="1663213"/>
-                  <a:pt x="3685855" y="1645920"/>
-                </a:cubicBezTo>
-                <a:cubicBezTo>
-                  <a:pt x="3691787" y="1634057"/>
-                  <a:pt x="3704612" y="1627163"/>
-                  <a:pt x="3713991" y="1617784"/>
-                </a:cubicBezTo>
-                <a:cubicBezTo>
-                  <a:pt x="3768451" y="1399942"/>
-                  <a:pt x="3706857" y="1564290"/>
-                  <a:pt x="3770262" y="1477108"/>
-                </a:cubicBezTo>
-                <a:cubicBezTo>
-                  <a:pt x="3800095" y="1436087"/>
-                  <a:pt x="3854668" y="1350498"/>
-                  <a:pt x="3854668" y="1350498"/>
-                </a:cubicBezTo>
-                <a:cubicBezTo>
-                  <a:pt x="3859357" y="1336430"/>
-                  <a:pt x="3861378" y="1321170"/>
-                  <a:pt x="3868735" y="1308295"/>
-                </a:cubicBezTo>
-                <a:cubicBezTo>
-                  <a:pt x="3892798" y="1266184"/>
-                  <a:pt x="3919880" y="1243082"/>
-                  <a:pt x="3953142" y="1209821"/>
-                </a:cubicBezTo>
-                <a:cubicBezTo>
-                  <a:pt x="3982419" y="1092709"/>
-                  <a:pt x="3946769" y="1208500"/>
-                  <a:pt x="3995345" y="1111348"/>
-                </a:cubicBezTo>
-                <a:cubicBezTo>
-                  <a:pt x="4006638" y="1088762"/>
-                  <a:pt x="4011388" y="1063178"/>
-                  <a:pt x="4023480" y="1041009"/>
-                </a:cubicBezTo>
-                <a:cubicBezTo>
-                  <a:pt x="4039672" y="1011323"/>
-                  <a:pt x="4079751" y="956603"/>
-                  <a:pt x="4079751" y="956603"/>
-                </a:cubicBezTo>
-                <a:cubicBezTo>
-                  <a:pt x="4112737" y="857639"/>
-                  <a:pt x="4069808" y="979800"/>
-                  <a:pt x="4121954" y="858129"/>
-                </a:cubicBezTo>
-                <a:cubicBezTo>
-                  <a:pt x="4127795" y="844499"/>
-                  <a:pt x="4129390" y="829189"/>
-                  <a:pt x="4136022" y="815926"/>
-                </a:cubicBezTo>
-                <a:cubicBezTo>
-                  <a:pt x="4143583" y="800804"/>
-                  <a:pt x="4155769" y="788403"/>
-                  <a:pt x="4164157" y="773723"/>
-                </a:cubicBezTo>
-                <a:cubicBezTo>
-                  <a:pt x="4174561" y="755515"/>
-                  <a:pt x="4179710" y="734229"/>
-                  <a:pt x="4192292" y="717452"/>
-                </a:cubicBezTo>
-                <a:cubicBezTo>
-                  <a:pt x="4208208" y="696231"/>
-                  <a:pt x="4233849" y="683252"/>
-                  <a:pt x="4248563" y="661181"/>
-                </a:cubicBezTo>
-                <a:cubicBezTo>
-                  <a:pt x="4267320" y="633046"/>
-                  <a:pt x="4294141" y="608854"/>
-                  <a:pt x="4304834" y="576775"/>
-                </a:cubicBezTo>
-                <a:lnTo>
-                  <a:pt x="4332969" y="492369"/>
-                </a:lnTo>
-                <a:cubicBezTo>
-                  <a:pt x="4314634" y="419024"/>
-                  <a:pt x="4313272" y="382641"/>
-                  <a:pt x="4234495" y="323557"/>
-                </a:cubicBezTo>
-                <a:cubicBezTo>
-                  <a:pt x="4215738" y="309489"/>
-                  <a:pt x="4194804" y="297933"/>
-                  <a:pt x="4178225" y="281354"/>
-                </a:cubicBezTo>
-                <a:cubicBezTo>
-                  <a:pt x="4166270" y="269399"/>
-                  <a:pt x="4162813" y="250285"/>
-                  <a:pt x="4150089" y="239151"/>
-                </a:cubicBezTo>
-                <a:cubicBezTo>
-                  <a:pt x="4124641" y="216884"/>
-                  <a:pt x="4089593" y="206791"/>
-                  <a:pt x="4065683" y="182880"/>
-                </a:cubicBezTo>
-                <a:cubicBezTo>
-                  <a:pt x="4056305" y="173501"/>
-                  <a:pt x="4047905" y="163030"/>
-                  <a:pt x="4037548" y="154744"/>
-                </a:cubicBezTo>
-                <a:cubicBezTo>
-                  <a:pt x="4024346" y="144182"/>
-                  <a:pt x="4009103" y="136436"/>
-                  <a:pt x="3995345" y="126609"/>
-                </a:cubicBezTo>
-                <a:cubicBezTo>
-                  <a:pt x="3976266" y="112981"/>
-                  <a:pt x="3957086" y="99416"/>
-                  <a:pt x="3939074" y="84406"/>
-                </a:cubicBezTo>
-                <a:cubicBezTo>
-                  <a:pt x="3928885" y="75915"/>
-                  <a:pt x="3922311" y="63095"/>
-                  <a:pt x="3910938" y="56271"/>
-                </a:cubicBezTo>
-                <a:cubicBezTo>
-                  <a:pt x="3898222" y="48642"/>
-                  <a:pt x="3882365" y="48044"/>
-                  <a:pt x="3868735" y="42203"/>
-                </a:cubicBezTo>
-                <a:cubicBezTo>
-                  <a:pt x="3747051" y="-9947"/>
-                  <a:pt x="3869236" y="32992"/>
-                  <a:pt x="3770262" y="0"/>
-                </a:cubicBezTo>
-                <a:cubicBezTo>
-                  <a:pt x="3704613" y="9378"/>
-                  <a:pt x="3637650" y="12051"/>
-                  <a:pt x="3573314" y="28135"/>
-                </a:cubicBezTo>
-                <a:cubicBezTo>
-                  <a:pt x="3560447" y="31352"/>
-                  <a:pt x="3555367" y="47780"/>
-                  <a:pt x="3545178" y="56271"/>
-                </a:cubicBezTo>
-                <a:cubicBezTo>
-                  <a:pt x="3527166" y="71281"/>
-                  <a:pt x="3506920" y="83464"/>
-                  <a:pt x="3488908" y="98474"/>
-                </a:cubicBezTo>
-                <a:cubicBezTo>
-                  <a:pt x="3431127" y="146624"/>
-                  <a:pt x="3494479" y="112576"/>
-                  <a:pt x="3404502" y="168812"/>
-                </a:cubicBezTo>
-                <a:cubicBezTo>
-                  <a:pt x="3386719" y="179927"/>
-                  <a:pt x="3366988" y="187569"/>
-                  <a:pt x="3348231" y="196948"/>
-                </a:cubicBezTo>
-                <a:cubicBezTo>
-                  <a:pt x="3338852" y="211016"/>
-                  <a:pt x="3331328" y="226514"/>
-                  <a:pt x="3320095" y="239151"/>
-                </a:cubicBezTo>
-                <a:cubicBezTo>
-                  <a:pt x="3293660" y="268890"/>
-                  <a:pt x="3257760" y="290450"/>
-                  <a:pt x="3235689" y="323557"/>
-                </a:cubicBezTo>
-                <a:lnTo>
-                  <a:pt x="3179418" y="407963"/>
-                </a:lnTo>
-                <a:cubicBezTo>
-                  <a:pt x="3142637" y="518309"/>
-                  <a:pt x="3166541" y="466938"/>
-                  <a:pt x="3109080" y="562708"/>
-                </a:cubicBezTo>
-                <a:cubicBezTo>
-                  <a:pt x="3080626" y="676518"/>
-                  <a:pt x="3101123" y="600647"/>
-                  <a:pt x="3038742" y="787791"/>
-                </a:cubicBezTo>
-                <a:cubicBezTo>
-                  <a:pt x="3029364" y="815926"/>
-                  <a:pt x="3016422" y="843116"/>
-                  <a:pt x="3010606" y="872197"/>
-                </a:cubicBezTo>
-                <a:cubicBezTo>
-                  <a:pt x="3005917" y="895643"/>
-                  <a:pt x="3006249" y="920685"/>
-                  <a:pt x="2996538" y="942535"/>
-                </a:cubicBezTo>
-                <a:cubicBezTo>
-                  <a:pt x="2987016" y="963960"/>
-                  <a:pt x="2967780" y="979598"/>
-                  <a:pt x="2954335" y="998806"/>
-                </a:cubicBezTo>
-                <a:cubicBezTo>
-                  <a:pt x="2934944" y="1026508"/>
-                  <a:pt x="2921975" y="1059302"/>
-                  <a:pt x="2898065" y="1083212"/>
-                </a:cubicBezTo>
-                <a:cubicBezTo>
-                  <a:pt x="2888686" y="1092591"/>
-                  <a:pt x="2878420" y="1101159"/>
-                  <a:pt x="2869929" y="1111348"/>
-                </a:cubicBezTo>
-                <a:cubicBezTo>
-                  <a:pt x="2854919" y="1129360"/>
-                  <a:pt x="2843165" y="1149973"/>
-                  <a:pt x="2827726" y="1167618"/>
-                </a:cubicBezTo>
-                <a:cubicBezTo>
-                  <a:pt x="2810258" y="1187581"/>
-                  <a:pt x="2771455" y="1223889"/>
-                  <a:pt x="2771455" y="1223889"/>
-                </a:cubicBezTo>
-                <a:cubicBezTo>
-                  <a:pt x="2766766" y="1237957"/>
-                  <a:pt x="2766881" y="1254700"/>
-                  <a:pt x="2757388" y="1266092"/>
-                </a:cubicBezTo>
-                <a:cubicBezTo>
-                  <a:pt x="2742378" y="1284104"/>
-                  <a:pt x="2720196" y="1294667"/>
-                  <a:pt x="2701117" y="1308295"/>
-                </a:cubicBezTo>
-                <a:cubicBezTo>
-                  <a:pt x="2653392" y="1342385"/>
-                  <a:pt x="2668976" y="1333077"/>
-                  <a:pt x="2616711" y="1350498"/>
-                </a:cubicBezTo>
-                <a:cubicBezTo>
-                  <a:pt x="2607332" y="1359877"/>
-                  <a:pt x="2599948" y="1371810"/>
-                  <a:pt x="2588575" y="1378634"/>
-                </a:cubicBezTo>
-                <a:cubicBezTo>
-                  <a:pt x="2575860" y="1386263"/>
-                  <a:pt x="2556857" y="1382216"/>
-                  <a:pt x="2546372" y="1392701"/>
-                </a:cubicBezTo>
-                <a:cubicBezTo>
-                  <a:pt x="2535887" y="1403186"/>
-                  <a:pt x="2539934" y="1422189"/>
-                  <a:pt x="2532305" y="1434904"/>
-                </a:cubicBezTo>
-                <a:cubicBezTo>
-                  <a:pt x="2525481" y="1446277"/>
-                  <a:pt x="2513548" y="1453661"/>
-                  <a:pt x="2504169" y="1463040"/>
-                </a:cubicBezTo>
-                <a:cubicBezTo>
-                  <a:pt x="2494791" y="1481797"/>
-                  <a:pt x="2487667" y="1501862"/>
-                  <a:pt x="2476034" y="1519311"/>
-                </a:cubicBezTo>
-                <a:cubicBezTo>
-                  <a:pt x="2468677" y="1530347"/>
-                  <a:pt x="2456184" y="1537089"/>
-                  <a:pt x="2447898" y="1547446"/>
-                </a:cubicBezTo>
-                <a:cubicBezTo>
-                  <a:pt x="2437336" y="1560648"/>
-                  <a:pt x="2430995" y="1577012"/>
-                  <a:pt x="2419763" y="1589649"/>
-                </a:cubicBezTo>
-                <a:cubicBezTo>
-                  <a:pt x="2393328" y="1619388"/>
-                  <a:pt x="2363492" y="1645920"/>
-                  <a:pt x="2335357" y="1674055"/>
-                </a:cubicBezTo>
-                <a:cubicBezTo>
-                  <a:pt x="2302026" y="1707386"/>
-                  <a:pt x="2270545" y="1742551"/>
-                  <a:pt x="2222815" y="1758461"/>
-                </a:cubicBezTo>
-                <a:cubicBezTo>
-                  <a:pt x="2208747" y="1763150"/>
-                  <a:pt x="2193875" y="1765897"/>
-                  <a:pt x="2180612" y="1772529"/>
-                </a:cubicBezTo>
-                <a:cubicBezTo>
-                  <a:pt x="2165490" y="1780090"/>
-                  <a:pt x="2154603" y="1795806"/>
-                  <a:pt x="2138409" y="1800664"/>
-                </a:cubicBezTo>
-                <a:cubicBezTo>
-                  <a:pt x="2106649" y="1810192"/>
-                  <a:pt x="2072760" y="1810043"/>
-                  <a:pt x="2039935" y="1814732"/>
-                </a:cubicBezTo>
-                <a:cubicBezTo>
-                  <a:pt x="1949090" y="1845014"/>
-                  <a:pt x="1973921" y="1842803"/>
-                  <a:pt x="1814852" y="1814732"/>
-                </a:cubicBezTo>
-                <a:cubicBezTo>
-                  <a:pt x="1794201" y="1811088"/>
-                  <a:pt x="1777339" y="1795975"/>
-                  <a:pt x="1758582" y="1786597"/>
-                </a:cubicBezTo>
-                <a:cubicBezTo>
-                  <a:pt x="1749203" y="1772529"/>
-                  <a:pt x="1741270" y="1757383"/>
-                  <a:pt x="1730446" y="1744394"/>
-                </a:cubicBezTo>
-                <a:cubicBezTo>
-                  <a:pt x="1717710" y="1729111"/>
-                  <a:pt x="1699279" y="1718744"/>
-                  <a:pt x="1688243" y="1702191"/>
-                </a:cubicBezTo>
-                <a:cubicBezTo>
-                  <a:pt x="1680018" y="1689853"/>
-                  <a:pt x="1680807" y="1673251"/>
-                  <a:pt x="1674175" y="1659988"/>
-                </a:cubicBezTo>
-                <a:cubicBezTo>
-                  <a:pt x="1666614" y="1644865"/>
-                  <a:pt x="1655418" y="1631852"/>
-                  <a:pt x="1646040" y="1617784"/>
-                </a:cubicBezTo>
-                <a:cubicBezTo>
-                  <a:pt x="1641351" y="1570892"/>
-                  <a:pt x="1639138" y="1523686"/>
-                  <a:pt x="1631972" y="1477108"/>
-                </a:cubicBezTo>
-                <a:cubicBezTo>
-                  <a:pt x="1629717" y="1462452"/>
-                  <a:pt x="1620343" y="1449531"/>
-                  <a:pt x="1617905" y="1434904"/>
-                </a:cubicBezTo>
-                <a:cubicBezTo>
-                  <a:pt x="1610924" y="1393019"/>
-                  <a:pt x="1612165" y="1349933"/>
-                  <a:pt x="1603837" y="1308295"/>
-                </a:cubicBezTo>
-                <a:cubicBezTo>
-                  <a:pt x="1598021" y="1279214"/>
-                  <a:pt x="1575702" y="1223889"/>
-                  <a:pt x="1575702" y="1223889"/>
-                </a:cubicBezTo>
-                <a:cubicBezTo>
-                  <a:pt x="1571013" y="1176997"/>
-                  <a:pt x="1568800" y="1129790"/>
-                  <a:pt x="1561634" y="1083212"/>
-                </a:cubicBezTo>
-                <a:cubicBezTo>
-                  <a:pt x="1559379" y="1068556"/>
-                  <a:pt x="1550004" y="1055636"/>
-                  <a:pt x="1547566" y="1041009"/>
-                </a:cubicBezTo>
-                <a:cubicBezTo>
-                  <a:pt x="1540585" y="999124"/>
-                  <a:pt x="1545163" y="955229"/>
-                  <a:pt x="1533498" y="914400"/>
-                </a:cubicBezTo>
-                <a:cubicBezTo>
-                  <a:pt x="1525986" y="888109"/>
-                  <a:pt x="1503523" y="868517"/>
-                  <a:pt x="1491295" y="844061"/>
-                </a:cubicBezTo>
-                <a:cubicBezTo>
-                  <a:pt x="1454772" y="771014"/>
-                  <a:pt x="1504047" y="828677"/>
-                  <a:pt x="1449092" y="773723"/>
-                </a:cubicBezTo>
-                <a:cubicBezTo>
-                  <a:pt x="1430335" y="736209"/>
-                  <a:pt x="1422480" y="690838"/>
-                  <a:pt x="1392822" y="661181"/>
-                </a:cubicBezTo>
-                <a:cubicBezTo>
-                  <a:pt x="1369376" y="637735"/>
-                  <a:pt x="1340876" y="618432"/>
-                  <a:pt x="1322483" y="590843"/>
-                </a:cubicBezTo>
-                <a:cubicBezTo>
-                  <a:pt x="1303726" y="562708"/>
-                  <a:pt x="1290122" y="530348"/>
-                  <a:pt x="1266212" y="506437"/>
-                </a:cubicBezTo>
-                <a:cubicBezTo>
-                  <a:pt x="1256834" y="497058"/>
-                  <a:pt x="1246362" y="488658"/>
-                  <a:pt x="1238077" y="478301"/>
-                </a:cubicBezTo>
-                <a:cubicBezTo>
-                  <a:pt x="1227515" y="465099"/>
-                  <a:pt x="1220504" y="449300"/>
-                  <a:pt x="1209942" y="436098"/>
-                </a:cubicBezTo>
-                <a:cubicBezTo>
-                  <a:pt x="1201656" y="425741"/>
-                  <a:pt x="1190092" y="418320"/>
-                  <a:pt x="1181806" y="407963"/>
-                </a:cubicBezTo>
-                <a:cubicBezTo>
-                  <a:pt x="1171244" y="394761"/>
-                  <a:pt x="1166395" y="376893"/>
-                  <a:pt x="1153671" y="365760"/>
-                </a:cubicBezTo>
-                <a:cubicBezTo>
-                  <a:pt x="1094137" y="313667"/>
-                  <a:pt x="1085027" y="314743"/>
-                  <a:pt x="1027062" y="295421"/>
-                </a:cubicBezTo>
-                <a:cubicBezTo>
-                  <a:pt x="1017683" y="286043"/>
-                  <a:pt x="1007212" y="277643"/>
-                  <a:pt x="998926" y="267286"/>
-                </a:cubicBezTo>
-                <a:cubicBezTo>
-                  <a:pt x="988364" y="254084"/>
-                  <a:pt x="983993" y="235645"/>
-                  <a:pt x="970791" y="225083"/>
-                </a:cubicBezTo>
-                <a:cubicBezTo>
-                  <a:pt x="959212" y="215820"/>
-                  <a:pt x="942656" y="215704"/>
-                  <a:pt x="928588" y="211015"/>
-                </a:cubicBezTo>
-                <a:cubicBezTo>
-                  <a:pt x="897216" y="179644"/>
-                  <a:pt x="898108" y="170886"/>
-                  <a:pt x="844182" y="168812"/>
-                </a:cubicBezTo>
-                <a:cubicBezTo>
-                  <a:pt x="619216" y="160159"/>
-                  <a:pt x="394015" y="159433"/>
-                  <a:pt x="168932" y="154744"/>
-                </a:cubicBezTo>
-                <a:cubicBezTo>
-                  <a:pt x="154864" y="150055"/>
-                  <a:pt x="141558" y="140677"/>
-                  <a:pt x="126729" y="140677"/>
-                </a:cubicBezTo>
-                <a:cubicBezTo>
-                  <a:pt x="73592" y="140677"/>
-                  <a:pt x="93537" y="160592"/>
-                  <a:pt x="56391" y="182880"/>
-                </a:cubicBezTo>
-                <a:cubicBezTo>
-                  <a:pt x="30474" y="198431"/>
-                  <a:pt x="2465" y="145366"/>
-                  <a:pt x="120" y="154744"/>
-                </a:cubicBezTo>
-                <a:close/>
-              </a:path>
-            </a:pathLst>
-          </a:custGeom>
-        </p:spPr>
-        <p:style>
-          <a:lnRef idx="2">
-            <a:schemeClr val="accent6"/>
-          </a:lnRef>
-          <a:fillRef idx="1">
-            <a:schemeClr val="lt1"/>
-          </a:fillRef>
-          <a:effectRef idx="0">
-            <a:schemeClr val="accent6"/>
-          </a:effectRef>
-          <a:fontRef idx="minor">
-            <a:schemeClr val="dk1"/>
-          </a:fontRef>
-        </p:style>
-        <p:txBody>
-          <a:bodyPr rtlCol="0" anchor="ctr"/>
-          <a:lstStyle/>
-          <a:p>
-            <a:pPr algn="ctr"/>
-            <a:endParaRPr lang="en-US"/>
-          </a:p>
-        </p:txBody>
-      </p:sp>
-      <p:sp>
-        <p:nvSpPr>
-          <p:cNvPr id="46" name="모서리가 둥근 직사각형 45"/>
-          <p:cNvSpPr/>
-          <p:nvPr/>
-        </p:nvSpPr>
-        <p:spPr>
-          <a:xfrm>
-            <a:off x="1835187" y="4365104"/>
-            <a:ext cx="1224645" cy="1097690"/>
-          </a:xfrm>
-          <a:prstGeom prst="roundRect">
-            <a:avLst/>
-          </a:prstGeom>
-          <a:ln>
-            <a:solidFill>
-              <a:srgbClr val="002060"/>
-            </a:solidFill>
-            <a:prstDash val="dash"/>
-          </a:ln>
-        </p:spPr>
-        <p:style>
-          <a:lnRef idx="2">
-            <a:schemeClr val="accent5"/>
-          </a:lnRef>
-          <a:fillRef idx="1">
-            <a:schemeClr val="lt1"/>
-          </a:fillRef>
-          <a:effectRef idx="0">
-            <a:schemeClr val="accent5"/>
-          </a:effectRef>
-          <a:fontRef idx="minor">
-            <a:schemeClr val="dk1"/>
-          </a:fontRef>
-        </p:style>
-        <p:txBody>
-          <a:bodyPr rtlCol="0" anchor="ctr"/>
-          <a:lstStyle/>
-          <a:p>
-            <a:pPr algn="ctr"/>
-            <a:endParaRPr lang="en-US"/>
-          </a:p>
-        </p:txBody>
-      </p:sp>
-      <p:sp>
-        <p:nvSpPr>
-          <p:cNvPr id="5" name="오른쪽 화살표 4"/>
-          <p:cNvSpPr/>
-          <p:nvPr/>
-        </p:nvSpPr>
-        <p:spPr>
-          <a:xfrm rot="18284721">
-            <a:off x="3211908" y="2609395"/>
-            <a:ext cx="4537305" cy="425289"/>
-          </a:xfrm>
-          <a:prstGeom prst="rightArrow">
-            <a:avLst/>
-          </a:prstGeom>
-        </p:spPr>
-        <p:style>
-          <a:lnRef idx="2">
-            <a:schemeClr val="accent6">
-              <a:shade val="50000"/>
-            </a:schemeClr>
-          </a:lnRef>
-          <a:fillRef idx="1">
-            <a:schemeClr val="accent6"/>
-          </a:fillRef>
-          <a:effectRef idx="0">
-            <a:schemeClr val="accent6"/>
-          </a:effectRef>
-          <a:fontRef idx="minor">
-            <a:schemeClr val="lt1"/>
-          </a:fontRef>
-        </p:style>
-        <p:txBody>
-          <a:bodyPr rtlCol="0" anchor="ctr"/>
-          <a:lstStyle/>
-          <a:p>
-            <a:pPr algn="ctr"/>
-            <a:endParaRPr lang="en-US"/>
-          </a:p>
-        </p:txBody>
-      </p:sp>
-      <p:sp>
-        <p:nvSpPr>
-          <p:cNvPr id="6" name="TextBox 5"/>
-          <p:cNvSpPr txBox="1"/>
-          <p:nvPr/>
-        </p:nvSpPr>
-        <p:spPr>
-          <a:xfrm>
-            <a:off x="611560" y="982469"/>
-            <a:ext cx="1008112" cy="646331"/>
-          </a:xfrm>
-          <a:prstGeom prst="rect">
-            <a:avLst/>
-          </a:prstGeom>
-          <a:noFill/>
-        </p:spPr>
-        <p:txBody>
-          <a:bodyPr wrap="square" rtlCol="0">
-            <a:spAutoFit/>
-          </a:bodyPr>
-          <a:lstStyle/>
-          <a:p>
-            <a:r>
-              <a:rPr lang="ko-KR" altLang="en-US" sz="1200" dirty="0" smtClean="0">
+        </p:grpSpPr>
+        <p:sp>
+          <p:nvSpPr>
+            <p:cNvPr id="52" name="자유형 51"/>
+            <p:cNvSpPr/>
+            <p:nvPr/>
+          </p:nvSpPr>
+          <p:spPr>
+            <a:xfrm>
+              <a:off x="1828680" y="2110154"/>
+              <a:ext cx="4332969" cy="3221501"/>
+            </a:xfrm>
+            <a:custGeom>
+              <a:avLst/>
+              <a:gdLst>
+                <a:gd name="connsiteX0" fmla="*/ 120 w 4332969"/>
+                <a:gd name="connsiteY0" fmla="*/ 154744 h 3221501"/>
+                <a:gd name="connsiteX1" fmla="*/ 42323 w 4332969"/>
+                <a:gd name="connsiteY1" fmla="*/ 239151 h 3221501"/>
+                <a:gd name="connsiteX2" fmla="*/ 98594 w 4332969"/>
+                <a:gd name="connsiteY2" fmla="*/ 365760 h 3221501"/>
+                <a:gd name="connsiteX3" fmla="*/ 140797 w 4332969"/>
+                <a:gd name="connsiteY3" fmla="*/ 534572 h 3221501"/>
+                <a:gd name="connsiteX4" fmla="*/ 168932 w 4332969"/>
+                <a:gd name="connsiteY4" fmla="*/ 576775 h 3221501"/>
+                <a:gd name="connsiteX5" fmla="*/ 225203 w 4332969"/>
+                <a:gd name="connsiteY5" fmla="*/ 703384 h 3221501"/>
+                <a:gd name="connsiteX6" fmla="*/ 267406 w 4332969"/>
+                <a:gd name="connsiteY6" fmla="*/ 858129 h 3221501"/>
+                <a:gd name="connsiteX7" fmla="*/ 281474 w 4332969"/>
+                <a:gd name="connsiteY7" fmla="*/ 956603 h 3221501"/>
+                <a:gd name="connsiteX8" fmla="*/ 309609 w 4332969"/>
+                <a:gd name="connsiteY8" fmla="*/ 1055077 h 3221501"/>
+                <a:gd name="connsiteX9" fmla="*/ 211135 w 4332969"/>
+                <a:gd name="connsiteY9" fmla="*/ 1083212 h 3221501"/>
+                <a:gd name="connsiteX10" fmla="*/ 239271 w 4332969"/>
+                <a:gd name="connsiteY10" fmla="*/ 1111348 h 3221501"/>
+                <a:gd name="connsiteX11" fmla="*/ 295542 w 4332969"/>
+                <a:gd name="connsiteY11" fmla="*/ 1195754 h 3221501"/>
+                <a:gd name="connsiteX12" fmla="*/ 323677 w 4332969"/>
+                <a:gd name="connsiteY12" fmla="*/ 1294228 h 3221501"/>
+                <a:gd name="connsiteX13" fmla="*/ 379948 w 4332969"/>
+                <a:gd name="connsiteY13" fmla="*/ 1364566 h 3221501"/>
+                <a:gd name="connsiteX14" fmla="*/ 394015 w 4332969"/>
+                <a:gd name="connsiteY14" fmla="*/ 1406769 h 3221501"/>
+                <a:gd name="connsiteX15" fmla="*/ 450286 w 4332969"/>
+                <a:gd name="connsiteY15" fmla="*/ 1463040 h 3221501"/>
+                <a:gd name="connsiteX16" fmla="*/ 464354 w 4332969"/>
+                <a:gd name="connsiteY16" fmla="*/ 1505243 h 3221501"/>
+                <a:gd name="connsiteX17" fmla="*/ 520625 w 4332969"/>
+                <a:gd name="connsiteY17" fmla="*/ 1603717 h 3221501"/>
+                <a:gd name="connsiteX18" fmla="*/ 576895 w 4332969"/>
+                <a:gd name="connsiteY18" fmla="*/ 1688123 h 3221501"/>
+                <a:gd name="connsiteX19" fmla="*/ 647234 w 4332969"/>
+                <a:gd name="connsiteY19" fmla="*/ 1772529 h 3221501"/>
+                <a:gd name="connsiteX20" fmla="*/ 689437 w 4332969"/>
+                <a:gd name="connsiteY20" fmla="*/ 1842868 h 3221501"/>
+                <a:gd name="connsiteX21" fmla="*/ 703505 w 4332969"/>
+                <a:gd name="connsiteY21" fmla="*/ 1885071 h 3221501"/>
+                <a:gd name="connsiteX22" fmla="*/ 759775 w 4332969"/>
+                <a:gd name="connsiteY22" fmla="*/ 1941341 h 3221501"/>
+                <a:gd name="connsiteX23" fmla="*/ 872317 w 4332969"/>
+                <a:gd name="connsiteY23" fmla="*/ 2082018 h 3221501"/>
+                <a:gd name="connsiteX24" fmla="*/ 970791 w 4332969"/>
+                <a:gd name="connsiteY24" fmla="*/ 2208628 h 3221501"/>
+                <a:gd name="connsiteX25" fmla="*/ 1012994 w 4332969"/>
+                <a:gd name="connsiteY25" fmla="*/ 2222695 h 3221501"/>
+                <a:gd name="connsiteX26" fmla="*/ 1055197 w 4332969"/>
+                <a:gd name="connsiteY26" fmla="*/ 2250831 h 3221501"/>
+                <a:gd name="connsiteX27" fmla="*/ 1083332 w 4332969"/>
+                <a:gd name="connsiteY27" fmla="*/ 2293034 h 3221501"/>
+                <a:gd name="connsiteX28" fmla="*/ 1111468 w 4332969"/>
+                <a:gd name="connsiteY28" fmla="*/ 2321169 h 3221501"/>
+                <a:gd name="connsiteX29" fmla="*/ 1139603 w 4332969"/>
+                <a:gd name="connsiteY29" fmla="*/ 2405575 h 3221501"/>
+                <a:gd name="connsiteX30" fmla="*/ 1195874 w 4332969"/>
+                <a:gd name="connsiteY30" fmla="*/ 2475914 h 3221501"/>
+                <a:gd name="connsiteX31" fmla="*/ 1252145 w 4332969"/>
+                <a:gd name="connsiteY31" fmla="*/ 2546252 h 3221501"/>
+                <a:gd name="connsiteX32" fmla="*/ 1294348 w 4332969"/>
+                <a:gd name="connsiteY32" fmla="*/ 2616591 h 3221501"/>
+                <a:gd name="connsiteX33" fmla="*/ 1336551 w 4332969"/>
+                <a:gd name="connsiteY33" fmla="*/ 2686929 h 3221501"/>
+                <a:gd name="connsiteX34" fmla="*/ 1350618 w 4332969"/>
+                <a:gd name="connsiteY34" fmla="*/ 2743200 h 3221501"/>
+                <a:gd name="connsiteX35" fmla="*/ 1406889 w 4332969"/>
+                <a:gd name="connsiteY35" fmla="*/ 2827606 h 3221501"/>
+                <a:gd name="connsiteX36" fmla="*/ 1435025 w 4332969"/>
+                <a:gd name="connsiteY36" fmla="*/ 2869809 h 3221501"/>
+                <a:gd name="connsiteX37" fmla="*/ 1477228 w 4332969"/>
+                <a:gd name="connsiteY37" fmla="*/ 2912012 h 3221501"/>
+                <a:gd name="connsiteX38" fmla="*/ 1533498 w 4332969"/>
+                <a:gd name="connsiteY38" fmla="*/ 2982351 h 3221501"/>
+                <a:gd name="connsiteX39" fmla="*/ 1730446 w 4332969"/>
+                <a:gd name="connsiteY39" fmla="*/ 3094892 h 3221501"/>
+                <a:gd name="connsiteX40" fmla="*/ 1828920 w 4332969"/>
+                <a:gd name="connsiteY40" fmla="*/ 3137095 h 3221501"/>
+                <a:gd name="connsiteX41" fmla="*/ 1941462 w 4332969"/>
+                <a:gd name="connsiteY41" fmla="*/ 3179298 h 3221501"/>
+                <a:gd name="connsiteX42" fmla="*/ 1983665 w 4332969"/>
+                <a:gd name="connsiteY42" fmla="*/ 3193366 h 3221501"/>
+                <a:gd name="connsiteX43" fmla="*/ 2166545 w 4332969"/>
+                <a:gd name="connsiteY43" fmla="*/ 3221501 h 3221501"/>
+                <a:gd name="connsiteX44" fmla="*/ 2433831 w 4332969"/>
+                <a:gd name="connsiteY44" fmla="*/ 3207434 h 3221501"/>
+                <a:gd name="connsiteX45" fmla="*/ 2447898 w 4332969"/>
+                <a:gd name="connsiteY45" fmla="*/ 3165231 h 3221501"/>
+                <a:gd name="connsiteX46" fmla="*/ 2532305 w 4332969"/>
+                <a:gd name="connsiteY46" fmla="*/ 3108960 h 3221501"/>
+                <a:gd name="connsiteX47" fmla="*/ 2574508 w 4332969"/>
+                <a:gd name="connsiteY47" fmla="*/ 3080824 h 3221501"/>
+                <a:gd name="connsiteX48" fmla="*/ 2616711 w 4332969"/>
+                <a:gd name="connsiteY48" fmla="*/ 3038621 h 3221501"/>
+                <a:gd name="connsiteX49" fmla="*/ 2672982 w 4332969"/>
+                <a:gd name="connsiteY49" fmla="*/ 3024554 h 3221501"/>
+                <a:gd name="connsiteX50" fmla="*/ 2743320 w 4332969"/>
+                <a:gd name="connsiteY50" fmla="*/ 2954215 h 3221501"/>
+                <a:gd name="connsiteX51" fmla="*/ 2841794 w 4332969"/>
+                <a:gd name="connsiteY51" fmla="*/ 2869809 h 3221501"/>
+                <a:gd name="connsiteX52" fmla="*/ 2898065 w 4332969"/>
+                <a:gd name="connsiteY52" fmla="*/ 2785403 h 3221501"/>
+                <a:gd name="connsiteX53" fmla="*/ 2926200 w 4332969"/>
+                <a:gd name="connsiteY53" fmla="*/ 2743200 h 3221501"/>
+                <a:gd name="connsiteX54" fmla="*/ 2982471 w 4332969"/>
+                <a:gd name="connsiteY54" fmla="*/ 2686929 h 3221501"/>
+                <a:gd name="connsiteX55" fmla="*/ 3024674 w 4332969"/>
+                <a:gd name="connsiteY55" fmla="*/ 2644726 h 3221501"/>
+                <a:gd name="connsiteX56" fmla="*/ 3066877 w 4332969"/>
+                <a:gd name="connsiteY56" fmla="*/ 2616591 h 3221501"/>
+                <a:gd name="connsiteX57" fmla="*/ 3095012 w 4332969"/>
+                <a:gd name="connsiteY57" fmla="*/ 2574388 h 3221501"/>
+                <a:gd name="connsiteX58" fmla="*/ 3221622 w 4332969"/>
+                <a:gd name="connsiteY58" fmla="*/ 2461846 h 3221501"/>
+                <a:gd name="connsiteX59" fmla="*/ 3235689 w 4332969"/>
+                <a:gd name="connsiteY59" fmla="*/ 2419643 h 3221501"/>
+                <a:gd name="connsiteX60" fmla="*/ 3291960 w 4332969"/>
+                <a:gd name="connsiteY60" fmla="*/ 2363372 h 3221501"/>
+                <a:gd name="connsiteX61" fmla="*/ 3348231 w 4332969"/>
+                <a:gd name="connsiteY61" fmla="*/ 2278966 h 3221501"/>
+                <a:gd name="connsiteX62" fmla="*/ 3404502 w 4332969"/>
+                <a:gd name="connsiteY62" fmla="*/ 2208628 h 3221501"/>
+                <a:gd name="connsiteX63" fmla="*/ 3432637 w 4332969"/>
+                <a:gd name="connsiteY63" fmla="*/ 2152357 h 3221501"/>
+                <a:gd name="connsiteX64" fmla="*/ 3460772 w 4332969"/>
+                <a:gd name="connsiteY64" fmla="*/ 2124221 h 3221501"/>
+                <a:gd name="connsiteX65" fmla="*/ 3474840 w 4332969"/>
+                <a:gd name="connsiteY65" fmla="*/ 2082018 h 3221501"/>
+                <a:gd name="connsiteX66" fmla="*/ 3545178 w 4332969"/>
+                <a:gd name="connsiteY66" fmla="*/ 1983544 h 3221501"/>
+                <a:gd name="connsiteX67" fmla="*/ 3559246 w 4332969"/>
+                <a:gd name="connsiteY67" fmla="*/ 1941341 h 3221501"/>
+                <a:gd name="connsiteX68" fmla="*/ 3587382 w 4332969"/>
+                <a:gd name="connsiteY68" fmla="*/ 1913206 h 3221501"/>
+                <a:gd name="connsiteX69" fmla="*/ 3643652 w 4332969"/>
+                <a:gd name="connsiteY69" fmla="*/ 1800664 h 3221501"/>
+                <a:gd name="connsiteX70" fmla="*/ 3671788 w 4332969"/>
+                <a:gd name="connsiteY70" fmla="*/ 1702191 h 3221501"/>
+                <a:gd name="connsiteX71" fmla="*/ 3685855 w 4332969"/>
+                <a:gd name="connsiteY71" fmla="*/ 1645920 h 3221501"/>
+                <a:gd name="connsiteX72" fmla="*/ 3713991 w 4332969"/>
+                <a:gd name="connsiteY72" fmla="*/ 1617784 h 3221501"/>
+                <a:gd name="connsiteX73" fmla="*/ 3770262 w 4332969"/>
+                <a:gd name="connsiteY73" fmla="*/ 1477108 h 3221501"/>
+                <a:gd name="connsiteX74" fmla="*/ 3854668 w 4332969"/>
+                <a:gd name="connsiteY74" fmla="*/ 1350498 h 3221501"/>
+                <a:gd name="connsiteX75" fmla="*/ 3868735 w 4332969"/>
+                <a:gd name="connsiteY75" fmla="*/ 1308295 h 3221501"/>
+                <a:gd name="connsiteX76" fmla="*/ 3953142 w 4332969"/>
+                <a:gd name="connsiteY76" fmla="*/ 1209821 h 3221501"/>
+                <a:gd name="connsiteX77" fmla="*/ 3995345 w 4332969"/>
+                <a:gd name="connsiteY77" fmla="*/ 1111348 h 3221501"/>
+                <a:gd name="connsiteX78" fmla="*/ 4023480 w 4332969"/>
+                <a:gd name="connsiteY78" fmla="*/ 1041009 h 3221501"/>
+                <a:gd name="connsiteX79" fmla="*/ 4079751 w 4332969"/>
+                <a:gd name="connsiteY79" fmla="*/ 956603 h 3221501"/>
+                <a:gd name="connsiteX80" fmla="*/ 4121954 w 4332969"/>
+                <a:gd name="connsiteY80" fmla="*/ 858129 h 3221501"/>
+                <a:gd name="connsiteX81" fmla="*/ 4136022 w 4332969"/>
+                <a:gd name="connsiteY81" fmla="*/ 815926 h 3221501"/>
+                <a:gd name="connsiteX82" fmla="*/ 4164157 w 4332969"/>
+                <a:gd name="connsiteY82" fmla="*/ 773723 h 3221501"/>
+                <a:gd name="connsiteX83" fmla="*/ 4192292 w 4332969"/>
+                <a:gd name="connsiteY83" fmla="*/ 717452 h 3221501"/>
+                <a:gd name="connsiteX84" fmla="*/ 4248563 w 4332969"/>
+                <a:gd name="connsiteY84" fmla="*/ 661181 h 3221501"/>
+                <a:gd name="connsiteX85" fmla="*/ 4304834 w 4332969"/>
+                <a:gd name="connsiteY85" fmla="*/ 576775 h 3221501"/>
+                <a:gd name="connsiteX86" fmla="*/ 4332969 w 4332969"/>
+                <a:gd name="connsiteY86" fmla="*/ 492369 h 3221501"/>
+                <a:gd name="connsiteX87" fmla="*/ 4234495 w 4332969"/>
+                <a:gd name="connsiteY87" fmla="*/ 323557 h 3221501"/>
+                <a:gd name="connsiteX88" fmla="*/ 4178225 w 4332969"/>
+                <a:gd name="connsiteY88" fmla="*/ 281354 h 3221501"/>
+                <a:gd name="connsiteX89" fmla="*/ 4150089 w 4332969"/>
+                <a:gd name="connsiteY89" fmla="*/ 239151 h 3221501"/>
+                <a:gd name="connsiteX90" fmla="*/ 4065683 w 4332969"/>
+                <a:gd name="connsiteY90" fmla="*/ 182880 h 3221501"/>
+                <a:gd name="connsiteX91" fmla="*/ 4037548 w 4332969"/>
+                <a:gd name="connsiteY91" fmla="*/ 154744 h 3221501"/>
+                <a:gd name="connsiteX92" fmla="*/ 3995345 w 4332969"/>
+                <a:gd name="connsiteY92" fmla="*/ 126609 h 3221501"/>
+                <a:gd name="connsiteX93" fmla="*/ 3939074 w 4332969"/>
+                <a:gd name="connsiteY93" fmla="*/ 84406 h 3221501"/>
+                <a:gd name="connsiteX94" fmla="*/ 3910938 w 4332969"/>
+                <a:gd name="connsiteY94" fmla="*/ 56271 h 3221501"/>
+                <a:gd name="connsiteX95" fmla="*/ 3868735 w 4332969"/>
+                <a:gd name="connsiteY95" fmla="*/ 42203 h 3221501"/>
+                <a:gd name="connsiteX96" fmla="*/ 3770262 w 4332969"/>
+                <a:gd name="connsiteY96" fmla="*/ 0 h 3221501"/>
+                <a:gd name="connsiteX97" fmla="*/ 3573314 w 4332969"/>
+                <a:gd name="connsiteY97" fmla="*/ 28135 h 3221501"/>
+                <a:gd name="connsiteX98" fmla="*/ 3545178 w 4332969"/>
+                <a:gd name="connsiteY98" fmla="*/ 56271 h 3221501"/>
+                <a:gd name="connsiteX99" fmla="*/ 3488908 w 4332969"/>
+                <a:gd name="connsiteY99" fmla="*/ 98474 h 3221501"/>
+                <a:gd name="connsiteX100" fmla="*/ 3404502 w 4332969"/>
+                <a:gd name="connsiteY100" fmla="*/ 168812 h 3221501"/>
+                <a:gd name="connsiteX101" fmla="*/ 3348231 w 4332969"/>
+                <a:gd name="connsiteY101" fmla="*/ 196948 h 3221501"/>
+                <a:gd name="connsiteX102" fmla="*/ 3320095 w 4332969"/>
+                <a:gd name="connsiteY102" fmla="*/ 239151 h 3221501"/>
+                <a:gd name="connsiteX103" fmla="*/ 3235689 w 4332969"/>
+                <a:gd name="connsiteY103" fmla="*/ 323557 h 3221501"/>
+                <a:gd name="connsiteX104" fmla="*/ 3179418 w 4332969"/>
+                <a:gd name="connsiteY104" fmla="*/ 407963 h 3221501"/>
+                <a:gd name="connsiteX105" fmla="*/ 3109080 w 4332969"/>
+                <a:gd name="connsiteY105" fmla="*/ 562708 h 3221501"/>
+                <a:gd name="connsiteX106" fmla="*/ 3038742 w 4332969"/>
+                <a:gd name="connsiteY106" fmla="*/ 787791 h 3221501"/>
+                <a:gd name="connsiteX107" fmla="*/ 3010606 w 4332969"/>
+                <a:gd name="connsiteY107" fmla="*/ 872197 h 3221501"/>
+                <a:gd name="connsiteX108" fmla="*/ 2996538 w 4332969"/>
+                <a:gd name="connsiteY108" fmla="*/ 942535 h 3221501"/>
+                <a:gd name="connsiteX109" fmla="*/ 2954335 w 4332969"/>
+                <a:gd name="connsiteY109" fmla="*/ 998806 h 3221501"/>
+                <a:gd name="connsiteX110" fmla="*/ 2898065 w 4332969"/>
+                <a:gd name="connsiteY110" fmla="*/ 1083212 h 3221501"/>
+                <a:gd name="connsiteX111" fmla="*/ 2869929 w 4332969"/>
+                <a:gd name="connsiteY111" fmla="*/ 1111348 h 3221501"/>
+                <a:gd name="connsiteX112" fmla="*/ 2827726 w 4332969"/>
+                <a:gd name="connsiteY112" fmla="*/ 1167618 h 3221501"/>
+                <a:gd name="connsiteX113" fmla="*/ 2771455 w 4332969"/>
+                <a:gd name="connsiteY113" fmla="*/ 1223889 h 3221501"/>
+                <a:gd name="connsiteX114" fmla="*/ 2757388 w 4332969"/>
+                <a:gd name="connsiteY114" fmla="*/ 1266092 h 3221501"/>
+                <a:gd name="connsiteX115" fmla="*/ 2701117 w 4332969"/>
+                <a:gd name="connsiteY115" fmla="*/ 1308295 h 3221501"/>
+                <a:gd name="connsiteX116" fmla="*/ 2616711 w 4332969"/>
+                <a:gd name="connsiteY116" fmla="*/ 1350498 h 3221501"/>
+                <a:gd name="connsiteX117" fmla="*/ 2588575 w 4332969"/>
+                <a:gd name="connsiteY117" fmla="*/ 1378634 h 3221501"/>
+                <a:gd name="connsiteX118" fmla="*/ 2546372 w 4332969"/>
+                <a:gd name="connsiteY118" fmla="*/ 1392701 h 3221501"/>
+                <a:gd name="connsiteX119" fmla="*/ 2532305 w 4332969"/>
+                <a:gd name="connsiteY119" fmla="*/ 1434904 h 3221501"/>
+                <a:gd name="connsiteX120" fmla="*/ 2504169 w 4332969"/>
+                <a:gd name="connsiteY120" fmla="*/ 1463040 h 3221501"/>
+                <a:gd name="connsiteX121" fmla="*/ 2476034 w 4332969"/>
+                <a:gd name="connsiteY121" fmla="*/ 1519311 h 3221501"/>
+                <a:gd name="connsiteX122" fmla="*/ 2447898 w 4332969"/>
+                <a:gd name="connsiteY122" fmla="*/ 1547446 h 3221501"/>
+                <a:gd name="connsiteX123" fmla="*/ 2419763 w 4332969"/>
+                <a:gd name="connsiteY123" fmla="*/ 1589649 h 3221501"/>
+                <a:gd name="connsiteX124" fmla="*/ 2335357 w 4332969"/>
+                <a:gd name="connsiteY124" fmla="*/ 1674055 h 3221501"/>
+                <a:gd name="connsiteX125" fmla="*/ 2222815 w 4332969"/>
+                <a:gd name="connsiteY125" fmla="*/ 1758461 h 3221501"/>
+                <a:gd name="connsiteX126" fmla="*/ 2180612 w 4332969"/>
+                <a:gd name="connsiteY126" fmla="*/ 1772529 h 3221501"/>
+                <a:gd name="connsiteX127" fmla="*/ 2138409 w 4332969"/>
+                <a:gd name="connsiteY127" fmla="*/ 1800664 h 3221501"/>
+                <a:gd name="connsiteX128" fmla="*/ 2039935 w 4332969"/>
+                <a:gd name="connsiteY128" fmla="*/ 1814732 h 3221501"/>
+                <a:gd name="connsiteX129" fmla="*/ 1814852 w 4332969"/>
+                <a:gd name="connsiteY129" fmla="*/ 1814732 h 3221501"/>
+                <a:gd name="connsiteX130" fmla="*/ 1758582 w 4332969"/>
+                <a:gd name="connsiteY130" fmla="*/ 1786597 h 3221501"/>
+                <a:gd name="connsiteX131" fmla="*/ 1730446 w 4332969"/>
+                <a:gd name="connsiteY131" fmla="*/ 1744394 h 3221501"/>
+                <a:gd name="connsiteX132" fmla="*/ 1688243 w 4332969"/>
+                <a:gd name="connsiteY132" fmla="*/ 1702191 h 3221501"/>
+                <a:gd name="connsiteX133" fmla="*/ 1674175 w 4332969"/>
+                <a:gd name="connsiteY133" fmla="*/ 1659988 h 3221501"/>
+                <a:gd name="connsiteX134" fmla="*/ 1646040 w 4332969"/>
+                <a:gd name="connsiteY134" fmla="*/ 1617784 h 3221501"/>
+                <a:gd name="connsiteX135" fmla="*/ 1631972 w 4332969"/>
+                <a:gd name="connsiteY135" fmla="*/ 1477108 h 3221501"/>
+                <a:gd name="connsiteX136" fmla="*/ 1617905 w 4332969"/>
+                <a:gd name="connsiteY136" fmla="*/ 1434904 h 3221501"/>
+                <a:gd name="connsiteX137" fmla="*/ 1603837 w 4332969"/>
+                <a:gd name="connsiteY137" fmla="*/ 1308295 h 3221501"/>
+                <a:gd name="connsiteX138" fmla="*/ 1575702 w 4332969"/>
+                <a:gd name="connsiteY138" fmla="*/ 1223889 h 3221501"/>
+                <a:gd name="connsiteX139" fmla="*/ 1561634 w 4332969"/>
+                <a:gd name="connsiteY139" fmla="*/ 1083212 h 3221501"/>
+                <a:gd name="connsiteX140" fmla="*/ 1547566 w 4332969"/>
+                <a:gd name="connsiteY140" fmla="*/ 1041009 h 3221501"/>
+                <a:gd name="connsiteX141" fmla="*/ 1533498 w 4332969"/>
+                <a:gd name="connsiteY141" fmla="*/ 914400 h 3221501"/>
+                <a:gd name="connsiteX142" fmla="*/ 1491295 w 4332969"/>
+                <a:gd name="connsiteY142" fmla="*/ 844061 h 3221501"/>
+                <a:gd name="connsiteX143" fmla="*/ 1449092 w 4332969"/>
+                <a:gd name="connsiteY143" fmla="*/ 773723 h 3221501"/>
+                <a:gd name="connsiteX144" fmla="*/ 1392822 w 4332969"/>
+                <a:gd name="connsiteY144" fmla="*/ 661181 h 3221501"/>
+                <a:gd name="connsiteX145" fmla="*/ 1322483 w 4332969"/>
+                <a:gd name="connsiteY145" fmla="*/ 590843 h 3221501"/>
+                <a:gd name="connsiteX146" fmla="*/ 1266212 w 4332969"/>
+                <a:gd name="connsiteY146" fmla="*/ 506437 h 3221501"/>
+                <a:gd name="connsiteX147" fmla="*/ 1238077 w 4332969"/>
+                <a:gd name="connsiteY147" fmla="*/ 478301 h 3221501"/>
+                <a:gd name="connsiteX148" fmla="*/ 1209942 w 4332969"/>
+                <a:gd name="connsiteY148" fmla="*/ 436098 h 3221501"/>
+                <a:gd name="connsiteX149" fmla="*/ 1181806 w 4332969"/>
+                <a:gd name="connsiteY149" fmla="*/ 407963 h 3221501"/>
+                <a:gd name="connsiteX150" fmla="*/ 1153671 w 4332969"/>
+                <a:gd name="connsiteY150" fmla="*/ 365760 h 3221501"/>
+                <a:gd name="connsiteX151" fmla="*/ 1027062 w 4332969"/>
+                <a:gd name="connsiteY151" fmla="*/ 295421 h 3221501"/>
+                <a:gd name="connsiteX152" fmla="*/ 998926 w 4332969"/>
+                <a:gd name="connsiteY152" fmla="*/ 267286 h 3221501"/>
+                <a:gd name="connsiteX153" fmla="*/ 970791 w 4332969"/>
+                <a:gd name="connsiteY153" fmla="*/ 225083 h 3221501"/>
+                <a:gd name="connsiteX154" fmla="*/ 928588 w 4332969"/>
+                <a:gd name="connsiteY154" fmla="*/ 211015 h 3221501"/>
+                <a:gd name="connsiteX155" fmla="*/ 844182 w 4332969"/>
+                <a:gd name="connsiteY155" fmla="*/ 168812 h 3221501"/>
+                <a:gd name="connsiteX156" fmla="*/ 168932 w 4332969"/>
+                <a:gd name="connsiteY156" fmla="*/ 154744 h 3221501"/>
+                <a:gd name="connsiteX157" fmla="*/ 126729 w 4332969"/>
+                <a:gd name="connsiteY157" fmla="*/ 140677 h 3221501"/>
+                <a:gd name="connsiteX158" fmla="*/ 56391 w 4332969"/>
+                <a:gd name="connsiteY158" fmla="*/ 182880 h 3221501"/>
+                <a:gd name="connsiteX159" fmla="*/ 120 w 4332969"/>
+                <a:gd name="connsiteY159" fmla="*/ 154744 h 3221501"/>
+              </a:gdLst>
+              <a:ahLst/>
+              <a:cxnLst>
+                <a:cxn ang="0">
+                  <a:pos x="connsiteX0" y="connsiteY0"/>
+                </a:cxn>
+                <a:cxn ang="0">
+                  <a:pos x="connsiteX1" y="connsiteY1"/>
+                </a:cxn>
+                <a:cxn ang="0">
+                  <a:pos x="connsiteX2" y="connsiteY2"/>
+                </a:cxn>
+                <a:cxn ang="0">
+                  <a:pos x="connsiteX3" y="connsiteY3"/>
+                </a:cxn>
+                <a:cxn ang="0">
+                  <a:pos x="connsiteX4" y="connsiteY4"/>
+                </a:cxn>
+                <a:cxn ang="0">
+                  <a:pos x="connsiteX5" y="connsiteY5"/>
+                </a:cxn>
+                <a:cxn ang="0">
+                  <a:pos x="connsiteX6" y="connsiteY6"/>
+                </a:cxn>
+                <a:cxn ang="0">
+                  <a:pos x="connsiteX7" y="connsiteY7"/>
+                </a:cxn>
+                <a:cxn ang="0">
+                  <a:pos x="connsiteX8" y="connsiteY8"/>
+                </a:cxn>
+                <a:cxn ang="0">
+                  <a:pos x="connsiteX9" y="connsiteY9"/>
+                </a:cxn>
+                <a:cxn ang="0">
+                  <a:pos x="connsiteX10" y="connsiteY10"/>
+                </a:cxn>
+                <a:cxn ang="0">
+                  <a:pos x="connsiteX11" y="connsiteY11"/>
+                </a:cxn>
+                <a:cxn ang="0">
+                  <a:pos x="connsiteX12" y="connsiteY12"/>
+                </a:cxn>
+                <a:cxn ang="0">
+                  <a:pos x="connsiteX13" y="connsiteY13"/>
+                </a:cxn>
+                <a:cxn ang="0">
+                  <a:pos x="connsiteX14" y="connsiteY14"/>
+                </a:cxn>
+                <a:cxn ang="0">
+                  <a:pos x="connsiteX15" y="connsiteY15"/>
+                </a:cxn>
+                <a:cxn ang="0">
+                  <a:pos x="connsiteX16" y="connsiteY16"/>
+                </a:cxn>
+                <a:cxn ang="0">
+                  <a:pos x="connsiteX17" y="connsiteY17"/>
+                </a:cxn>
+                <a:cxn ang="0">
+                  <a:pos x="connsiteX18" y="connsiteY18"/>
+                </a:cxn>
+                <a:cxn ang="0">
+                  <a:pos x="connsiteX19" y="connsiteY19"/>
+                </a:cxn>
+                <a:cxn ang="0">
+                  <a:pos x="connsiteX20" y="connsiteY20"/>
+                </a:cxn>
+                <a:cxn ang="0">
+                  <a:pos x="connsiteX21" y="connsiteY21"/>
+                </a:cxn>
+                <a:cxn ang="0">
+                  <a:pos x="connsiteX22" y="connsiteY22"/>
+                </a:cxn>
+                <a:cxn ang="0">
+                  <a:pos x="connsiteX23" y="connsiteY23"/>
+                </a:cxn>
+                <a:cxn ang="0">
+                  <a:pos x="connsiteX24" y="connsiteY24"/>
+                </a:cxn>
+                <a:cxn ang="0">
+                  <a:pos x="connsiteX25" y="connsiteY25"/>
+                </a:cxn>
+                <a:cxn ang="0">
+                  <a:pos x="connsiteX26" y="connsiteY26"/>
+                </a:cxn>
+                <a:cxn ang="0">
+                  <a:pos x="connsiteX27" y="connsiteY27"/>
+                </a:cxn>
+                <a:cxn ang="0">
+                  <a:pos x="connsiteX28" y="connsiteY28"/>
+                </a:cxn>
+                <a:cxn ang="0">
+                  <a:pos x="connsiteX29" y="connsiteY29"/>
+                </a:cxn>
+                <a:cxn ang="0">
+                  <a:pos x="connsiteX30" y="connsiteY30"/>
+                </a:cxn>
+                <a:cxn ang="0">
+                  <a:pos x="connsiteX31" y="connsiteY31"/>
+                </a:cxn>
+                <a:cxn ang="0">
+                  <a:pos x="connsiteX32" y="connsiteY32"/>
+                </a:cxn>
+                <a:cxn ang="0">
+                  <a:pos x="connsiteX33" y="connsiteY33"/>
+                </a:cxn>
+                <a:cxn ang="0">
+                  <a:pos x="connsiteX34" y="connsiteY34"/>
+                </a:cxn>
+                <a:cxn ang="0">
+                  <a:pos x="connsiteX35" y="connsiteY35"/>
+                </a:cxn>
+                <a:cxn ang="0">
+                  <a:pos x="connsiteX36" y="connsiteY36"/>
+                </a:cxn>
+                <a:cxn ang="0">
+                  <a:pos x="connsiteX37" y="connsiteY37"/>
+                </a:cxn>
+                <a:cxn ang="0">
+                  <a:pos x="connsiteX38" y="connsiteY38"/>
+                </a:cxn>
+                <a:cxn ang="0">
+                  <a:pos x="connsiteX39" y="connsiteY39"/>
+                </a:cxn>
+                <a:cxn ang="0">
+                  <a:pos x="connsiteX40" y="connsiteY40"/>
+                </a:cxn>
+                <a:cxn ang="0">
+                  <a:pos x="connsiteX41" y="connsiteY41"/>
+                </a:cxn>
+                <a:cxn ang="0">
+                  <a:pos x="connsiteX42" y="connsiteY42"/>
+                </a:cxn>
+                <a:cxn ang="0">
+                  <a:pos x="connsiteX43" y="connsiteY43"/>
+                </a:cxn>
+                <a:cxn ang="0">
+                  <a:pos x="connsiteX44" y="connsiteY44"/>
+                </a:cxn>
+                <a:cxn ang="0">
+                  <a:pos x="connsiteX45" y="connsiteY45"/>
+                </a:cxn>
+                <a:cxn ang="0">
+                  <a:pos x="connsiteX46" y="connsiteY46"/>
+                </a:cxn>
+                <a:cxn ang="0">
+                  <a:pos x="connsiteX47" y="connsiteY47"/>
+                </a:cxn>
+                <a:cxn ang="0">
+                  <a:pos x="connsiteX48" y="connsiteY48"/>
+                </a:cxn>
+                <a:cxn ang="0">
+                  <a:pos x="connsiteX49" y="connsiteY49"/>
+                </a:cxn>
+                <a:cxn ang="0">
+                  <a:pos x="connsiteX50" y="connsiteY50"/>
+                </a:cxn>
+                <a:cxn ang="0">
+                  <a:pos x="connsiteX51" y="connsiteY51"/>
+                </a:cxn>
+                <a:cxn ang="0">
+                  <a:pos x="connsiteX52" y="connsiteY52"/>
+                </a:cxn>
+                <a:cxn ang="0">
+                  <a:pos x="connsiteX53" y="connsiteY53"/>
+                </a:cxn>
+                <a:cxn ang="0">
+                  <a:pos x="connsiteX54" y="connsiteY54"/>
+                </a:cxn>
+                <a:cxn ang="0">
+                  <a:pos x="connsiteX55" y="connsiteY55"/>
+                </a:cxn>
+                <a:cxn ang="0">
+                  <a:pos x="connsiteX56" y="connsiteY56"/>
+                </a:cxn>
+                <a:cxn ang="0">
+                  <a:pos x="connsiteX57" y="connsiteY57"/>
+                </a:cxn>
+                <a:cxn ang="0">
+                  <a:pos x="connsiteX58" y="connsiteY58"/>
+                </a:cxn>
+                <a:cxn ang="0">
+                  <a:pos x="connsiteX59" y="connsiteY59"/>
+                </a:cxn>
+                <a:cxn ang="0">
+                  <a:pos x="connsiteX60" y="connsiteY60"/>
+                </a:cxn>
+                <a:cxn ang="0">
+                  <a:pos x="connsiteX61" y="connsiteY61"/>
+                </a:cxn>
+                <a:cxn ang="0">
+                  <a:pos x="connsiteX62" y="connsiteY62"/>
+                </a:cxn>
+                <a:cxn ang="0">
+                  <a:pos x="connsiteX63" y="connsiteY63"/>
+                </a:cxn>
+                <a:cxn ang="0">
+                  <a:pos x="connsiteX64" y="connsiteY64"/>
+                </a:cxn>
+                <a:cxn ang="0">
+                  <a:pos x="connsiteX65" y="connsiteY65"/>
+                </a:cxn>
+                <a:cxn ang="0">
+                  <a:pos x="connsiteX66" y="connsiteY66"/>
+                </a:cxn>
+                <a:cxn ang="0">
+                  <a:pos x="connsiteX67" y="connsiteY67"/>
+                </a:cxn>
+                <a:cxn ang="0">
+                  <a:pos x="connsiteX68" y="connsiteY68"/>
+                </a:cxn>
+                <a:cxn ang="0">
+                  <a:pos x="connsiteX69" y="connsiteY69"/>
+                </a:cxn>
+                <a:cxn ang="0">
+                  <a:pos x="connsiteX70" y="connsiteY70"/>
+                </a:cxn>
+                <a:cxn ang="0">
+                  <a:pos x="connsiteX71" y="connsiteY71"/>
+                </a:cxn>
+                <a:cxn ang="0">
+                  <a:pos x="connsiteX72" y="connsiteY72"/>
+                </a:cxn>
+                <a:cxn ang="0">
+                  <a:pos x="connsiteX73" y="connsiteY73"/>
+                </a:cxn>
+                <a:cxn ang="0">
+                  <a:pos x="connsiteX74" y="connsiteY74"/>
+                </a:cxn>
+                <a:cxn ang="0">
+                  <a:pos x="connsiteX75" y="connsiteY75"/>
+                </a:cxn>
+                <a:cxn ang="0">
+                  <a:pos x="connsiteX76" y="connsiteY76"/>
+                </a:cxn>
+                <a:cxn ang="0">
+                  <a:pos x="connsiteX77" y="connsiteY77"/>
+                </a:cxn>
+                <a:cxn ang="0">
+                  <a:pos x="connsiteX78" y="connsiteY78"/>
+                </a:cxn>
+                <a:cxn ang="0">
+                  <a:pos x="connsiteX79" y="connsiteY79"/>
+                </a:cxn>
+                <a:cxn ang="0">
+                  <a:pos x="connsiteX80" y="connsiteY80"/>
+                </a:cxn>
+                <a:cxn ang="0">
+                  <a:pos x="connsiteX81" y="connsiteY81"/>
+                </a:cxn>
+                <a:cxn ang="0">
+                  <a:pos x="connsiteX82" y="connsiteY82"/>
+                </a:cxn>
+                <a:cxn ang="0">
+                  <a:pos x="connsiteX83" y="connsiteY83"/>
+                </a:cxn>
+                <a:cxn ang="0">
+                  <a:pos x="connsiteX84" y="connsiteY84"/>
+                </a:cxn>
+                <a:cxn ang="0">
+                  <a:pos x="connsiteX85" y="connsiteY85"/>
+                </a:cxn>
+                <a:cxn ang="0">
+                  <a:pos x="connsiteX86" y="connsiteY86"/>
+                </a:cxn>
+                <a:cxn ang="0">
+                  <a:pos x="connsiteX87" y="connsiteY87"/>
+                </a:cxn>
+                <a:cxn ang="0">
+                  <a:pos x="connsiteX88" y="connsiteY88"/>
+                </a:cxn>
+                <a:cxn ang="0">
+                  <a:pos x="connsiteX89" y="connsiteY89"/>
+                </a:cxn>
+                <a:cxn ang="0">
+                  <a:pos x="connsiteX90" y="connsiteY90"/>
+                </a:cxn>
+                <a:cxn ang="0">
+                  <a:pos x="connsiteX91" y="connsiteY91"/>
+                </a:cxn>
+                <a:cxn ang="0">
+                  <a:pos x="connsiteX92" y="connsiteY92"/>
+                </a:cxn>
+                <a:cxn ang="0">
+                  <a:pos x="connsiteX93" y="connsiteY93"/>
+                </a:cxn>
+                <a:cxn ang="0">
+                  <a:pos x="connsiteX94" y="connsiteY94"/>
+                </a:cxn>
+                <a:cxn ang="0">
+                  <a:pos x="connsiteX95" y="connsiteY95"/>
+                </a:cxn>
+                <a:cxn ang="0">
+                  <a:pos x="connsiteX96" y="connsiteY96"/>
+                </a:cxn>
+                <a:cxn ang="0">
+                  <a:pos x="connsiteX97" y="connsiteY97"/>
+                </a:cxn>
+                <a:cxn ang="0">
+                  <a:pos x="connsiteX98" y="connsiteY98"/>
+                </a:cxn>
+                <a:cxn ang="0">
+                  <a:pos x="connsiteX99" y="connsiteY99"/>
+                </a:cxn>
+                <a:cxn ang="0">
+                  <a:pos x="connsiteX100" y="connsiteY100"/>
+                </a:cxn>
+                <a:cxn ang="0">
+                  <a:pos x="connsiteX101" y="connsiteY101"/>
+                </a:cxn>
+                <a:cxn ang="0">
+                  <a:pos x="connsiteX102" y="connsiteY102"/>
+                </a:cxn>
+                <a:cxn ang="0">
+                  <a:pos x="connsiteX103" y="connsiteY103"/>
+                </a:cxn>
+                <a:cxn ang="0">
+                  <a:pos x="connsiteX104" y="connsiteY104"/>
+                </a:cxn>
+                <a:cxn ang="0">
+                  <a:pos x="connsiteX105" y="connsiteY105"/>
+                </a:cxn>
+                <a:cxn ang="0">
+                  <a:pos x="connsiteX106" y="connsiteY106"/>
+                </a:cxn>
+                <a:cxn ang="0">
+                  <a:pos x="connsiteX107" y="connsiteY107"/>
+                </a:cxn>
+                <a:cxn ang="0">
+                  <a:pos x="connsiteX108" y="connsiteY108"/>
+                </a:cxn>
+                <a:cxn ang="0">
+                  <a:pos x="connsiteX109" y="connsiteY109"/>
+                </a:cxn>
+                <a:cxn ang="0">
+                  <a:pos x="connsiteX110" y="connsiteY110"/>
+                </a:cxn>
+                <a:cxn ang="0">
+                  <a:pos x="connsiteX111" y="connsiteY111"/>
+                </a:cxn>
+                <a:cxn ang="0">
+                  <a:pos x="connsiteX112" y="connsiteY112"/>
+                </a:cxn>
+                <a:cxn ang="0">
+                  <a:pos x="connsiteX113" y="connsiteY113"/>
+                </a:cxn>
+                <a:cxn ang="0">
+                  <a:pos x="connsiteX114" y="connsiteY114"/>
+                </a:cxn>
+                <a:cxn ang="0">
+                  <a:pos x="connsiteX115" y="connsiteY115"/>
+                </a:cxn>
+                <a:cxn ang="0">
+                  <a:pos x="connsiteX116" y="connsiteY116"/>
+                </a:cxn>
+                <a:cxn ang="0">
+                  <a:pos x="connsiteX117" y="connsiteY117"/>
+                </a:cxn>
+                <a:cxn ang="0">
+                  <a:pos x="connsiteX118" y="connsiteY118"/>
+                </a:cxn>
+                <a:cxn ang="0">
+                  <a:pos x="connsiteX119" y="connsiteY119"/>
+                </a:cxn>
+                <a:cxn ang="0">
+                  <a:pos x="connsiteX120" y="connsiteY120"/>
+                </a:cxn>
+                <a:cxn ang="0">
+                  <a:pos x="connsiteX121" y="connsiteY121"/>
+                </a:cxn>
+                <a:cxn ang="0">
+                  <a:pos x="connsiteX122" y="connsiteY122"/>
+                </a:cxn>
+                <a:cxn ang="0">
+                  <a:pos x="connsiteX123" y="connsiteY123"/>
+                </a:cxn>
+                <a:cxn ang="0">
+                  <a:pos x="connsiteX124" y="connsiteY124"/>
+                </a:cxn>
+                <a:cxn ang="0">
+                  <a:pos x="connsiteX125" y="connsiteY125"/>
+                </a:cxn>
+                <a:cxn ang="0">
+                  <a:pos x="connsiteX126" y="connsiteY126"/>
+                </a:cxn>
+                <a:cxn ang="0">
+                  <a:pos x="connsiteX127" y="connsiteY127"/>
+                </a:cxn>
+                <a:cxn ang="0">
+                  <a:pos x="connsiteX128" y="connsiteY128"/>
+                </a:cxn>
+                <a:cxn ang="0">
+                  <a:pos x="connsiteX129" y="connsiteY129"/>
+                </a:cxn>
+                <a:cxn ang="0">
+                  <a:pos x="connsiteX130" y="connsiteY130"/>
+                </a:cxn>
+                <a:cxn ang="0">
+                  <a:pos x="connsiteX131" y="connsiteY131"/>
+                </a:cxn>
+                <a:cxn ang="0">
+                  <a:pos x="connsiteX132" y="connsiteY132"/>
+                </a:cxn>
+                <a:cxn ang="0">
+                  <a:pos x="connsiteX133" y="connsiteY133"/>
+                </a:cxn>
+                <a:cxn ang="0">
+                  <a:pos x="connsiteX134" y="connsiteY134"/>
+                </a:cxn>
+                <a:cxn ang="0">
+                  <a:pos x="connsiteX135" y="connsiteY135"/>
+                </a:cxn>
+                <a:cxn ang="0">
+                  <a:pos x="connsiteX136" y="connsiteY136"/>
+                </a:cxn>
+                <a:cxn ang="0">
+                  <a:pos x="connsiteX137" y="connsiteY137"/>
+                </a:cxn>
+                <a:cxn ang="0">
+                  <a:pos x="connsiteX138" y="connsiteY138"/>
+                </a:cxn>
+                <a:cxn ang="0">
+                  <a:pos x="connsiteX139" y="connsiteY139"/>
+                </a:cxn>
+                <a:cxn ang="0">
+                  <a:pos x="connsiteX140" y="connsiteY140"/>
+                </a:cxn>
+                <a:cxn ang="0">
+                  <a:pos x="connsiteX141" y="connsiteY141"/>
+                </a:cxn>
+                <a:cxn ang="0">
+                  <a:pos x="connsiteX142" y="connsiteY142"/>
+                </a:cxn>
+                <a:cxn ang="0">
+                  <a:pos x="connsiteX143" y="connsiteY143"/>
+                </a:cxn>
+                <a:cxn ang="0">
+                  <a:pos x="connsiteX144" y="connsiteY144"/>
+                </a:cxn>
+                <a:cxn ang="0">
+                  <a:pos x="connsiteX145" y="connsiteY145"/>
+                </a:cxn>
+                <a:cxn ang="0">
+                  <a:pos x="connsiteX146" y="connsiteY146"/>
+                </a:cxn>
+                <a:cxn ang="0">
+                  <a:pos x="connsiteX147" y="connsiteY147"/>
+                </a:cxn>
+                <a:cxn ang="0">
+                  <a:pos x="connsiteX148" y="connsiteY148"/>
+                </a:cxn>
+                <a:cxn ang="0">
+                  <a:pos x="connsiteX149" y="connsiteY149"/>
+                </a:cxn>
+                <a:cxn ang="0">
+                  <a:pos x="connsiteX150" y="connsiteY150"/>
+                </a:cxn>
+                <a:cxn ang="0">
+                  <a:pos x="connsiteX151" y="connsiteY151"/>
+                </a:cxn>
+                <a:cxn ang="0">
+                  <a:pos x="connsiteX152" y="connsiteY152"/>
+                </a:cxn>
+                <a:cxn ang="0">
+                  <a:pos x="connsiteX153" y="connsiteY153"/>
+                </a:cxn>
+                <a:cxn ang="0">
+                  <a:pos x="connsiteX154" y="connsiteY154"/>
+                </a:cxn>
+                <a:cxn ang="0">
+                  <a:pos x="connsiteX155" y="connsiteY155"/>
+                </a:cxn>
+                <a:cxn ang="0">
+                  <a:pos x="connsiteX156" y="connsiteY156"/>
+                </a:cxn>
+                <a:cxn ang="0">
+                  <a:pos x="connsiteX157" y="connsiteY157"/>
+                </a:cxn>
+                <a:cxn ang="0">
+                  <a:pos x="connsiteX158" y="connsiteY158"/>
+                </a:cxn>
+                <a:cxn ang="0">
+                  <a:pos x="connsiteX159" y="connsiteY159"/>
+                </a:cxn>
+              </a:cxnLst>
+              <a:rect l="l" t="t" r="r" b="b"/>
+              <a:pathLst>
+                <a:path w="4332969" h="3221501">
+                  <a:moveTo>
+                    <a:pt x="120" y="154744"/>
+                  </a:moveTo>
+                  <a:cubicBezTo>
+                    <a:pt x="-2225" y="164122"/>
+                    <a:pt x="30224" y="210114"/>
+                    <a:pt x="42323" y="239151"/>
+                  </a:cubicBezTo>
+                  <a:cubicBezTo>
+                    <a:pt x="98124" y="373076"/>
+                    <a:pt x="41282" y="279795"/>
+                    <a:pt x="98594" y="365760"/>
+                  </a:cubicBezTo>
+                  <a:cubicBezTo>
+                    <a:pt x="105626" y="407949"/>
+                    <a:pt x="116028" y="497418"/>
+                    <a:pt x="140797" y="534572"/>
+                  </a:cubicBezTo>
+                  <a:cubicBezTo>
+                    <a:pt x="150175" y="548640"/>
+                    <a:pt x="162065" y="561325"/>
+                    <a:pt x="168932" y="576775"/>
+                  </a:cubicBezTo>
+                  <a:cubicBezTo>
+                    <a:pt x="235896" y="727443"/>
+                    <a:pt x="161530" y="607873"/>
+                    <a:pt x="225203" y="703384"/>
+                  </a:cubicBezTo>
+                  <a:cubicBezTo>
+                    <a:pt x="256934" y="830312"/>
+                    <a:pt x="241110" y="779242"/>
+                    <a:pt x="267406" y="858129"/>
+                  </a:cubicBezTo>
+                  <a:cubicBezTo>
+                    <a:pt x="272095" y="890954"/>
+                    <a:pt x="275542" y="923980"/>
+                    <a:pt x="281474" y="956603"/>
+                  </a:cubicBezTo>
+                  <a:cubicBezTo>
+                    <a:pt x="288539" y="995460"/>
+                    <a:pt x="297558" y="1018921"/>
+                    <a:pt x="309609" y="1055077"/>
+                  </a:cubicBezTo>
+                  <a:cubicBezTo>
+                    <a:pt x="276784" y="1064455"/>
+                    <a:pt x="237792" y="1061886"/>
+                    <a:pt x="211135" y="1083212"/>
+                  </a:cubicBezTo>
+                  <a:cubicBezTo>
+                    <a:pt x="200778" y="1091498"/>
+                    <a:pt x="231313" y="1100737"/>
+                    <a:pt x="239271" y="1111348"/>
+                  </a:cubicBezTo>
+                  <a:cubicBezTo>
+                    <a:pt x="259560" y="1138400"/>
+                    <a:pt x="295542" y="1195754"/>
+                    <a:pt x="295542" y="1195754"/>
+                  </a:cubicBezTo>
+                  <a:cubicBezTo>
+                    <a:pt x="300050" y="1213787"/>
+                    <a:pt x="313585" y="1274044"/>
+                    <a:pt x="323677" y="1294228"/>
+                  </a:cubicBezTo>
+                  <a:cubicBezTo>
+                    <a:pt x="341424" y="1329722"/>
+                    <a:pt x="353777" y="1338396"/>
+                    <a:pt x="379948" y="1364566"/>
+                  </a:cubicBezTo>
+                  <a:cubicBezTo>
+                    <a:pt x="384637" y="1378634"/>
+                    <a:pt x="385396" y="1394702"/>
+                    <a:pt x="394015" y="1406769"/>
+                  </a:cubicBezTo>
+                  <a:cubicBezTo>
+                    <a:pt x="409433" y="1428354"/>
+                    <a:pt x="450286" y="1463040"/>
+                    <a:pt x="450286" y="1463040"/>
+                  </a:cubicBezTo>
+                  <a:cubicBezTo>
+                    <a:pt x="454975" y="1477108"/>
+                    <a:pt x="458513" y="1491613"/>
+                    <a:pt x="464354" y="1505243"/>
+                  </a:cubicBezTo>
+                  <a:cubicBezTo>
+                    <a:pt x="485774" y="1555222"/>
+                    <a:pt x="492366" y="1561330"/>
+                    <a:pt x="520625" y="1603717"/>
+                  </a:cubicBezTo>
+                  <a:cubicBezTo>
+                    <a:pt x="545346" y="1677883"/>
+                    <a:pt x="518353" y="1617874"/>
+                    <a:pt x="576895" y="1688123"/>
+                  </a:cubicBezTo>
+                  <a:cubicBezTo>
+                    <a:pt x="674823" y="1805636"/>
+                    <a:pt x="523938" y="1649233"/>
+                    <a:pt x="647234" y="1772529"/>
+                  </a:cubicBezTo>
+                  <a:cubicBezTo>
+                    <a:pt x="687086" y="1892083"/>
+                    <a:pt x="631506" y="1746315"/>
+                    <a:pt x="689437" y="1842868"/>
+                  </a:cubicBezTo>
+                  <a:cubicBezTo>
+                    <a:pt x="697066" y="1855584"/>
+                    <a:pt x="694886" y="1873004"/>
+                    <a:pt x="703505" y="1885071"/>
+                  </a:cubicBezTo>
+                  <a:cubicBezTo>
+                    <a:pt x="718923" y="1906656"/>
+                    <a:pt x="742978" y="1920811"/>
+                    <a:pt x="759775" y="1941341"/>
+                  </a:cubicBezTo>
+                  <a:cubicBezTo>
+                    <a:pt x="907198" y="2121525"/>
+                    <a:pt x="769276" y="1978977"/>
+                    <a:pt x="872317" y="2082018"/>
+                  </a:cubicBezTo>
+                  <a:cubicBezTo>
+                    <a:pt x="893735" y="2124855"/>
+                    <a:pt x="919690" y="2191595"/>
+                    <a:pt x="970791" y="2208628"/>
+                  </a:cubicBezTo>
+                  <a:lnTo>
+                    <a:pt x="1012994" y="2222695"/>
+                  </a:lnTo>
+                  <a:cubicBezTo>
+                    <a:pt x="1027062" y="2232074"/>
+                    <a:pt x="1043242" y="2238876"/>
+                    <a:pt x="1055197" y="2250831"/>
+                  </a:cubicBezTo>
+                  <a:cubicBezTo>
+                    <a:pt x="1067152" y="2262786"/>
+                    <a:pt x="1072770" y="2279832"/>
+                    <a:pt x="1083332" y="2293034"/>
+                  </a:cubicBezTo>
+                  <a:cubicBezTo>
+                    <a:pt x="1091618" y="2303391"/>
+                    <a:pt x="1102089" y="2311791"/>
+                    <a:pt x="1111468" y="2321169"/>
+                  </a:cubicBezTo>
+                  <a:cubicBezTo>
+                    <a:pt x="1120846" y="2349304"/>
+                    <a:pt x="1123152" y="2380899"/>
+                    <a:pt x="1139603" y="2405575"/>
+                  </a:cubicBezTo>
+                  <a:cubicBezTo>
+                    <a:pt x="1226198" y="2535470"/>
+                    <a:pt x="1115693" y="2375687"/>
+                    <a:pt x="1195874" y="2475914"/>
+                  </a:cubicBezTo>
+                  <a:cubicBezTo>
+                    <a:pt x="1266854" y="2564640"/>
+                    <a:pt x="1184214" y="2478323"/>
+                    <a:pt x="1252145" y="2546252"/>
+                  </a:cubicBezTo>
+                  <a:cubicBezTo>
+                    <a:pt x="1291994" y="2665804"/>
+                    <a:pt x="1236417" y="2520039"/>
+                    <a:pt x="1294348" y="2616591"/>
+                  </a:cubicBezTo>
+                  <a:cubicBezTo>
+                    <a:pt x="1349132" y="2707898"/>
+                    <a:pt x="1265262" y="2615643"/>
+                    <a:pt x="1336551" y="2686929"/>
+                  </a:cubicBezTo>
+                  <a:cubicBezTo>
+                    <a:pt x="1341240" y="2705686"/>
+                    <a:pt x="1341972" y="2725907"/>
+                    <a:pt x="1350618" y="2743200"/>
+                  </a:cubicBezTo>
+                  <a:cubicBezTo>
+                    <a:pt x="1365740" y="2773445"/>
+                    <a:pt x="1388132" y="2799471"/>
+                    <a:pt x="1406889" y="2827606"/>
+                  </a:cubicBezTo>
+                  <a:cubicBezTo>
+                    <a:pt x="1416268" y="2841674"/>
+                    <a:pt x="1423070" y="2857854"/>
+                    <a:pt x="1435025" y="2869809"/>
+                  </a:cubicBezTo>
+                  <a:cubicBezTo>
+                    <a:pt x="1449093" y="2883877"/>
+                    <a:pt x="1464492" y="2896728"/>
+                    <a:pt x="1477228" y="2912012"/>
+                  </a:cubicBezTo>
+                  <a:cubicBezTo>
+                    <a:pt x="1507987" y="2948922"/>
+                    <a:pt x="1497121" y="2955069"/>
+                    <a:pt x="1533498" y="2982351"/>
+                  </a:cubicBezTo>
+                  <a:cubicBezTo>
+                    <a:pt x="1763761" y="3155047"/>
+                    <a:pt x="1450035" y="2907947"/>
+                    <a:pt x="1730446" y="3094892"/>
+                  </a:cubicBezTo>
+                  <a:cubicBezTo>
+                    <a:pt x="1788736" y="3133753"/>
+                    <a:pt x="1756246" y="3118928"/>
+                    <a:pt x="1828920" y="3137095"/>
+                  </a:cubicBezTo>
+                  <a:cubicBezTo>
+                    <a:pt x="1898394" y="3183412"/>
+                    <a:pt x="1844113" y="3154961"/>
+                    <a:pt x="1941462" y="3179298"/>
+                  </a:cubicBezTo>
+                  <a:cubicBezTo>
+                    <a:pt x="1955848" y="3182894"/>
+                    <a:pt x="1969189" y="3190149"/>
+                    <a:pt x="1983665" y="3193366"/>
+                  </a:cubicBezTo>
+                  <a:cubicBezTo>
+                    <a:pt x="2018810" y="3201176"/>
+                    <a:pt x="2135120" y="3217012"/>
+                    <a:pt x="2166545" y="3221501"/>
+                  </a:cubicBezTo>
+                  <a:cubicBezTo>
+                    <a:pt x="2255640" y="3216812"/>
+                    <a:pt x="2346345" y="3224931"/>
+                    <a:pt x="2433831" y="3207434"/>
+                  </a:cubicBezTo>
+                  <a:cubicBezTo>
+                    <a:pt x="2448372" y="3204526"/>
+                    <a:pt x="2437413" y="3175716"/>
+                    <a:pt x="2447898" y="3165231"/>
+                  </a:cubicBezTo>
+                  <a:cubicBezTo>
+                    <a:pt x="2471809" y="3141320"/>
+                    <a:pt x="2504169" y="3127717"/>
+                    <a:pt x="2532305" y="3108960"/>
+                  </a:cubicBezTo>
+                  <a:cubicBezTo>
+                    <a:pt x="2546373" y="3099581"/>
+                    <a:pt x="2562553" y="3092779"/>
+                    <a:pt x="2574508" y="3080824"/>
+                  </a:cubicBezTo>
+                  <a:cubicBezTo>
+                    <a:pt x="2588576" y="3066756"/>
+                    <a:pt x="2599438" y="3048491"/>
+                    <a:pt x="2616711" y="3038621"/>
+                  </a:cubicBezTo>
+                  <a:cubicBezTo>
+                    <a:pt x="2633498" y="3029029"/>
+                    <a:pt x="2654225" y="3029243"/>
+                    <a:pt x="2672982" y="3024554"/>
+                  </a:cubicBezTo>
+                  <a:cubicBezTo>
+                    <a:pt x="2696428" y="3001108"/>
+                    <a:pt x="2715731" y="2972608"/>
+                    <a:pt x="2743320" y="2954215"/>
+                  </a:cubicBezTo>
+                  <a:cubicBezTo>
+                    <a:pt x="2781504" y="2928760"/>
+                    <a:pt x="2814503" y="2910745"/>
+                    <a:pt x="2841794" y="2869809"/>
+                  </a:cubicBezTo>
+                  <a:lnTo>
+                    <a:pt x="2898065" y="2785403"/>
+                  </a:lnTo>
+                  <a:cubicBezTo>
+                    <a:pt x="2907443" y="2771335"/>
+                    <a:pt x="2914245" y="2755155"/>
+                    <a:pt x="2926200" y="2743200"/>
+                  </a:cubicBezTo>
+                  <a:lnTo>
+                    <a:pt x="2982471" y="2686929"/>
+                  </a:lnTo>
+                  <a:cubicBezTo>
+                    <a:pt x="2996539" y="2672861"/>
+                    <a:pt x="3008121" y="2655761"/>
+                    <a:pt x="3024674" y="2644726"/>
+                  </a:cubicBezTo>
+                  <a:lnTo>
+                    <a:pt x="3066877" y="2616591"/>
+                  </a:lnTo>
+                  <a:cubicBezTo>
+                    <a:pt x="3076255" y="2602523"/>
+                    <a:pt x="3083780" y="2587025"/>
+                    <a:pt x="3095012" y="2574388"/>
+                  </a:cubicBezTo>
+                  <a:cubicBezTo>
+                    <a:pt x="3165095" y="2495544"/>
+                    <a:pt x="3157477" y="2504608"/>
+                    <a:pt x="3221622" y="2461846"/>
+                  </a:cubicBezTo>
+                  <a:cubicBezTo>
+                    <a:pt x="3226311" y="2447778"/>
+                    <a:pt x="3227070" y="2431710"/>
+                    <a:pt x="3235689" y="2419643"/>
+                  </a:cubicBezTo>
+                  <a:cubicBezTo>
+                    <a:pt x="3251107" y="2398058"/>
+                    <a:pt x="3291960" y="2363372"/>
+                    <a:pt x="3291960" y="2363372"/>
+                  </a:cubicBezTo>
+                  <a:cubicBezTo>
+                    <a:pt x="3316683" y="2289204"/>
+                    <a:pt x="3289688" y="2349218"/>
+                    <a:pt x="3348231" y="2278966"/>
+                  </a:cubicBezTo>
+                  <a:cubicBezTo>
+                    <a:pt x="3436952" y="2172500"/>
+                    <a:pt x="3322654" y="2290473"/>
+                    <a:pt x="3404502" y="2208628"/>
+                  </a:cubicBezTo>
+                  <a:cubicBezTo>
+                    <a:pt x="3413880" y="2189871"/>
+                    <a:pt x="3421005" y="2169806"/>
+                    <a:pt x="3432637" y="2152357"/>
+                  </a:cubicBezTo>
+                  <a:cubicBezTo>
+                    <a:pt x="3439994" y="2141321"/>
+                    <a:pt x="3453948" y="2135594"/>
+                    <a:pt x="3460772" y="2124221"/>
+                  </a:cubicBezTo>
+                  <a:cubicBezTo>
+                    <a:pt x="3468401" y="2111505"/>
+                    <a:pt x="3468208" y="2095281"/>
+                    <a:pt x="3474840" y="2082018"/>
+                  </a:cubicBezTo>
+                  <a:cubicBezTo>
+                    <a:pt x="3485126" y="2061446"/>
+                    <a:pt x="3535619" y="1996290"/>
+                    <a:pt x="3545178" y="1983544"/>
+                  </a:cubicBezTo>
+                  <a:cubicBezTo>
+                    <a:pt x="3549867" y="1969476"/>
+                    <a:pt x="3551617" y="1954056"/>
+                    <a:pt x="3559246" y="1941341"/>
+                  </a:cubicBezTo>
+                  <a:cubicBezTo>
+                    <a:pt x="3566070" y="1929968"/>
+                    <a:pt x="3581450" y="1925069"/>
+                    <a:pt x="3587382" y="1913206"/>
+                  </a:cubicBezTo>
+                  <a:cubicBezTo>
+                    <a:pt x="3652044" y="1783884"/>
+                    <a:pt x="3580087" y="1864231"/>
+                    <a:pt x="3643652" y="1800664"/>
+                  </a:cubicBezTo>
+                  <a:cubicBezTo>
+                    <a:pt x="3687647" y="1624689"/>
+                    <a:pt x="3631411" y="1843513"/>
+                    <a:pt x="3671788" y="1702191"/>
+                  </a:cubicBezTo>
+                  <a:cubicBezTo>
+                    <a:pt x="3677099" y="1683601"/>
+                    <a:pt x="3677209" y="1663213"/>
+                    <a:pt x="3685855" y="1645920"/>
+                  </a:cubicBezTo>
+                  <a:cubicBezTo>
+                    <a:pt x="3691787" y="1634057"/>
+                    <a:pt x="3704612" y="1627163"/>
+                    <a:pt x="3713991" y="1617784"/>
+                  </a:cubicBezTo>
+                  <a:cubicBezTo>
+                    <a:pt x="3768451" y="1399942"/>
+                    <a:pt x="3706857" y="1564290"/>
+                    <a:pt x="3770262" y="1477108"/>
+                  </a:cubicBezTo>
+                  <a:cubicBezTo>
+                    <a:pt x="3800095" y="1436087"/>
+                    <a:pt x="3854668" y="1350498"/>
+                    <a:pt x="3854668" y="1350498"/>
+                  </a:cubicBezTo>
+                  <a:cubicBezTo>
+                    <a:pt x="3859357" y="1336430"/>
+                    <a:pt x="3861378" y="1321170"/>
+                    <a:pt x="3868735" y="1308295"/>
+                  </a:cubicBezTo>
+                  <a:cubicBezTo>
+                    <a:pt x="3892798" y="1266184"/>
+                    <a:pt x="3919880" y="1243082"/>
+                    <a:pt x="3953142" y="1209821"/>
+                  </a:cubicBezTo>
+                  <a:cubicBezTo>
+                    <a:pt x="3982419" y="1092709"/>
+                    <a:pt x="3946769" y="1208500"/>
+                    <a:pt x="3995345" y="1111348"/>
+                  </a:cubicBezTo>
+                  <a:cubicBezTo>
+                    <a:pt x="4006638" y="1088762"/>
+                    <a:pt x="4011388" y="1063178"/>
+                    <a:pt x="4023480" y="1041009"/>
+                  </a:cubicBezTo>
+                  <a:cubicBezTo>
+                    <a:pt x="4039672" y="1011323"/>
+                    <a:pt x="4079751" y="956603"/>
+                    <a:pt x="4079751" y="956603"/>
+                  </a:cubicBezTo>
+                  <a:cubicBezTo>
+                    <a:pt x="4112737" y="857639"/>
+                    <a:pt x="4069808" y="979800"/>
+                    <a:pt x="4121954" y="858129"/>
+                  </a:cubicBezTo>
+                  <a:cubicBezTo>
+                    <a:pt x="4127795" y="844499"/>
+                    <a:pt x="4129390" y="829189"/>
+                    <a:pt x="4136022" y="815926"/>
+                  </a:cubicBezTo>
+                  <a:cubicBezTo>
+                    <a:pt x="4143583" y="800804"/>
+                    <a:pt x="4155769" y="788403"/>
+                    <a:pt x="4164157" y="773723"/>
+                  </a:cubicBezTo>
+                  <a:cubicBezTo>
+                    <a:pt x="4174561" y="755515"/>
+                    <a:pt x="4179710" y="734229"/>
+                    <a:pt x="4192292" y="717452"/>
+                  </a:cubicBezTo>
+                  <a:cubicBezTo>
+                    <a:pt x="4208208" y="696231"/>
+                    <a:pt x="4233849" y="683252"/>
+                    <a:pt x="4248563" y="661181"/>
+                  </a:cubicBezTo>
+                  <a:cubicBezTo>
+                    <a:pt x="4267320" y="633046"/>
+                    <a:pt x="4294141" y="608854"/>
+                    <a:pt x="4304834" y="576775"/>
+                  </a:cubicBezTo>
+                  <a:lnTo>
+                    <a:pt x="4332969" y="492369"/>
+                  </a:lnTo>
+                  <a:cubicBezTo>
+                    <a:pt x="4314634" y="419024"/>
+                    <a:pt x="4313272" y="382641"/>
+                    <a:pt x="4234495" y="323557"/>
+                  </a:cubicBezTo>
+                  <a:cubicBezTo>
+                    <a:pt x="4215738" y="309489"/>
+                    <a:pt x="4194804" y="297933"/>
+                    <a:pt x="4178225" y="281354"/>
+                  </a:cubicBezTo>
+                  <a:cubicBezTo>
+                    <a:pt x="4166270" y="269399"/>
+                    <a:pt x="4162813" y="250285"/>
+                    <a:pt x="4150089" y="239151"/>
+                  </a:cubicBezTo>
+                  <a:cubicBezTo>
+                    <a:pt x="4124641" y="216884"/>
+                    <a:pt x="4089593" y="206791"/>
+                    <a:pt x="4065683" y="182880"/>
+                  </a:cubicBezTo>
+                  <a:cubicBezTo>
+                    <a:pt x="4056305" y="173501"/>
+                    <a:pt x="4047905" y="163030"/>
+                    <a:pt x="4037548" y="154744"/>
+                  </a:cubicBezTo>
+                  <a:cubicBezTo>
+                    <a:pt x="4024346" y="144182"/>
+                    <a:pt x="4009103" y="136436"/>
+                    <a:pt x="3995345" y="126609"/>
+                  </a:cubicBezTo>
+                  <a:cubicBezTo>
+                    <a:pt x="3976266" y="112981"/>
+                    <a:pt x="3957086" y="99416"/>
+                    <a:pt x="3939074" y="84406"/>
+                  </a:cubicBezTo>
+                  <a:cubicBezTo>
+                    <a:pt x="3928885" y="75915"/>
+                    <a:pt x="3922311" y="63095"/>
+                    <a:pt x="3910938" y="56271"/>
+                  </a:cubicBezTo>
+                  <a:cubicBezTo>
+                    <a:pt x="3898222" y="48642"/>
+                    <a:pt x="3882365" y="48044"/>
+                    <a:pt x="3868735" y="42203"/>
+                  </a:cubicBezTo>
+                  <a:cubicBezTo>
+                    <a:pt x="3747051" y="-9947"/>
+                    <a:pt x="3869236" y="32992"/>
+                    <a:pt x="3770262" y="0"/>
+                  </a:cubicBezTo>
+                  <a:cubicBezTo>
+                    <a:pt x="3704613" y="9378"/>
+                    <a:pt x="3637650" y="12051"/>
+                    <a:pt x="3573314" y="28135"/>
+                  </a:cubicBezTo>
+                  <a:cubicBezTo>
+                    <a:pt x="3560447" y="31352"/>
+                    <a:pt x="3555367" y="47780"/>
+                    <a:pt x="3545178" y="56271"/>
+                  </a:cubicBezTo>
+                  <a:cubicBezTo>
+                    <a:pt x="3527166" y="71281"/>
+                    <a:pt x="3506920" y="83464"/>
+                    <a:pt x="3488908" y="98474"/>
+                  </a:cubicBezTo>
+                  <a:cubicBezTo>
+                    <a:pt x="3431127" y="146624"/>
+                    <a:pt x="3494479" y="112576"/>
+                    <a:pt x="3404502" y="168812"/>
+                  </a:cubicBezTo>
+                  <a:cubicBezTo>
+                    <a:pt x="3386719" y="179927"/>
+                    <a:pt x="3366988" y="187569"/>
+                    <a:pt x="3348231" y="196948"/>
+                  </a:cubicBezTo>
+                  <a:cubicBezTo>
+                    <a:pt x="3338852" y="211016"/>
+                    <a:pt x="3331328" y="226514"/>
+                    <a:pt x="3320095" y="239151"/>
+                  </a:cubicBezTo>
+                  <a:cubicBezTo>
+                    <a:pt x="3293660" y="268890"/>
+                    <a:pt x="3257760" y="290450"/>
+                    <a:pt x="3235689" y="323557"/>
+                  </a:cubicBezTo>
+                  <a:lnTo>
+                    <a:pt x="3179418" y="407963"/>
+                  </a:lnTo>
+                  <a:cubicBezTo>
+                    <a:pt x="3142637" y="518309"/>
+                    <a:pt x="3166541" y="466938"/>
+                    <a:pt x="3109080" y="562708"/>
+                  </a:cubicBezTo>
+                  <a:cubicBezTo>
+                    <a:pt x="3080626" y="676518"/>
+                    <a:pt x="3101123" y="600647"/>
+                    <a:pt x="3038742" y="787791"/>
+                  </a:cubicBezTo>
+                  <a:cubicBezTo>
+                    <a:pt x="3029364" y="815926"/>
+                    <a:pt x="3016422" y="843116"/>
+                    <a:pt x="3010606" y="872197"/>
+                  </a:cubicBezTo>
+                  <a:cubicBezTo>
+                    <a:pt x="3005917" y="895643"/>
+                    <a:pt x="3006249" y="920685"/>
+                    <a:pt x="2996538" y="942535"/>
+                  </a:cubicBezTo>
+                  <a:cubicBezTo>
+                    <a:pt x="2987016" y="963960"/>
+                    <a:pt x="2967780" y="979598"/>
+                    <a:pt x="2954335" y="998806"/>
+                  </a:cubicBezTo>
+                  <a:cubicBezTo>
+                    <a:pt x="2934944" y="1026508"/>
+                    <a:pt x="2921975" y="1059302"/>
+                    <a:pt x="2898065" y="1083212"/>
+                  </a:cubicBezTo>
+                  <a:cubicBezTo>
+                    <a:pt x="2888686" y="1092591"/>
+                    <a:pt x="2878420" y="1101159"/>
+                    <a:pt x="2869929" y="1111348"/>
+                  </a:cubicBezTo>
+                  <a:cubicBezTo>
+                    <a:pt x="2854919" y="1129360"/>
+                    <a:pt x="2843165" y="1149973"/>
+                    <a:pt x="2827726" y="1167618"/>
+                  </a:cubicBezTo>
+                  <a:cubicBezTo>
+                    <a:pt x="2810258" y="1187581"/>
+                    <a:pt x="2771455" y="1223889"/>
+                    <a:pt x="2771455" y="1223889"/>
+                  </a:cubicBezTo>
+                  <a:cubicBezTo>
+                    <a:pt x="2766766" y="1237957"/>
+                    <a:pt x="2766881" y="1254700"/>
+                    <a:pt x="2757388" y="1266092"/>
+                  </a:cubicBezTo>
+                  <a:cubicBezTo>
+                    <a:pt x="2742378" y="1284104"/>
+                    <a:pt x="2720196" y="1294667"/>
+                    <a:pt x="2701117" y="1308295"/>
+                  </a:cubicBezTo>
+                  <a:cubicBezTo>
+                    <a:pt x="2653392" y="1342385"/>
+                    <a:pt x="2668976" y="1333077"/>
+                    <a:pt x="2616711" y="1350498"/>
+                  </a:cubicBezTo>
+                  <a:cubicBezTo>
+                    <a:pt x="2607332" y="1359877"/>
+                    <a:pt x="2599948" y="1371810"/>
+                    <a:pt x="2588575" y="1378634"/>
+                  </a:cubicBezTo>
+                  <a:cubicBezTo>
+                    <a:pt x="2575860" y="1386263"/>
+                    <a:pt x="2556857" y="1382216"/>
+                    <a:pt x="2546372" y="1392701"/>
+                  </a:cubicBezTo>
+                  <a:cubicBezTo>
+                    <a:pt x="2535887" y="1403186"/>
+                    <a:pt x="2539934" y="1422189"/>
+                    <a:pt x="2532305" y="1434904"/>
+                  </a:cubicBezTo>
+                  <a:cubicBezTo>
+                    <a:pt x="2525481" y="1446277"/>
+                    <a:pt x="2513548" y="1453661"/>
+                    <a:pt x="2504169" y="1463040"/>
+                  </a:cubicBezTo>
+                  <a:cubicBezTo>
+                    <a:pt x="2494791" y="1481797"/>
+                    <a:pt x="2487667" y="1501862"/>
+                    <a:pt x="2476034" y="1519311"/>
+                  </a:cubicBezTo>
+                  <a:cubicBezTo>
+                    <a:pt x="2468677" y="1530347"/>
+                    <a:pt x="2456184" y="1537089"/>
+                    <a:pt x="2447898" y="1547446"/>
+                  </a:cubicBezTo>
+                  <a:cubicBezTo>
+                    <a:pt x="2437336" y="1560648"/>
+                    <a:pt x="2430995" y="1577012"/>
+                    <a:pt x="2419763" y="1589649"/>
+                  </a:cubicBezTo>
+                  <a:cubicBezTo>
+                    <a:pt x="2393328" y="1619388"/>
+                    <a:pt x="2363492" y="1645920"/>
+                    <a:pt x="2335357" y="1674055"/>
+                  </a:cubicBezTo>
+                  <a:cubicBezTo>
+                    <a:pt x="2302026" y="1707386"/>
+                    <a:pt x="2270545" y="1742551"/>
+                    <a:pt x="2222815" y="1758461"/>
+                  </a:cubicBezTo>
+                  <a:cubicBezTo>
+                    <a:pt x="2208747" y="1763150"/>
+                    <a:pt x="2193875" y="1765897"/>
+                    <a:pt x="2180612" y="1772529"/>
+                  </a:cubicBezTo>
+                  <a:cubicBezTo>
+                    <a:pt x="2165490" y="1780090"/>
+                    <a:pt x="2154603" y="1795806"/>
+                    <a:pt x="2138409" y="1800664"/>
+                  </a:cubicBezTo>
+                  <a:cubicBezTo>
+                    <a:pt x="2106649" y="1810192"/>
+                    <a:pt x="2072760" y="1810043"/>
+                    <a:pt x="2039935" y="1814732"/>
+                  </a:cubicBezTo>
+                  <a:cubicBezTo>
+                    <a:pt x="1949090" y="1845014"/>
+                    <a:pt x="1973921" y="1842803"/>
+                    <a:pt x="1814852" y="1814732"/>
+                  </a:cubicBezTo>
+                  <a:cubicBezTo>
+                    <a:pt x="1794201" y="1811088"/>
+                    <a:pt x="1777339" y="1795975"/>
+                    <a:pt x="1758582" y="1786597"/>
+                  </a:cubicBezTo>
+                  <a:cubicBezTo>
+                    <a:pt x="1749203" y="1772529"/>
+                    <a:pt x="1741270" y="1757383"/>
+                    <a:pt x="1730446" y="1744394"/>
+                  </a:cubicBezTo>
+                  <a:cubicBezTo>
+                    <a:pt x="1717710" y="1729111"/>
+                    <a:pt x="1699279" y="1718744"/>
+                    <a:pt x="1688243" y="1702191"/>
+                  </a:cubicBezTo>
+                  <a:cubicBezTo>
+                    <a:pt x="1680018" y="1689853"/>
+                    <a:pt x="1680807" y="1673251"/>
+                    <a:pt x="1674175" y="1659988"/>
+                  </a:cubicBezTo>
+                  <a:cubicBezTo>
+                    <a:pt x="1666614" y="1644865"/>
+                    <a:pt x="1655418" y="1631852"/>
+                    <a:pt x="1646040" y="1617784"/>
+                  </a:cubicBezTo>
+                  <a:cubicBezTo>
+                    <a:pt x="1641351" y="1570892"/>
+                    <a:pt x="1639138" y="1523686"/>
+                    <a:pt x="1631972" y="1477108"/>
+                  </a:cubicBezTo>
+                  <a:cubicBezTo>
+                    <a:pt x="1629717" y="1462452"/>
+                    <a:pt x="1620343" y="1449531"/>
+                    <a:pt x="1617905" y="1434904"/>
+                  </a:cubicBezTo>
+                  <a:cubicBezTo>
+                    <a:pt x="1610924" y="1393019"/>
+                    <a:pt x="1612165" y="1349933"/>
+                    <a:pt x="1603837" y="1308295"/>
+                  </a:cubicBezTo>
+                  <a:cubicBezTo>
+                    <a:pt x="1598021" y="1279214"/>
+                    <a:pt x="1575702" y="1223889"/>
+                    <a:pt x="1575702" y="1223889"/>
+                  </a:cubicBezTo>
+                  <a:cubicBezTo>
+                    <a:pt x="1571013" y="1176997"/>
+                    <a:pt x="1568800" y="1129790"/>
+                    <a:pt x="1561634" y="1083212"/>
+                  </a:cubicBezTo>
+                  <a:cubicBezTo>
+                    <a:pt x="1559379" y="1068556"/>
+                    <a:pt x="1550004" y="1055636"/>
+                    <a:pt x="1547566" y="1041009"/>
+                  </a:cubicBezTo>
+                  <a:cubicBezTo>
+                    <a:pt x="1540585" y="999124"/>
+                    <a:pt x="1545163" y="955229"/>
+                    <a:pt x="1533498" y="914400"/>
+                  </a:cubicBezTo>
+                  <a:cubicBezTo>
+                    <a:pt x="1525986" y="888109"/>
+                    <a:pt x="1503523" y="868517"/>
+                    <a:pt x="1491295" y="844061"/>
+                  </a:cubicBezTo>
+                  <a:cubicBezTo>
+                    <a:pt x="1454772" y="771014"/>
+                    <a:pt x="1504047" y="828677"/>
+                    <a:pt x="1449092" y="773723"/>
+                  </a:cubicBezTo>
+                  <a:cubicBezTo>
+                    <a:pt x="1430335" y="736209"/>
+                    <a:pt x="1422480" y="690838"/>
+                    <a:pt x="1392822" y="661181"/>
+                  </a:cubicBezTo>
+                  <a:cubicBezTo>
+                    <a:pt x="1369376" y="637735"/>
+                    <a:pt x="1340876" y="618432"/>
+                    <a:pt x="1322483" y="590843"/>
+                  </a:cubicBezTo>
+                  <a:cubicBezTo>
+                    <a:pt x="1303726" y="562708"/>
+                    <a:pt x="1290122" y="530348"/>
+                    <a:pt x="1266212" y="506437"/>
+                  </a:cubicBezTo>
+                  <a:cubicBezTo>
+                    <a:pt x="1256834" y="497058"/>
+                    <a:pt x="1246362" y="488658"/>
+                    <a:pt x="1238077" y="478301"/>
+                  </a:cubicBezTo>
+                  <a:cubicBezTo>
+                    <a:pt x="1227515" y="465099"/>
+                    <a:pt x="1220504" y="449300"/>
+                    <a:pt x="1209942" y="436098"/>
+                  </a:cubicBezTo>
+                  <a:cubicBezTo>
+                    <a:pt x="1201656" y="425741"/>
+                    <a:pt x="1190092" y="418320"/>
+                    <a:pt x="1181806" y="407963"/>
+                  </a:cubicBezTo>
+                  <a:cubicBezTo>
+                    <a:pt x="1171244" y="394761"/>
+                    <a:pt x="1166395" y="376893"/>
+                    <a:pt x="1153671" y="365760"/>
+                  </a:cubicBezTo>
+                  <a:cubicBezTo>
+                    <a:pt x="1094137" y="313667"/>
+                    <a:pt x="1085027" y="314743"/>
+                    <a:pt x="1027062" y="295421"/>
+                  </a:cubicBezTo>
+                  <a:cubicBezTo>
+                    <a:pt x="1017683" y="286043"/>
+                    <a:pt x="1007212" y="277643"/>
+                    <a:pt x="998926" y="267286"/>
+                  </a:cubicBezTo>
+                  <a:cubicBezTo>
+                    <a:pt x="988364" y="254084"/>
+                    <a:pt x="983993" y="235645"/>
+                    <a:pt x="970791" y="225083"/>
+                  </a:cubicBezTo>
+                  <a:cubicBezTo>
+                    <a:pt x="959212" y="215820"/>
+                    <a:pt x="942656" y="215704"/>
+                    <a:pt x="928588" y="211015"/>
+                  </a:cubicBezTo>
+                  <a:cubicBezTo>
+                    <a:pt x="897216" y="179644"/>
+                    <a:pt x="898108" y="170886"/>
+                    <a:pt x="844182" y="168812"/>
+                  </a:cubicBezTo>
+                  <a:cubicBezTo>
+                    <a:pt x="619216" y="160159"/>
+                    <a:pt x="394015" y="159433"/>
+                    <a:pt x="168932" y="154744"/>
+                  </a:cubicBezTo>
+                  <a:cubicBezTo>
+                    <a:pt x="154864" y="150055"/>
+                    <a:pt x="141558" y="140677"/>
+                    <a:pt x="126729" y="140677"/>
+                  </a:cubicBezTo>
+                  <a:cubicBezTo>
+                    <a:pt x="73592" y="140677"/>
+                    <a:pt x="93537" y="160592"/>
+                    <a:pt x="56391" y="182880"/>
+                  </a:cubicBezTo>
+                  <a:cubicBezTo>
+                    <a:pt x="30474" y="198431"/>
+                    <a:pt x="2465" y="145366"/>
+                    <a:pt x="120" y="154744"/>
+                  </a:cubicBezTo>
+                  <a:close/>
+                </a:path>
+              </a:pathLst>
+            </a:custGeom>
+            <a:ln>
+              <a:solidFill>
+                <a:srgbClr val="FF0000"/>
+              </a:solidFill>
+            </a:ln>
+          </p:spPr>
+          <p:style>
+            <a:lnRef idx="2">
+              <a:schemeClr val="accent6"/>
+            </a:lnRef>
+            <a:fillRef idx="1">
+              <a:schemeClr val="lt1"/>
+            </a:fillRef>
+            <a:effectRef idx="0">
+              <a:schemeClr val="accent6"/>
+            </a:effectRef>
+            <a:fontRef idx="minor">
+              <a:schemeClr val="dk1"/>
+            </a:fontRef>
+          </p:style>
+          <p:txBody>
+            <a:bodyPr rtlCol="0" anchor="ctr"/>
+            <a:lstStyle/>
+            <a:p>
+              <a:pPr algn="ctr"/>
+              <a:endParaRPr lang="en-US"/>
+            </a:p>
+          </p:txBody>
+        </p:sp>
+        <p:sp>
+          <p:nvSpPr>
+            <p:cNvPr id="46" name="모서리가 둥근 직사각형 45"/>
+            <p:cNvSpPr/>
+            <p:nvPr/>
+          </p:nvSpPr>
+          <p:spPr>
+            <a:xfrm>
+              <a:off x="1835187" y="4365104"/>
+              <a:ext cx="1224645" cy="1097690"/>
+            </a:xfrm>
+            <a:prstGeom prst="roundRect">
+              <a:avLst/>
+            </a:prstGeom>
+            <a:ln>
+              <a:solidFill>
+                <a:srgbClr val="002060"/>
+              </a:solidFill>
+              <a:prstDash val="dash"/>
+            </a:ln>
+          </p:spPr>
+          <p:style>
+            <a:lnRef idx="2">
+              <a:schemeClr val="accent5"/>
+            </a:lnRef>
+            <a:fillRef idx="1">
+              <a:schemeClr val="lt1"/>
+            </a:fillRef>
+            <a:effectRef idx="0">
+              <a:schemeClr val="accent5"/>
+            </a:effectRef>
+            <a:fontRef idx="minor">
+              <a:schemeClr val="dk1"/>
+            </a:fontRef>
+          </p:style>
+          <p:txBody>
+            <a:bodyPr rtlCol="0" anchor="ctr"/>
+            <a:lstStyle/>
+            <a:p>
+              <a:pPr algn="ctr"/>
+              <a:endParaRPr lang="en-US"/>
+            </a:p>
+          </p:txBody>
+        </p:sp>
+        <p:sp>
+          <p:nvSpPr>
+            <p:cNvPr id="5" name="오른쪽 화살표 4"/>
+            <p:cNvSpPr/>
+            <p:nvPr/>
+          </p:nvSpPr>
+          <p:spPr>
+            <a:xfrm rot="18284721">
+              <a:off x="3211908" y="2609395"/>
+              <a:ext cx="4537305" cy="425289"/>
+            </a:xfrm>
+            <a:prstGeom prst="rightArrow">
+              <a:avLst/>
+            </a:prstGeom>
+          </p:spPr>
+          <p:style>
+            <a:lnRef idx="2">
+              <a:schemeClr val="accent6">
+                <a:shade val="50000"/>
+              </a:schemeClr>
+            </a:lnRef>
+            <a:fillRef idx="1">
+              <a:schemeClr val="accent6"/>
+            </a:fillRef>
+            <a:effectRef idx="0">
+              <a:schemeClr val="accent6"/>
+            </a:effectRef>
+            <a:fontRef idx="minor">
+              <a:schemeClr val="lt1"/>
+            </a:fontRef>
+          </p:style>
+          <p:txBody>
+            <a:bodyPr rtlCol="0" anchor="ctr"/>
+            <a:lstStyle/>
+            <a:p>
+              <a:pPr algn="ctr"/>
+              <a:endParaRPr lang="en-US"/>
+            </a:p>
+          </p:txBody>
+        </p:sp>
+        <p:sp>
+          <p:nvSpPr>
+            <p:cNvPr id="6" name="TextBox 5"/>
+            <p:cNvSpPr txBox="1"/>
+            <p:nvPr/>
+          </p:nvSpPr>
+          <p:spPr>
+            <a:xfrm>
+              <a:off x="611560" y="982469"/>
+              <a:ext cx="1008112" cy="646331"/>
+            </a:xfrm>
+            <a:prstGeom prst="rect">
+              <a:avLst/>
+            </a:prstGeom>
+            <a:noFill/>
+          </p:spPr>
+          <p:txBody>
+            <a:bodyPr wrap="square" rtlCol="0">
+              <a:spAutoFit/>
+            </a:bodyPr>
+            <a:lstStyle/>
+            <a:p>
+              <a:r>
+                <a:rPr lang="ko-KR" altLang="en-US" sz="1200" smtClean="0">
+                  <a:solidFill>
+                    <a:srgbClr val="002060"/>
+                  </a:solidFill>
+                </a:rPr>
+                <a:t>사</a:t>
+              </a:r>
+              <a:r>
+                <a:rPr lang="ko-KR" altLang="en-US" sz="1200">
+                  <a:solidFill>
+                    <a:srgbClr val="002060"/>
+                  </a:solidFill>
+                </a:rPr>
+                <a:t>상</a:t>
+              </a:r>
+              <a:r>
+                <a:rPr lang="en-US" altLang="ko-KR" sz="1200" smtClean="0">
+                  <a:solidFill>
+                    <a:srgbClr val="002060"/>
+                  </a:solidFill>
+                </a:rPr>
+                <a:t>/</a:t>
+              </a:r>
+              <a:endParaRPr lang="en-US" altLang="ko-KR" sz="1200" dirty="0" smtClean="0">
                 <a:solidFill>
                   <a:srgbClr val="002060"/>
                 </a:solidFill>
-              </a:rPr>
-              <a:t>아이디어</a:t>
-            </a:r>
-            <a:r>
-              <a:rPr lang="en-US" altLang="ko-KR" sz="1200" dirty="0" smtClean="0">
+              </a:endParaRPr>
+            </a:p>
+            <a:p>
+              <a:r>
+                <a:rPr lang="ko-KR" altLang="en-US" sz="1200" dirty="0" smtClean="0">
+                  <a:solidFill>
+                    <a:srgbClr val="002060"/>
+                  </a:solidFill>
+                </a:rPr>
+                <a:t>비즈니스 프로세스</a:t>
+              </a:r>
+              <a:endParaRPr lang="en-US" sz="1200" dirty="0">
                 <a:solidFill>
                   <a:srgbClr val="002060"/>
                 </a:solidFill>
-              </a:rPr>
-              <a:t>/</a:t>
-            </a:r>
-          </a:p>
-          <a:p>
-            <a:r>
-              <a:rPr lang="ko-KR" altLang="en-US" sz="1200" dirty="0" smtClean="0">
+              </a:endParaRPr>
+            </a:p>
+          </p:txBody>
+        </p:sp>
+        <p:sp>
+          <p:nvSpPr>
+            <p:cNvPr id="7" name="TextBox 6"/>
+            <p:cNvSpPr txBox="1"/>
+            <p:nvPr/>
+          </p:nvSpPr>
+          <p:spPr>
+            <a:xfrm>
+              <a:off x="971600" y="2503929"/>
+              <a:ext cx="1224136" cy="276999"/>
+            </a:xfrm>
+            <a:prstGeom prst="rect">
+              <a:avLst/>
+            </a:prstGeom>
+            <a:noFill/>
+          </p:spPr>
+          <p:txBody>
+            <a:bodyPr wrap="square" rtlCol="0">
+              <a:spAutoFit/>
+            </a:bodyPr>
+            <a:lstStyle/>
+            <a:p>
+              <a:r>
+                <a:rPr lang="ko-KR" altLang="en-US" sz="1200" dirty="0" smtClean="0">
+                  <a:solidFill>
+                    <a:srgbClr val="002060"/>
+                  </a:solidFill>
+                </a:rPr>
+                <a:t>유저 스토리</a:t>
+              </a:r>
+              <a:endParaRPr lang="en-US" sz="1200" dirty="0">
                 <a:solidFill>
                   <a:srgbClr val="002060"/>
                 </a:solidFill>
-              </a:rPr>
-              <a:t>비즈니스 프로세스</a:t>
-            </a:r>
-            <a:endParaRPr lang="en-US" sz="1200" dirty="0">
+              </a:endParaRPr>
+            </a:p>
+          </p:txBody>
+        </p:sp>
+        <p:sp>
+          <p:nvSpPr>
+            <p:cNvPr id="8" name="TextBox 7"/>
+            <p:cNvSpPr txBox="1"/>
+            <p:nvPr/>
+          </p:nvSpPr>
+          <p:spPr>
+            <a:xfrm>
+              <a:off x="1643263" y="4509120"/>
+              <a:ext cx="1224136" cy="276999"/>
+            </a:xfrm>
+            <a:prstGeom prst="rect">
+              <a:avLst/>
+            </a:prstGeom>
+            <a:noFill/>
+          </p:spPr>
+          <p:txBody>
+            <a:bodyPr wrap="square" rtlCol="0">
+              <a:spAutoFit/>
+            </a:bodyPr>
+            <a:lstStyle/>
+            <a:p>
+              <a:pPr algn="ctr"/>
+              <a:r>
+                <a:rPr lang="ko-KR" altLang="en-US" sz="1200" smtClean="0">
+                  <a:solidFill>
+                    <a:srgbClr val="002060"/>
+                  </a:solidFill>
+                </a:rPr>
+                <a:t>아키텍처</a:t>
+              </a:r>
+              <a:endParaRPr lang="en-US" sz="1200" dirty="0">
+                <a:solidFill>
+                  <a:srgbClr val="002060"/>
+                </a:solidFill>
+              </a:endParaRPr>
+            </a:p>
+          </p:txBody>
+        </p:sp>
+        <p:sp>
+          <p:nvSpPr>
+            <p:cNvPr id="9" name="TextBox 8"/>
+            <p:cNvSpPr txBox="1"/>
+            <p:nvPr/>
+          </p:nvSpPr>
+          <p:spPr>
+            <a:xfrm>
+              <a:off x="1979712" y="5240233"/>
+              <a:ext cx="1224136" cy="276999"/>
+            </a:xfrm>
+            <a:prstGeom prst="rect">
+              <a:avLst/>
+            </a:prstGeom>
+            <a:noFill/>
+          </p:spPr>
+          <p:txBody>
+            <a:bodyPr wrap="square" rtlCol="0">
+              <a:spAutoFit/>
+            </a:bodyPr>
+            <a:lstStyle/>
+            <a:p>
+              <a:pPr algn="ctr"/>
+              <a:r>
+                <a:rPr lang="ko-KR" altLang="en-US" sz="1200" dirty="0" smtClean="0">
+                  <a:solidFill>
+                    <a:srgbClr val="002060"/>
+                  </a:solidFill>
+                </a:rPr>
+                <a:t>코드</a:t>
+              </a:r>
+              <a:endParaRPr lang="en-US" sz="1200" dirty="0">
+                <a:solidFill>
+                  <a:srgbClr val="002060"/>
+                </a:solidFill>
+              </a:endParaRPr>
+            </a:p>
+          </p:txBody>
+        </p:sp>
+        <p:sp>
+          <p:nvSpPr>
+            <p:cNvPr id="10" name="TextBox 9"/>
+            <p:cNvSpPr txBox="1"/>
+            <p:nvPr/>
+          </p:nvSpPr>
+          <p:spPr>
+            <a:xfrm>
+              <a:off x="424601" y="5301208"/>
+              <a:ext cx="1224136" cy="276999"/>
+            </a:xfrm>
+            <a:prstGeom prst="rect">
+              <a:avLst/>
+            </a:prstGeom>
+            <a:noFill/>
+            <a:ln>
               <a:solidFill>
                 <a:srgbClr val="002060"/>
               </a:solidFill>
-            </a:endParaRPr>
-          </a:p>
-        </p:txBody>
-      </p:sp>
-      <p:sp>
-        <p:nvSpPr>
-          <p:cNvPr id="7" name="TextBox 6"/>
-          <p:cNvSpPr txBox="1"/>
-          <p:nvPr/>
-        </p:nvSpPr>
-        <p:spPr>
-          <a:xfrm>
-            <a:off x="971600" y="2503929"/>
-            <a:ext cx="1224136" cy="276999"/>
-          </a:xfrm>
-          <a:prstGeom prst="rect">
-            <a:avLst/>
-          </a:prstGeom>
-          <a:noFill/>
-        </p:spPr>
-        <p:txBody>
-          <a:bodyPr wrap="square" rtlCol="0">
-            <a:spAutoFit/>
-          </a:bodyPr>
-          <a:lstStyle/>
-          <a:p>
-            <a:r>
-              <a:rPr lang="ko-KR" altLang="en-US" sz="1200" dirty="0" smtClean="0">
+            </a:ln>
+          </p:spPr>
+          <p:txBody>
+            <a:bodyPr wrap="square" rtlCol="0">
+              <a:spAutoFit/>
+            </a:bodyPr>
+            <a:lstStyle/>
+            <a:p>
+              <a:pPr algn="ctr"/>
+              <a:r>
+                <a:rPr lang="ko-KR" altLang="en-US" sz="1200" dirty="0" smtClean="0">
+                  <a:solidFill>
+                    <a:srgbClr val="002060"/>
+                  </a:solidFill>
+                </a:rPr>
+                <a:t>라이브러</a:t>
+              </a:r>
+              <a:r>
+                <a:rPr lang="ko-KR" altLang="en-US" sz="1200" dirty="0">
+                  <a:solidFill>
+                    <a:srgbClr val="002060"/>
+                  </a:solidFill>
+                </a:rPr>
+                <a:t>리</a:t>
+              </a:r>
+              <a:endParaRPr lang="en-US" sz="1200" dirty="0">
                 <a:solidFill>
                   <a:srgbClr val="002060"/>
                 </a:solidFill>
-              </a:rPr>
-              <a:t>유저 스토리</a:t>
-            </a:r>
-            <a:endParaRPr lang="en-US" sz="1200" dirty="0">
+              </a:endParaRPr>
+            </a:p>
+          </p:txBody>
+        </p:sp>
+        <p:sp>
+          <p:nvSpPr>
+            <p:cNvPr id="11" name="TextBox 10"/>
+            <p:cNvSpPr txBox="1"/>
+            <p:nvPr/>
+          </p:nvSpPr>
+          <p:spPr>
+            <a:xfrm>
+              <a:off x="7092280" y="1095127"/>
+              <a:ext cx="1224136" cy="461665"/>
+            </a:xfrm>
+            <a:prstGeom prst="rect">
+              <a:avLst/>
+            </a:prstGeom>
+            <a:ln/>
+          </p:spPr>
+          <p:style>
+            <a:lnRef idx="1">
+              <a:schemeClr val="accent3"/>
+            </a:lnRef>
+            <a:fillRef idx="2">
+              <a:schemeClr val="accent3"/>
+            </a:fillRef>
+            <a:effectRef idx="1">
+              <a:schemeClr val="accent3"/>
+            </a:effectRef>
+            <a:fontRef idx="minor">
+              <a:schemeClr val="dk1"/>
+            </a:fontRef>
+          </p:style>
+          <p:txBody>
+            <a:bodyPr wrap="square" rtlCol="0">
+              <a:spAutoFit/>
+            </a:bodyPr>
+            <a:lstStyle/>
+            <a:p>
+              <a:pPr algn="ctr"/>
+              <a:r>
+                <a:rPr lang="ko-KR" altLang="en-US" sz="1200" dirty="0" smtClean="0"/>
+                <a:t>사용자 </a:t>
+              </a:r>
+              <a:r>
+                <a:rPr lang="ko-KR" altLang="en-US" sz="1200" smtClean="0"/>
+                <a:t>인수 테스트</a:t>
+              </a:r>
+              <a:r>
+                <a:rPr lang="en-US" altLang="ko-KR" sz="1200" smtClean="0"/>
+                <a:t>(UAT)</a:t>
+              </a:r>
+              <a:endParaRPr lang="en-US" sz="1200" dirty="0"/>
+            </a:p>
+          </p:txBody>
+        </p:sp>
+        <p:sp>
+          <p:nvSpPr>
+            <p:cNvPr id="12" name="TextBox 11"/>
+            <p:cNvSpPr txBox="1"/>
+            <p:nvPr/>
+          </p:nvSpPr>
+          <p:spPr>
+            <a:xfrm>
+              <a:off x="6657190" y="1635440"/>
+              <a:ext cx="1515210" cy="461665"/>
+            </a:xfrm>
+            <a:prstGeom prst="rect">
+              <a:avLst/>
+            </a:prstGeom>
+            <a:ln/>
+          </p:spPr>
+          <p:style>
+            <a:lnRef idx="1">
+              <a:schemeClr val="accent3"/>
+            </a:lnRef>
+            <a:fillRef idx="2">
+              <a:schemeClr val="accent3"/>
+            </a:fillRef>
+            <a:effectRef idx="1">
+              <a:schemeClr val="accent3"/>
+            </a:effectRef>
+            <a:fontRef idx="minor">
+              <a:schemeClr val="dk1"/>
+            </a:fontRef>
+          </p:style>
+          <p:txBody>
+            <a:bodyPr wrap="square" rtlCol="0">
+              <a:spAutoFit/>
+            </a:bodyPr>
+            <a:lstStyle/>
+            <a:p>
+              <a:pPr algn="ctr"/>
+              <a:r>
+                <a:rPr lang="ko-KR" altLang="en-US" sz="1200" dirty="0" smtClean="0"/>
+                <a:t>애플리케이션 통합 테스트</a:t>
+              </a:r>
+              <a:endParaRPr lang="en-US" sz="1200" dirty="0"/>
+            </a:p>
+          </p:txBody>
+        </p:sp>
+        <p:sp>
+          <p:nvSpPr>
+            <p:cNvPr id="13" name="TextBox 12"/>
+            <p:cNvSpPr txBox="1"/>
+            <p:nvPr/>
+          </p:nvSpPr>
+          <p:spPr>
+            <a:xfrm>
+              <a:off x="6336194" y="2184538"/>
+              <a:ext cx="1836205" cy="461665"/>
+            </a:xfrm>
+            <a:prstGeom prst="rect">
+              <a:avLst/>
+            </a:prstGeom>
+            <a:ln/>
+          </p:spPr>
+          <p:style>
+            <a:lnRef idx="1">
+              <a:schemeClr val="accent3"/>
+            </a:lnRef>
+            <a:fillRef idx="2">
+              <a:schemeClr val="accent3"/>
+            </a:fillRef>
+            <a:effectRef idx="1">
+              <a:schemeClr val="accent3"/>
+            </a:effectRef>
+            <a:fontRef idx="minor">
+              <a:schemeClr val="dk1"/>
+            </a:fontRef>
+          </p:style>
+          <p:txBody>
+            <a:bodyPr wrap="square" rtlCol="0">
+              <a:spAutoFit/>
+            </a:bodyPr>
+            <a:lstStyle/>
+            <a:p>
+              <a:pPr algn="ctr"/>
+              <a:r>
+                <a:rPr lang="ko-KR" altLang="en-US" sz="1200" dirty="0"/>
+                <a:t>애</a:t>
+              </a:r>
+              <a:r>
+                <a:rPr lang="ko-KR" altLang="en-US" sz="1200" dirty="0" smtClean="0"/>
+                <a:t>플리케이션 테스트</a:t>
+              </a:r>
+              <a:r>
+                <a:rPr lang="en-US" altLang="ko-KR" sz="1200" dirty="0" smtClean="0"/>
+                <a:t>/</a:t>
+              </a:r>
+              <a:r>
+                <a:rPr lang="ko-KR" altLang="en-US" sz="1200" dirty="0" smtClean="0"/>
+                <a:t>시스템 테스트</a:t>
+              </a:r>
+              <a:endParaRPr lang="en-US" sz="1200" dirty="0"/>
+            </a:p>
+          </p:txBody>
+        </p:sp>
+        <p:sp>
+          <p:nvSpPr>
+            <p:cNvPr id="14" name="TextBox 13"/>
+            <p:cNvSpPr txBox="1"/>
+            <p:nvPr/>
+          </p:nvSpPr>
+          <p:spPr>
+            <a:xfrm>
+              <a:off x="5634157" y="3428999"/>
+              <a:ext cx="1224136" cy="461665"/>
+            </a:xfrm>
+            <a:prstGeom prst="rect">
+              <a:avLst/>
+            </a:prstGeom>
+            <a:ln/>
+          </p:spPr>
+          <p:style>
+            <a:lnRef idx="1">
+              <a:schemeClr val="accent3"/>
+            </a:lnRef>
+            <a:fillRef idx="2">
+              <a:schemeClr val="accent3"/>
+            </a:fillRef>
+            <a:effectRef idx="1">
+              <a:schemeClr val="accent3"/>
+            </a:effectRef>
+            <a:fontRef idx="minor">
+              <a:schemeClr val="dk1"/>
+            </a:fontRef>
+          </p:style>
+          <p:txBody>
+            <a:bodyPr wrap="square" rtlCol="0">
+              <a:spAutoFit/>
+            </a:bodyPr>
+            <a:lstStyle/>
+            <a:p>
+              <a:pPr algn="ctr"/>
+              <a:r>
+                <a:rPr lang="ko-KR" altLang="en-US" sz="1200" dirty="0" smtClean="0"/>
+                <a:t>어셈블리 테스트</a:t>
+              </a:r>
+              <a:endParaRPr lang="en-US" sz="1200" dirty="0"/>
+            </a:p>
+          </p:txBody>
+        </p:sp>
+        <p:sp>
+          <p:nvSpPr>
+            <p:cNvPr id="15" name="TextBox 14"/>
+            <p:cNvSpPr txBox="1"/>
+            <p:nvPr/>
+          </p:nvSpPr>
+          <p:spPr>
+            <a:xfrm>
+              <a:off x="5143068" y="4767535"/>
+              <a:ext cx="1224136" cy="461665"/>
+            </a:xfrm>
+            <a:prstGeom prst="rect">
+              <a:avLst/>
+            </a:prstGeom>
+            <a:ln/>
+          </p:spPr>
+          <p:style>
+            <a:lnRef idx="1">
+              <a:schemeClr val="accent3"/>
+            </a:lnRef>
+            <a:fillRef idx="2">
+              <a:schemeClr val="accent3"/>
+            </a:fillRef>
+            <a:effectRef idx="1">
+              <a:schemeClr val="accent3"/>
+            </a:effectRef>
+            <a:fontRef idx="minor">
+              <a:schemeClr val="dk1"/>
+            </a:fontRef>
+          </p:style>
+          <p:txBody>
+            <a:bodyPr wrap="square" rtlCol="0">
+              <a:spAutoFit/>
+            </a:bodyPr>
+            <a:lstStyle/>
+            <a:p>
+              <a:pPr algn="ctr"/>
+              <a:r>
+                <a:rPr lang="ko-KR" altLang="en-US" sz="1200" dirty="0" smtClean="0"/>
+                <a:t>컴포넌트 테스트</a:t>
+              </a:r>
+              <a:endParaRPr lang="en-US" sz="1200" dirty="0"/>
+            </a:p>
+          </p:txBody>
+        </p:sp>
+        <p:sp>
+          <p:nvSpPr>
+            <p:cNvPr id="18" name="TextBox 17"/>
+            <p:cNvSpPr txBox="1"/>
+            <p:nvPr/>
+          </p:nvSpPr>
+          <p:spPr>
+            <a:xfrm rot="5400000">
+              <a:off x="6605323" y="3035136"/>
+              <a:ext cx="4419265" cy="276999"/>
+            </a:xfrm>
+            <a:prstGeom prst="rect">
+              <a:avLst/>
+            </a:prstGeom>
+            <a:ln/>
+          </p:spPr>
+          <p:style>
+            <a:lnRef idx="1">
+              <a:schemeClr val="accent3"/>
+            </a:lnRef>
+            <a:fillRef idx="2">
+              <a:schemeClr val="accent3"/>
+            </a:fillRef>
+            <a:effectRef idx="1">
+              <a:schemeClr val="accent3"/>
+            </a:effectRef>
+            <a:fontRef idx="minor">
+              <a:schemeClr val="dk1"/>
+            </a:fontRef>
+          </p:style>
+          <p:txBody>
+            <a:bodyPr wrap="square" rtlCol="0">
+              <a:spAutoFit/>
+            </a:bodyPr>
+            <a:lstStyle/>
+            <a:p>
+              <a:pPr algn="ctr"/>
+              <a:r>
+                <a:rPr lang="ko-KR" altLang="en-US" sz="1200" dirty="0" err="1" smtClean="0"/>
+                <a:t>스모크</a:t>
+              </a:r>
+              <a:r>
+                <a:rPr lang="en-US" altLang="ko-KR" sz="1200" dirty="0" smtClean="0"/>
+                <a:t>-</a:t>
+              </a:r>
+              <a:r>
+                <a:rPr lang="ko-KR" altLang="en-US" sz="1200" dirty="0" smtClean="0"/>
+                <a:t>테스트</a:t>
+              </a:r>
+              <a:r>
+                <a:rPr lang="en-US" altLang="ko-KR" sz="1200" smtClean="0"/>
+                <a:t>/ </a:t>
+              </a:r>
+              <a:r>
+                <a:rPr lang="ko-KR" altLang="en-US" sz="1200" smtClean="0"/>
+                <a:t>지속적  </a:t>
+              </a:r>
+              <a:r>
+                <a:rPr lang="ko-KR" altLang="en-US" sz="1200" dirty="0" smtClean="0"/>
+                <a:t>통합</a:t>
+              </a:r>
+              <a:endParaRPr lang="en-US" sz="1200" dirty="0"/>
+            </a:p>
+          </p:txBody>
+        </p:sp>
+        <p:cxnSp>
+          <p:nvCxnSpPr>
+            <p:cNvPr id="20" name="직선 화살표 연결선 19"/>
+            <p:cNvCxnSpPr>
+              <a:stCxn id="6" idx="3"/>
+            </p:cNvCxnSpPr>
+            <p:nvPr/>
+          </p:nvCxnSpPr>
+          <p:spPr>
+            <a:xfrm>
+              <a:off x="1619672" y="1305635"/>
+              <a:ext cx="5328591" cy="20324"/>
+            </a:xfrm>
+            <a:prstGeom prst="straightConnector1">
+              <a:avLst/>
+            </a:prstGeom>
+            <a:ln w="28575">
+              <a:solidFill>
+                <a:schemeClr val="accent6">
+                  <a:lumMod val="50000"/>
+                </a:schemeClr>
+              </a:solidFill>
+              <a:tailEnd type="arrow"/>
+            </a:ln>
+          </p:spPr>
+          <p:style>
+            <a:lnRef idx="1">
+              <a:schemeClr val="accent1"/>
+            </a:lnRef>
+            <a:fillRef idx="0">
+              <a:schemeClr val="accent1"/>
+            </a:fillRef>
+            <a:effectRef idx="0">
+              <a:schemeClr val="accent1"/>
+            </a:effectRef>
+            <a:fontRef idx="minor">
+              <a:schemeClr val="tx1"/>
+            </a:fontRef>
+          </p:style>
+        </p:cxnSp>
+        <p:cxnSp>
+          <p:nvCxnSpPr>
+            <p:cNvPr id="24" name="직선 화살표 연결선 23"/>
+            <p:cNvCxnSpPr/>
+            <p:nvPr/>
+          </p:nvCxnSpPr>
+          <p:spPr>
+            <a:xfrm>
+              <a:off x="1979712" y="2636912"/>
+              <a:ext cx="4176464" cy="0"/>
+            </a:xfrm>
+            <a:prstGeom prst="straightConnector1">
+              <a:avLst/>
+            </a:prstGeom>
+            <a:ln w="28575">
+              <a:solidFill>
+                <a:schemeClr val="accent6">
+                  <a:lumMod val="50000"/>
+                </a:schemeClr>
+              </a:solidFill>
+              <a:tailEnd type="arrow"/>
+            </a:ln>
+          </p:spPr>
+          <p:style>
+            <a:lnRef idx="1">
+              <a:schemeClr val="accent1"/>
+            </a:lnRef>
+            <a:fillRef idx="0">
+              <a:schemeClr val="accent1"/>
+            </a:fillRef>
+            <a:effectRef idx="0">
+              <a:schemeClr val="accent1"/>
+            </a:effectRef>
+            <a:fontRef idx="minor">
+              <a:schemeClr val="tx1"/>
+            </a:fontRef>
+          </p:style>
+        </p:cxnSp>
+        <p:cxnSp>
+          <p:nvCxnSpPr>
+            <p:cNvPr id="26" name="직선 화살표 연결선 25"/>
+            <p:cNvCxnSpPr/>
+            <p:nvPr/>
+          </p:nvCxnSpPr>
+          <p:spPr>
+            <a:xfrm>
+              <a:off x="2255331" y="3634502"/>
+              <a:ext cx="3382392" cy="20324"/>
+            </a:xfrm>
+            <a:prstGeom prst="straightConnector1">
+              <a:avLst/>
+            </a:prstGeom>
+            <a:ln w="28575">
+              <a:solidFill>
+                <a:schemeClr val="accent6">
+                  <a:lumMod val="50000"/>
+                </a:schemeClr>
+              </a:solidFill>
+              <a:tailEnd type="arrow"/>
+            </a:ln>
+          </p:spPr>
+          <p:style>
+            <a:lnRef idx="1">
+              <a:schemeClr val="accent1"/>
+            </a:lnRef>
+            <a:fillRef idx="0">
+              <a:schemeClr val="accent1"/>
+            </a:fillRef>
+            <a:effectRef idx="0">
+              <a:schemeClr val="accent1"/>
+            </a:effectRef>
+            <a:fontRef idx="minor">
+              <a:schemeClr val="tx1"/>
+            </a:fontRef>
+          </p:style>
+        </p:cxnSp>
+        <p:cxnSp>
+          <p:nvCxnSpPr>
+            <p:cNvPr id="28" name="직선 화살표 연결선 27"/>
+            <p:cNvCxnSpPr/>
+            <p:nvPr/>
+          </p:nvCxnSpPr>
+          <p:spPr>
+            <a:xfrm>
+              <a:off x="3059832" y="5013176"/>
+              <a:ext cx="2083236" cy="0"/>
+            </a:xfrm>
+            <a:prstGeom prst="straightConnector1">
+              <a:avLst/>
+            </a:prstGeom>
+            <a:ln w="28575">
+              <a:solidFill>
+                <a:schemeClr val="accent6">
+                  <a:lumMod val="50000"/>
+                </a:schemeClr>
+              </a:solidFill>
+              <a:tailEnd type="arrow"/>
+            </a:ln>
+          </p:spPr>
+          <p:style>
+            <a:lnRef idx="1">
+              <a:schemeClr val="accent1"/>
+            </a:lnRef>
+            <a:fillRef idx="0">
+              <a:schemeClr val="accent1"/>
+            </a:fillRef>
+            <a:effectRef idx="0">
+              <a:schemeClr val="accent1"/>
+            </a:effectRef>
+            <a:fontRef idx="minor">
+              <a:schemeClr val="tx1"/>
+            </a:fontRef>
+          </p:style>
+        </p:cxnSp>
+        <p:cxnSp>
+          <p:nvCxnSpPr>
+            <p:cNvPr id="32" name="직선 화살표 연결선 31"/>
+            <p:cNvCxnSpPr/>
+            <p:nvPr/>
+          </p:nvCxnSpPr>
+          <p:spPr>
+            <a:xfrm flipH="1" flipV="1">
+              <a:off x="1100122" y="1702057"/>
+              <a:ext cx="328228" cy="801872"/>
+            </a:xfrm>
+            <a:prstGeom prst="straightConnector1">
+              <a:avLst/>
+            </a:prstGeom>
+            <a:ln w="28575">
+              <a:solidFill>
+                <a:schemeClr val="accent6">
+                  <a:lumMod val="50000"/>
+                </a:schemeClr>
+              </a:solidFill>
+              <a:tailEnd type="arrow"/>
+            </a:ln>
+          </p:spPr>
+          <p:style>
+            <a:lnRef idx="1">
+              <a:schemeClr val="accent1"/>
+            </a:lnRef>
+            <a:fillRef idx="0">
+              <a:schemeClr val="accent1"/>
+            </a:fillRef>
+            <a:effectRef idx="0">
+              <a:schemeClr val="accent1"/>
+            </a:effectRef>
+            <a:fontRef idx="minor">
+              <a:schemeClr val="tx1"/>
+            </a:fontRef>
+          </p:style>
+        </p:cxnSp>
+        <p:cxnSp>
+          <p:nvCxnSpPr>
+            <p:cNvPr id="35" name="직선 화살표 연결선 34"/>
+            <p:cNvCxnSpPr/>
+            <p:nvPr/>
+          </p:nvCxnSpPr>
+          <p:spPr>
+            <a:xfrm flipH="1" flipV="1">
+              <a:off x="1583668" y="2822039"/>
+              <a:ext cx="612068" cy="1687081"/>
+            </a:xfrm>
+            <a:prstGeom prst="straightConnector1">
+              <a:avLst/>
+            </a:prstGeom>
+            <a:ln w="28575">
+              <a:solidFill>
+                <a:schemeClr val="accent6">
+                  <a:lumMod val="50000"/>
+                </a:schemeClr>
+              </a:solidFill>
+              <a:tailEnd type="arrow"/>
+            </a:ln>
+          </p:spPr>
+          <p:style>
+            <a:lnRef idx="1">
+              <a:schemeClr val="accent1"/>
+            </a:lnRef>
+            <a:fillRef idx="0">
+              <a:schemeClr val="accent1"/>
+            </a:fillRef>
+            <a:effectRef idx="0">
+              <a:schemeClr val="accent1"/>
+            </a:effectRef>
+            <a:fontRef idx="minor">
+              <a:schemeClr val="tx1"/>
+            </a:fontRef>
+          </p:style>
+        </p:cxnSp>
+        <p:cxnSp>
+          <p:nvCxnSpPr>
+            <p:cNvPr id="39" name="직선 화살표 연결선 38"/>
+            <p:cNvCxnSpPr/>
+            <p:nvPr/>
+          </p:nvCxnSpPr>
+          <p:spPr>
+            <a:xfrm flipH="1" flipV="1">
+              <a:off x="2349533" y="4747536"/>
+              <a:ext cx="188404" cy="501661"/>
+            </a:xfrm>
+            <a:prstGeom prst="straightConnector1">
+              <a:avLst/>
+            </a:prstGeom>
+            <a:ln w="28575">
+              <a:solidFill>
+                <a:srgbClr val="00B050"/>
+              </a:solidFill>
+              <a:tailEnd type="arrow"/>
+            </a:ln>
+          </p:spPr>
+          <p:style>
+            <a:lnRef idx="1">
+              <a:schemeClr val="accent1"/>
+            </a:lnRef>
+            <a:fillRef idx="0">
+              <a:schemeClr val="accent1"/>
+            </a:fillRef>
+            <a:effectRef idx="0">
+              <a:schemeClr val="accent1"/>
+            </a:effectRef>
+            <a:fontRef idx="minor">
+              <a:schemeClr val="tx1"/>
+            </a:fontRef>
+          </p:style>
+        </p:cxnSp>
+        <p:cxnSp>
+          <p:nvCxnSpPr>
+            <p:cNvPr id="42" name="직선 화살표 연결선 41"/>
+            <p:cNvCxnSpPr/>
+            <p:nvPr/>
+          </p:nvCxnSpPr>
+          <p:spPr>
+            <a:xfrm flipV="1">
+              <a:off x="1642755" y="5167014"/>
+              <a:ext cx="552981" cy="268036"/>
+            </a:xfrm>
+            <a:prstGeom prst="straightConnector1">
+              <a:avLst/>
+            </a:prstGeom>
+            <a:ln w="28575">
               <a:solidFill>
                 <a:srgbClr val="002060"/>
               </a:solidFill>
-            </a:endParaRPr>
-          </a:p>
-        </p:txBody>
-      </p:sp>
-      <p:sp>
-        <p:nvSpPr>
-          <p:cNvPr id="8" name="TextBox 7"/>
-          <p:cNvSpPr txBox="1"/>
-          <p:nvPr/>
-        </p:nvSpPr>
-        <p:spPr>
-          <a:xfrm>
-            <a:off x="1643263" y="4509120"/>
-            <a:ext cx="1224136" cy="276999"/>
-          </a:xfrm>
-          <a:prstGeom prst="rect">
-            <a:avLst/>
-          </a:prstGeom>
-          <a:noFill/>
-        </p:spPr>
-        <p:txBody>
-          <a:bodyPr wrap="square" rtlCol="0">
-            <a:spAutoFit/>
-          </a:bodyPr>
-          <a:lstStyle/>
-          <a:p>
-            <a:pPr algn="ctr"/>
-            <a:r>
-              <a:rPr lang="ko-KR" altLang="en-US" sz="1200" dirty="0" smtClean="0">
+              <a:tailEnd type="arrow"/>
+            </a:ln>
+          </p:spPr>
+          <p:style>
+            <a:lnRef idx="1">
+              <a:schemeClr val="accent1"/>
+            </a:lnRef>
+            <a:fillRef idx="0">
+              <a:schemeClr val="accent1"/>
+            </a:fillRef>
+            <a:effectRef idx="0">
+              <a:schemeClr val="accent1"/>
+            </a:effectRef>
+            <a:fontRef idx="minor">
+              <a:schemeClr val="tx1"/>
+            </a:fontRef>
+          </p:style>
+        </p:cxnSp>
+        <p:sp>
+          <p:nvSpPr>
+            <p:cNvPr id="48" name="TextBox 47"/>
+            <p:cNvSpPr txBox="1"/>
+            <p:nvPr/>
+          </p:nvSpPr>
+          <p:spPr>
+            <a:xfrm>
+              <a:off x="6300192" y="2780928"/>
+              <a:ext cx="1805196" cy="553998"/>
+            </a:xfrm>
+            <a:prstGeom prst="rect">
+              <a:avLst/>
+            </a:prstGeom>
+            <a:noFill/>
+          </p:spPr>
+          <p:txBody>
+            <a:bodyPr wrap="square" rtlCol="0">
+              <a:spAutoFit/>
+            </a:bodyPr>
+            <a:lstStyle/>
+            <a:p>
+              <a:pPr marL="171450" indent="-171450">
+                <a:buFont typeface="Arial" panose="020B0604020202020204" pitchFamily="34" charset="0"/>
+                <a:buChar char="•"/>
+              </a:pPr>
+              <a:r>
+                <a:rPr lang="ko-KR" altLang="en-US" sz="1000" dirty="0" smtClean="0">
+                  <a:solidFill>
+                    <a:srgbClr val="002060"/>
+                  </a:solidFill>
+                </a:rPr>
+                <a:t>블랙박스 테스트</a:t>
+              </a:r>
+              <a:r>
+                <a:rPr lang="en-US" altLang="ko-KR" sz="1000" dirty="0" smtClean="0">
+                  <a:solidFill>
+                    <a:srgbClr val="002060"/>
+                  </a:solidFill>
+                </a:rPr>
+                <a:t>/ </a:t>
+              </a:r>
+              <a:r>
+                <a:rPr lang="ko-KR" altLang="en-US" sz="1000" dirty="0" smtClean="0">
+                  <a:solidFill>
+                    <a:srgbClr val="002060"/>
+                  </a:solidFill>
+                </a:rPr>
+                <a:t>유저 스토리 지향 </a:t>
+              </a:r>
+              <a:endParaRPr lang="en-US" altLang="ko-KR" sz="1000" dirty="0" smtClean="0">
                 <a:solidFill>
                   <a:srgbClr val="002060"/>
                 </a:solidFill>
-              </a:rPr>
-              <a:t>구</a:t>
-            </a:r>
-            <a:r>
-              <a:rPr lang="ko-KR" altLang="en-US" sz="1200" dirty="0">
+              </a:endParaRPr>
+            </a:p>
+            <a:p>
+              <a:pPr marL="171450" indent="-171450">
+                <a:buFont typeface="Arial" panose="020B0604020202020204" pitchFamily="34" charset="0"/>
+                <a:buChar char="•"/>
+              </a:pPr>
+              <a:r>
+                <a:rPr lang="ko-KR" altLang="en-US" sz="1000" smtClean="0">
+                  <a:solidFill>
+                    <a:srgbClr val="002060"/>
+                  </a:solidFill>
+                </a:rPr>
+                <a:t>스프린트데모</a:t>
+              </a:r>
+              <a:r>
+                <a:rPr lang="en-US" altLang="ko-KR" sz="1000" smtClean="0">
+                  <a:solidFill>
+                    <a:srgbClr val="002060"/>
+                  </a:solidFill>
+                </a:rPr>
+                <a:t>-PO</a:t>
+              </a:r>
+              <a:r>
+                <a:rPr lang="ko-KR" altLang="en-US" sz="1000" smtClean="0">
+                  <a:solidFill>
+                    <a:srgbClr val="002060"/>
+                  </a:solidFill>
+                </a:rPr>
+                <a:t> </a:t>
+              </a:r>
+              <a:r>
+                <a:rPr lang="ko-KR" altLang="en-US" sz="1000" dirty="0" smtClean="0">
+                  <a:solidFill>
+                    <a:srgbClr val="002060"/>
+                  </a:solidFill>
+                </a:rPr>
+                <a:t>승인</a:t>
+              </a:r>
+              <a:endParaRPr lang="en-US" sz="1000" dirty="0">
                 <a:solidFill>
                   <a:srgbClr val="002060"/>
                 </a:solidFill>
-              </a:rPr>
-              <a:t>조</a:t>
-            </a:r>
-            <a:endParaRPr lang="en-US" sz="1200" dirty="0">
-              <a:solidFill>
-                <a:srgbClr val="002060"/>
-              </a:solidFill>
-            </a:endParaRPr>
-          </a:p>
-        </p:txBody>
-      </p:sp>
-      <p:sp>
-        <p:nvSpPr>
-          <p:cNvPr id="9" name="TextBox 8"/>
-          <p:cNvSpPr txBox="1"/>
-          <p:nvPr/>
-        </p:nvSpPr>
-        <p:spPr>
-          <a:xfrm>
-            <a:off x="1979712" y="5240233"/>
-            <a:ext cx="1224136" cy="276999"/>
-          </a:xfrm>
-          <a:prstGeom prst="rect">
-            <a:avLst/>
-          </a:prstGeom>
-          <a:noFill/>
-        </p:spPr>
-        <p:txBody>
-          <a:bodyPr wrap="square" rtlCol="0">
-            <a:spAutoFit/>
-          </a:bodyPr>
-          <a:lstStyle/>
-          <a:p>
-            <a:pPr algn="ctr"/>
-            <a:r>
-              <a:rPr lang="ko-KR" altLang="en-US" sz="1200" dirty="0" smtClean="0">
-                <a:solidFill>
-                  <a:srgbClr val="002060"/>
-                </a:solidFill>
-              </a:rPr>
-              <a:t>코드</a:t>
-            </a:r>
-            <a:endParaRPr lang="en-US" sz="1200" dirty="0">
-              <a:solidFill>
-                <a:srgbClr val="002060"/>
-              </a:solidFill>
-            </a:endParaRPr>
-          </a:p>
-        </p:txBody>
-      </p:sp>
-      <p:sp>
-        <p:nvSpPr>
-          <p:cNvPr id="10" name="TextBox 9"/>
-          <p:cNvSpPr txBox="1"/>
-          <p:nvPr/>
-        </p:nvSpPr>
-        <p:spPr>
-          <a:xfrm>
-            <a:off x="424601" y="5301208"/>
-            <a:ext cx="1224136" cy="276999"/>
-          </a:xfrm>
-          <a:prstGeom prst="rect">
-            <a:avLst/>
-          </a:prstGeom>
-          <a:noFill/>
-          <a:ln>
-            <a:solidFill>
-              <a:srgbClr val="002060"/>
-            </a:solidFill>
-          </a:ln>
-        </p:spPr>
-        <p:txBody>
-          <a:bodyPr wrap="square" rtlCol="0">
-            <a:spAutoFit/>
-          </a:bodyPr>
-          <a:lstStyle/>
-          <a:p>
-            <a:pPr algn="ctr"/>
-            <a:r>
-              <a:rPr lang="ko-KR" altLang="en-US" sz="1200" dirty="0" smtClean="0">
-                <a:solidFill>
-                  <a:srgbClr val="002060"/>
-                </a:solidFill>
-              </a:rPr>
-              <a:t>라이브러</a:t>
-            </a:r>
-            <a:r>
-              <a:rPr lang="ko-KR" altLang="en-US" sz="1200" dirty="0">
-                <a:solidFill>
-                  <a:srgbClr val="002060"/>
-                </a:solidFill>
-              </a:rPr>
-              <a:t>리</a:t>
-            </a:r>
-            <a:endParaRPr lang="en-US" sz="1200" dirty="0">
-              <a:solidFill>
-                <a:srgbClr val="002060"/>
-              </a:solidFill>
-            </a:endParaRPr>
-          </a:p>
-        </p:txBody>
-      </p:sp>
-      <p:sp>
-        <p:nvSpPr>
-          <p:cNvPr id="11" name="TextBox 10"/>
-          <p:cNvSpPr txBox="1"/>
-          <p:nvPr/>
-        </p:nvSpPr>
-        <p:spPr>
-          <a:xfrm>
-            <a:off x="7092280" y="1095127"/>
-            <a:ext cx="1224136" cy="461665"/>
-          </a:xfrm>
-          <a:prstGeom prst="rect">
-            <a:avLst/>
-          </a:prstGeom>
-          <a:ln/>
-        </p:spPr>
-        <p:style>
-          <a:lnRef idx="1">
-            <a:schemeClr val="accent3"/>
-          </a:lnRef>
-          <a:fillRef idx="2">
-            <a:schemeClr val="accent3"/>
-          </a:fillRef>
-          <a:effectRef idx="1">
-            <a:schemeClr val="accent3"/>
-          </a:effectRef>
-          <a:fontRef idx="minor">
-            <a:schemeClr val="dk1"/>
-          </a:fontRef>
-        </p:style>
-        <p:txBody>
-          <a:bodyPr wrap="square" rtlCol="0">
-            <a:spAutoFit/>
-          </a:bodyPr>
-          <a:lstStyle/>
-          <a:p>
-            <a:pPr algn="ctr"/>
-            <a:r>
-              <a:rPr lang="ko-KR" altLang="en-US" sz="1200" dirty="0" smtClean="0"/>
-              <a:t>사용자 인수 테스트</a:t>
-            </a:r>
-            <a:endParaRPr lang="en-US" sz="1200" dirty="0"/>
-          </a:p>
-        </p:txBody>
-      </p:sp>
-      <p:sp>
-        <p:nvSpPr>
-          <p:cNvPr id="12" name="TextBox 11"/>
-          <p:cNvSpPr txBox="1"/>
-          <p:nvPr/>
-        </p:nvSpPr>
-        <p:spPr>
-          <a:xfrm>
-            <a:off x="6657190" y="1635440"/>
-            <a:ext cx="1515210" cy="461665"/>
-          </a:xfrm>
-          <a:prstGeom prst="rect">
-            <a:avLst/>
-          </a:prstGeom>
-          <a:ln/>
-        </p:spPr>
-        <p:style>
-          <a:lnRef idx="1">
-            <a:schemeClr val="accent3"/>
-          </a:lnRef>
-          <a:fillRef idx="2">
-            <a:schemeClr val="accent3"/>
-          </a:fillRef>
-          <a:effectRef idx="1">
-            <a:schemeClr val="accent3"/>
-          </a:effectRef>
-          <a:fontRef idx="minor">
-            <a:schemeClr val="dk1"/>
-          </a:fontRef>
-        </p:style>
-        <p:txBody>
-          <a:bodyPr wrap="square" rtlCol="0">
-            <a:spAutoFit/>
-          </a:bodyPr>
-          <a:lstStyle/>
-          <a:p>
-            <a:pPr algn="ctr"/>
-            <a:r>
-              <a:rPr lang="ko-KR" altLang="en-US" sz="1200" dirty="0" smtClean="0"/>
-              <a:t>애플리케이션 통합 테스트</a:t>
-            </a:r>
-            <a:endParaRPr lang="en-US" sz="1200" dirty="0"/>
-          </a:p>
-        </p:txBody>
-      </p:sp>
-      <p:sp>
-        <p:nvSpPr>
-          <p:cNvPr id="13" name="TextBox 12"/>
-          <p:cNvSpPr txBox="1"/>
-          <p:nvPr/>
-        </p:nvSpPr>
-        <p:spPr>
-          <a:xfrm>
-            <a:off x="6336194" y="2184538"/>
-            <a:ext cx="1836205" cy="461665"/>
-          </a:xfrm>
-          <a:prstGeom prst="rect">
-            <a:avLst/>
-          </a:prstGeom>
-          <a:ln/>
-        </p:spPr>
-        <p:style>
-          <a:lnRef idx="1">
-            <a:schemeClr val="accent3"/>
-          </a:lnRef>
-          <a:fillRef idx="2">
-            <a:schemeClr val="accent3"/>
-          </a:fillRef>
-          <a:effectRef idx="1">
-            <a:schemeClr val="accent3"/>
-          </a:effectRef>
-          <a:fontRef idx="minor">
-            <a:schemeClr val="dk1"/>
-          </a:fontRef>
-        </p:style>
-        <p:txBody>
-          <a:bodyPr wrap="square" rtlCol="0">
-            <a:spAutoFit/>
-          </a:bodyPr>
-          <a:lstStyle/>
-          <a:p>
-            <a:pPr algn="ctr"/>
-            <a:r>
-              <a:rPr lang="ko-KR" altLang="en-US" sz="1200" dirty="0"/>
-              <a:t>애</a:t>
-            </a:r>
-            <a:r>
-              <a:rPr lang="ko-KR" altLang="en-US" sz="1200" dirty="0" smtClean="0"/>
-              <a:t>플리케이션 테스트</a:t>
-            </a:r>
-            <a:r>
-              <a:rPr lang="en-US" altLang="ko-KR" sz="1200" dirty="0" smtClean="0"/>
-              <a:t>/</a:t>
-            </a:r>
-            <a:r>
-              <a:rPr lang="ko-KR" altLang="en-US" sz="1200" dirty="0" smtClean="0"/>
-              <a:t>시스템 테스트</a:t>
-            </a:r>
-            <a:endParaRPr lang="en-US" sz="1200" dirty="0"/>
-          </a:p>
-        </p:txBody>
-      </p:sp>
-      <p:sp>
-        <p:nvSpPr>
-          <p:cNvPr id="14" name="TextBox 13"/>
-          <p:cNvSpPr txBox="1"/>
-          <p:nvPr/>
-        </p:nvSpPr>
-        <p:spPr>
-          <a:xfrm>
-            <a:off x="5634157" y="3428999"/>
-            <a:ext cx="1224136" cy="461665"/>
-          </a:xfrm>
-          <a:prstGeom prst="rect">
-            <a:avLst/>
-          </a:prstGeom>
-          <a:ln/>
-        </p:spPr>
-        <p:style>
-          <a:lnRef idx="1">
-            <a:schemeClr val="accent3"/>
-          </a:lnRef>
-          <a:fillRef idx="2">
-            <a:schemeClr val="accent3"/>
-          </a:fillRef>
-          <a:effectRef idx="1">
-            <a:schemeClr val="accent3"/>
-          </a:effectRef>
-          <a:fontRef idx="minor">
-            <a:schemeClr val="dk1"/>
-          </a:fontRef>
-        </p:style>
-        <p:txBody>
-          <a:bodyPr wrap="square" rtlCol="0">
-            <a:spAutoFit/>
-          </a:bodyPr>
-          <a:lstStyle/>
-          <a:p>
-            <a:pPr algn="ctr"/>
-            <a:r>
-              <a:rPr lang="ko-KR" altLang="en-US" sz="1200" dirty="0" smtClean="0"/>
-              <a:t>어셈블리 테스트</a:t>
-            </a:r>
-            <a:endParaRPr lang="en-US" sz="1200" dirty="0"/>
-          </a:p>
-        </p:txBody>
-      </p:sp>
-      <p:sp>
-        <p:nvSpPr>
-          <p:cNvPr id="15" name="TextBox 14"/>
-          <p:cNvSpPr txBox="1"/>
-          <p:nvPr/>
-        </p:nvSpPr>
-        <p:spPr>
-          <a:xfrm>
-            <a:off x="5143068" y="4767535"/>
-            <a:ext cx="1224136" cy="461665"/>
-          </a:xfrm>
-          <a:prstGeom prst="rect">
-            <a:avLst/>
-          </a:prstGeom>
-          <a:ln/>
-        </p:spPr>
-        <p:style>
-          <a:lnRef idx="1">
-            <a:schemeClr val="accent3"/>
-          </a:lnRef>
-          <a:fillRef idx="2">
-            <a:schemeClr val="accent3"/>
-          </a:fillRef>
-          <a:effectRef idx="1">
-            <a:schemeClr val="accent3"/>
-          </a:effectRef>
-          <a:fontRef idx="minor">
-            <a:schemeClr val="dk1"/>
-          </a:fontRef>
-        </p:style>
-        <p:txBody>
-          <a:bodyPr wrap="square" rtlCol="0">
-            <a:spAutoFit/>
-          </a:bodyPr>
-          <a:lstStyle/>
-          <a:p>
-            <a:pPr algn="ctr"/>
-            <a:r>
-              <a:rPr lang="ko-KR" altLang="en-US" sz="1200" dirty="0" smtClean="0"/>
-              <a:t>컴포넌트 테스트</a:t>
-            </a:r>
-            <a:endParaRPr lang="en-US" sz="1200" dirty="0"/>
-          </a:p>
-        </p:txBody>
-      </p:sp>
-      <p:sp>
-        <p:nvSpPr>
-          <p:cNvPr id="18" name="TextBox 17"/>
-          <p:cNvSpPr txBox="1"/>
-          <p:nvPr/>
-        </p:nvSpPr>
-        <p:spPr>
-          <a:xfrm rot="5400000">
-            <a:off x="6605323" y="3035136"/>
-            <a:ext cx="4419265" cy="276999"/>
-          </a:xfrm>
-          <a:prstGeom prst="rect">
-            <a:avLst/>
-          </a:prstGeom>
-          <a:ln/>
-        </p:spPr>
-        <p:style>
-          <a:lnRef idx="1">
-            <a:schemeClr val="accent3"/>
-          </a:lnRef>
-          <a:fillRef idx="2">
-            <a:schemeClr val="accent3"/>
-          </a:fillRef>
-          <a:effectRef idx="1">
-            <a:schemeClr val="accent3"/>
-          </a:effectRef>
-          <a:fontRef idx="minor">
-            <a:schemeClr val="dk1"/>
-          </a:fontRef>
-        </p:style>
-        <p:txBody>
-          <a:bodyPr wrap="square" rtlCol="0">
-            <a:spAutoFit/>
-          </a:bodyPr>
-          <a:lstStyle/>
-          <a:p>
-            <a:pPr algn="ctr"/>
-            <a:r>
-              <a:rPr lang="ko-KR" altLang="en-US" sz="1200" dirty="0" err="1" smtClean="0"/>
-              <a:t>스모크</a:t>
-            </a:r>
-            <a:r>
-              <a:rPr lang="en-US" altLang="ko-KR" sz="1200" dirty="0" smtClean="0"/>
-              <a:t>-</a:t>
-            </a:r>
-            <a:r>
-              <a:rPr lang="ko-KR" altLang="en-US" sz="1200" dirty="0" smtClean="0"/>
-              <a:t>테스트</a:t>
-            </a:r>
-            <a:r>
-              <a:rPr lang="en-US" altLang="ko-KR" sz="1200" dirty="0" smtClean="0"/>
-              <a:t>/ </a:t>
-            </a:r>
-            <a:r>
-              <a:rPr lang="ko-KR" altLang="en-US" sz="1200" dirty="0" smtClean="0"/>
-              <a:t>지속적인 통합</a:t>
-            </a:r>
-            <a:endParaRPr lang="en-US" sz="1200" dirty="0"/>
-          </a:p>
-        </p:txBody>
-      </p:sp>
-      <p:cxnSp>
-        <p:nvCxnSpPr>
-          <p:cNvPr id="20" name="직선 화살표 연결선 19"/>
-          <p:cNvCxnSpPr>
-            <a:stCxn id="6" idx="3"/>
-          </p:cNvCxnSpPr>
-          <p:nvPr/>
-        </p:nvCxnSpPr>
-        <p:spPr>
-          <a:xfrm>
-            <a:off x="1619672" y="1305635"/>
-            <a:ext cx="5328591" cy="20324"/>
-          </a:xfrm>
-          <a:prstGeom prst="straightConnector1">
-            <a:avLst/>
-          </a:prstGeom>
-          <a:ln w="28575">
-            <a:solidFill>
-              <a:schemeClr val="accent6">
-                <a:lumMod val="50000"/>
-              </a:schemeClr>
-            </a:solidFill>
-            <a:tailEnd type="arrow"/>
-          </a:ln>
-        </p:spPr>
-        <p:style>
-          <a:lnRef idx="1">
-            <a:schemeClr val="accent1"/>
-          </a:lnRef>
-          <a:fillRef idx="0">
-            <a:schemeClr val="accent1"/>
-          </a:fillRef>
-          <a:effectRef idx="0">
-            <a:schemeClr val="accent1"/>
-          </a:effectRef>
-          <a:fontRef idx="minor">
-            <a:schemeClr val="tx1"/>
-          </a:fontRef>
-        </p:style>
-      </p:cxnSp>
-      <p:cxnSp>
-        <p:nvCxnSpPr>
-          <p:cNvPr id="24" name="직선 화살표 연결선 23"/>
-          <p:cNvCxnSpPr/>
-          <p:nvPr/>
-        </p:nvCxnSpPr>
-        <p:spPr>
-          <a:xfrm>
-            <a:off x="1979712" y="2636912"/>
-            <a:ext cx="4176464" cy="0"/>
-          </a:xfrm>
-          <a:prstGeom prst="straightConnector1">
-            <a:avLst/>
-          </a:prstGeom>
-          <a:ln w="28575">
-            <a:solidFill>
-              <a:schemeClr val="accent6">
-                <a:lumMod val="50000"/>
-              </a:schemeClr>
-            </a:solidFill>
-            <a:tailEnd type="arrow"/>
-          </a:ln>
-        </p:spPr>
-        <p:style>
-          <a:lnRef idx="1">
-            <a:schemeClr val="accent1"/>
-          </a:lnRef>
-          <a:fillRef idx="0">
-            <a:schemeClr val="accent1"/>
-          </a:fillRef>
-          <a:effectRef idx="0">
-            <a:schemeClr val="accent1"/>
-          </a:effectRef>
-          <a:fontRef idx="minor">
-            <a:schemeClr val="tx1"/>
-          </a:fontRef>
-        </p:style>
-      </p:cxnSp>
-      <p:cxnSp>
-        <p:nvCxnSpPr>
-          <p:cNvPr id="26" name="직선 화살표 연결선 25"/>
-          <p:cNvCxnSpPr/>
-          <p:nvPr/>
-        </p:nvCxnSpPr>
-        <p:spPr>
-          <a:xfrm>
-            <a:off x="2255331" y="3634502"/>
-            <a:ext cx="3382392" cy="20324"/>
-          </a:xfrm>
-          <a:prstGeom prst="straightConnector1">
-            <a:avLst/>
-          </a:prstGeom>
-          <a:ln w="28575">
-            <a:solidFill>
-              <a:schemeClr val="accent6">
-                <a:lumMod val="50000"/>
-              </a:schemeClr>
-            </a:solidFill>
-            <a:tailEnd type="arrow"/>
-          </a:ln>
-        </p:spPr>
-        <p:style>
-          <a:lnRef idx="1">
-            <a:schemeClr val="accent1"/>
-          </a:lnRef>
-          <a:fillRef idx="0">
-            <a:schemeClr val="accent1"/>
-          </a:fillRef>
-          <a:effectRef idx="0">
-            <a:schemeClr val="accent1"/>
-          </a:effectRef>
-          <a:fontRef idx="minor">
-            <a:schemeClr val="tx1"/>
-          </a:fontRef>
-        </p:style>
-      </p:cxnSp>
-      <p:cxnSp>
-        <p:nvCxnSpPr>
-          <p:cNvPr id="28" name="직선 화살표 연결선 27"/>
-          <p:cNvCxnSpPr/>
-          <p:nvPr/>
-        </p:nvCxnSpPr>
-        <p:spPr>
-          <a:xfrm>
-            <a:off x="3059832" y="5013176"/>
-            <a:ext cx="2083236" cy="0"/>
-          </a:xfrm>
-          <a:prstGeom prst="straightConnector1">
-            <a:avLst/>
-          </a:prstGeom>
-          <a:ln w="28575">
-            <a:solidFill>
-              <a:schemeClr val="accent6">
-                <a:lumMod val="50000"/>
-              </a:schemeClr>
-            </a:solidFill>
-            <a:tailEnd type="arrow"/>
-          </a:ln>
-        </p:spPr>
-        <p:style>
-          <a:lnRef idx="1">
-            <a:schemeClr val="accent1"/>
-          </a:lnRef>
-          <a:fillRef idx="0">
-            <a:schemeClr val="accent1"/>
-          </a:fillRef>
-          <a:effectRef idx="0">
-            <a:schemeClr val="accent1"/>
-          </a:effectRef>
-          <a:fontRef idx="minor">
-            <a:schemeClr val="tx1"/>
-          </a:fontRef>
-        </p:style>
-      </p:cxnSp>
-      <p:cxnSp>
-        <p:nvCxnSpPr>
-          <p:cNvPr id="32" name="직선 화살표 연결선 31"/>
-          <p:cNvCxnSpPr/>
-          <p:nvPr/>
-        </p:nvCxnSpPr>
-        <p:spPr>
-          <a:xfrm flipH="1" flipV="1">
-            <a:off x="1100122" y="1702057"/>
-            <a:ext cx="328228" cy="801872"/>
-          </a:xfrm>
-          <a:prstGeom prst="straightConnector1">
-            <a:avLst/>
-          </a:prstGeom>
-          <a:ln w="28575">
-            <a:solidFill>
-              <a:schemeClr val="accent6">
-                <a:lumMod val="50000"/>
-              </a:schemeClr>
-            </a:solidFill>
-            <a:tailEnd type="arrow"/>
-          </a:ln>
-        </p:spPr>
-        <p:style>
-          <a:lnRef idx="1">
-            <a:schemeClr val="accent1"/>
-          </a:lnRef>
-          <a:fillRef idx="0">
-            <a:schemeClr val="accent1"/>
-          </a:fillRef>
-          <a:effectRef idx="0">
-            <a:schemeClr val="accent1"/>
-          </a:effectRef>
-          <a:fontRef idx="minor">
-            <a:schemeClr val="tx1"/>
-          </a:fontRef>
-        </p:style>
-      </p:cxnSp>
-      <p:cxnSp>
-        <p:nvCxnSpPr>
-          <p:cNvPr id="35" name="직선 화살표 연결선 34"/>
-          <p:cNvCxnSpPr/>
-          <p:nvPr/>
-        </p:nvCxnSpPr>
-        <p:spPr>
-          <a:xfrm flipH="1" flipV="1">
-            <a:off x="1583668" y="2822039"/>
-            <a:ext cx="612068" cy="1687081"/>
-          </a:xfrm>
-          <a:prstGeom prst="straightConnector1">
-            <a:avLst/>
-          </a:prstGeom>
-          <a:ln w="28575">
-            <a:solidFill>
-              <a:schemeClr val="accent6">
-                <a:lumMod val="50000"/>
-              </a:schemeClr>
-            </a:solidFill>
-            <a:tailEnd type="arrow"/>
-          </a:ln>
-        </p:spPr>
-        <p:style>
-          <a:lnRef idx="1">
-            <a:schemeClr val="accent1"/>
-          </a:lnRef>
-          <a:fillRef idx="0">
-            <a:schemeClr val="accent1"/>
-          </a:fillRef>
-          <a:effectRef idx="0">
-            <a:schemeClr val="accent1"/>
-          </a:effectRef>
-          <a:fontRef idx="minor">
-            <a:schemeClr val="tx1"/>
-          </a:fontRef>
-        </p:style>
-      </p:cxnSp>
-      <p:cxnSp>
-        <p:nvCxnSpPr>
-          <p:cNvPr id="39" name="직선 화살표 연결선 38"/>
-          <p:cNvCxnSpPr/>
-          <p:nvPr/>
-        </p:nvCxnSpPr>
-        <p:spPr>
-          <a:xfrm flipH="1" flipV="1">
-            <a:off x="2349533" y="4747536"/>
-            <a:ext cx="188404" cy="501661"/>
-          </a:xfrm>
-          <a:prstGeom prst="straightConnector1">
-            <a:avLst/>
-          </a:prstGeom>
-          <a:ln w="28575">
-            <a:solidFill>
-              <a:srgbClr val="00B050"/>
-            </a:solidFill>
-            <a:tailEnd type="arrow"/>
-          </a:ln>
-        </p:spPr>
-        <p:style>
-          <a:lnRef idx="1">
-            <a:schemeClr val="accent1"/>
-          </a:lnRef>
-          <a:fillRef idx="0">
-            <a:schemeClr val="accent1"/>
-          </a:fillRef>
-          <a:effectRef idx="0">
-            <a:schemeClr val="accent1"/>
-          </a:effectRef>
-          <a:fontRef idx="minor">
-            <a:schemeClr val="tx1"/>
-          </a:fontRef>
-        </p:style>
-      </p:cxnSp>
-      <p:cxnSp>
-        <p:nvCxnSpPr>
-          <p:cNvPr id="42" name="직선 화살표 연결선 41"/>
-          <p:cNvCxnSpPr/>
-          <p:nvPr/>
-        </p:nvCxnSpPr>
-        <p:spPr>
-          <a:xfrm flipV="1">
-            <a:off x="1642755" y="5167014"/>
-            <a:ext cx="552981" cy="268036"/>
-          </a:xfrm>
-          <a:prstGeom prst="straightConnector1">
-            <a:avLst/>
-          </a:prstGeom>
-          <a:ln w="28575">
-            <a:solidFill>
-              <a:srgbClr val="002060"/>
-            </a:solidFill>
-            <a:tailEnd type="arrow"/>
-          </a:ln>
-        </p:spPr>
-        <p:style>
-          <a:lnRef idx="1">
-            <a:schemeClr val="accent1"/>
-          </a:lnRef>
-          <a:fillRef idx="0">
-            <a:schemeClr val="accent1"/>
-          </a:fillRef>
-          <a:effectRef idx="0">
-            <a:schemeClr val="accent1"/>
-          </a:effectRef>
-          <a:fontRef idx="minor">
-            <a:schemeClr val="tx1"/>
-          </a:fontRef>
-        </p:style>
-      </p:cxnSp>
-      <p:sp>
-        <p:nvSpPr>
-          <p:cNvPr id="48" name="TextBox 47"/>
-          <p:cNvSpPr txBox="1"/>
-          <p:nvPr/>
-        </p:nvSpPr>
-        <p:spPr>
-          <a:xfrm>
-            <a:off x="6300192" y="2780928"/>
-            <a:ext cx="1805196" cy="553998"/>
-          </a:xfrm>
-          <a:prstGeom prst="rect">
-            <a:avLst/>
-          </a:prstGeom>
-          <a:noFill/>
-        </p:spPr>
-        <p:txBody>
-          <a:bodyPr wrap="square" rtlCol="0">
-            <a:spAutoFit/>
-          </a:bodyPr>
-          <a:lstStyle/>
-          <a:p>
-            <a:pPr marL="171450" indent="-171450">
-              <a:buFont typeface="Arial" panose="020B0604020202020204" pitchFamily="34" charset="0"/>
-              <a:buChar char="•"/>
-            </a:pPr>
-            <a:r>
-              <a:rPr lang="ko-KR" altLang="en-US" sz="1000" dirty="0" smtClean="0">
-                <a:solidFill>
-                  <a:srgbClr val="002060"/>
-                </a:solidFill>
-              </a:rPr>
-              <a:t>블랙박스 테스트</a:t>
-            </a:r>
-            <a:r>
-              <a:rPr lang="en-US" altLang="ko-KR" sz="1000" dirty="0" smtClean="0">
-                <a:solidFill>
-                  <a:srgbClr val="002060"/>
-                </a:solidFill>
-              </a:rPr>
-              <a:t>/ </a:t>
-            </a:r>
-            <a:r>
-              <a:rPr lang="ko-KR" altLang="en-US" sz="1000" dirty="0" smtClean="0">
-                <a:solidFill>
-                  <a:srgbClr val="002060"/>
-                </a:solidFill>
-              </a:rPr>
-              <a:t>유저 스토리 지향 </a:t>
-            </a:r>
-            <a:endParaRPr lang="en-US" altLang="ko-KR" sz="1000" dirty="0" smtClean="0">
-              <a:solidFill>
-                <a:srgbClr val="002060"/>
-              </a:solidFill>
-            </a:endParaRPr>
-          </a:p>
-          <a:p>
-            <a:pPr marL="171450" indent="-171450">
-              <a:buFont typeface="Arial" panose="020B0604020202020204" pitchFamily="34" charset="0"/>
-              <a:buChar char="•"/>
-            </a:pPr>
-            <a:r>
-              <a:rPr lang="ko-KR" altLang="en-US" sz="1000" dirty="0" smtClean="0">
-                <a:solidFill>
-                  <a:srgbClr val="002060"/>
-                </a:solidFill>
-              </a:rPr>
-              <a:t>데모 스프린트</a:t>
-            </a:r>
-            <a:r>
-              <a:rPr lang="en-US" altLang="ko-KR" sz="1000" dirty="0" smtClean="0">
-                <a:solidFill>
-                  <a:srgbClr val="002060"/>
-                </a:solidFill>
-              </a:rPr>
-              <a:t>-</a:t>
-            </a:r>
-            <a:r>
-              <a:rPr lang="ko-KR" altLang="en-US" sz="1000" dirty="0" smtClean="0">
-                <a:solidFill>
-                  <a:srgbClr val="002060"/>
-                </a:solidFill>
-              </a:rPr>
-              <a:t>피디 승인</a:t>
-            </a:r>
-            <a:endParaRPr lang="en-US" sz="1000" dirty="0">
-              <a:solidFill>
-                <a:srgbClr val="002060"/>
-              </a:solidFill>
-            </a:endParaRPr>
-          </a:p>
-        </p:txBody>
-      </p:sp>
-      <p:sp>
-        <p:nvSpPr>
-          <p:cNvPr id="49" name="TextBox 48"/>
-          <p:cNvSpPr txBox="1"/>
-          <p:nvPr/>
-        </p:nvSpPr>
-        <p:spPr>
-          <a:xfrm>
-            <a:off x="424601" y="6021288"/>
-            <a:ext cx="8251855" cy="323165"/>
-          </a:xfrm>
-          <a:prstGeom prst="rect">
-            <a:avLst/>
-          </a:prstGeom>
-        </p:spPr>
-        <p:style>
-          <a:lnRef idx="2">
-            <a:schemeClr val="accent6">
-              <a:shade val="50000"/>
-            </a:schemeClr>
-          </a:lnRef>
-          <a:fillRef idx="1">
-            <a:schemeClr val="accent6"/>
-          </a:fillRef>
-          <a:effectRef idx="0">
-            <a:schemeClr val="accent6"/>
-          </a:effectRef>
-          <a:fontRef idx="minor">
-            <a:schemeClr val="lt1"/>
-          </a:fontRef>
-        </p:style>
-        <p:txBody>
-          <a:bodyPr wrap="square" rtlCol="0">
-            <a:spAutoFit/>
-          </a:bodyPr>
-          <a:lstStyle/>
-          <a:p>
-            <a:r>
-              <a:rPr lang="ko-KR" altLang="en-US" sz="1500" dirty="0" smtClean="0">
+              </a:endParaRPr>
+            </a:p>
+          </p:txBody>
+        </p:sp>
+        <p:sp>
+          <p:nvSpPr>
+            <p:cNvPr id="49" name="TextBox 48"/>
+            <p:cNvSpPr txBox="1"/>
+            <p:nvPr/>
+          </p:nvSpPr>
+          <p:spPr>
+            <a:xfrm>
+              <a:off x="424601" y="6021288"/>
+              <a:ext cx="8251855" cy="323165"/>
+            </a:xfrm>
+            <a:prstGeom prst="rect">
+              <a:avLst/>
+            </a:prstGeom>
+          </p:spPr>
+          <p:style>
+            <a:lnRef idx="1">
+              <a:schemeClr val="accent6"/>
+            </a:lnRef>
+            <a:fillRef idx="2">
+              <a:schemeClr val="accent6"/>
+            </a:fillRef>
+            <a:effectRef idx="1">
+              <a:schemeClr val="accent6"/>
+            </a:effectRef>
+            <a:fontRef idx="minor">
+              <a:schemeClr val="dk1"/>
+            </a:fontRef>
+          </p:style>
+          <p:txBody>
+            <a:bodyPr wrap="square" rtlCol="0">
+              <a:spAutoFit/>
+            </a:bodyPr>
+            <a:lstStyle/>
+            <a:p>
+              <a:pPr algn="ctr"/>
+              <a:r>
+                <a:rPr lang="ko-KR" altLang="en-US" sz="1500" dirty="0" smtClean="0">
+                  <a:solidFill>
+                    <a:schemeClr val="tx1"/>
+                  </a:solidFill>
+                </a:rPr>
+                <a:t>빨간 </a:t>
+              </a:r>
+              <a:r>
+                <a:rPr lang="ko-KR" altLang="en-US" sz="1500" smtClean="0">
+                  <a:solidFill>
+                    <a:schemeClr val="tx1"/>
+                  </a:solidFill>
+                </a:rPr>
+                <a:t>구역은 하나의 스프린트를 나타</a:t>
+              </a:r>
+              <a:r>
+                <a:rPr lang="ko-KR" altLang="en-US" sz="1500">
+                  <a:solidFill>
+                    <a:schemeClr val="tx1"/>
+                  </a:solidFill>
+                </a:rPr>
+                <a:t>냄</a:t>
+              </a:r>
+              <a:r>
+                <a:rPr lang="en-US" altLang="ko-KR" sz="1500" smtClean="0">
+                  <a:solidFill>
+                    <a:schemeClr val="tx1"/>
+                  </a:solidFill>
+                </a:rPr>
+                <a:t>.</a:t>
+              </a:r>
+              <a:r>
+                <a:rPr lang="ko-KR" altLang="en-US" sz="1500" smtClean="0">
+                  <a:solidFill>
+                    <a:schemeClr val="tx1"/>
+                  </a:solidFill>
+                </a:rPr>
+                <a:t> </a:t>
+              </a:r>
+              <a:r>
+                <a:rPr lang="en-US" altLang="ko-KR" sz="1500" smtClean="0">
+                  <a:solidFill>
+                    <a:schemeClr val="tx1"/>
+                  </a:solidFill>
+                </a:rPr>
+                <a:t> </a:t>
+              </a:r>
+              <a:r>
+                <a:rPr lang="ko-KR" altLang="en-US" sz="1500" smtClean="0">
+                  <a:solidFill>
+                    <a:schemeClr val="tx1"/>
+                  </a:solidFill>
+                </a:rPr>
+                <a:t>보통 최종 </a:t>
+              </a:r>
+              <a:r>
+                <a:rPr lang="ko-KR" altLang="en-US" sz="1500" dirty="0" smtClean="0">
+                  <a:solidFill>
+                    <a:schemeClr val="tx1"/>
+                  </a:solidFill>
+                </a:rPr>
+                <a:t>출시 </a:t>
+              </a:r>
+              <a:r>
+                <a:rPr lang="ko-KR" altLang="en-US" sz="1500" dirty="0" err="1" smtClean="0">
+                  <a:solidFill>
+                    <a:schemeClr val="tx1"/>
+                  </a:solidFill>
+                </a:rPr>
+                <a:t>테스트전에</a:t>
+              </a:r>
+              <a:r>
+                <a:rPr lang="ko-KR" altLang="en-US" sz="1500" dirty="0">
+                  <a:solidFill>
+                    <a:schemeClr val="tx1"/>
+                  </a:solidFill>
+                </a:rPr>
+                <a:t> </a:t>
+              </a:r>
+              <a:r>
+                <a:rPr lang="ko-KR" altLang="en-US" sz="1500" dirty="0" smtClean="0">
+                  <a:solidFill>
+                    <a:schemeClr val="tx1"/>
+                  </a:solidFill>
+                </a:rPr>
+                <a:t> 몇 </a:t>
+              </a:r>
+              <a:r>
+                <a:rPr lang="ko-KR" altLang="en-US" sz="1500" smtClean="0">
+                  <a:solidFill>
+                    <a:schemeClr val="tx1"/>
+                  </a:solidFill>
+                </a:rPr>
+                <a:t>차례 반복됨</a:t>
+              </a:r>
+              <a:r>
+                <a:rPr lang="en-US" altLang="ko-KR" sz="1500" smtClean="0">
+                  <a:solidFill>
+                    <a:schemeClr val="tx1"/>
+                  </a:solidFill>
+                </a:rPr>
+                <a:t>.</a:t>
+              </a:r>
+              <a:endParaRPr lang="en-US" sz="1500" dirty="0">
                 <a:solidFill>
                   <a:schemeClr val="tx1"/>
                 </a:solidFill>
-              </a:rPr>
-              <a:t>빨간 구역은 스프린트를 보여주고 </a:t>
-            </a:r>
-            <a:r>
-              <a:rPr lang="en-US" altLang="ko-KR" sz="1500" dirty="0" smtClean="0">
-                <a:solidFill>
-                  <a:schemeClr val="tx1"/>
-                </a:solidFill>
-              </a:rPr>
-              <a:t> </a:t>
-            </a:r>
-            <a:r>
-              <a:rPr lang="ko-KR" altLang="en-US" sz="1500" dirty="0" smtClean="0">
-                <a:solidFill>
-                  <a:schemeClr val="tx1"/>
-                </a:solidFill>
-              </a:rPr>
-              <a:t>최종 출시 </a:t>
-            </a:r>
-            <a:r>
-              <a:rPr lang="ko-KR" altLang="en-US" sz="1500" dirty="0" err="1" smtClean="0">
-                <a:solidFill>
-                  <a:schemeClr val="tx1"/>
-                </a:solidFill>
-              </a:rPr>
-              <a:t>테스트전에</a:t>
-            </a:r>
-            <a:r>
-              <a:rPr lang="ko-KR" altLang="en-US" sz="1500" dirty="0">
-                <a:solidFill>
-                  <a:schemeClr val="tx1"/>
-                </a:solidFill>
-              </a:rPr>
-              <a:t> </a:t>
-            </a:r>
-            <a:r>
-              <a:rPr lang="ko-KR" altLang="en-US" sz="1500" dirty="0" smtClean="0">
-                <a:solidFill>
-                  <a:schemeClr val="tx1"/>
-                </a:solidFill>
-              </a:rPr>
-              <a:t> 몇 차례 통과됩니다</a:t>
-            </a:r>
-            <a:r>
-              <a:rPr lang="en-US" altLang="ko-KR" sz="1500" dirty="0" smtClean="0">
-                <a:solidFill>
-                  <a:schemeClr val="tx1"/>
-                </a:solidFill>
-              </a:rPr>
-              <a:t>. </a:t>
-            </a:r>
-            <a:r>
-              <a:rPr lang="ko-KR" altLang="en-US" sz="1500" dirty="0" smtClean="0">
-                <a:solidFill>
-                  <a:schemeClr val="tx1"/>
-                </a:solidFill>
-              </a:rPr>
-              <a:t>  </a:t>
-            </a:r>
-            <a:endParaRPr lang="en-US" sz="1500" dirty="0">
-              <a:solidFill>
-                <a:schemeClr val="tx1"/>
-              </a:solidFill>
-            </a:endParaRPr>
-          </a:p>
-        </p:txBody>
-      </p:sp>
-      <p:sp>
-        <p:nvSpPr>
-          <p:cNvPr id="4" name="오른쪽 화살표 3"/>
-          <p:cNvSpPr/>
-          <p:nvPr/>
-        </p:nvSpPr>
-        <p:spPr>
-          <a:xfrm rot="3833150">
-            <a:off x="344636" y="2710913"/>
-            <a:ext cx="4439705" cy="425289"/>
-          </a:xfrm>
-          <a:prstGeom prst="rightArrow">
-            <a:avLst/>
-          </a:prstGeom>
-        </p:spPr>
-        <p:style>
-          <a:lnRef idx="2">
-            <a:schemeClr val="accent6">
-              <a:shade val="50000"/>
-            </a:schemeClr>
-          </a:lnRef>
-          <a:fillRef idx="1">
-            <a:schemeClr val="accent6"/>
-          </a:fillRef>
-          <a:effectRef idx="0">
-            <a:schemeClr val="accent6"/>
-          </a:effectRef>
-          <a:fontRef idx="minor">
-            <a:schemeClr val="lt1"/>
-          </a:fontRef>
-        </p:style>
-        <p:txBody>
-          <a:bodyPr rtlCol="0" anchor="ctr"/>
-          <a:lstStyle/>
-          <a:p>
-            <a:pPr algn="ctr"/>
-            <a:endParaRPr lang="en-US"/>
-          </a:p>
-        </p:txBody>
-      </p:sp>
+              </a:endParaRPr>
+            </a:p>
+          </p:txBody>
+        </p:sp>
+        <p:sp>
+          <p:nvSpPr>
+            <p:cNvPr id="4" name="오른쪽 화살표 3"/>
+            <p:cNvSpPr/>
+            <p:nvPr/>
+          </p:nvSpPr>
+          <p:spPr>
+            <a:xfrm rot="3833150">
+              <a:off x="344636" y="2710913"/>
+              <a:ext cx="4439705" cy="425289"/>
+            </a:xfrm>
+            <a:prstGeom prst="rightArrow">
+              <a:avLst/>
+            </a:prstGeom>
+          </p:spPr>
+          <p:style>
+            <a:lnRef idx="2">
+              <a:schemeClr val="accent6">
+                <a:shade val="50000"/>
+              </a:schemeClr>
+            </a:lnRef>
+            <a:fillRef idx="1">
+              <a:schemeClr val="accent6"/>
+            </a:fillRef>
+            <a:effectRef idx="0">
+              <a:schemeClr val="accent6"/>
+            </a:effectRef>
+            <a:fontRef idx="minor">
+              <a:schemeClr val="lt1"/>
+            </a:fontRef>
+          </p:style>
+          <p:txBody>
+            <a:bodyPr rtlCol="0" anchor="ctr"/>
+            <a:lstStyle/>
+            <a:p>
+              <a:pPr algn="ctr"/>
+              <a:endParaRPr lang="en-US"/>
+            </a:p>
+          </p:txBody>
+        </p:sp>
+      </p:grpSp>
     </p:spTree>
     <p:extLst>
       <p:ext uri="{BB962C8B-B14F-4D97-AF65-F5344CB8AC3E}">
@@ -10411,609 +10467,907 @@
           <a:chExt cx="0" cy="0"/>
         </a:xfrm>
       </p:grpSpPr>
-      <p:sp>
-        <p:nvSpPr>
-          <p:cNvPr id="26" name="직사각형 25"/>
-          <p:cNvSpPr/>
+      <p:grpSp>
+        <p:nvGrpSpPr>
+          <p:cNvPr id="44" name="Group 43"/>
+          <p:cNvGrpSpPr/>
           <p:nvPr/>
-        </p:nvSpPr>
-        <p:spPr>
+        </p:nvGrpSpPr>
+        <p:grpSpPr>
           <a:xfrm>
-            <a:off x="1871700" y="907559"/>
-            <a:ext cx="3384376" cy="4681681"/>
+            <a:off x="323528" y="476672"/>
+            <a:ext cx="8280920" cy="4892794"/>
+            <a:chOff x="323528" y="476672"/>
+            <a:chExt cx="8280920" cy="4892794"/>
           </a:xfrm>
-          <a:prstGeom prst="rect">
-            <a:avLst/>
-          </a:prstGeom>
-          <a:ln>
-            <a:solidFill>
-              <a:schemeClr val="tx1"/>
-            </a:solidFill>
-            <a:prstDash val="dash"/>
-          </a:ln>
-        </p:spPr>
-        <p:style>
-          <a:lnRef idx="2">
-            <a:schemeClr val="accent6"/>
-          </a:lnRef>
-          <a:fillRef idx="1">
-            <a:schemeClr val="lt1"/>
-          </a:fillRef>
-          <a:effectRef idx="0">
-            <a:schemeClr val="accent6"/>
-          </a:effectRef>
-          <a:fontRef idx="minor">
-            <a:schemeClr val="dk1"/>
-          </a:fontRef>
-        </p:style>
-        <p:txBody>
-          <a:bodyPr rtlCol="0" anchor="ctr"/>
-          <a:lstStyle/>
-          <a:p>
-            <a:pPr algn="ctr"/>
-            <a:endParaRPr lang="en-US"/>
-          </a:p>
-        </p:txBody>
-      </p:sp>
-      <p:sp>
-        <p:nvSpPr>
-          <p:cNvPr id="5" name="TextBox 4"/>
-          <p:cNvSpPr txBox="1"/>
-          <p:nvPr/>
-        </p:nvSpPr>
-        <p:spPr>
-          <a:xfrm>
-            <a:off x="251520" y="2132856"/>
-            <a:ext cx="1152128" cy="307777"/>
-          </a:xfrm>
-          <a:prstGeom prst="rect">
-            <a:avLst/>
-          </a:prstGeom>
-          <a:noFill/>
-          <a:ln>
-            <a:solidFill>
-              <a:schemeClr val="tx1"/>
-            </a:solidFill>
-          </a:ln>
-        </p:spPr>
-        <p:txBody>
-          <a:bodyPr wrap="square" rtlCol="0">
-            <a:spAutoFit/>
-          </a:bodyPr>
-          <a:lstStyle/>
-          <a:p>
-            <a:pPr algn="ctr"/>
-            <a:r>
-              <a:rPr lang="ko-KR" altLang="en-US" sz="1400" dirty="0" smtClean="0"/>
-              <a:t>스토리 개발 </a:t>
-            </a:r>
-            <a:endParaRPr lang="en-US" sz="1400" dirty="0"/>
-          </a:p>
-        </p:txBody>
-      </p:sp>
-      <p:sp>
-        <p:nvSpPr>
-          <p:cNvPr id="7" name="TextBox 6"/>
-          <p:cNvSpPr txBox="1"/>
-          <p:nvPr/>
-        </p:nvSpPr>
-        <p:spPr>
-          <a:xfrm>
-            <a:off x="251520" y="2654588"/>
-            <a:ext cx="1152128" cy="738664"/>
-          </a:xfrm>
-          <a:prstGeom prst="rect">
-            <a:avLst/>
-          </a:prstGeom>
-          <a:noFill/>
-          <a:ln>
+        </p:grpSpPr>
+        <p:sp>
+          <p:nvSpPr>
+            <p:cNvPr id="25" name="TextBox 24"/>
+            <p:cNvSpPr txBox="1"/>
+            <p:nvPr/>
+          </p:nvSpPr>
+          <p:spPr>
+            <a:xfrm>
+              <a:off x="899592" y="476672"/>
+              <a:ext cx="7128792" cy="369332"/>
+            </a:xfrm>
+            <a:prstGeom prst="rect">
+              <a:avLst/>
+            </a:prstGeom>
             <a:noFill/>
-          </a:ln>
-        </p:spPr>
-        <p:txBody>
-          <a:bodyPr wrap="square" rtlCol="0">
-            <a:spAutoFit/>
-          </a:bodyPr>
-          <a:lstStyle/>
-          <a:p>
-            <a:pPr algn="ctr"/>
-            <a:r>
-              <a:rPr lang="ko-KR" altLang="en-US" sz="1400" dirty="0" smtClean="0"/>
-              <a:t>스토리 쓰고 수용 기준 개발  </a:t>
-            </a:r>
-            <a:endParaRPr lang="en-US" sz="1400" dirty="0"/>
-          </a:p>
-        </p:txBody>
-      </p:sp>
-      <p:sp>
-        <p:nvSpPr>
-          <p:cNvPr id="12" name="TextBox 11"/>
-          <p:cNvSpPr txBox="1"/>
-          <p:nvPr/>
-        </p:nvSpPr>
-        <p:spPr>
-          <a:xfrm>
-            <a:off x="1979712" y="1763523"/>
-            <a:ext cx="1296144" cy="307777"/>
-          </a:xfrm>
-          <a:prstGeom prst="rect">
-            <a:avLst/>
-          </a:prstGeom>
-          <a:noFill/>
-          <a:ln>
-            <a:solidFill>
-              <a:schemeClr val="tx1"/>
-            </a:solidFill>
-          </a:ln>
-        </p:spPr>
-        <p:txBody>
-          <a:bodyPr wrap="square" rtlCol="0">
-            <a:spAutoFit/>
-          </a:bodyPr>
-          <a:lstStyle/>
-          <a:p>
-            <a:pPr algn="ctr"/>
-            <a:r>
-              <a:rPr lang="ko-KR" altLang="en-US" sz="1400" dirty="0" smtClean="0"/>
-              <a:t>구조 </a:t>
-            </a:r>
-            <a:r>
-              <a:rPr lang="en-US" altLang="ko-KR" sz="1400" dirty="0" smtClean="0"/>
-              <a:t>&amp; </a:t>
-            </a:r>
-            <a:r>
-              <a:rPr lang="ko-KR" altLang="en-US" sz="1400" dirty="0" smtClean="0"/>
-              <a:t>디자인</a:t>
-            </a:r>
-            <a:endParaRPr lang="en-US" sz="1400" dirty="0"/>
-          </a:p>
-        </p:txBody>
-      </p:sp>
-      <p:sp>
-        <p:nvSpPr>
-          <p:cNvPr id="13" name="TextBox 12"/>
-          <p:cNvSpPr txBox="1"/>
-          <p:nvPr/>
-        </p:nvSpPr>
-        <p:spPr>
-          <a:xfrm>
-            <a:off x="1979712" y="2267580"/>
-            <a:ext cx="1296144" cy="307777"/>
-          </a:xfrm>
-          <a:prstGeom prst="rect">
-            <a:avLst/>
-          </a:prstGeom>
-          <a:noFill/>
-          <a:ln>
-            <a:solidFill>
-              <a:schemeClr val="tx1"/>
-            </a:solidFill>
-          </a:ln>
-        </p:spPr>
-        <p:txBody>
-          <a:bodyPr wrap="square" rtlCol="0">
-            <a:spAutoFit/>
-          </a:bodyPr>
-          <a:lstStyle/>
-          <a:p>
-            <a:pPr algn="ctr"/>
-            <a:r>
-              <a:rPr lang="ko-KR" altLang="en-US" sz="1400" dirty="0" smtClean="0"/>
-              <a:t>코드 쓰기</a:t>
-            </a:r>
-            <a:endParaRPr lang="en-US" sz="1400" dirty="0"/>
-          </a:p>
-        </p:txBody>
-      </p:sp>
-      <p:sp>
-        <p:nvSpPr>
-          <p:cNvPr id="14" name="TextBox 13"/>
-          <p:cNvSpPr txBox="1"/>
-          <p:nvPr/>
-        </p:nvSpPr>
-        <p:spPr>
-          <a:xfrm>
-            <a:off x="1979712" y="2843643"/>
-            <a:ext cx="1296144" cy="307777"/>
-          </a:xfrm>
-          <a:prstGeom prst="rect">
-            <a:avLst/>
-          </a:prstGeom>
-          <a:noFill/>
-          <a:ln>
-            <a:solidFill>
-              <a:schemeClr val="tx1"/>
-            </a:solidFill>
-          </a:ln>
-        </p:spPr>
-        <p:txBody>
-          <a:bodyPr wrap="square" rtlCol="0">
-            <a:spAutoFit/>
-          </a:bodyPr>
-          <a:lstStyle/>
-          <a:p>
-            <a:pPr algn="ctr"/>
-            <a:r>
-              <a:rPr lang="ko-KR" altLang="en-US" sz="1400" dirty="0" smtClean="0"/>
-              <a:t>통합 </a:t>
-            </a:r>
-            <a:r>
-              <a:rPr lang="ko-KR" altLang="en-US" sz="1400" dirty="0" err="1" smtClean="0"/>
-              <a:t>테스팅</a:t>
-            </a:r>
-            <a:endParaRPr lang="en-US" sz="1400" dirty="0"/>
-          </a:p>
-        </p:txBody>
-      </p:sp>
-      <p:sp>
-        <p:nvSpPr>
-          <p:cNvPr id="15" name="TextBox 14"/>
-          <p:cNvSpPr txBox="1"/>
-          <p:nvPr/>
-        </p:nvSpPr>
-        <p:spPr>
-          <a:xfrm>
-            <a:off x="1979712" y="3356991"/>
-            <a:ext cx="1296144" cy="954107"/>
-          </a:xfrm>
-          <a:prstGeom prst="rect">
-            <a:avLst/>
-          </a:prstGeom>
-          <a:noFill/>
-          <a:ln>
-            <a:solidFill>
-              <a:schemeClr val="tx1"/>
-            </a:solidFill>
-          </a:ln>
-        </p:spPr>
-        <p:txBody>
-          <a:bodyPr wrap="square" rtlCol="0">
-            <a:spAutoFit/>
-          </a:bodyPr>
-          <a:lstStyle/>
-          <a:p>
-            <a:pPr algn="ctr"/>
-            <a:r>
-              <a:rPr lang="en-US" altLang="ko-KR" sz="1400" dirty="0" smtClean="0"/>
-              <a:t>Automated tests with 80% ~ 90% coverage</a:t>
-            </a:r>
-            <a:endParaRPr lang="en-US" sz="1400" dirty="0"/>
-          </a:p>
-        </p:txBody>
-      </p:sp>
-      <p:sp>
-        <p:nvSpPr>
-          <p:cNvPr id="17" name="TextBox 16"/>
-          <p:cNvSpPr txBox="1"/>
-          <p:nvPr/>
-        </p:nvSpPr>
-        <p:spPr>
-          <a:xfrm>
-            <a:off x="3851920" y="2286744"/>
-            <a:ext cx="1296144" cy="317641"/>
-          </a:xfrm>
-          <a:prstGeom prst="rect">
-            <a:avLst/>
-          </a:prstGeom>
-          <a:noFill/>
-          <a:ln>
-            <a:solidFill>
-              <a:schemeClr val="tx1"/>
-            </a:solidFill>
-          </a:ln>
-        </p:spPr>
-        <p:txBody>
-          <a:bodyPr wrap="square" rtlCol="0">
-            <a:spAutoFit/>
-          </a:bodyPr>
-          <a:lstStyle/>
-          <a:p>
-            <a:pPr algn="ctr"/>
-            <a:r>
-              <a:rPr lang="ko-KR" altLang="en-US" sz="1400" dirty="0" smtClean="0"/>
-              <a:t>스토리 테스트</a:t>
-            </a:r>
-            <a:endParaRPr lang="en-US" sz="1400" dirty="0"/>
-          </a:p>
-        </p:txBody>
-      </p:sp>
-      <p:sp>
-        <p:nvSpPr>
-          <p:cNvPr id="19" name="TextBox 18"/>
-          <p:cNvSpPr txBox="1"/>
-          <p:nvPr/>
-        </p:nvSpPr>
-        <p:spPr>
-          <a:xfrm>
-            <a:off x="5652120" y="2296608"/>
-            <a:ext cx="1133233" cy="307777"/>
-          </a:xfrm>
-          <a:prstGeom prst="rect">
-            <a:avLst/>
-          </a:prstGeom>
-          <a:noFill/>
-          <a:ln>
-            <a:solidFill>
-              <a:schemeClr val="tx1"/>
-            </a:solidFill>
-          </a:ln>
-        </p:spPr>
-        <p:txBody>
-          <a:bodyPr wrap="square" rtlCol="0">
-            <a:spAutoFit/>
-          </a:bodyPr>
-          <a:lstStyle/>
-          <a:p>
-            <a:pPr algn="ctr"/>
-            <a:r>
-              <a:rPr lang="ko-KR" altLang="en-US" sz="1400" dirty="0" smtClean="0"/>
-              <a:t>회귀 테스</a:t>
-            </a:r>
-            <a:r>
-              <a:rPr lang="ko-KR" altLang="en-US" sz="1400" dirty="0"/>
-              <a:t>트</a:t>
-            </a:r>
-            <a:endParaRPr lang="en-US" sz="1400" dirty="0"/>
-          </a:p>
-        </p:txBody>
-      </p:sp>
-      <p:sp>
-        <p:nvSpPr>
-          <p:cNvPr id="20" name="오른쪽 화살표 19"/>
-          <p:cNvSpPr/>
-          <p:nvPr/>
-        </p:nvSpPr>
-        <p:spPr>
-          <a:xfrm>
-            <a:off x="5256076" y="2388316"/>
-            <a:ext cx="324036" cy="114495"/>
-          </a:xfrm>
-          <a:prstGeom prst="rightArrow">
-            <a:avLst/>
-          </a:prstGeom>
-        </p:spPr>
-        <p:style>
-          <a:lnRef idx="2">
-            <a:schemeClr val="dk1">
-              <a:shade val="50000"/>
-            </a:schemeClr>
-          </a:lnRef>
-          <a:fillRef idx="1">
-            <a:schemeClr val="dk1"/>
-          </a:fillRef>
-          <a:effectRef idx="0">
-            <a:schemeClr val="dk1"/>
-          </a:effectRef>
-          <a:fontRef idx="minor">
-            <a:schemeClr val="lt1"/>
-          </a:fontRef>
-        </p:style>
-        <p:txBody>
-          <a:bodyPr rtlCol="0" anchor="ctr"/>
-          <a:lstStyle/>
-          <a:p>
-            <a:pPr algn="ctr"/>
-            <a:endParaRPr lang="en-US"/>
-          </a:p>
-        </p:txBody>
-      </p:sp>
-      <p:sp>
-        <p:nvSpPr>
-          <p:cNvPr id="21" name="오른쪽 화살표 20"/>
-          <p:cNvSpPr/>
-          <p:nvPr/>
-        </p:nvSpPr>
-        <p:spPr>
-          <a:xfrm>
-            <a:off x="3419872" y="2359114"/>
-            <a:ext cx="324036" cy="114495"/>
-          </a:xfrm>
-          <a:prstGeom prst="rightArrow">
-            <a:avLst/>
-          </a:prstGeom>
-        </p:spPr>
-        <p:style>
-          <a:lnRef idx="2">
-            <a:schemeClr val="dk1">
-              <a:shade val="50000"/>
-            </a:schemeClr>
-          </a:lnRef>
-          <a:fillRef idx="1">
-            <a:schemeClr val="dk1"/>
-          </a:fillRef>
-          <a:effectRef idx="0">
-            <a:schemeClr val="dk1"/>
-          </a:effectRef>
-          <a:fontRef idx="minor">
-            <a:schemeClr val="lt1"/>
-          </a:fontRef>
-        </p:style>
-        <p:txBody>
-          <a:bodyPr rtlCol="0" anchor="ctr"/>
-          <a:lstStyle/>
-          <a:p>
-            <a:pPr algn="ctr"/>
-            <a:endParaRPr lang="en-US"/>
-          </a:p>
-        </p:txBody>
-      </p:sp>
-      <p:sp>
-        <p:nvSpPr>
-          <p:cNvPr id="22" name="오른쪽 화살표 21"/>
-          <p:cNvSpPr/>
-          <p:nvPr/>
-        </p:nvSpPr>
-        <p:spPr>
-          <a:xfrm>
-            <a:off x="1547664" y="2326138"/>
-            <a:ext cx="324036" cy="114495"/>
-          </a:xfrm>
-          <a:prstGeom prst="rightArrow">
-            <a:avLst/>
-          </a:prstGeom>
-        </p:spPr>
-        <p:style>
-          <a:lnRef idx="2">
-            <a:schemeClr val="dk1">
-              <a:shade val="50000"/>
-            </a:schemeClr>
-          </a:lnRef>
-          <a:fillRef idx="1">
-            <a:schemeClr val="dk1"/>
-          </a:fillRef>
-          <a:effectRef idx="0">
-            <a:schemeClr val="dk1"/>
-          </a:effectRef>
-          <a:fontRef idx="minor">
-            <a:schemeClr val="lt1"/>
-          </a:fontRef>
-        </p:style>
-        <p:txBody>
-          <a:bodyPr rtlCol="0" anchor="ctr"/>
-          <a:lstStyle/>
-          <a:p>
-            <a:pPr algn="ctr"/>
-            <a:endParaRPr lang="en-US"/>
-          </a:p>
-        </p:txBody>
-      </p:sp>
-      <p:sp>
-        <p:nvSpPr>
-          <p:cNvPr id="23" name="오른쪽 화살표 22"/>
-          <p:cNvSpPr/>
-          <p:nvPr/>
-        </p:nvSpPr>
-        <p:spPr>
-          <a:xfrm>
-            <a:off x="6876256" y="2404155"/>
-            <a:ext cx="324036" cy="114495"/>
-          </a:xfrm>
-          <a:prstGeom prst="rightArrow">
-            <a:avLst/>
-          </a:prstGeom>
-        </p:spPr>
-        <p:style>
-          <a:lnRef idx="2">
-            <a:schemeClr val="dk1">
-              <a:shade val="50000"/>
-            </a:schemeClr>
-          </a:lnRef>
-          <a:fillRef idx="1">
-            <a:schemeClr val="dk1"/>
-          </a:fillRef>
-          <a:effectRef idx="0">
-            <a:schemeClr val="dk1"/>
-          </a:effectRef>
-          <a:fontRef idx="minor">
-            <a:schemeClr val="lt1"/>
-          </a:fontRef>
-        </p:style>
-        <p:txBody>
-          <a:bodyPr rtlCol="0" anchor="ctr"/>
-          <a:lstStyle/>
-          <a:p>
-            <a:pPr algn="ctr"/>
-            <a:endParaRPr lang="en-US"/>
-          </a:p>
-        </p:txBody>
-      </p:sp>
-      <p:sp>
-        <p:nvSpPr>
-          <p:cNvPr id="24" name="TextBox 23"/>
-          <p:cNvSpPr txBox="1"/>
-          <p:nvPr/>
-        </p:nvSpPr>
-        <p:spPr>
-          <a:xfrm>
-            <a:off x="7308304" y="2322772"/>
-            <a:ext cx="1133233" cy="307777"/>
-          </a:xfrm>
-          <a:prstGeom prst="rect">
-            <a:avLst/>
-          </a:prstGeom>
-          <a:noFill/>
-          <a:ln>
-            <a:solidFill>
-              <a:schemeClr val="tx1"/>
-            </a:solidFill>
-          </a:ln>
-        </p:spPr>
-        <p:txBody>
-          <a:bodyPr wrap="square" rtlCol="0">
-            <a:spAutoFit/>
-          </a:bodyPr>
-          <a:lstStyle/>
-          <a:p>
-            <a:pPr algn="ctr"/>
-            <a:r>
-              <a:rPr lang="ko-KR" altLang="en-US" sz="1400" dirty="0" smtClean="0"/>
-              <a:t>출시</a:t>
-            </a:r>
-            <a:endParaRPr lang="en-US" sz="1400" dirty="0"/>
-          </a:p>
-        </p:txBody>
-      </p:sp>
-      <p:sp>
-        <p:nvSpPr>
-          <p:cNvPr id="25" name="TextBox 24"/>
-          <p:cNvSpPr txBox="1"/>
-          <p:nvPr/>
-        </p:nvSpPr>
-        <p:spPr>
-          <a:xfrm>
-            <a:off x="971600" y="476672"/>
-            <a:ext cx="7128792" cy="430887"/>
-          </a:xfrm>
-          <a:prstGeom prst="rect">
-            <a:avLst/>
-          </a:prstGeom>
-          <a:noFill/>
-        </p:spPr>
-        <p:txBody>
-          <a:bodyPr wrap="square" rtlCol="0">
-            <a:spAutoFit/>
-          </a:bodyPr>
-          <a:lstStyle/>
-          <a:p>
-            <a:pPr algn="ctr"/>
-            <a:r>
-              <a:rPr lang="en-US" sz="2200" dirty="0" smtClean="0"/>
-              <a:t>Common Agile Testing Approach</a:t>
-            </a:r>
-            <a:endParaRPr lang="en-US" sz="2200" dirty="0"/>
-          </a:p>
-        </p:txBody>
-      </p:sp>
-      <p:sp>
-        <p:nvSpPr>
-          <p:cNvPr id="27" name="TextBox 26"/>
-          <p:cNvSpPr txBox="1"/>
-          <p:nvPr/>
-        </p:nvSpPr>
-        <p:spPr>
-          <a:xfrm>
-            <a:off x="3581890" y="5200189"/>
-            <a:ext cx="1674186" cy="369332"/>
-          </a:xfrm>
-          <a:prstGeom prst="rect">
-            <a:avLst/>
-          </a:prstGeom>
-          <a:noFill/>
-        </p:spPr>
-        <p:txBody>
-          <a:bodyPr wrap="square" rtlCol="0">
-            <a:spAutoFit/>
-          </a:bodyPr>
-          <a:lstStyle/>
-          <a:p>
-            <a:r>
-              <a:rPr lang="ko-KR" altLang="en-US" dirty="0" smtClean="0"/>
-              <a:t>반복 이내에서 </a:t>
-            </a:r>
-            <a:endParaRPr lang="en-US" dirty="0"/>
-          </a:p>
-        </p:txBody>
-      </p:sp>
+          </p:spPr>
+          <p:txBody>
+            <a:bodyPr wrap="square" rtlCol="0">
+              <a:spAutoFit/>
+            </a:bodyPr>
+            <a:lstStyle/>
+            <a:p>
+              <a:pPr algn="ctr"/>
+              <a:r>
+                <a:rPr lang="ko-KR" altLang="en-US" smtClean="0"/>
+                <a:t>일반적인 애자일 테스트 방법</a:t>
+              </a:r>
+              <a:endParaRPr lang="en-US" dirty="0"/>
+            </a:p>
+          </p:txBody>
+        </p:sp>
+        <p:grpSp>
+          <p:nvGrpSpPr>
+            <p:cNvPr id="43" name="Group 42"/>
+            <p:cNvGrpSpPr/>
+            <p:nvPr/>
+          </p:nvGrpSpPr>
+          <p:grpSpPr>
+            <a:xfrm>
+              <a:off x="323528" y="1046329"/>
+              <a:ext cx="8280920" cy="4323137"/>
+              <a:chOff x="323528" y="1046329"/>
+              <a:chExt cx="8280920" cy="4323137"/>
+            </a:xfrm>
+          </p:grpSpPr>
+          <p:sp>
+            <p:nvSpPr>
+              <p:cNvPr id="26" name="직사각형 25"/>
+              <p:cNvSpPr/>
+              <p:nvPr/>
+            </p:nvSpPr>
+            <p:spPr>
+              <a:xfrm>
+                <a:off x="1908678" y="1046329"/>
+                <a:ext cx="3504470" cy="4323137"/>
+              </a:xfrm>
+              <a:prstGeom prst="rect">
+                <a:avLst/>
+              </a:prstGeom>
+              <a:ln>
+                <a:solidFill>
+                  <a:schemeClr val="tx1"/>
+                </a:solidFill>
+                <a:prstDash val="dash"/>
+              </a:ln>
+            </p:spPr>
+            <p:style>
+              <a:lnRef idx="2">
+                <a:schemeClr val="accent6"/>
+              </a:lnRef>
+              <a:fillRef idx="1">
+                <a:schemeClr val="lt1"/>
+              </a:fillRef>
+              <a:effectRef idx="0">
+                <a:schemeClr val="accent6"/>
+              </a:effectRef>
+              <a:fontRef idx="minor">
+                <a:schemeClr val="dk1"/>
+              </a:fontRef>
+            </p:style>
+            <p:txBody>
+              <a:bodyPr rtlCol="0" anchor="ctr"/>
+              <a:lstStyle/>
+              <a:p>
+                <a:pPr algn="ctr"/>
+                <a:endParaRPr lang="en-US"/>
+              </a:p>
+            </p:txBody>
+          </p:sp>
+          <p:sp>
+            <p:nvSpPr>
+              <p:cNvPr id="7" name="TextBox 6"/>
+              <p:cNvSpPr txBox="1"/>
+              <p:nvPr/>
+            </p:nvSpPr>
+            <p:spPr>
+              <a:xfrm>
+                <a:off x="323528" y="2852936"/>
+                <a:ext cx="1458162" cy="461665"/>
+              </a:xfrm>
+              <a:prstGeom prst="rect">
+                <a:avLst/>
+              </a:prstGeom>
+              <a:noFill/>
+              <a:ln>
+                <a:noFill/>
+              </a:ln>
+            </p:spPr>
+            <p:txBody>
+              <a:bodyPr wrap="square" rtlCol="0">
+                <a:spAutoFit/>
+              </a:bodyPr>
+              <a:lstStyle/>
+              <a:p>
+                <a:pPr algn="ctr"/>
+                <a:r>
+                  <a:rPr lang="ko-KR" altLang="en-US" sz="1200" smtClean="0"/>
+                  <a:t>스토리 </a:t>
+                </a:r>
+                <a:r>
+                  <a:rPr lang="ko-KR" altLang="en-US" sz="1200" smtClean="0"/>
+                  <a:t>작성 인수 조건 생성  </a:t>
+                </a:r>
+                <a:endParaRPr lang="en-US" sz="1200" dirty="0"/>
+              </a:p>
+            </p:txBody>
+          </p:sp>
+          <p:sp>
+            <p:nvSpPr>
+              <p:cNvPr id="27" name="TextBox 26"/>
+              <p:cNvSpPr txBox="1"/>
+              <p:nvPr/>
+            </p:nvSpPr>
+            <p:spPr>
+              <a:xfrm>
+                <a:off x="4092922" y="4962092"/>
+                <a:ext cx="1674186" cy="338554"/>
+              </a:xfrm>
+              <a:prstGeom prst="rect">
+                <a:avLst/>
+              </a:prstGeom>
+              <a:noFill/>
+            </p:spPr>
+            <p:txBody>
+              <a:bodyPr wrap="square" rtlCol="0">
+                <a:spAutoFit/>
+              </a:bodyPr>
+              <a:lstStyle/>
+              <a:p>
+                <a:r>
+                  <a:rPr lang="en-US" sz="1600" smtClean="0"/>
+                  <a:t>Iteration </a:t>
+                </a:r>
+                <a:r>
+                  <a:rPr lang="ko-KR" altLang="en-US" sz="1600" smtClean="0"/>
+                  <a:t>내부</a:t>
+                </a:r>
+                <a:endParaRPr lang="en-US" sz="1600" dirty="0"/>
+              </a:p>
+            </p:txBody>
+          </p:sp>
+          <p:sp>
+            <p:nvSpPr>
+              <p:cNvPr id="2" name="Flowchart: Document 1"/>
+              <p:cNvSpPr/>
+              <p:nvPr/>
+            </p:nvSpPr>
+            <p:spPr>
+              <a:xfrm>
+                <a:off x="505867" y="2152389"/>
+                <a:ext cx="1152128" cy="638223"/>
+              </a:xfrm>
+              <a:prstGeom prst="flowChartDocument">
+                <a:avLst/>
+              </a:prstGeom>
+              <a:solidFill>
+                <a:schemeClr val="bg1"/>
+              </a:solidFill>
+              <a:ln w="3175">
+                <a:solidFill>
+                  <a:schemeClr val="tx1"/>
+                </a:solidFill>
+              </a:ln>
+            </p:spPr>
+            <p:style>
+              <a:lnRef idx="2">
+                <a:schemeClr val="accent1">
+                  <a:shade val="50000"/>
+                </a:schemeClr>
+              </a:lnRef>
+              <a:fillRef idx="1">
+                <a:schemeClr val="accent1"/>
+              </a:fillRef>
+              <a:effectRef idx="0">
+                <a:schemeClr val="accent1"/>
+              </a:effectRef>
+              <a:fontRef idx="minor">
+                <a:schemeClr val="lt1"/>
+              </a:fontRef>
+            </p:style>
+            <p:txBody>
+              <a:bodyPr rtlCol="0" anchor="ctr"/>
+              <a:lstStyle/>
+              <a:p>
+                <a:pPr algn="ctr"/>
+                <a:r>
+                  <a:rPr lang="ko-KR" altLang="en-US" sz="1200" smtClean="0">
+                    <a:solidFill>
+                      <a:schemeClr val="tx1"/>
+                    </a:solidFill>
+                  </a:rPr>
+                  <a:t>스토리</a:t>
+                </a:r>
+                <a:endParaRPr lang="en-US" sz="1200">
+                  <a:solidFill>
+                    <a:schemeClr val="tx1"/>
+                  </a:solidFill>
+                </a:endParaRPr>
+              </a:p>
+            </p:txBody>
+          </p:sp>
+          <p:sp>
+            <p:nvSpPr>
+              <p:cNvPr id="6" name="Flowchart: Preparation 5"/>
+              <p:cNvSpPr/>
+              <p:nvPr/>
+            </p:nvSpPr>
+            <p:spPr>
+              <a:xfrm>
+                <a:off x="2154652" y="1269322"/>
+                <a:ext cx="1368433" cy="648072"/>
+              </a:xfrm>
+              <a:prstGeom prst="flowChartPreparation">
+                <a:avLst/>
+              </a:prstGeom>
+              <a:solidFill>
+                <a:schemeClr val="bg1"/>
+              </a:solidFill>
+              <a:ln w="3175">
+                <a:solidFill>
+                  <a:schemeClr val="tx1"/>
+                </a:solidFill>
+              </a:ln>
+            </p:spPr>
+            <p:style>
+              <a:lnRef idx="2">
+                <a:schemeClr val="accent1">
+                  <a:shade val="50000"/>
+                </a:schemeClr>
+              </a:lnRef>
+              <a:fillRef idx="1">
+                <a:schemeClr val="accent1"/>
+              </a:fillRef>
+              <a:effectRef idx="0">
+                <a:schemeClr val="accent1"/>
+              </a:effectRef>
+              <a:fontRef idx="minor">
+                <a:schemeClr val="lt1"/>
+              </a:fontRef>
+            </p:style>
+            <p:txBody>
+              <a:bodyPr rtlCol="0" anchor="ctr"/>
+              <a:lstStyle/>
+              <a:p>
+                <a:pPr algn="ctr"/>
+                <a:r>
+                  <a:rPr lang="ko-KR" altLang="en-US" sz="1200" smtClean="0">
+                    <a:solidFill>
+                      <a:schemeClr val="tx1"/>
+                    </a:solidFill>
+                  </a:rPr>
+                  <a:t>아키텍처 </a:t>
+                </a:r>
+                <a:r>
+                  <a:rPr lang="en-US" altLang="ko-KR" sz="1200" smtClean="0">
+                    <a:solidFill>
+                      <a:schemeClr val="tx1"/>
+                    </a:solidFill>
+                  </a:rPr>
+                  <a:t>&amp; </a:t>
+                </a:r>
+                <a:r>
+                  <a:rPr lang="ko-KR" altLang="en-US" sz="1200" smtClean="0">
+                    <a:solidFill>
+                      <a:schemeClr val="tx1"/>
+                    </a:solidFill>
+                  </a:rPr>
+                  <a:t>설계</a:t>
+                </a:r>
+                <a:endParaRPr lang="en-US" sz="1200">
+                  <a:solidFill>
+                    <a:schemeClr val="tx1"/>
+                  </a:solidFill>
+                </a:endParaRPr>
+              </a:p>
+            </p:txBody>
+          </p:sp>
+          <p:sp>
+            <p:nvSpPr>
+              <p:cNvPr id="8" name="Flowchart: Predefined Process 7"/>
+              <p:cNvSpPr/>
+              <p:nvPr/>
+            </p:nvSpPr>
+            <p:spPr>
+              <a:xfrm>
+                <a:off x="2154933" y="2152390"/>
+                <a:ext cx="1368152" cy="638222"/>
+              </a:xfrm>
+              <a:prstGeom prst="flowChartPredefinedProcess">
+                <a:avLst/>
+              </a:prstGeom>
+              <a:solidFill>
+                <a:schemeClr val="bg1"/>
+              </a:solidFill>
+              <a:ln w="3175">
+                <a:solidFill>
+                  <a:schemeClr val="tx1"/>
+                </a:solidFill>
+              </a:ln>
+            </p:spPr>
+            <p:style>
+              <a:lnRef idx="2">
+                <a:schemeClr val="accent1">
+                  <a:shade val="50000"/>
+                </a:schemeClr>
+              </a:lnRef>
+              <a:fillRef idx="1">
+                <a:schemeClr val="accent1"/>
+              </a:fillRef>
+              <a:effectRef idx="0">
+                <a:schemeClr val="accent1"/>
+              </a:effectRef>
+              <a:fontRef idx="minor">
+                <a:schemeClr val="lt1"/>
+              </a:fontRef>
+            </p:style>
+            <p:txBody>
+              <a:bodyPr rtlCol="0" anchor="ctr"/>
+              <a:lstStyle/>
+              <a:p>
+                <a:pPr algn="ctr"/>
+                <a:r>
+                  <a:rPr lang="ko-KR" altLang="en-US" sz="1200" smtClean="0">
+                    <a:solidFill>
+                      <a:schemeClr val="tx1"/>
+                    </a:solidFill>
+                  </a:rPr>
+                  <a:t>코딩</a:t>
+                </a:r>
+                <a:endParaRPr lang="en-US" sz="1200">
+                  <a:solidFill>
+                    <a:schemeClr val="tx1"/>
+                  </a:solidFill>
+                </a:endParaRPr>
+              </a:p>
+            </p:txBody>
+          </p:sp>
+          <p:sp>
+            <p:nvSpPr>
+              <p:cNvPr id="9" name="Flowchart: Process 8"/>
+              <p:cNvSpPr/>
+              <p:nvPr/>
+            </p:nvSpPr>
+            <p:spPr>
+              <a:xfrm>
+                <a:off x="2145630" y="2995490"/>
+                <a:ext cx="1368152" cy="638221"/>
+              </a:xfrm>
+              <a:prstGeom prst="flowChartProcess">
+                <a:avLst/>
+              </a:prstGeom>
+              <a:solidFill>
+                <a:schemeClr val="bg1"/>
+              </a:solidFill>
+              <a:ln w="3175">
+                <a:solidFill>
+                  <a:schemeClr val="tx1"/>
+                </a:solidFill>
+              </a:ln>
+            </p:spPr>
+            <p:style>
+              <a:lnRef idx="2">
+                <a:schemeClr val="accent1">
+                  <a:shade val="50000"/>
+                </a:schemeClr>
+              </a:lnRef>
+              <a:fillRef idx="1">
+                <a:schemeClr val="accent1"/>
+              </a:fillRef>
+              <a:effectRef idx="0">
+                <a:schemeClr val="accent1"/>
+              </a:effectRef>
+              <a:fontRef idx="minor">
+                <a:schemeClr val="lt1"/>
+              </a:fontRef>
+            </p:style>
+            <p:txBody>
+              <a:bodyPr rtlCol="0" anchor="ctr"/>
+              <a:lstStyle/>
+              <a:p>
+                <a:pPr algn="ctr"/>
+                <a:r>
+                  <a:rPr lang="ko-KR" altLang="en-US" sz="1200" smtClean="0">
+                    <a:solidFill>
+                      <a:schemeClr val="tx1"/>
+                    </a:solidFill>
+                  </a:rPr>
+                  <a:t>통합테스트</a:t>
+                </a:r>
+                <a:endParaRPr lang="en-US" sz="1200">
+                  <a:solidFill>
+                    <a:schemeClr val="tx1"/>
+                  </a:solidFill>
+                </a:endParaRPr>
+              </a:p>
+            </p:txBody>
+          </p:sp>
+          <p:sp>
+            <p:nvSpPr>
+              <p:cNvPr id="10" name="Flowchart: Manual Operation 9"/>
+              <p:cNvSpPr/>
+              <p:nvPr/>
+            </p:nvSpPr>
+            <p:spPr>
+              <a:xfrm>
+                <a:off x="3811534" y="2152391"/>
+                <a:ext cx="1480546" cy="638220"/>
+              </a:xfrm>
+              <a:prstGeom prst="flowChartManualOperation">
+                <a:avLst/>
+              </a:prstGeom>
+              <a:solidFill>
+                <a:schemeClr val="bg1"/>
+              </a:solidFill>
+              <a:ln w="3175">
+                <a:solidFill>
+                  <a:schemeClr val="tx1"/>
+                </a:solidFill>
+              </a:ln>
+            </p:spPr>
+            <p:style>
+              <a:lnRef idx="2">
+                <a:schemeClr val="accent1">
+                  <a:shade val="50000"/>
+                </a:schemeClr>
+              </a:lnRef>
+              <a:fillRef idx="1">
+                <a:schemeClr val="accent1"/>
+              </a:fillRef>
+              <a:effectRef idx="0">
+                <a:schemeClr val="accent1"/>
+              </a:effectRef>
+              <a:fontRef idx="minor">
+                <a:schemeClr val="lt1"/>
+              </a:fontRef>
+            </p:style>
+            <p:txBody>
+              <a:bodyPr rtlCol="0" anchor="ctr"/>
+              <a:lstStyle/>
+              <a:p>
+                <a:pPr algn="ctr"/>
+                <a:r>
+                  <a:rPr lang="ko-KR" altLang="en-US" sz="1200" smtClean="0">
+                    <a:solidFill>
+                      <a:schemeClr val="tx1"/>
+                    </a:solidFill>
+                  </a:rPr>
+                  <a:t>스토리</a:t>
+                </a:r>
+                <a:endParaRPr lang="en-US" altLang="ko-KR" sz="1200" smtClean="0">
+                  <a:solidFill>
+                    <a:schemeClr val="tx1"/>
+                  </a:solidFill>
+                </a:endParaRPr>
+              </a:p>
+              <a:p>
+                <a:pPr algn="ctr"/>
+                <a:r>
+                  <a:rPr lang="ko-KR" altLang="en-US" sz="1200" smtClean="0">
+                    <a:solidFill>
+                      <a:schemeClr val="tx1"/>
+                    </a:solidFill>
+                  </a:rPr>
+                  <a:t>테스</a:t>
+                </a:r>
+                <a:r>
+                  <a:rPr lang="ko-KR" altLang="en-US" sz="1200">
+                    <a:solidFill>
+                      <a:schemeClr val="tx1"/>
+                    </a:solidFill>
+                  </a:rPr>
+                  <a:t>트</a:t>
+                </a:r>
+                <a:endParaRPr lang="en-US" sz="1200">
+                  <a:solidFill>
+                    <a:schemeClr val="tx1"/>
+                  </a:solidFill>
+                </a:endParaRPr>
+              </a:p>
+            </p:txBody>
+          </p:sp>
+          <p:sp>
+            <p:nvSpPr>
+              <p:cNvPr id="29" name="Flowchart: Predefined Process 28"/>
+              <p:cNvSpPr/>
+              <p:nvPr/>
+            </p:nvSpPr>
+            <p:spPr>
+              <a:xfrm>
+                <a:off x="5652120" y="2152391"/>
+                <a:ext cx="1368152" cy="638220"/>
+              </a:xfrm>
+              <a:prstGeom prst="flowChartPredefinedProcess">
+                <a:avLst/>
+              </a:prstGeom>
+              <a:solidFill>
+                <a:schemeClr val="bg1"/>
+              </a:solidFill>
+              <a:ln w="3175">
+                <a:solidFill>
+                  <a:schemeClr val="tx1"/>
+                </a:solidFill>
+              </a:ln>
+            </p:spPr>
+            <p:style>
+              <a:lnRef idx="2">
+                <a:schemeClr val="accent1">
+                  <a:shade val="50000"/>
+                </a:schemeClr>
+              </a:lnRef>
+              <a:fillRef idx="1">
+                <a:schemeClr val="accent1"/>
+              </a:fillRef>
+              <a:effectRef idx="0">
+                <a:schemeClr val="accent1"/>
+              </a:effectRef>
+              <a:fontRef idx="minor">
+                <a:schemeClr val="lt1"/>
+              </a:fontRef>
+            </p:style>
+            <p:txBody>
+              <a:bodyPr rtlCol="0" anchor="ctr"/>
+              <a:lstStyle/>
+              <a:p>
+                <a:pPr algn="ctr"/>
+                <a:r>
+                  <a:rPr lang="ko-KR" altLang="en-US" sz="1200" smtClean="0">
+                    <a:solidFill>
+                      <a:schemeClr val="tx1"/>
+                    </a:solidFill>
+                  </a:rPr>
+                  <a:t>회귀테스트</a:t>
+                </a:r>
+                <a:endParaRPr lang="en-US" sz="1200">
+                  <a:solidFill>
+                    <a:schemeClr val="tx1"/>
+                  </a:solidFill>
+                </a:endParaRPr>
+              </a:p>
+            </p:txBody>
+          </p:sp>
+          <p:sp>
+            <p:nvSpPr>
+              <p:cNvPr id="16" name="Flowchart: Terminator 15"/>
+              <p:cNvSpPr/>
+              <p:nvPr/>
+            </p:nvSpPr>
+            <p:spPr>
+              <a:xfrm>
+                <a:off x="7363758" y="2152390"/>
+                <a:ext cx="1240690" cy="638221"/>
+              </a:xfrm>
+              <a:prstGeom prst="flowChartTerminator">
+                <a:avLst/>
+              </a:prstGeom>
+              <a:solidFill>
+                <a:schemeClr val="bg1"/>
+              </a:solidFill>
+              <a:ln w="3175">
+                <a:solidFill>
+                  <a:schemeClr val="tx1"/>
+                </a:solidFill>
+              </a:ln>
+            </p:spPr>
+            <p:style>
+              <a:lnRef idx="2">
+                <a:schemeClr val="accent1">
+                  <a:shade val="50000"/>
+                </a:schemeClr>
+              </a:lnRef>
+              <a:fillRef idx="1">
+                <a:schemeClr val="accent1"/>
+              </a:fillRef>
+              <a:effectRef idx="0">
+                <a:schemeClr val="accent1"/>
+              </a:effectRef>
+              <a:fontRef idx="minor">
+                <a:schemeClr val="lt1"/>
+              </a:fontRef>
+            </p:style>
+            <p:txBody>
+              <a:bodyPr rtlCol="0" anchor="ctr"/>
+              <a:lstStyle/>
+              <a:p>
+                <a:pPr algn="ctr"/>
+                <a:r>
+                  <a:rPr lang="ko-KR" altLang="en-US" sz="1200">
+                    <a:solidFill>
+                      <a:schemeClr val="tx1"/>
+                    </a:solidFill>
+                  </a:rPr>
+                  <a:t>출시</a:t>
+                </a:r>
+                <a:endParaRPr lang="en-US" sz="1200">
+                  <a:solidFill>
+                    <a:schemeClr val="tx1"/>
+                  </a:solidFill>
+                </a:endParaRPr>
+              </a:p>
+            </p:txBody>
+          </p:sp>
+          <p:sp>
+            <p:nvSpPr>
+              <p:cNvPr id="30" name="Flowchart: Process 29"/>
+              <p:cNvSpPr/>
+              <p:nvPr/>
+            </p:nvSpPr>
+            <p:spPr>
+              <a:xfrm>
+                <a:off x="2154652" y="3869432"/>
+                <a:ext cx="1368152" cy="639688"/>
+              </a:xfrm>
+              <a:prstGeom prst="flowChartProcess">
+                <a:avLst/>
+              </a:prstGeom>
+              <a:solidFill>
+                <a:schemeClr val="bg1"/>
+              </a:solidFill>
+              <a:ln w="3175">
+                <a:solidFill>
+                  <a:schemeClr val="tx1"/>
+                </a:solidFill>
+              </a:ln>
+            </p:spPr>
+            <p:style>
+              <a:lnRef idx="2">
+                <a:schemeClr val="accent1">
+                  <a:shade val="50000"/>
+                </a:schemeClr>
+              </a:lnRef>
+              <a:fillRef idx="1">
+                <a:schemeClr val="accent1"/>
+              </a:fillRef>
+              <a:effectRef idx="0">
+                <a:schemeClr val="accent1"/>
+              </a:effectRef>
+              <a:fontRef idx="minor">
+                <a:schemeClr val="lt1"/>
+              </a:fontRef>
+            </p:style>
+            <p:txBody>
+              <a:bodyPr rtlCol="0" anchor="ctr"/>
+              <a:lstStyle/>
+              <a:p>
+                <a:pPr algn="ctr"/>
+                <a:r>
+                  <a:rPr lang="ko-KR" altLang="en-US" sz="1200">
+                    <a:solidFill>
+                      <a:schemeClr val="tx1"/>
+                    </a:solidFill>
+                  </a:rPr>
+                  <a:t>자동화 </a:t>
+                </a:r>
+                <a:r>
+                  <a:rPr lang="ko-KR" altLang="en-US" sz="1200" smtClean="0">
+                    <a:solidFill>
+                      <a:schemeClr val="tx1"/>
+                    </a:solidFill>
+                  </a:rPr>
+                  <a:t>테스트</a:t>
+                </a:r>
+                <a:endParaRPr lang="en-US" sz="1200" smtClean="0">
+                  <a:solidFill>
+                    <a:schemeClr val="tx1"/>
+                  </a:solidFill>
+                </a:endParaRPr>
+              </a:p>
+              <a:p>
+                <a:pPr algn="ctr"/>
+                <a:r>
+                  <a:rPr lang="en-US" sz="1200" smtClean="0">
+                    <a:solidFill>
+                      <a:schemeClr val="tx1"/>
+                    </a:solidFill>
+                  </a:rPr>
+                  <a:t>80</a:t>
+                </a:r>
+                <a:r>
+                  <a:rPr lang="en-US" sz="1200">
+                    <a:solidFill>
+                      <a:schemeClr val="tx1"/>
+                    </a:solidFill>
+                  </a:rPr>
+                  <a:t>%~90</a:t>
+                </a:r>
+                <a:r>
+                  <a:rPr lang="en-US" sz="1200">
+                    <a:solidFill>
+                      <a:schemeClr val="tx1"/>
+                    </a:solidFill>
+                  </a:rPr>
+                  <a:t>% </a:t>
+                </a:r>
+                <a:r>
+                  <a:rPr lang="ko-KR" altLang="en-US" sz="1200" smtClean="0">
+                    <a:solidFill>
+                      <a:schemeClr val="tx1"/>
+                    </a:solidFill>
+                  </a:rPr>
+                  <a:t>커버리지</a:t>
+                </a:r>
+                <a:endParaRPr lang="en-US" altLang="ko-KR" sz="1200" smtClean="0">
+                  <a:solidFill>
+                    <a:schemeClr val="tx1"/>
+                  </a:solidFill>
+                </a:endParaRPr>
+              </a:p>
+            </p:txBody>
+          </p:sp>
+          <p:cxnSp>
+            <p:nvCxnSpPr>
+              <p:cNvPr id="32" name="Straight Arrow Connector 31"/>
+              <p:cNvCxnSpPr>
+                <a:stCxn id="2" idx="3"/>
+                <a:endCxn id="8" idx="1"/>
+              </p:cNvCxnSpPr>
+              <p:nvPr/>
+            </p:nvCxnSpPr>
+            <p:spPr>
+              <a:xfrm>
+                <a:off x="1657995" y="2471501"/>
+                <a:ext cx="496938" cy="0"/>
+              </a:xfrm>
+              <a:prstGeom prst="straightConnector1">
+                <a:avLst/>
+              </a:prstGeom>
+              <a:ln w="28575">
+                <a:solidFill>
+                  <a:schemeClr val="tx1"/>
+                </a:solidFill>
+                <a:tailEnd type="arrow"/>
+              </a:ln>
+            </p:spPr>
+            <p:style>
+              <a:lnRef idx="1">
+                <a:schemeClr val="accent1"/>
+              </a:lnRef>
+              <a:fillRef idx="0">
+                <a:schemeClr val="accent1"/>
+              </a:fillRef>
+              <a:effectRef idx="0">
+                <a:schemeClr val="accent1"/>
+              </a:effectRef>
+              <a:fontRef idx="minor">
+                <a:schemeClr val="tx1"/>
+              </a:fontRef>
+            </p:style>
+          </p:cxnSp>
+          <p:cxnSp>
+            <p:nvCxnSpPr>
+              <p:cNvPr id="33" name="Straight Arrow Connector 32"/>
+              <p:cNvCxnSpPr>
+                <a:stCxn id="8" idx="3"/>
+                <a:endCxn id="10" idx="1"/>
+              </p:cNvCxnSpPr>
+              <p:nvPr/>
+            </p:nvCxnSpPr>
+            <p:spPr>
+              <a:xfrm>
+                <a:off x="3523085" y="2471501"/>
+                <a:ext cx="436504" cy="0"/>
+              </a:xfrm>
+              <a:prstGeom prst="straightConnector1">
+                <a:avLst/>
+              </a:prstGeom>
+              <a:ln w="28575">
+                <a:solidFill>
+                  <a:schemeClr val="tx1"/>
+                </a:solidFill>
+                <a:tailEnd type="arrow"/>
+              </a:ln>
+            </p:spPr>
+            <p:style>
+              <a:lnRef idx="1">
+                <a:schemeClr val="accent1"/>
+              </a:lnRef>
+              <a:fillRef idx="0">
+                <a:schemeClr val="accent1"/>
+              </a:fillRef>
+              <a:effectRef idx="0">
+                <a:schemeClr val="accent1"/>
+              </a:effectRef>
+              <a:fontRef idx="minor">
+                <a:schemeClr val="tx1"/>
+              </a:fontRef>
+            </p:style>
+          </p:cxnSp>
+          <p:cxnSp>
+            <p:nvCxnSpPr>
+              <p:cNvPr id="36" name="Straight Arrow Connector 35"/>
+              <p:cNvCxnSpPr>
+                <a:stCxn id="10" idx="3"/>
+                <a:endCxn id="29" idx="1"/>
+              </p:cNvCxnSpPr>
+              <p:nvPr/>
+            </p:nvCxnSpPr>
+            <p:spPr>
+              <a:xfrm>
+                <a:off x="5144025" y="2471501"/>
+                <a:ext cx="508095" cy="0"/>
+              </a:xfrm>
+              <a:prstGeom prst="straightConnector1">
+                <a:avLst/>
+              </a:prstGeom>
+              <a:ln w="28575">
+                <a:solidFill>
+                  <a:schemeClr val="tx1"/>
+                </a:solidFill>
+                <a:tailEnd type="arrow"/>
+              </a:ln>
+            </p:spPr>
+            <p:style>
+              <a:lnRef idx="1">
+                <a:schemeClr val="accent1"/>
+              </a:lnRef>
+              <a:fillRef idx="0">
+                <a:schemeClr val="accent1"/>
+              </a:fillRef>
+              <a:effectRef idx="0">
+                <a:schemeClr val="accent1"/>
+              </a:effectRef>
+              <a:fontRef idx="minor">
+                <a:schemeClr val="tx1"/>
+              </a:fontRef>
+            </p:style>
+          </p:cxnSp>
+          <p:cxnSp>
+            <p:nvCxnSpPr>
+              <p:cNvPr id="39" name="Straight Arrow Connector 38"/>
+              <p:cNvCxnSpPr>
+                <a:stCxn id="29" idx="3"/>
+                <a:endCxn id="16" idx="1"/>
+              </p:cNvCxnSpPr>
+              <p:nvPr/>
+            </p:nvCxnSpPr>
+            <p:spPr>
+              <a:xfrm>
+                <a:off x="7020272" y="2471501"/>
+                <a:ext cx="343486" cy="0"/>
+              </a:xfrm>
+              <a:prstGeom prst="straightConnector1">
+                <a:avLst/>
+              </a:prstGeom>
+              <a:ln w="28575">
+                <a:solidFill>
+                  <a:schemeClr val="tx1"/>
+                </a:solidFill>
+                <a:tailEnd type="arrow"/>
+              </a:ln>
+            </p:spPr>
+            <p:style>
+              <a:lnRef idx="1">
+                <a:schemeClr val="accent1"/>
+              </a:lnRef>
+              <a:fillRef idx="0">
+                <a:schemeClr val="accent1"/>
+              </a:fillRef>
+              <a:effectRef idx="0">
+                <a:schemeClr val="accent1"/>
+              </a:effectRef>
+              <a:fontRef idx="minor">
+                <a:schemeClr val="tx1"/>
+              </a:fontRef>
+            </p:style>
+          </p:cxnSp>
+        </p:grpSp>
+      </p:grpSp>
     </p:spTree>
     <p:extLst>
       <p:ext uri="{BB962C8B-B14F-4D97-AF65-F5344CB8AC3E}">

--- a/TMON_애자일_테스팅_가이드_v0.2_김태영작업_수정.pptx
+++ b/TMON_애자일_테스팅_가이드_v0.2_김태영작업_수정.pptx
@@ -197,7 +197,7 @@
           <a:p>
             <a:fld id="{7B22E532-2DD0-4ACB-A6EB-124BF06C7007}" type="datetimeFigureOut">
               <a:rPr lang="en-US" smtClean="0"/>
-              <a:t>7/8/2014</a:t>
+              <a:t>7/9/2014</a:t>
             </a:fld>
             <a:endParaRPr lang="en-US"/>
           </a:p>
@@ -730,7 +730,7 @@
           <a:p>
             <a:fld id="{FE4BEAAC-1549-4734-96AE-C04D7460999F}" type="datetimeFigureOut">
               <a:rPr lang="en-US" smtClean="0"/>
-              <a:t>7/8/2014</a:t>
+              <a:t>7/9/2014</a:t>
             </a:fld>
             <a:endParaRPr lang="en-US"/>
           </a:p>
@@ -900,7 +900,7 @@
           <a:p>
             <a:fld id="{FE4BEAAC-1549-4734-96AE-C04D7460999F}" type="datetimeFigureOut">
               <a:rPr lang="en-US" smtClean="0"/>
-              <a:t>7/8/2014</a:t>
+              <a:t>7/9/2014</a:t>
             </a:fld>
             <a:endParaRPr lang="en-US"/>
           </a:p>
@@ -1080,7 +1080,7 @@
           <a:p>
             <a:fld id="{FE4BEAAC-1549-4734-96AE-C04D7460999F}" type="datetimeFigureOut">
               <a:rPr lang="en-US" smtClean="0"/>
-              <a:t>7/8/2014</a:t>
+              <a:t>7/9/2014</a:t>
             </a:fld>
             <a:endParaRPr lang="en-US"/>
           </a:p>
@@ -1250,7 +1250,7 @@
           <a:p>
             <a:fld id="{FE4BEAAC-1549-4734-96AE-C04D7460999F}" type="datetimeFigureOut">
               <a:rPr lang="en-US" smtClean="0"/>
-              <a:t>7/8/2014</a:t>
+              <a:t>7/9/2014</a:t>
             </a:fld>
             <a:endParaRPr lang="en-US"/>
           </a:p>
@@ -1496,7 +1496,7 @@
           <a:p>
             <a:fld id="{FE4BEAAC-1549-4734-96AE-C04D7460999F}" type="datetimeFigureOut">
               <a:rPr lang="en-US" smtClean="0"/>
-              <a:t>7/8/2014</a:t>
+              <a:t>7/9/2014</a:t>
             </a:fld>
             <a:endParaRPr lang="en-US"/>
           </a:p>
@@ -1784,7 +1784,7 @@
           <a:p>
             <a:fld id="{FE4BEAAC-1549-4734-96AE-C04D7460999F}" type="datetimeFigureOut">
               <a:rPr lang="en-US" smtClean="0"/>
-              <a:t>7/8/2014</a:t>
+              <a:t>7/9/2014</a:t>
             </a:fld>
             <a:endParaRPr lang="en-US"/>
           </a:p>
@@ -2206,7 +2206,7 @@
           <a:p>
             <a:fld id="{FE4BEAAC-1549-4734-96AE-C04D7460999F}" type="datetimeFigureOut">
               <a:rPr lang="en-US" smtClean="0"/>
-              <a:t>7/8/2014</a:t>
+              <a:t>7/9/2014</a:t>
             </a:fld>
             <a:endParaRPr lang="en-US"/>
           </a:p>
@@ -2324,7 +2324,7 @@
           <a:p>
             <a:fld id="{FE4BEAAC-1549-4734-96AE-C04D7460999F}" type="datetimeFigureOut">
               <a:rPr lang="en-US" smtClean="0"/>
-              <a:t>7/8/2014</a:t>
+              <a:t>7/9/2014</a:t>
             </a:fld>
             <a:endParaRPr lang="en-US"/>
           </a:p>
@@ -2419,7 +2419,7 @@
           <a:p>
             <a:fld id="{FE4BEAAC-1549-4734-96AE-C04D7460999F}" type="datetimeFigureOut">
               <a:rPr lang="en-US" smtClean="0"/>
-              <a:t>7/8/2014</a:t>
+              <a:t>7/9/2014</a:t>
             </a:fld>
             <a:endParaRPr lang="en-US"/>
           </a:p>
@@ -2696,7 +2696,7 @@
           <a:p>
             <a:fld id="{FE4BEAAC-1549-4734-96AE-C04D7460999F}" type="datetimeFigureOut">
               <a:rPr lang="en-US" smtClean="0"/>
-              <a:t>7/8/2014</a:t>
+              <a:t>7/9/2014</a:t>
             </a:fld>
             <a:endParaRPr lang="en-US"/>
           </a:p>
@@ -2949,7 +2949,7 @@
           <a:p>
             <a:fld id="{FE4BEAAC-1549-4734-96AE-C04D7460999F}" type="datetimeFigureOut">
               <a:rPr lang="en-US" smtClean="0"/>
-              <a:t>7/8/2014</a:t>
+              <a:t>7/9/2014</a:t>
             </a:fld>
             <a:endParaRPr lang="en-US"/>
           </a:p>
@@ -3162,7 +3162,7 @@
           <a:p>
             <a:fld id="{FE4BEAAC-1549-4734-96AE-C04D7460999F}" type="datetimeFigureOut">
               <a:rPr lang="en-US" smtClean="0"/>
-              <a:t>7/8/2014</a:t>
+              <a:t>7/9/2014</a:t>
             </a:fld>
             <a:endParaRPr lang="en-US"/>
           </a:p>
@@ -10598,11 +10598,7 @@
                 <a:pPr algn="ctr"/>
                 <a:r>
                   <a:rPr lang="ko-KR" altLang="en-US" sz="1200" smtClean="0"/>
-                  <a:t>스토리 </a:t>
-                </a:r>
-                <a:r>
-                  <a:rPr lang="ko-KR" altLang="en-US" sz="1200" smtClean="0"/>
-                  <a:t>작성 인수 조건 생성  </a:t>
+                  <a:t>스토리 작성 인수 조건 생성  </a:t>
                 </a:r>
                 <a:endParaRPr lang="en-US" sz="1200" dirty="0"/>
               </a:p>
@@ -11184,15 +11180,7 @@
                       <a:schemeClr val="tx1"/>
                     </a:solidFill>
                   </a:rPr>
-                  <a:t>%~90</a:t>
-                </a:r>
-                <a:r>
-                  <a:rPr lang="en-US" sz="1200">
-                    <a:solidFill>
-                      <a:schemeClr val="tx1"/>
-                    </a:solidFill>
-                  </a:rPr>
-                  <a:t>% </a:t>
+                  <a:t>%~90% </a:t>
                 </a:r>
                 <a:r>
                   <a:rPr lang="ko-KR" altLang="en-US" sz="1200" smtClean="0">
@@ -11405,1035 +11393,1066 @@
           <a:chExt cx="0" cy="0"/>
         </a:xfrm>
       </p:grpSpPr>
-      <p:sp>
-        <p:nvSpPr>
-          <p:cNvPr id="13" name="직사각형 12"/>
-          <p:cNvSpPr/>
+      <p:grpSp>
+        <p:nvGrpSpPr>
+          <p:cNvPr id="2" name="Group 1"/>
+          <p:cNvGrpSpPr/>
           <p:nvPr/>
-        </p:nvSpPr>
-        <p:spPr>
+        </p:nvGrpSpPr>
+        <p:grpSpPr>
           <a:xfrm>
-            <a:off x="1799692" y="1093386"/>
-            <a:ext cx="2412268" cy="2119590"/>
+            <a:off x="-36512" y="404664"/>
+            <a:ext cx="8640960" cy="5621270"/>
+            <a:chOff x="-36512" y="404664"/>
+            <a:chExt cx="8640960" cy="5621270"/>
           </a:xfrm>
-          <a:prstGeom prst="rect">
-            <a:avLst/>
-          </a:prstGeom>
-          <a:solidFill>
-            <a:srgbClr val="FBB68F"/>
-          </a:solidFill>
-          <a:ln>
+        </p:grpSpPr>
+        <p:sp>
+          <p:nvSpPr>
+            <p:cNvPr id="13" name="직사각형 12"/>
+            <p:cNvSpPr/>
+            <p:nvPr/>
+          </p:nvSpPr>
+          <p:spPr>
+            <a:xfrm>
+              <a:off x="1799692" y="1093386"/>
+              <a:ext cx="2412268" cy="2119590"/>
+            </a:xfrm>
+            <a:prstGeom prst="rect">
+              <a:avLst/>
+            </a:prstGeom>
             <a:solidFill>
-              <a:schemeClr val="tx1">
-                <a:lumMod val="50000"/>
-                <a:lumOff val="50000"/>
+              <a:srgbClr val="FBB68F"/>
+            </a:solidFill>
+            <a:ln>
+              <a:solidFill>
+                <a:schemeClr val="tx1">
+                  <a:lumMod val="50000"/>
+                  <a:lumOff val="50000"/>
+                </a:schemeClr>
+              </a:solidFill>
+            </a:ln>
+          </p:spPr>
+          <p:style>
+            <a:lnRef idx="2">
+              <a:schemeClr val="accent1">
+                <a:shade val="50000"/>
+              </a:schemeClr>
+            </a:lnRef>
+            <a:fillRef idx="1">
+              <a:schemeClr val="accent1"/>
+            </a:fillRef>
+            <a:effectRef idx="0">
+              <a:schemeClr val="accent1"/>
+            </a:effectRef>
+            <a:fontRef idx="minor">
+              <a:schemeClr val="lt1"/>
+            </a:fontRef>
+          </p:style>
+          <p:txBody>
+            <a:bodyPr rtlCol="0" anchor="ctr"/>
+            <a:lstStyle/>
+            <a:p>
+              <a:pPr algn="ctr"/>
+              <a:endParaRPr lang="en-US"/>
+            </a:p>
+          </p:txBody>
+        </p:sp>
+        <p:sp>
+          <p:nvSpPr>
+            <p:cNvPr id="14" name="직사각형 13"/>
+            <p:cNvSpPr/>
+            <p:nvPr/>
+          </p:nvSpPr>
+          <p:spPr>
+            <a:xfrm>
+              <a:off x="4211960" y="1093386"/>
+              <a:ext cx="2412268" cy="2119590"/>
+            </a:xfrm>
+            <a:prstGeom prst="rect">
+              <a:avLst/>
+            </a:prstGeom>
+            <a:solidFill>
+              <a:srgbClr val="C97343"/>
+            </a:solidFill>
+            <a:ln>
+              <a:solidFill>
+                <a:schemeClr val="tx1">
+                  <a:lumMod val="50000"/>
+                  <a:lumOff val="50000"/>
+                </a:schemeClr>
+              </a:solidFill>
+            </a:ln>
+          </p:spPr>
+          <p:style>
+            <a:lnRef idx="2">
+              <a:schemeClr val="accent1">
+                <a:shade val="50000"/>
+              </a:schemeClr>
+            </a:lnRef>
+            <a:fillRef idx="1">
+              <a:schemeClr val="accent1"/>
+            </a:fillRef>
+            <a:effectRef idx="0">
+              <a:schemeClr val="accent1"/>
+            </a:effectRef>
+            <a:fontRef idx="minor">
+              <a:schemeClr val="lt1"/>
+            </a:fontRef>
+          </p:style>
+          <p:txBody>
+            <a:bodyPr rtlCol="0" anchor="ctr"/>
+            <a:lstStyle/>
+            <a:p>
+              <a:pPr algn="ctr"/>
+              <a:endParaRPr lang="en-US" dirty="0"/>
+            </a:p>
+          </p:txBody>
+        </p:sp>
+        <p:sp>
+          <p:nvSpPr>
+            <p:cNvPr id="15" name="직사각형 14"/>
+            <p:cNvSpPr/>
+            <p:nvPr/>
+          </p:nvSpPr>
+          <p:spPr>
+            <a:xfrm>
+              <a:off x="4211960" y="3226914"/>
+              <a:ext cx="2412268" cy="2119590"/>
+            </a:xfrm>
+            <a:prstGeom prst="rect">
+              <a:avLst/>
+            </a:prstGeom>
+            <a:solidFill>
+              <a:schemeClr val="accent2">
+                <a:lumMod val="60000"/>
+                <a:lumOff val="40000"/>
               </a:schemeClr>
             </a:solidFill>
-          </a:ln>
-        </p:spPr>
-        <p:style>
-          <a:lnRef idx="2">
-            <a:schemeClr val="accent1">
-              <a:shade val="50000"/>
-            </a:schemeClr>
-          </a:lnRef>
-          <a:fillRef idx="1">
-            <a:schemeClr val="accent1"/>
-          </a:fillRef>
-          <a:effectRef idx="0">
-            <a:schemeClr val="accent1"/>
-          </a:effectRef>
-          <a:fontRef idx="minor">
-            <a:schemeClr val="lt1"/>
-          </a:fontRef>
-        </p:style>
-        <p:txBody>
-          <a:bodyPr rtlCol="0" anchor="ctr"/>
-          <a:lstStyle/>
-          <a:p>
-            <a:pPr algn="ctr"/>
-            <a:endParaRPr lang="en-US"/>
-          </a:p>
-        </p:txBody>
-      </p:sp>
-      <p:sp>
-        <p:nvSpPr>
-          <p:cNvPr id="14" name="직사각형 13"/>
-          <p:cNvSpPr/>
-          <p:nvPr/>
-        </p:nvSpPr>
-        <p:spPr>
-          <a:xfrm>
-            <a:off x="4211960" y="1093386"/>
-            <a:ext cx="2412268" cy="2119590"/>
-          </a:xfrm>
-          <a:prstGeom prst="rect">
-            <a:avLst/>
-          </a:prstGeom>
-          <a:solidFill>
-            <a:srgbClr val="C97343"/>
-          </a:solidFill>
-          <a:ln>
+            <a:ln>
+              <a:solidFill>
+                <a:schemeClr val="tx1">
+                  <a:lumMod val="50000"/>
+                  <a:lumOff val="50000"/>
+                </a:schemeClr>
+              </a:solidFill>
+            </a:ln>
+          </p:spPr>
+          <p:style>
+            <a:lnRef idx="2">
+              <a:schemeClr val="accent1">
+                <a:shade val="50000"/>
+              </a:schemeClr>
+            </a:lnRef>
+            <a:fillRef idx="1">
+              <a:schemeClr val="accent1"/>
+            </a:fillRef>
+            <a:effectRef idx="0">
+              <a:schemeClr val="accent1"/>
+            </a:effectRef>
+            <a:fontRef idx="minor">
+              <a:schemeClr val="lt1"/>
+            </a:fontRef>
+          </p:style>
+          <p:txBody>
+            <a:bodyPr rtlCol="0" anchor="ctr"/>
+            <a:lstStyle/>
+            <a:p>
+              <a:pPr algn="ctr"/>
+              <a:endParaRPr lang="en-US"/>
+            </a:p>
+          </p:txBody>
+        </p:sp>
+        <p:sp>
+          <p:nvSpPr>
+            <p:cNvPr id="16" name="직사각형 15"/>
+            <p:cNvSpPr/>
+            <p:nvPr/>
+          </p:nvSpPr>
+          <p:spPr>
+            <a:xfrm>
+              <a:off x="1799692" y="3226914"/>
+              <a:ext cx="2412268" cy="2119590"/>
+            </a:xfrm>
+            <a:prstGeom prst="rect">
+              <a:avLst/>
+            </a:prstGeom>
             <a:solidFill>
-              <a:schemeClr val="tx1">
-                <a:lumMod val="50000"/>
-                <a:lumOff val="50000"/>
+              <a:schemeClr val="bg2"/>
+            </a:solidFill>
+            <a:ln>
+              <a:solidFill>
+                <a:schemeClr val="tx1">
+                  <a:lumMod val="50000"/>
+                  <a:lumOff val="50000"/>
+                </a:schemeClr>
+              </a:solidFill>
+            </a:ln>
+          </p:spPr>
+          <p:style>
+            <a:lnRef idx="2">
+              <a:schemeClr val="accent1">
+                <a:shade val="50000"/>
               </a:schemeClr>
-            </a:solidFill>
-          </a:ln>
-        </p:spPr>
-        <p:style>
-          <a:lnRef idx="2">
-            <a:schemeClr val="accent1">
-              <a:shade val="50000"/>
-            </a:schemeClr>
-          </a:lnRef>
-          <a:fillRef idx="1">
-            <a:schemeClr val="accent1"/>
-          </a:fillRef>
-          <a:effectRef idx="0">
-            <a:schemeClr val="accent1"/>
-          </a:effectRef>
-          <a:fontRef idx="minor">
-            <a:schemeClr val="lt1"/>
-          </a:fontRef>
-        </p:style>
-        <p:txBody>
-          <a:bodyPr rtlCol="0" anchor="ctr"/>
-          <a:lstStyle/>
-          <a:p>
-            <a:pPr algn="ctr"/>
-            <a:endParaRPr lang="en-US" dirty="0"/>
-          </a:p>
-        </p:txBody>
-      </p:sp>
-      <p:sp>
-        <p:nvSpPr>
-          <p:cNvPr id="15" name="직사각형 14"/>
-          <p:cNvSpPr/>
-          <p:nvPr/>
-        </p:nvSpPr>
-        <p:spPr>
-          <a:xfrm>
-            <a:off x="4211960" y="3226914"/>
-            <a:ext cx="2412268" cy="2119590"/>
-          </a:xfrm>
-          <a:prstGeom prst="rect">
-            <a:avLst/>
-          </a:prstGeom>
-          <a:solidFill>
-            <a:schemeClr val="accent2">
-              <a:lumMod val="60000"/>
-              <a:lumOff val="40000"/>
-            </a:schemeClr>
-          </a:solidFill>
-          <a:ln>
-            <a:solidFill>
-              <a:schemeClr val="tx1">
-                <a:lumMod val="50000"/>
-                <a:lumOff val="50000"/>
-              </a:schemeClr>
-            </a:solidFill>
-          </a:ln>
-        </p:spPr>
-        <p:style>
-          <a:lnRef idx="2">
-            <a:schemeClr val="accent1">
-              <a:shade val="50000"/>
-            </a:schemeClr>
-          </a:lnRef>
-          <a:fillRef idx="1">
-            <a:schemeClr val="accent1"/>
-          </a:fillRef>
-          <a:effectRef idx="0">
-            <a:schemeClr val="accent1"/>
-          </a:effectRef>
-          <a:fontRef idx="minor">
-            <a:schemeClr val="lt1"/>
-          </a:fontRef>
-        </p:style>
-        <p:txBody>
-          <a:bodyPr rtlCol="0" anchor="ctr"/>
-          <a:lstStyle/>
-          <a:p>
-            <a:pPr algn="ctr"/>
-            <a:endParaRPr lang="en-US"/>
-          </a:p>
-        </p:txBody>
-      </p:sp>
-      <p:sp>
-        <p:nvSpPr>
-          <p:cNvPr id="16" name="직사각형 15"/>
-          <p:cNvSpPr/>
-          <p:nvPr/>
-        </p:nvSpPr>
-        <p:spPr>
-          <a:xfrm>
-            <a:off x="1799692" y="3226914"/>
-            <a:ext cx="2412268" cy="2119590"/>
-          </a:xfrm>
-          <a:prstGeom prst="rect">
-            <a:avLst/>
-          </a:prstGeom>
-          <a:solidFill>
-            <a:schemeClr val="bg2"/>
-          </a:solidFill>
-          <a:ln>
-            <a:solidFill>
-              <a:schemeClr val="tx1">
-                <a:lumMod val="50000"/>
-                <a:lumOff val="50000"/>
-              </a:schemeClr>
-            </a:solidFill>
-          </a:ln>
-        </p:spPr>
-        <p:style>
-          <a:lnRef idx="2">
-            <a:schemeClr val="accent1">
-              <a:shade val="50000"/>
-            </a:schemeClr>
-          </a:lnRef>
-          <a:fillRef idx="1">
-            <a:schemeClr val="accent1"/>
-          </a:fillRef>
-          <a:effectRef idx="0">
-            <a:schemeClr val="accent1"/>
-          </a:effectRef>
-          <a:fontRef idx="minor">
-            <a:schemeClr val="lt1"/>
-          </a:fontRef>
-        </p:style>
-        <p:txBody>
-          <a:bodyPr rtlCol="0" anchor="ctr"/>
-          <a:lstStyle/>
-          <a:p>
-            <a:pPr algn="ctr"/>
-            <a:endParaRPr lang="en-US"/>
-          </a:p>
-        </p:txBody>
-      </p:sp>
-      <p:sp>
-        <p:nvSpPr>
-          <p:cNvPr id="4" name="구름 3"/>
-          <p:cNvSpPr/>
-          <p:nvPr/>
-        </p:nvSpPr>
-        <p:spPr>
-          <a:xfrm>
-            <a:off x="-36512" y="404664"/>
-            <a:ext cx="2952328" cy="1368152"/>
-          </a:xfrm>
-          <a:prstGeom prst="cloud">
-            <a:avLst/>
-          </a:prstGeom>
-        </p:spPr>
-        <p:style>
-          <a:lnRef idx="1">
-            <a:schemeClr val="accent4"/>
-          </a:lnRef>
-          <a:fillRef idx="2">
-            <a:schemeClr val="accent4"/>
-          </a:fillRef>
-          <a:effectRef idx="1">
-            <a:schemeClr val="accent4"/>
-          </a:effectRef>
-          <a:fontRef idx="minor">
-            <a:schemeClr val="dk1"/>
-          </a:fontRef>
-        </p:style>
-        <p:txBody>
-          <a:bodyPr rtlCol="0" anchor="ctr"/>
-          <a:lstStyle/>
-          <a:p>
-            <a:pPr algn="ctr"/>
-            <a:endParaRPr lang="en-US"/>
-          </a:p>
-        </p:txBody>
-      </p:sp>
-      <p:sp>
-        <p:nvSpPr>
-          <p:cNvPr id="5" name="TextBox 4"/>
-          <p:cNvSpPr txBox="1"/>
-          <p:nvPr/>
-        </p:nvSpPr>
-        <p:spPr>
-          <a:xfrm>
-            <a:off x="467544" y="921754"/>
-            <a:ext cx="1944216" cy="369332"/>
-          </a:xfrm>
-          <a:prstGeom prst="rect">
-            <a:avLst/>
-          </a:prstGeom>
-          <a:noFill/>
-        </p:spPr>
-        <p:txBody>
-          <a:bodyPr wrap="square" rtlCol="0">
-            <a:spAutoFit/>
-          </a:bodyPr>
-          <a:lstStyle/>
-          <a:p>
-            <a:pPr algn="ctr"/>
-            <a:r>
-              <a:rPr lang="ko-KR" altLang="en-US" b="1" dirty="0"/>
-              <a:t>자</a:t>
-            </a:r>
-            <a:r>
-              <a:rPr lang="ko-KR" altLang="en-US" b="1" dirty="0" smtClean="0"/>
-              <a:t>동화 </a:t>
-            </a:r>
-            <a:r>
-              <a:rPr lang="en-US" altLang="ko-KR" b="1" dirty="0" smtClean="0"/>
-              <a:t>&amp; </a:t>
-            </a:r>
-            <a:r>
-              <a:rPr lang="ko-KR" altLang="en-US" b="1" dirty="0" smtClean="0"/>
-              <a:t>수작업 </a:t>
-            </a:r>
-            <a:endParaRPr lang="en-US" b="1" dirty="0"/>
-          </a:p>
-        </p:txBody>
-      </p:sp>
-      <p:sp>
-        <p:nvSpPr>
-          <p:cNvPr id="6" name="구름 5"/>
-          <p:cNvSpPr/>
-          <p:nvPr/>
-        </p:nvSpPr>
-        <p:spPr>
-          <a:xfrm>
-            <a:off x="5724128" y="404664"/>
-            <a:ext cx="2880320" cy="1368152"/>
-          </a:xfrm>
-          <a:prstGeom prst="cloud">
-            <a:avLst/>
-          </a:prstGeom>
-        </p:spPr>
-        <p:style>
-          <a:lnRef idx="1">
-            <a:schemeClr val="accent4"/>
-          </a:lnRef>
-          <a:fillRef idx="2">
-            <a:schemeClr val="accent4"/>
-          </a:fillRef>
-          <a:effectRef idx="1">
-            <a:schemeClr val="accent4"/>
-          </a:effectRef>
-          <a:fontRef idx="minor">
-            <a:schemeClr val="dk1"/>
-          </a:fontRef>
-        </p:style>
-        <p:txBody>
-          <a:bodyPr rtlCol="0" anchor="ctr"/>
-          <a:lstStyle/>
-          <a:p>
-            <a:pPr algn="ctr"/>
-            <a:endParaRPr lang="en-US"/>
-          </a:p>
-        </p:txBody>
-      </p:sp>
-      <p:sp>
-        <p:nvSpPr>
-          <p:cNvPr id="7" name="TextBox 6"/>
-          <p:cNvSpPr txBox="1"/>
-          <p:nvPr/>
-        </p:nvSpPr>
-        <p:spPr>
-          <a:xfrm>
-            <a:off x="6228184" y="904074"/>
-            <a:ext cx="1896796" cy="369332"/>
-          </a:xfrm>
-          <a:prstGeom prst="rect">
-            <a:avLst/>
-          </a:prstGeom>
-          <a:noFill/>
-        </p:spPr>
-        <p:txBody>
-          <a:bodyPr wrap="square" rtlCol="0">
-            <a:spAutoFit/>
-          </a:bodyPr>
-          <a:lstStyle/>
-          <a:p>
-            <a:pPr algn="ctr"/>
-            <a:r>
-              <a:rPr lang="ko-KR" altLang="en-US" b="1" dirty="0" smtClean="0"/>
-              <a:t>수작업</a:t>
-            </a:r>
-            <a:endParaRPr lang="en-US" b="1" dirty="0"/>
-          </a:p>
-        </p:txBody>
-      </p:sp>
-      <p:sp>
-        <p:nvSpPr>
-          <p:cNvPr id="8" name="구름 7"/>
-          <p:cNvSpPr/>
-          <p:nvPr/>
-        </p:nvSpPr>
-        <p:spPr>
-          <a:xfrm>
-            <a:off x="323528" y="4653136"/>
-            <a:ext cx="2952328" cy="1368152"/>
-          </a:xfrm>
-          <a:prstGeom prst="cloud">
-            <a:avLst/>
-          </a:prstGeom>
-        </p:spPr>
-        <p:style>
-          <a:lnRef idx="1">
-            <a:schemeClr val="accent4"/>
-          </a:lnRef>
-          <a:fillRef idx="2">
-            <a:schemeClr val="accent4"/>
-          </a:fillRef>
-          <a:effectRef idx="1">
-            <a:schemeClr val="accent4"/>
-          </a:effectRef>
-          <a:fontRef idx="minor">
-            <a:schemeClr val="dk1"/>
-          </a:fontRef>
-        </p:style>
-        <p:txBody>
-          <a:bodyPr rtlCol="0" anchor="ctr"/>
-          <a:lstStyle/>
-          <a:p>
-            <a:pPr algn="ctr"/>
-            <a:endParaRPr lang="en-US"/>
-          </a:p>
-        </p:txBody>
-      </p:sp>
-      <p:sp>
-        <p:nvSpPr>
-          <p:cNvPr id="9" name="TextBox 8"/>
-          <p:cNvSpPr txBox="1"/>
-          <p:nvPr/>
-        </p:nvSpPr>
-        <p:spPr>
-          <a:xfrm>
-            <a:off x="827584" y="5157192"/>
-            <a:ext cx="1944216" cy="369332"/>
-          </a:xfrm>
-          <a:prstGeom prst="rect">
-            <a:avLst/>
-          </a:prstGeom>
-          <a:noFill/>
-        </p:spPr>
-        <p:txBody>
-          <a:bodyPr wrap="square" rtlCol="0">
-            <a:spAutoFit/>
-          </a:bodyPr>
-          <a:lstStyle/>
-          <a:p>
-            <a:pPr algn="ctr"/>
-            <a:r>
-              <a:rPr lang="ko-KR" altLang="en-US" b="1" dirty="0" smtClean="0"/>
-              <a:t>자동화 </a:t>
-            </a:r>
-            <a:endParaRPr lang="en-US" b="1" dirty="0"/>
-          </a:p>
-        </p:txBody>
-      </p:sp>
-      <p:sp>
-        <p:nvSpPr>
-          <p:cNvPr id="10" name="구름 9"/>
-          <p:cNvSpPr/>
-          <p:nvPr/>
-        </p:nvSpPr>
-        <p:spPr>
-          <a:xfrm>
-            <a:off x="5652120" y="4657782"/>
-            <a:ext cx="2952328" cy="1368152"/>
-          </a:xfrm>
-          <a:prstGeom prst="cloud">
-            <a:avLst/>
-          </a:prstGeom>
-        </p:spPr>
-        <p:style>
-          <a:lnRef idx="1">
-            <a:schemeClr val="accent4"/>
-          </a:lnRef>
-          <a:fillRef idx="2">
-            <a:schemeClr val="accent4"/>
-          </a:fillRef>
-          <a:effectRef idx="1">
-            <a:schemeClr val="accent4"/>
-          </a:effectRef>
-          <a:fontRef idx="minor">
-            <a:schemeClr val="dk1"/>
-          </a:fontRef>
-        </p:style>
-        <p:txBody>
-          <a:bodyPr rtlCol="0" anchor="ctr"/>
-          <a:lstStyle/>
-          <a:p>
-            <a:pPr algn="ctr"/>
-            <a:endParaRPr lang="en-US"/>
-          </a:p>
-        </p:txBody>
-      </p:sp>
-      <p:sp>
-        <p:nvSpPr>
-          <p:cNvPr id="11" name="TextBox 10"/>
-          <p:cNvSpPr txBox="1"/>
-          <p:nvPr/>
-        </p:nvSpPr>
-        <p:spPr>
-          <a:xfrm>
-            <a:off x="6156176" y="5161838"/>
-            <a:ext cx="1944216" cy="369332"/>
-          </a:xfrm>
-          <a:prstGeom prst="rect">
-            <a:avLst/>
-          </a:prstGeom>
-          <a:noFill/>
-        </p:spPr>
-        <p:txBody>
-          <a:bodyPr wrap="square" rtlCol="0">
-            <a:spAutoFit/>
-          </a:bodyPr>
-          <a:lstStyle/>
-          <a:p>
-            <a:pPr algn="ctr"/>
-            <a:r>
-              <a:rPr lang="ko-KR" altLang="en-US" b="1" dirty="0" smtClean="0"/>
-              <a:t>도구</a:t>
-            </a:r>
-            <a:endParaRPr lang="en-US" b="1" dirty="0"/>
-          </a:p>
-        </p:txBody>
-      </p:sp>
-      <p:sp>
-        <p:nvSpPr>
-          <p:cNvPr id="17" name="TextBox 16"/>
-          <p:cNvSpPr txBox="1"/>
-          <p:nvPr/>
-        </p:nvSpPr>
-        <p:spPr>
-          <a:xfrm>
-            <a:off x="2357754" y="1645349"/>
-            <a:ext cx="1296144" cy="1015663"/>
-          </a:xfrm>
-          <a:prstGeom prst="rect">
-            <a:avLst/>
-          </a:prstGeom>
-          <a:noFill/>
-        </p:spPr>
-        <p:txBody>
-          <a:bodyPr wrap="square" rtlCol="0">
-            <a:spAutoFit/>
-          </a:bodyPr>
-          <a:lstStyle/>
-          <a:p>
-            <a:pPr algn="ctr"/>
-            <a:r>
-              <a:rPr lang="ko-KR" altLang="en-US" sz="1200" dirty="0" smtClean="0"/>
-              <a:t>기능성 테스트</a:t>
-            </a:r>
-            <a:endParaRPr lang="en-US" altLang="ko-KR" sz="1200" dirty="0" smtClean="0"/>
-          </a:p>
-          <a:p>
-            <a:pPr algn="ctr"/>
-            <a:r>
-              <a:rPr lang="ko-KR" altLang="en-US" sz="1200" dirty="0" smtClean="0"/>
-              <a:t>사</a:t>
-            </a:r>
-            <a:r>
-              <a:rPr lang="ko-KR" altLang="en-US" sz="1200" dirty="0"/>
-              <a:t>례</a:t>
-            </a:r>
-            <a:endParaRPr lang="en-US" altLang="ko-KR" sz="1200" dirty="0" smtClean="0"/>
-          </a:p>
-          <a:p>
-            <a:pPr algn="ctr"/>
-            <a:r>
-              <a:rPr lang="ko-KR" altLang="en-US" sz="1200" dirty="0" smtClean="0"/>
-              <a:t>스토리 테스트</a:t>
-            </a:r>
-            <a:endParaRPr lang="en-US" altLang="ko-KR" sz="1200" dirty="0" smtClean="0"/>
-          </a:p>
-          <a:p>
-            <a:pPr algn="ctr"/>
-            <a:r>
-              <a:rPr lang="ko-KR" altLang="en-US" sz="1200" dirty="0" err="1" smtClean="0"/>
-              <a:t>프로토타입</a:t>
-            </a:r>
-            <a:endParaRPr lang="en-US" altLang="ko-KR" sz="1200" dirty="0" smtClean="0"/>
-          </a:p>
-          <a:p>
-            <a:pPr algn="ctr"/>
-            <a:r>
-              <a:rPr lang="ko-KR" altLang="en-US" sz="1200" dirty="0" smtClean="0"/>
-              <a:t>시뮬레이션</a:t>
-            </a:r>
-            <a:endParaRPr lang="en-US" sz="1200" dirty="0"/>
-          </a:p>
-        </p:txBody>
-      </p:sp>
-      <p:sp>
-        <p:nvSpPr>
-          <p:cNvPr id="18" name="TextBox 17"/>
-          <p:cNvSpPr txBox="1"/>
-          <p:nvPr/>
-        </p:nvSpPr>
-        <p:spPr>
-          <a:xfrm>
-            <a:off x="3275856" y="2924944"/>
-            <a:ext cx="936104" cy="276999"/>
-          </a:xfrm>
-          <a:prstGeom prst="rect">
-            <a:avLst/>
-          </a:prstGeom>
-          <a:noFill/>
-        </p:spPr>
-        <p:txBody>
-          <a:bodyPr wrap="square" rtlCol="0">
-            <a:spAutoFit/>
-          </a:bodyPr>
-          <a:lstStyle/>
-          <a:p>
-            <a:pPr algn="r"/>
-            <a:r>
-              <a:rPr lang="en-US" sz="1200" b="1" dirty="0" smtClean="0"/>
-              <a:t> 2 </a:t>
-            </a:r>
-            <a:r>
-              <a:rPr lang="ko-KR" altLang="en-US" sz="1200" b="1" dirty="0" err="1" smtClean="0"/>
-              <a:t>사분면</a:t>
-            </a:r>
-            <a:endParaRPr lang="en-US" sz="1200" b="1" dirty="0"/>
-          </a:p>
-        </p:txBody>
-      </p:sp>
-      <p:sp>
-        <p:nvSpPr>
-          <p:cNvPr id="19" name="TextBox 18"/>
-          <p:cNvSpPr txBox="1"/>
-          <p:nvPr/>
-        </p:nvSpPr>
-        <p:spPr>
-          <a:xfrm>
-            <a:off x="3275856" y="3201943"/>
-            <a:ext cx="936104" cy="276999"/>
-          </a:xfrm>
-          <a:prstGeom prst="rect">
-            <a:avLst/>
-          </a:prstGeom>
-          <a:noFill/>
-        </p:spPr>
-        <p:txBody>
-          <a:bodyPr wrap="square" rtlCol="0">
-            <a:spAutoFit/>
-          </a:bodyPr>
-          <a:lstStyle/>
-          <a:p>
-            <a:pPr algn="r"/>
-            <a:r>
-              <a:rPr lang="en-US" sz="1200" b="1" dirty="0" smtClean="0"/>
-              <a:t> 1 </a:t>
-            </a:r>
-            <a:r>
-              <a:rPr lang="ko-KR" altLang="en-US" sz="1200" b="1" dirty="0" err="1" smtClean="0"/>
-              <a:t>사분면</a:t>
-            </a:r>
-            <a:endParaRPr lang="en-US" sz="1200" b="1" dirty="0"/>
-          </a:p>
-        </p:txBody>
-      </p:sp>
-      <p:sp>
-        <p:nvSpPr>
-          <p:cNvPr id="20" name="TextBox 19"/>
-          <p:cNvSpPr txBox="1"/>
-          <p:nvPr/>
-        </p:nvSpPr>
-        <p:spPr>
-          <a:xfrm>
-            <a:off x="4139952" y="2920644"/>
-            <a:ext cx="936104" cy="276999"/>
-          </a:xfrm>
-          <a:prstGeom prst="rect">
-            <a:avLst/>
-          </a:prstGeom>
-          <a:noFill/>
-        </p:spPr>
-        <p:txBody>
-          <a:bodyPr wrap="square" rtlCol="0">
-            <a:spAutoFit/>
-          </a:bodyPr>
-          <a:lstStyle/>
-          <a:p>
-            <a:r>
-              <a:rPr lang="en-US" sz="1200" b="1" dirty="0" smtClean="0"/>
-              <a:t> 3 </a:t>
-            </a:r>
-            <a:r>
-              <a:rPr lang="ko-KR" altLang="en-US" sz="1200" b="1" dirty="0" err="1" smtClean="0"/>
-              <a:t>사분면</a:t>
-            </a:r>
-            <a:endParaRPr lang="en-US" sz="1200" b="1" dirty="0"/>
-          </a:p>
-        </p:txBody>
-      </p:sp>
-      <p:sp>
-        <p:nvSpPr>
-          <p:cNvPr id="21" name="TextBox 20"/>
-          <p:cNvSpPr txBox="1"/>
-          <p:nvPr/>
-        </p:nvSpPr>
-        <p:spPr>
-          <a:xfrm>
-            <a:off x="4139952" y="3197643"/>
-            <a:ext cx="936104" cy="276999"/>
-          </a:xfrm>
-          <a:prstGeom prst="rect">
-            <a:avLst/>
-          </a:prstGeom>
-          <a:noFill/>
-        </p:spPr>
-        <p:txBody>
-          <a:bodyPr wrap="square" rtlCol="0">
-            <a:spAutoFit/>
-          </a:bodyPr>
-          <a:lstStyle/>
-          <a:p>
-            <a:r>
-              <a:rPr lang="en-US" sz="1200" b="1" dirty="0" smtClean="0"/>
-              <a:t> 4 </a:t>
-            </a:r>
-            <a:r>
-              <a:rPr lang="ko-KR" altLang="en-US" sz="1200" b="1" dirty="0" err="1" smtClean="0"/>
-              <a:t>사분면</a:t>
-            </a:r>
-            <a:endParaRPr lang="en-US" sz="1200" b="1" dirty="0"/>
-          </a:p>
-        </p:txBody>
-      </p:sp>
-      <p:sp>
-        <p:nvSpPr>
-          <p:cNvPr id="22" name="TextBox 21"/>
-          <p:cNvSpPr txBox="1"/>
-          <p:nvPr/>
-        </p:nvSpPr>
-        <p:spPr>
-          <a:xfrm>
-            <a:off x="4644008" y="1467941"/>
-            <a:ext cx="1548172" cy="1384995"/>
-          </a:xfrm>
-          <a:prstGeom prst="rect">
-            <a:avLst/>
-          </a:prstGeom>
-          <a:noFill/>
-        </p:spPr>
-        <p:txBody>
-          <a:bodyPr wrap="square" rtlCol="0">
-            <a:spAutoFit/>
-          </a:bodyPr>
-          <a:lstStyle/>
-          <a:p>
-            <a:pPr algn="ctr"/>
-            <a:endParaRPr lang="en-US" altLang="ko-KR" sz="1200" dirty="0" smtClean="0"/>
-          </a:p>
-          <a:p>
-            <a:pPr algn="ctr"/>
-            <a:r>
-              <a:rPr lang="ko-KR" altLang="en-US" sz="1200" dirty="0" smtClean="0"/>
-              <a:t>탐색적 </a:t>
-            </a:r>
-            <a:r>
-              <a:rPr lang="ko-KR" altLang="en-US" sz="1200" dirty="0" err="1" smtClean="0"/>
-              <a:t>테스팅</a:t>
-            </a:r>
-            <a:endParaRPr lang="en-US" sz="1200" dirty="0" smtClean="0"/>
-          </a:p>
-          <a:p>
-            <a:pPr algn="ctr"/>
-            <a:r>
-              <a:rPr lang="ko-KR" altLang="en-US" sz="1200" dirty="0" smtClean="0"/>
-              <a:t>시나리오</a:t>
-            </a:r>
-            <a:endParaRPr lang="en-US" altLang="ko-KR" sz="1200" dirty="0" smtClean="0"/>
-          </a:p>
-          <a:p>
-            <a:pPr algn="ctr"/>
-            <a:r>
-              <a:rPr lang="ko-KR" altLang="en-US" sz="1200" dirty="0" err="1" smtClean="0"/>
-              <a:t>사용성</a:t>
-            </a:r>
-            <a:r>
-              <a:rPr lang="ko-KR" altLang="en-US" sz="1200" dirty="0" smtClean="0"/>
-              <a:t> 테스트</a:t>
-            </a:r>
-            <a:endParaRPr lang="en-US" sz="1200" dirty="0" smtClean="0"/>
-          </a:p>
-          <a:p>
-            <a:pPr algn="ctr"/>
-            <a:r>
-              <a:rPr lang="ko-KR" altLang="en-US" sz="1200" dirty="0" smtClean="0"/>
-              <a:t>사용자 인수 테스트</a:t>
-            </a:r>
-            <a:endParaRPr lang="en-US" altLang="ko-KR" sz="1200" dirty="0" smtClean="0"/>
-          </a:p>
-          <a:p>
-            <a:pPr algn="ctr"/>
-            <a:r>
-              <a:rPr lang="ko-KR" altLang="en-US" sz="1200" dirty="0" smtClean="0"/>
-              <a:t>알파 </a:t>
-            </a:r>
-            <a:r>
-              <a:rPr lang="en-US" altLang="ko-KR" sz="1200" dirty="0" smtClean="0"/>
-              <a:t>/ </a:t>
-            </a:r>
-            <a:r>
-              <a:rPr lang="ko-KR" altLang="en-US" sz="1200" dirty="0" smtClean="0"/>
-              <a:t>베타</a:t>
-            </a:r>
-            <a:endParaRPr lang="en-US" altLang="ko-KR" sz="1200" dirty="0" smtClean="0"/>
-          </a:p>
-          <a:p>
-            <a:pPr algn="ctr"/>
-            <a:endParaRPr lang="en-US" sz="1200" dirty="0"/>
-          </a:p>
-        </p:txBody>
-      </p:sp>
-      <p:sp>
-        <p:nvSpPr>
-          <p:cNvPr id="23" name="TextBox 22"/>
-          <p:cNvSpPr txBox="1"/>
-          <p:nvPr/>
-        </p:nvSpPr>
-        <p:spPr>
-          <a:xfrm>
-            <a:off x="2357754" y="4055876"/>
-            <a:ext cx="1296144" cy="461665"/>
-          </a:xfrm>
-          <a:prstGeom prst="rect">
-            <a:avLst/>
-          </a:prstGeom>
-          <a:noFill/>
-        </p:spPr>
-        <p:txBody>
-          <a:bodyPr wrap="square" rtlCol="0">
-            <a:spAutoFit/>
-          </a:bodyPr>
-          <a:lstStyle/>
-          <a:p>
-            <a:pPr algn="ctr"/>
-            <a:r>
-              <a:rPr lang="ko-KR" altLang="en-US" sz="1200" dirty="0" smtClean="0"/>
-              <a:t>단위 테스트</a:t>
-            </a:r>
-            <a:endParaRPr lang="en-US" altLang="ko-KR" sz="1200" dirty="0" smtClean="0"/>
-          </a:p>
-          <a:p>
-            <a:pPr algn="ctr"/>
-            <a:r>
-              <a:rPr lang="ko-KR" altLang="en-US" sz="1200" dirty="0" smtClean="0"/>
-              <a:t>컴포넌트 테스트</a:t>
-            </a:r>
-            <a:endParaRPr lang="en-US" sz="1200" dirty="0"/>
-          </a:p>
-        </p:txBody>
-      </p:sp>
-      <p:sp>
-        <p:nvSpPr>
-          <p:cNvPr id="24" name="TextBox 23"/>
-          <p:cNvSpPr txBox="1"/>
-          <p:nvPr/>
-        </p:nvSpPr>
-        <p:spPr>
-          <a:xfrm>
-            <a:off x="4644008" y="3963542"/>
-            <a:ext cx="1548172" cy="646331"/>
-          </a:xfrm>
-          <a:prstGeom prst="rect">
-            <a:avLst/>
-          </a:prstGeom>
-          <a:noFill/>
-        </p:spPr>
-        <p:txBody>
-          <a:bodyPr wrap="square" rtlCol="0">
-            <a:spAutoFit/>
-          </a:bodyPr>
-          <a:lstStyle/>
-          <a:p>
-            <a:pPr algn="ctr"/>
-            <a:r>
-              <a:rPr lang="ko-KR" altLang="en-US" sz="1200" dirty="0" smtClean="0"/>
-              <a:t>성능 </a:t>
-            </a:r>
-            <a:r>
-              <a:rPr lang="en-US" altLang="ko-KR" sz="1200" dirty="0" smtClean="0"/>
-              <a:t>&amp; </a:t>
-            </a:r>
-            <a:r>
-              <a:rPr lang="ko-KR" altLang="en-US" sz="1200" dirty="0" smtClean="0"/>
-              <a:t>부하 </a:t>
-            </a:r>
-            <a:r>
-              <a:rPr lang="ko-KR" altLang="en-US" sz="1200" dirty="0" err="1" smtClean="0"/>
-              <a:t>테스팅</a:t>
-            </a:r>
-            <a:r>
-              <a:rPr lang="ko-KR" altLang="en-US" sz="1200" dirty="0" smtClean="0"/>
-              <a:t> </a:t>
-            </a:r>
-            <a:endParaRPr lang="en-US" sz="1200" dirty="0" smtClean="0"/>
-          </a:p>
-          <a:p>
-            <a:pPr algn="ctr"/>
-            <a:r>
-              <a:rPr lang="ko-KR" altLang="en-US" sz="1200" dirty="0" smtClean="0"/>
-              <a:t>보안 </a:t>
-            </a:r>
-            <a:r>
-              <a:rPr lang="ko-KR" altLang="en-US" sz="1200" dirty="0" err="1" smtClean="0"/>
-              <a:t>테스팅</a:t>
-            </a:r>
-            <a:endParaRPr lang="en-US" altLang="ko-KR" sz="1200" dirty="0" smtClean="0"/>
-          </a:p>
-          <a:p>
-            <a:pPr algn="ctr"/>
-            <a:r>
-              <a:rPr lang="en-US" sz="1200" dirty="0" smtClean="0"/>
-              <a:t>“~</a:t>
-            </a:r>
-            <a:r>
-              <a:rPr lang="ko-KR" altLang="en-US" sz="1200" dirty="0" smtClean="0"/>
-              <a:t>성</a:t>
-            </a:r>
-            <a:r>
-              <a:rPr lang="en-US" altLang="ko-KR" sz="1200" dirty="0" smtClean="0"/>
-              <a:t>” </a:t>
-            </a:r>
-            <a:r>
-              <a:rPr lang="ko-KR" altLang="en-US" sz="1200" dirty="0" err="1" smtClean="0"/>
-              <a:t>테스팅</a:t>
-            </a:r>
-            <a:endParaRPr lang="en-US" sz="1200" dirty="0"/>
-          </a:p>
-        </p:txBody>
-      </p:sp>
-      <p:sp>
-        <p:nvSpPr>
-          <p:cNvPr id="26" name="TextBox 25"/>
-          <p:cNvSpPr txBox="1"/>
-          <p:nvPr/>
-        </p:nvSpPr>
-        <p:spPr>
-          <a:xfrm>
-            <a:off x="2773353" y="715666"/>
-            <a:ext cx="2808312" cy="373074"/>
-          </a:xfrm>
-          <a:prstGeom prst="rect">
-            <a:avLst/>
-          </a:prstGeom>
-          <a:noFill/>
-        </p:spPr>
-        <p:txBody>
-          <a:bodyPr wrap="square" rtlCol="0">
-            <a:spAutoFit/>
-          </a:bodyPr>
-          <a:lstStyle/>
-          <a:p>
-            <a:pPr algn="ctr"/>
-            <a:r>
-              <a:rPr lang="ko-KR" altLang="en-US" dirty="0" smtClean="0"/>
-              <a:t>비즈니스 중심</a:t>
-            </a:r>
-            <a:endParaRPr lang="en-US" dirty="0"/>
-          </a:p>
-        </p:txBody>
-      </p:sp>
-      <p:sp>
-        <p:nvSpPr>
-          <p:cNvPr id="27" name="TextBox 26"/>
-          <p:cNvSpPr txBox="1"/>
-          <p:nvPr/>
-        </p:nvSpPr>
-        <p:spPr>
-          <a:xfrm>
-            <a:off x="3041830" y="5346504"/>
-            <a:ext cx="2376264" cy="369332"/>
-          </a:xfrm>
-          <a:prstGeom prst="rect">
-            <a:avLst/>
-          </a:prstGeom>
-          <a:noFill/>
-        </p:spPr>
-        <p:txBody>
-          <a:bodyPr wrap="square" rtlCol="0">
-            <a:spAutoFit/>
-          </a:bodyPr>
-          <a:lstStyle/>
-          <a:p>
-            <a:pPr algn="ctr"/>
-            <a:r>
-              <a:rPr lang="ko-KR" altLang="en-US" dirty="0" smtClean="0"/>
-              <a:t>기술 중심</a:t>
-            </a:r>
-            <a:endParaRPr lang="en-US" dirty="0"/>
-          </a:p>
-        </p:txBody>
-      </p:sp>
-      <p:sp>
-        <p:nvSpPr>
-          <p:cNvPr id="28" name="TextBox 27"/>
-          <p:cNvSpPr txBox="1"/>
-          <p:nvPr/>
-        </p:nvSpPr>
-        <p:spPr>
-          <a:xfrm rot="5400000">
-            <a:off x="5746776" y="3012977"/>
-            <a:ext cx="2124236" cy="369332"/>
-          </a:xfrm>
-          <a:prstGeom prst="rect">
-            <a:avLst/>
-          </a:prstGeom>
-          <a:noFill/>
-        </p:spPr>
-        <p:txBody>
-          <a:bodyPr wrap="square" rtlCol="0">
-            <a:spAutoFit/>
-          </a:bodyPr>
-          <a:lstStyle/>
-          <a:p>
-            <a:pPr algn="ctr"/>
-            <a:r>
-              <a:rPr lang="ko-KR" altLang="en-US" dirty="0" smtClean="0"/>
-              <a:t>제품 평가 </a:t>
-            </a:r>
-            <a:endParaRPr lang="en-US" dirty="0"/>
-          </a:p>
-        </p:txBody>
-      </p:sp>
-      <p:sp>
-        <p:nvSpPr>
-          <p:cNvPr id="29" name="TextBox 28"/>
-          <p:cNvSpPr txBox="1"/>
-          <p:nvPr/>
-        </p:nvSpPr>
-        <p:spPr>
-          <a:xfrm rot="16200000">
-            <a:off x="453578" y="3028310"/>
-            <a:ext cx="2304256" cy="369332"/>
-          </a:xfrm>
-          <a:prstGeom prst="rect">
-            <a:avLst/>
-          </a:prstGeom>
-          <a:noFill/>
-        </p:spPr>
-        <p:txBody>
-          <a:bodyPr wrap="square" rtlCol="0">
-            <a:spAutoFit/>
-          </a:bodyPr>
-          <a:lstStyle/>
-          <a:p>
-            <a:pPr algn="ctr"/>
-            <a:r>
-              <a:rPr lang="ko-KR" altLang="en-US" dirty="0" smtClean="0"/>
-              <a:t>팀을 지원하기</a:t>
-            </a:r>
-            <a:endParaRPr lang="en-US" dirty="0"/>
-          </a:p>
-        </p:txBody>
-      </p:sp>
+            </a:lnRef>
+            <a:fillRef idx="1">
+              <a:schemeClr val="accent1"/>
+            </a:fillRef>
+            <a:effectRef idx="0">
+              <a:schemeClr val="accent1"/>
+            </a:effectRef>
+            <a:fontRef idx="minor">
+              <a:schemeClr val="lt1"/>
+            </a:fontRef>
+          </p:style>
+          <p:txBody>
+            <a:bodyPr rtlCol="0" anchor="ctr"/>
+            <a:lstStyle/>
+            <a:p>
+              <a:pPr algn="ctr"/>
+              <a:endParaRPr lang="en-US"/>
+            </a:p>
+          </p:txBody>
+        </p:sp>
+        <p:sp>
+          <p:nvSpPr>
+            <p:cNvPr id="4" name="구름 3"/>
+            <p:cNvSpPr/>
+            <p:nvPr/>
+          </p:nvSpPr>
+          <p:spPr>
+            <a:xfrm>
+              <a:off x="-36512" y="404664"/>
+              <a:ext cx="2952328" cy="1368152"/>
+            </a:xfrm>
+            <a:prstGeom prst="cloud">
+              <a:avLst/>
+            </a:prstGeom>
+          </p:spPr>
+          <p:style>
+            <a:lnRef idx="1">
+              <a:schemeClr val="accent4"/>
+            </a:lnRef>
+            <a:fillRef idx="2">
+              <a:schemeClr val="accent4"/>
+            </a:fillRef>
+            <a:effectRef idx="1">
+              <a:schemeClr val="accent4"/>
+            </a:effectRef>
+            <a:fontRef idx="minor">
+              <a:schemeClr val="dk1"/>
+            </a:fontRef>
+          </p:style>
+          <p:txBody>
+            <a:bodyPr rtlCol="0" anchor="ctr"/>
+            <a:lstStyle/>
+            <a:p>
+              <a:pPr algn="ctr"/>
+              <a:endParaRPr lang="en-US"/>
+            </a:p>
+          </p:txBody>
+        </p:sp>
+        <p:sp>
+          <p:nvSpPr>
+            <p:cNvPr id="5" name="TextBox 4"/>
+            <p:cNvSpPr txBox="1"/>
+            <p:nvPr/>
+          </p:nvSpPr>
+          <p:spPr>
+            <a:xfrm>
+              <a:off x="467544" y="921754"/>
+              <a:ext cx="1944216" cy="369332"/>
+            </a:xfrm>
+            <a:prstGeom prst="rect">
+              <a:avLst/>
+            </a:prstGeom>
+            <a:noFill/>
+          </p:spPr>
+          <p:txBody>
+            <a:bodyPr wrap="square" rtlCol="0">
+              <a:spAutoFit/>
+            </a:bodyPr>
+            <a:lstStyle/>
+            <a:p>
+              <a:pPr algn="ctr"/>
+              <a:r>
+                <a:rPr lang="ko-KR" altLang="en-US" b="1" dirty="0"/>
+                <a:t>자</a:t>
+              </a:r>
+              <a:r>
+                <a:rPr lang="ko-KR" altLang="en-US" b="1" dirty="0" smtClean="0"/>
+                <a:t>동화 </a:t>
+              </a:r>
+              <a:r>
+                <a:rPr lang="en-US" altLang="ko-KR" b="1" dirty="0" smtClean="0"/>
+                <a:t>&amp; </a:t>
+              </a:r>
+              <a:r>
+                <a:rPr lang="ko-KR" altLang="en-US" b="1" dirty="0" smtClean="0"/>
+                <a:t>수작업 </a:t>
+              </a:r>
+              <a:endParaRPr lang="en-US" b="1" dirty="0"/>
+            </a:p>
+          </p:txBody>
+        </p:sp>
+        <p:sp>
+          <p:nvSpPr>
+            <p:cNvPr id="6" name="구름 5"/>
+            <p:cNvSpPr/>
+            <p:nvPr/>
+          </p:nvSpPr>
+          <p:spPr>
+            <a:xfrm>
+              <a:off x="5724128" y="404664"/>
+              <a:ext cx="2880320" cy="1368152"/>
+            </a:xfrm>
+            <a:prstGeom prst="cloud">
+              <a:avLst/>
+            </a:prstGeom>
+          </p:spPr>
+          <p:style>
+            <a:lnRef idx="1">
+              <a:schemeClr val="accent4"/>
+            </a:lnRef>
+            <a:fillRef idx="2">
+              <a:schemeClr val="accent4"/>
+            </a:fillRef>
+            <a:effectRef idx="1">
+              <a:schemeClr val="accent4"/>
+            </a:effectRef>
+            <a:fontRef idx="minor">
+              <a:schemeClr val="dk1"/>
+            </a:fontRef>
+          </p:style>
+          <p:txBody>
+            <a:bodyPr rtlCol="0" anchor="ctr"/>
+            <a:lstStyle/>
+            <a:p>
+              <a:pPr algn="ctr"/>
+              <a:endParaRPr lang="en-US"/>
+            </a:p>
+          </p:txBody>
+        </p:sp>
+        <p:sp>
+          <p:nvSpPr>
+            <p:cNvPr id="7" name="TextBox 6"/>
+            <p:cNvSpPr txBox="1"/>
+            <p:nvPr/>
+          </p:nvSpPr>
+          <p:spPr>
+            <a:xfrm>
+              <a:off x="6228184" y="904074"/>
+              <a:ext cx="1896796" cy="369332"/>
+            </a:xfrm>
+            <a:prstGeom prst="rect">
+              <a:avLst/>
+            </a:prstGeom>
+            <a:noFill/>
+          </p:spPr>
+          <p:txBody>
+            <a:bodyPr wrap="square" rtlCol="0">
+              <a:spAutoFit/>
+            </a:bodyPr>
+            <a:lstStyle/>
+            <a:p>
+              <a:pPr algn="ctr"/>
+              <a:r>
+                <a:rPr lang="ko-KR" altLang="en-US" b="1" dirty="0" smtClean="0"/>
+                <a:t>수작업</a:t>
+              </a:r>
+              <a:endParaRPr lang="en-US" b="1" dirty="0"/>
+            </a:p>
+          </p:txBody>
+        </p:sp>
+        <p:sp>
+          <p:nvSpPr>
+            <p:cNvPr id="8" name="구름 7"/>
+            <p:cNvSpPr/>
+            <p:nvPr/>
+          </p:nvSpPr>
+          <p:spPr>
+            <a:xfrm>
+              <a:off x="323528" y="4653136"/>
+              <a:ext cx="2952328" cy="1368152"/>
+            </a:xfrm>
+            <a:prstGeom prst="cloud">
+              <a:avLst/>
+            </a:prstGeom>
+          </p:spPr>
+          <p:style>
+            <a:lnRef idx="1">
+              <a:schemeClr val="accent4"/>
+            </a:lnRef>
+            <a:fillRef idx="2">
+              <a:schemeClr val="accent4"/>
+            </a:fillRef>
+            <a:effectRef idx="1">
+              <a:schemeClr val="accent4"/>
+            </a:effectRef>
+            <a:fontRef idx="minor">
+              <a:schemeClr val="dk1"/>
+            </a:fontRef>
+          </p:style>
+          <p:txBody>
+            <a:bodyPr rtlCol="0" anchor="ctr"/>
+            <a:lstStyle/>
+            <a:p>
+              <a:pPr algn="ctr"/>
+              <a:endParaRPr lang="en-US"/>
+            </a:p>
+          </p:txBody>
+        </p:sp>
+        <p:sp>
+          <p:nvSpPr>
+            <p:cNvPr id="9" name="TextBox 8"/>
+            <p:cNvSpPr txBox="1"/>
+            <p:nvPr/>
+          </p:nvSpPr>
+          <p:spPr>
+            <a:xfrm>
+              <a:off x="827584" y="5157192"/>
+              <a:ext cx="1944216" cy="369332"/>
+            </a:xfrm>
+            <a:prstGeom prst="rect">
+              <a:avLst/>
+            </a:prstGeom>
+            <a:noFill/>
+          </p:spPr>
+          <p:txBody>
+            <a:bodyPr wrap="square" rtlCol="0">
+              <a:spAutoFit/>
+            </a:bodyPr>
+            <a:lstStyle/>
+            <a:p>
+              <a:pPr algn="ctr"/>
+              <a:r>
+                <a:rPr lang="ko-KR" altLang="en-US" b="1" dirty="0" smtClean="0"/>
+                <a:t>자동화 </a:t>
+              </a:r>
+              <a:endParaRPr lang="en-US" b="1" dirty="0"/>
+            </a:p>
+          </p:txBody>
+        </p:sp>
+        <p:sp>
+          <p:nvSpPr>
+            <p:cNvPr id="10" name="구름 9"/>
+            <p:cNvSpPr/>
+            <p:nvPr/>
+          </p:nvSpPr>
+          <p:spPr>
+            <a:xfrm>
+              <a:off x="5652120" y="4657782"/>
+              <a:ext cx="2952328" cy="1368152"/>
+            </a:xfrm>
+            <a:prstGeom prst="cloud">
+              <a:avLst/>
+            </a:prstGeom>
+          </p:spPr>
+          <p:style>
+            <a:lnRef idx="1">
+              <a:schemeClr val="accent4"/>
+            </a:lnRef>
+            <a:fillRef idx="2">
+              <a:schemeClr val="accent4"/>
+            </a:fillRef>
+            <a:effectRef idx="1">
+              <a:schemeClr val="accent4"/>
+            </a:effectRef>
+            <a:fontRef idx="minor">
+              <a:schemeClr val="dk1"/>
+            </a:fontRef>
+          </p:style>
+          <p:txBody>
+            <a:bodyPr rtlCol="0" anchor="ctr"/>
+            <a:lstStyle/>
+            <a:p>
+              <a:pPr algn="ctr"/>
+              <a:endParaRPr lang="en-US"/>
+            </a:p>
+          </p:txBody>
+        </p:sp>
+        <p:sp>
+          <p:nvSpPr>
+            <p:cNvPr id="11" name="TextBox 10"/>
+            <p:cNvSpPr txBox="1"/>
+            <p:nvPr/>
+          </p:nvSpPr>
+          <p:spPr>
+            <a:xfrm>
+              <a:off x="6156176" y="5161838"/>
+              <a:ext cx="1944216" cy="369332"/>
+            </a:xfrm>
+            <a:prstGeom prst="rect">
+              <a:avLst/>
+            </a:prstGeom>
+            <a:noFill/>
+          </p:spPr>
+          <p:txBody>
+            <a:bodyPr wrap="square" rtlCol="0">
+              <a:spAutoFit/>
+            </a:bodyPr>
+            <a:lstStyle/>
+            <a:p>
+              <a:pPr algn="ctr"/>
+              <a:r>
+                <a:rPr lang="ko-KR" altLang="en-US" b="1" smtClean="0"/>
+                <a:t>도구</a:t>
+              </a:r>
+              <a:endParaRPr lang="en-US" b="1" dirty="0"/>
+            </a:p>
+          </p:txBody>
+        </p:sp>
+        <p:sp>
+          <p:nvSpPr>
+            <p:cNvPr id="17" name="TextBox 16"/>
+            <p:cNvSpPr txBox="1"/>
+            <p:nvPr/>
+          </p:nvSpPr>
+          <p:spPr>
+            <a:xfrm>
+              <a:off x="2357754" y="1645349"/>
+              <a:ext cx="1296144" cy="1015663"/>
+            </a:xfrm>
+            <a:prstGeom prst="rect">
+              <a:avLst/>
+            </a:prstGeom>
+            <a:noFill/>
+          </p:spPr>
+          <p:txBody>
+            <a:bodyPr wrap="square" rtlCol="0">
+              <a:spAutoFit/>
+            </a:bodyPr>
+            <a:lstStyle/>
+            <a:p>
+              <a:pPr algn="ctr"/>
+              <a:r>
+                <a:rPr lang="ko-KR" altLang="en-US" sz="1200" dirty="0" smtClean="0"/>
+                <a:t>기능성 테스트</a:t>
+              </a:r>
+              <a:endParaRPr lang="en-US" altLang="ko-KR" sz="1200" dirty="0" smtClean="0"/>
+            </a:p>
+            <a:p>
+              <a:pPr algn="ctr"/>
+              <a:r>
+                <a:rPr lang="ko-KR" altLang="en-US" sz="1200" dirty="0" smtClean="0"/>
+                <a:t>사</a:t>
+              </a:r>
+              <a:r>
+                <a:rPr lang="ko-KR" altLang="en-US" sz="1200" dirty="0"/>
+                <a:t>례</a:t>
+              </a:r>
+              <a:endParaRPr lang="en-US" altLang="ko-KR" sz="1200" dirty="0" smtClean="0"/>
+            </a:p>
+            <a:p>
+              <a:pPr algn="ctr"/>
+              <a:r>
+                <a:rPr lang="ko-KR" altLang="en-US" sz="1200" dirty="0" smtClean="0"/>
+                <a:t>스토리 테스트</a:t>
+              </a:r>
+              <a:endParaRPr lang="en-US" altLang="ko-KR" sz="1200" dirty="0" smtClean="0"/>
+            </a:p>
+            <a:p>
+              <a:pPr algn="ctr"/>
+              <a:r>
+                <a:rPr lang="ko-KR" altLang="en-US" sz="1200" dirty="0" err="1" smtClean="0"/>
+                <a:t>프로토타입</a:t>
+              </a:r>
+              <a:endParaRPr lang="en-US" altLang="ko-KR" sz="1200" dirty="0" smtClean="0"/>
+            </a:p>
+            <a:p>
+              <a:pPr algn="ctr"/>
+              <a:r>
+                <a:rPr lang="ko-KR" altLang="en-US" sz="1200" dirty="0" smtClean="0"/>
+                <a:t>시뮬레이션</a:t>
+              </a:r>
+              <a:endParaRPr lang="en-US" sz="1200" dirty="0"/>
+            </a:p>
+          </p:txBody>
+        </p:sp>
+        <p:sp>
+          <p:nvSpPr>
+            <p:cNvPr id="18" name="TextBox 17"/>
+            <p:cNvSpPr txBox="1"/>
+            <p:nvPr/>
+          </p:nvSpPr>
+          <p:spPr>
+            <a:xfrm>
+              <a:off x="3275856" y="2924944"/>
+              <a:ext cx="936104" cy="276999"/>
+            </a:xfrm>
+            <a:prstGeom prst="rect">
+              <a:avLst/>
+            </a:prstGeom>
+            <a:noFill/>
+          </p:spPr>
+          <p:txBody>
+            <a:bodyPr wrap="square" rtlCol="0">
+              <a:spAutoFit/>
+            </a:bodyPr>
+            <a:lstStyle/>
+            <a:p>
+              <a:pPr algn="r"/>
+              <a:r>
+                <a:rPr lang="en-US" sz="1200" b="1" dirty="0" smtClean="0"/>
+                <a:t> 2 </a:t>
+              </a:r>
+              <a:r>
+                <a:rPr lang="ko-KR" altLang="en-US" sz="1200" b="1" dirty="0" err="1" smtClean="0"/>
+                <a:t>사분면</a:t>
+              </a:r>
+              <a:endParaRPr lang="en-US" sz="1200" b="1" dirty="0"/>
+            </a:p>
+          </p:txBody>
+        </p:sp>
+        <p:sp>
+          <p:nvSpPr>
+            <p:cNvPr id="19" name="TextBox 18"/>
+            <p:cNvSpPr txBox="1"/>
+            <p:nvPr/>
+          </p:nvSpPr>
+          <p:spPr>
+            <a:xfrm>
+              <a:off x="3275856" y="3201943"/>
+              <a:ext cx="936104" cy="276999"/>
+            </a:xfrm>
+            <a:prstGeom prst="rect">
+              <a:avLst/>
+            </a:prstGeom>
+            <a:noFill/>
+          </p:spPr>
+          <p:txBody>
+            <a:bodyPr wrap="square" rtlCol="0">
+              <a:spAutoFit/>
+            </a:bodyPr>
+            <a:lstStyle/>
+            <a:p>
+              <a:pPr algn="r"/>
+              <a:r>
+                <a:rPr lang="en-US" sz="1200" b="1" dirty="0" smtClean="0"/>
+                <a:t> 1 </a:t>
+              </a:r>
+              <a:r>
+                <a:rPr lang="ko-KR" altLang="en-US" sz="1200" b="1" dirty="0" err="1" smtClean="0"/>
+                <a:t>사분면</a:t>
+              </a:r>
+              <a:endParaRPr lang="en-US" sz="1200" b="1" dirty="0"/>
+            </a:p>
+          </p:txBody>
+        </p:sp>
+        <p:sp>
+          <p:nvSpPr>
+            <p:cNvPr id="20" name="TextBox 19"/>
+            <p:cNvSpPr txBox="1"/>
+            <p:nvPr/>
+          </p:nvSpPr>
+          <p:spPr>
+            <a:xfrm>
+              <a:off x="4139952" y="2920644"/>
+              <a:ext cx="936104" cy="276999"/>
+            </a:xfrm>
+            <a:prstGeom prst="rect">
+              <a:avLst/>
+            </a:prstGeom>
+            <a:noFill/>
+          </p:spPr>
+          <p:txBody>
+            <a:bodyPr wrap="square" rtlCol="0">
+              <a:spAutoFit/>
+            </a:bodyPr>
+            <a:lstStyle/>
+            <a:p>
+              <a:r>
+                <a:rPr lang="en-US" sz="1200" b="1" dirty="0" smtClean="0"/>
+                <a:t> 3 </a:t>
+              </a:r>
+              <a:r>
+                <a:rPr lang="ko-KR" altLang="en-US" sz="1200" b="1" dirty="0" err="1" smtClean="0"/>
+                <a:t>사분면</a:t>
+              </a:r>
+              <a:endParaRPr lang="en-US" sz="1200" b="1" dirty="0"/>
+            </a:p>
+          </p:txBody>
+        </p:sp>
+        <p:sp>
+          <p:nvSpPr>
+            <p:cNvPr id="21" name="TextBox 20"/>
+            <p:cNvSpPr txBox="1"/>
+            <p:nvPr/>
+          </p:nvSpPr>
+          <p:spPr>
+            <a:xfrm>
+              <a:off x="4139952" y="3197643"/>
+              <a:ext cx="936104" cy="276999"/>
+            </a:xfrm>
+            <a:prstGeom prst="rect">
+              <a:avLst/>
+            </a:prstGeom>
+            <a:noFill/>
+          </p:spPr>
+          <p:txBody>
+            <a:bodyPr wrap="square" rtlCol="0">
+              <a:spAutoFit/>
+            </a:bodyPr>
+            <a:lstStyle/>
+            <a:p>
+              <a:r>
+                <a:rPr lang="en-US" sz="1200" b="1" dirty="0" smtClean="0"/>
+                <a:t> 4 </a:t>
+              </a:r>
+              <a:r>
+                <a:rPr lang="ko-KR" altLang="en-US" sz="1200" b="1" dirty="0" err="1" smtClean="0"/>
+                <a:t>사분면</a:t>
+              </a:r>
+              <a:endParaRPr lang="en-US" sz="1200" b="1" dirty="0"/>
+            </a:p>
+          </p:txBody>
+        </p:sp>
+        <p:sp>
+          <p:nvSpPr>
+            <p:cNvPr id="22" name="TextBox 21"/>
+            <p:cNvSpPr txBox="1"/>
+            <p:nvPr/>
+          </p:nvSpPr>
+          <p:spPr>
+            <a:xfrm>
+              <a:off x="4499992" y="1467941"/>
+              <a:ext cx="1944216" cy="1384995"/>
+            </a:xfrm>
+            <a:prstGeom prst="rect">
+              <a:avLst/>
+            </a:prstGeom>
+            <a:noFill/>
+          </p:spPr>
+          <p:txBody>
+            <a:bodyPr wrap="square" rtlCol="0">
+              <a:spAutoFit/>
+            </a:bodyPr>
+            <a:lstStyle/>
+            <a:p>
+              <a:pPr algn="ctr"/>
+              <a:endParaRPr lang="en-US" altLang="ko-KR" sz="1200" dirty="0" smtClean="0"/>
+            </a:p>
+            <a:p>
+              <a:pPr algn="ctr"/>
+              <a:r>
+                <a:rPr lang="ko-KR" altLang="en-US" sz="1200" smtClean="0"/>
+                <a:t>탐색적 </a:t>
+              </a:r>
+              <a:r>
+                <a:rPr lang="ko-KR" altLang="en-US" sz="1200" smtClean="0"/>
+                <a:t>테스트</a:t>
+              </a:r>
+              <a:endParaRPr lang="en-US" sz="1200" dirty="0" smtClean="0"/>
+            </a:p>
+            <a:p>
+              <a:pPr algn="ctr"/>
+              <a:r>
+                <a:rPr lang="ko-KR" altLang="en-US" sz="1200" dirty="0" smtClean="0"/>
+                <a:t>시나리오</a:t>
+              </a:r>
+              <a:endParaRPr lang="en-US" altLang="ko-KR" sz="1200" dirty="0" smtClean="0"/>
+            </a:p>
+            <a:p>
+              <a:pPr algn="ctr"/>
+              <a:r>
+                <a:rPr lang="ko-KR" altLang="en-US" sz="1200" dirty="0" err="1" smtClean="0"/>
+                <a:t>사용성</a:t>
+              </a:r>
+              <a:r>
+                <a:rPr lang="ko-KR" altLang="en-US" sz="1200" dirty="0" smtClean="0"/>
+                <a:t> 테스트</a:t>
+              </a:r>
+              <a:endParaRPr lang="en-US" sz="1200" dirty="0" smtClean="0"/>
+            </a:p>
+            <a:p>
+              <a:pPr algn="ctr"/>
+              <a:r>
+                <a:rPr lang="ko-KR" altLang="en-US" sz="1200" dirty="0" smtClean="0"/>
+                <a:t>사용자 </a:t>
+              </a:r>
+              <a:r>
+                <a:rPr lang="ko-KR" altLang="en-US" sz="1200" smtClean="0"/>
+                <a:t>인수 </a:t>
+              </a:r>
+              <a:r>
+                <a:rPr lang="ko-KR" altLang="en-US" sz="1200" smtClean="0"/>
+                <a:t>테스트</a:t>
+              </a:r>
+              <a:r>
+                <a:rPr lang="en-US" altLang="ko-KR" sz="1200" smtClean="0"/>
+                <a:t>(UAT</a:t>
+              </a:r>
+              <a:endParaRPr lang="en-US" altLang="ko-KR" sz="1200" dirty="0" smtClean="0"/>
+            </a:p>
+            <a:p>
+              <a:pPr algn="ctr"/>
+              <a:r>
+                <a:rPr lang="ko-KR" altLang="en-US" sz="1200" dirty="0" smtClean="0"/>
+                <a:t>알파 </a:t>
+              </a:r>
+              <a:r>
+                <a:rPr lang="en-US" altLang="ko-KR" sz="1200" dirty="0" smtClean="0"/>
+                <a:t>/ </a:t>
+              </a:r>
+              <a:r>
+                <a:rPr lang="ko-KR" altLang="en-US" sz="1200" dirty="0" smtClean="0"/>
+                <a:t>베타</a:t>
+              </a:r>
+              <a:endParaRPr lang="en-US" altLang="ko-KR" sz="1200" dirty="0" smtClean="0"/>
+            </a:p>
+            <a:p>
+              <a:pPr algn="ctr"/>
+              <a:endParaRPr lang="en-US" sz="1200" dirty="0"/>
+            </a:p>
+          </p:txBody>
+        </p:sp>
+        <p:sp>
+          <p:nvSpPr>
+            <p:cNvPr id="23" name="TextBox 22"/>
+            <p:cNvSpPr txBox="1"/>
+            <p:nvPr/>
+          </p:nvSpPr>
+          <p:spPr>
+            <a:xfrm>
+              <a:off x="2357754" y="4055876"/>
+              <a:ext cx="1296144" cy="461665"/>
+            </a:xfrm>
+            <a:prstGeom prst="rect">
+              <a:avLst/>
+            </a:prstGeom>
+            <a:noFill/>
+          </p:spPr>
+          <p:txBody>
+            <a:bodyPr wrap="square" rtlCol="0">
+              <a:spAutoFit/>
+            </a:bodyPr>
+            <a:lstStyle/>
+            <a:p>
+              <a:pPr algn="ctr"/>
+              <a:r>
+                <a:rPr lang="ko-KR" altLang="en-US" sz="1200" dirty="0" smtClean="0"/>
+                <a:t>단위 테스트</a:t>
+              </a:r>
+              <a:endParaRPr lang="en-US" altLang="ko-KR" sz="1200" dirty="0" smtClean="0"/>
+            </a:p>
+            <a:p>
+              <a:pPr algn="ctr"/>
+              <a:r>
+                <a:rPr lang="ko-KR" altLang="en-US" sz="1200" dirty="0" smtClean="0"/>
+                <a:t>컴포넌트 테스트</a:t>
+              </a:r>
+              <a:endParaRPr lang="en-US" sz="1200" dirty="0"/>
+            </a:p>
+          </p:txBody>
+        </p:sp>
+        <p:sp>
+          <p:nvSpPr>
+            <p:cNvPr id="24" name="TextBox 23"/>
+            <p:cNvSpPr txBox="1"/>
+            <p:nvPr/>
+          </p:nvSpPr>
+          <p:spPr>
+            <a:xfrm>
+              <a:off x="4644008" y="3963542"/>
+              <a:ext cx="1548172" cy="646331"/>
+            </a:xfrm>
+            <a:prstGeom prst="rect">
+              <a:avLst/>
+            </a:prstGeom>
+            <a:noFill/>
+          </p:spPr>
+          <p:txBody>
+            <a:bodyPr wrap="square" rtlCol="0">
+              <a:spAutoFit/>
+            </a:bodyPr>
+            <a:lstStyle/>
+            <a:p>
+              <a:pPr algn="ctr"/>
+              <a:r>
+                <a:rPr lang="ko-KR" altLang="en-US" sz="1200" dirty="0" smtClean="0"/>
+                <a:t>성능 </a:t>
+              </a:r>
+              <a:r>
+                <a:rPr lang="en-US" altLang="ko-KR" sz="1200" dirty="0" smtClean="0"/>
+                <a:t>&amp; </a:t>
+              </a:r>
+              <a:r>
+                <a:rPr lang="ko-KR" altLang="en-US" sz="1200" smtClean="0"/>
+                <a:t>부하 </a:t>
+              </a:r>
+              <a:r>
+                <a:rPr lang="ko-KR" altLang="en-US" sz="1200" smtClean="0"/>
+                <a:t>테스트 </a:t>
+              </a:r>
+              <a:endParaRPr lang="en-US" sz="1200" dirty="0" smtClean="0"/>
+            </a:p>
+            <a:p>
+              <a:pPr algn="ctr"/>
+              <a:r>
+                <a:rPr lang="ko-KR" altLang="en-US" sz="1200" smtClean="0"/>
+                <a:t>보안성 테스트</a:t>
+              </a:r>
+              <a:endParaRPr lang="en-US" altLang="ko-KR" sz="1200" dirty="0" smtClean="0"/>
+            </a:p>
+            <a:p>
+              <a:pPr algn="ctr"/>
+              <a:r>
+                <a:rPr lang="en-US" sz="1200" dirty="0" smtClean="0"/>
+                <a:t>“~</a:t>
+              </a:r>
+              <a:r>
+                <a:rPr lang="ko-KR" altLang="en-US" sz="1200" dirty="0" smtClean="0"/>
+                <a:t>성</a:t>
+              </a:r>
+              <a:r>
+                <a:rPr lang="en-US" altLang="ko-KR" sz="1200" dirty="0" smtClean="0"/>
+                <a:t>” </a:t>
+              </a:r>
+              <a:r>
+                <a:rPr lang="ko-KR" altLang="en-US" sz="1200" dirty="0" err="1" smtClean="0"/>
+                <a:t>테스팅</a:t>
+              </a:r>
+              <a:endParaRPr lang="en-US" sz="1200" dirty="0"/>
+            </a:p>
+          </p:txBody>
+        </p:sp>
+        <p:sp>
+          <p:nvSpPr>
+            <p:cNvPr id="26" name="TextBox 25"/>
+            <p:cNvSpPr txBox="1"/>
+            <p:nvPr/>
+          </p:nvSpPr>
+          <p:spPr>
+            <a:xfrm>
+              <a:off x="2773353" y="715666"/>
+              <a:ext cx="2808312" cy="373074"/>
+            </a:xfrm>
+            <a:prstGeom prst="rect">
+              <a:avLst/>
+            </a:prstGeom>
+            <a:noFill/>
+          </p:spPr>
+          <p:txBody>
+            <a:bodyPr wrap="square" rtlCol="0">
+              <a:spAutoFit/>
+            </a:bodyPr>
+            <a:lstStyle/>
+            <a:p>
+              <a:pPr algn="ctr"/>
+              <a:r>
+                <a:rPr lang="ko-KR" altLang="en-US" smtClean="0"/>
+                <a:t>비즈니스 </a:t>
+              </a:r>
+              <a:r>
+                <a:rPr lang="ko-KR" altLang="en-US" smtClean="0"/>
+                <a:t>대면</a:t>
+              </a:r>
+              <a:endParaRPr lang="en-US" dirty="0"/>
+            </a:p>
+          </p:txBody>
+        </p:sp>
+        <p:sp>
+          <p:nvSpPr>
+            <p:cNvPr id="27" name="TextBox 26"/>
+            <p:cNvSpPr txBox="1"/>
+            <p:nvPr/>
+          </p:nvSpPr>
+          <p:spPr>
+            <a:xfrm>
+              <a:off x="3041830" y="5346504"/>
+              <a:ext cx="2376264" cy="369332"/>
+            </a:xfrm>
+            <a:prstGeom prst="rect">
+              <a:avLst/>
+            </a:prstGeom>
+            <a:noFill/>
+          </p:spPr>
+          <p:txBody>
+            <a:bodyPr wrap="square" rtlCol="0">
+              <a:spAutoFit/>
+            </a:bodyPr>
+            <a:lstStyle/>
+            <a:p>
+              <a:pPr algn="ctr"/>
+              <a:r>
+                <a:rPr lang="ko-KR" altLang="en-US" smtClean="0"/>
+                <a:t>기술 </a:t>
+              </a:r>
+              <a:r>
+                <a:rPr lang="ko-KR" altLang="en-US" smtClean="0"/>
+                <a:t>대</a:t>
+              </a:r>
+              <a:r>
+                <a:rPr lang="ko-KR" altLang="en-US"/>
+                <a:t>면</a:t>
+              </a:r>
+              <a:endParaRPr lang="en-US" dirty="0"/>
+            </a:p>
+          </p:txBody>
+        </p:sp>
+        <p:sp>
+          <p:nvSpPr>
+            <p:cNvPr id="28" name="TextBox 27"/>
+            <p:cNvSpPr txBox="1"/>
+            <p:nvPr/>
+          </p:nvSpPr>
+          <p:spPr>
+            <a:xfrm rot="5400000">
+              <a:off x="5746776" y="3012977"/>
+              <a:ext cx="2124236" cy="369332"/>
+            </a:xfrm>
+            <a:prstGeom prst="rect">
+              <a:avLst/>
+            </a:prstGeom>
+            <a:noFill/>
+          </p:spPr>
+          <p:txBody>
+            <a:bodyPr wrap="square" rtlCol="0">
+              <a:spAutoFit/>
+            </a:bodyPr>
+            <a:lstStyle/>
+            <a:p>
+              <a:pPr algn="ctr"/>
+              <a:r>
+                <a:rPr lang="ko-KR" altLang="en-US" dirty="0" smtClean="0"/>
+                <a:t>제품 평가 </a:t>
+              </a:r>
+              <a:endParaRPr lang="en-US" dirty="0"/>
+            </a:p>
+          </p:txBody>
+        </p:sp>
+        <p:sp>
+          <p:nvSpPr>
+            <p:cNvPr id="29" name="TextBox 28"/>
+            <p:cNvSpPr txBox="1"/>
+            <p:nvPr/>
+          </p:nvSpPr>
+          <p:spPr>
+            <a:xfrm rot="16200000">
+              <a:off x="453578" y="3028310"/>
+              <a:ext cx="2304256" cy="369332"/>
+            </a:xfrm>
+            <a:prstGeom prst="rect">
+              <a:avLst/>
+            </a:prstGeom>
+            <a:noFill/>
+          </p:spPr>
+          <p:txBody>
+            <a:bodyPr wrap="square" rtlCol="0">
+              <a:spAutoFit/>
+            </a:bodyPr>
+            <a:lstStyle/>
+            <a:p>
+              <a:pPr algn="ctr"/>
+              <a:r>
+                <a:rPr lang="ko-KR" altLang="en-US" smtClean="0"/>
+                <a:t>팀 지원</a:t>
+              </a:r>
+              <a:endParaRPr lang="en-US" dirty="0"/>
+            </a:p>
+          </p:txBody>
+        </p:sp>
+      </p:grpSp>
     </p:spTree>
     <p:extLst>
       <p:ext uri="{BB962C8B-B14F-4D97-AF65-F5344CB8AC3E}">
@@ -12471,633 +12490,680 @@
           <a:chExt cx="0" cy="0"/>
         </a:xfrm>
       </p:grpSpPr>
-      <p:sp>
-        <p:nvSpPr>
-          <p:cNvPr id="4" name="위쪽 화살표 3"/>
-          <p:cNvSpPr/>
+      <p:grpSp>
+        <p:nvGrpSpPr>
+          <p:cNvPr id="2" name="Group 1"/>
+          <p:cNvGrpSpPr/>
           <p:nvPr/>
-        </p:nvSpPr>
-        <p:spPr>
+        </p:nvGrpSpPr>
+        <p:grpSpPr>
           <a:xfrm>
             <a:off x="1115616" y="1124744"/>
-            <a:ext cx="936104" cy="2952328"/>
+            <a:ext cx="7632848" cy="4078034"/>
+            <a:chOff x="1115616" y="1124744"/>
+            <a:chExt cx="7632848" cy="4078034"/>
           </a:xfrm>
-          <a:prstGeom prst="upArrow">
-            <a:avLst/>
-          </a:prstGeom>
-        </p:spPr>
-        <p:style>
-          <a:lnRef idx="2">
-            <a:schemeClr val="accent3">
-              <a:shade val="50000"/>
-            </a:schemeClr>
-          </a:lnRef>
-          <a:fillRef idx="1">
-            <a:schemeClr val="accent3"/>
-          </a:fillRef>
-          <a:effectRef idx="0">
-            <a:schemeClr val="accent3"/>
-          </a:effectRef>
-          <a:fontRef idx="minor">
-            <a:schemeClr val="lt1"/>
-          </a:fontRef>
-        </p:style>
-        <p:txBody>
-          <a:bodyPr rtlCol="0" anchor="ctr"/>
-          <a:lstStyle/>
-          <a:p>
-            <a:pPr algn="ctr"/>
-            <a:endParaRPr lang="en-US"/>
-          </a:p>
-        </p:txBody>
-      </p:sp>
-      <p:sp>
-        <p:nvSpPr>
-          <p:cNvPr id="5" name="위쪽 화살표 4"/>
-          <p:cNvSpPr/>
-          <p:nvPr/>
-        </p:nvSpPr>
-        <p:spPr>
-          <a:xfrm rot="10800000">
-            <a:off x="4716016" y="1124744"/>
-            <a:ext cx="936104" cy="2952328"/>
-          </a:xfrm>
-          <a:prstGeom prst="upArrow">
-            <a:avLst/>
-          </a:prstGeom>
-        </p:spPr>
-        <p:style>
-          <a:lnRef idx="2">
-            <a:schemeClr val="accent3">
-              <a:shade val="50000"/>
-            </a:schemeClr>
-          </a:lnRef>
-          <a:fillRef idx="1">
-            <a:schemeClr val="accent3"/>
-          </a:fillRef>
-          <a:effectRef idx="0">
-            <a:schemeClr val="accent3"/>
-          </a:effectRef>
-          <a:fontRef idx="minor">
-            <a:schemeClr val="lt1"/>
-          </a:fontRef>
-        </p:style>
-        <p:txBody>
-          <a:bodyPr rtlCol="0" anchor="ctr"/>
-          <a:lstStyle/>
-          <a:p>
-            <a:pPr algn="ctr"/>
-            <a:endParaRPr lang="en-US"/>
-          </a:p>
-        </p:txBody>
-      </p:sp>
-      <p:sp>
-        <p:nvSpPr>
-          <p:cNvPr id="6" name="TextBox 5"/>
-          <p:cNvSpPr txBox="1"/>
-          <p:nvPr/>
-        </p:nvSpPr>
-        <p:spPr>
-          <a:xfrm rot="16200000">
-            <a:off x="642918" y="2416241"/>
-            <a:ext cx="1872207" cy="369332"/>
-          </a:xfrm>
-          <a:prstGeom prst="rect">
-            <a:avLst/>
-          </a:prstGeom>
-          <a:noFill/>
-        </p:spPr>
-        <p:txBody>
-          <a:bodyPr wrap="square" rtlCol="0">
-            <a:spAutoFit/>
-          </a:bodyPr>
-          <a:lstStyle/>
-          <a:p>
-            <a:pPr algn="ctr"/>
-            <a:r>
-              <a:rPr lang="ko-KR" altLang="en-US" dirty="0" smtClean="0"/>
-              <a:t>비</a:t>
-            </a:r>
-            <a:r>
-              <a:rPr lang="ko-KR" altLang="en-US" dirty="0"/>
-              <a:t>용</a:t>
-            </a:r>
-            <a:endParaRPr lang="en-US" dirty="0"/>
-          </a:p>
-        </p:txBody>
-      </p:sp>
-      <p:sp>
-        <p:nvSpPr>
-          <p:cNvPr id="7" name="TextBox 6"/>
-          <p:cNvSpPr txBox="1"/>
-          <p:nvPr/>
-        </p:nvSpPr>
-        <p:spPr>
-          <a:xfrm rot="5400000">
-            <a:off x="4175955" y="2416241"/>
-            <a:ext cx="2016224" cy="369332"/>
-          </a:xfrm>
-          <a:prstGeom prst="rect">
-            <a:avLst/>
-          </a:prstGeom>
-          <a:noFill/>
-        </p:spPr>
-        <p:txBody>
-          <a:bodyPr wrap="square" rtlCol="0">
-            <a:spAutoFit/>
-          </a:bodyPr>
-          <a:lstStyle/>
-          <a:p>
-            <a:r>
-              <a:rPr lang="ko-KR" altLang="en-US" dirty="0" smtClean="0"/>
-              <a:t>테스트 경우 개수</a:t>
-            </a:r>
-            <a:endParaRPr lang="en-US" dirty="0"/>
-          </a:p>
-        </p:txBody>
-      </p:sp>
-      <p:sp>
-        <p:nvSpPr>
-          <p:cNvPr id="8" name="이등변 삼각형 7"/>
-          <p:cNvSpPr/>
-          <p:nvPr/>
-        </p:nvSpPr>
-        <p:spPr>
-          <a:xfrm>
-            <a:off x="2915816" y="1628800"/>
-            <a:ext cx="1008112" cy="792088"/>
-          </a:xfrm>
-          <a:prstGeom prst="triangle">
-            <a:avLst>
-              <a:gd name="adj" fmla="val 48605"/>
-            </a:avLst>
-          </a:prstGeom>
-          <a:ln>
+        </p:grpSpPr>
+        <p:sp>
+          <p:nvSpPr>
+            <p:cNvPr id="4" name="위쪽 화살표 3"/>
+            <p:cNvSpPr/>
+            <p:nvPr/>
+          </p:nvSpPr>
+          <p:spPr>
+            <a:xfrm>
+              <a:off x="1115616" y="1124744"/>
+              <a:ext cx="936104" cy="2952328"/>
+            </a:xfrm>
+            <a:prstGeom prst="upArrow">
+              <a:avLst/>
+            </a:prstGeom>
+          </p:spPr>
+          <p:style>
+            <a:lnRef idx="2">
+              <a:schemeClr val="accent3">
+                <a:shade val="50000"/>
+              </a:schemeClr>
+            </a:lnRef>
+            <a:fillRef idx="1">
+              <a:schemeClr val="accent3"/>
+            </a:fillRef>
+            <a:effectRef idx="0">
+              <a:schemeClr val="accent3"/>
+            </a:effectRef>
+            <a:fontRef idx="minor">
+              <a:schemeClr val="lt1"/>
+            </a:fontRef>
+          </p:style>
+          <p:txBody>
+            <a:bodyPr rtlCol="0" anchor="ctr"/>
+            <a:lstStyle/>
+            <a:p>
+              <a:pPr algn="ctr"/>
+              <a:endParaRPr lang="en-US"/>
+            </a:p>
+          </p:txBody>
+        </p:sp>
+        <p:sp>
+          <p:nvSpPr>
+            <p:cNvPr id="5" name="위쪽 화살표 4"/>
+            <p:cNvSpPr/>
+            <p:nvPr/>
+          </p:nvSpPr>
+          <p:spPr>
+            <a:xfrm rot="10800000">
+              <a:off x="4716016" y="1124744"/>
+              <a:ext cx="936104" cy="2952328"/>
+            </a:xfrm>
+            <a:prstGeom prst="upArrow">
+              <a:avLst/>
+            </a:prstGeom>
+          </p:spPr>
+          <p:style>
+            <a:lnRef idx="2">
+              <a:schemeClr val="accent3">
+                <a:shade val="50000"/>
+              </a:schemeClr>
+            </a:lnRef>
+            <a:fillRef idx="1">
+              <a:schemeClr val="accent3"/>
+            </a:fillRef>
+            <a:effectRef idx="0">
+              <a:schemeClr val="accent3"/>
+            </a:effectRef>
+            <a:fontRef idx="minor">
+              <a:schemeClr val="lt1"/>
+            </a:fontRef>
+          </p:style>
+          <p:txBody>
+            <a:bodyPr rtlCol="0" anchor="ctr"/>
+            <a:lstStyle/>
+            <a:p>
+              <a:pPr algn="ctr"/>
+              <a:endParaRPr lang="en-US"/>
+            </a:p>
+          </p:txBody>
+        </p:sp>
+        <p:sp>
+          <p:nvSpPr>
+            <p:cNvPr id="6" name="TextBox 5"/>
+            <p:cNvSpPr txBox="1"/>
+            <p:nvPr/>
+          </p:nvSpPr>
+          <p:spPr>
+            <a:xfrm rot="16200000">
+              <a:off x="642918" y="2416241"/>
+              <a:ext cx="1872207" cy="369332"/>
+            </a:xfrm>
+            <a:prstGeom prst="rect">
+              <a:avLst/>
+            </a:prstGeom>
             <a:noFill/>
-          </a:ln>
-        </p:spPr>
-        <p:style>
-          <a:lnRef idx="2">
-            <a:schemeClr val="accent6">
-              <a:shade val="50000"/>
-            </a:schemeClr>
-          </a:lnRef>
-          <a:fillRef idx="1">
-            <a:schemeClr val="accent6"/>
-          </a:fillRef>
-          <a:effectRef idx="0">
-            <a:schemeClr val="accent6"/>
-          </a:effectRef>
-          <a:fontRef idx="minor">
-            <a:schemeClr val="lt1"/>
-          </a:fontRef>
-        </p:style>
-        <p:txBody>
-          <a:bodyPr rtlCol="0" anchor="ctr"/>
-          <a:lstStyle/>
-          <a:p>
-            <a:pPr algn="ctr"/>
-            <a:endParaRPr lang="en-US"/>
-          </a:p>
-        </p:txBody>
-      </p:sp>
-      <p:sp>
-        <p:nvSpPr>
-          <p:cNvPr id="9" name="사다리꼴 8"/>
-          <p:cNvSpPr/>
-          <p:nvPr/>
-        </p:nvSpPr>
-        <p:spPr>
-          <a:xfrm>
-            <a:off x="2465766" y="2456892"/>
-            <a:ext cx="1908212" cy="792088"/>
-          </a:xfrm>
-          <a:prstGeom prst="trapezoid">
-            <a:avLst>
-              <a:gd name="adj" fmla="val 58237"/>
-            </a:avLst>
-          </a:prstGeom>
-          <a:solidFill>
-            <a:srgbClr val="00B050"/>
-          </a:solidFill>
-          <a:ln>
+          </p:spPr>
+          <p:txBody>
+            <a:bodyPr wrap="square" rtlCol="0">
+              <a:spAutoFit/>
+            </a:bodyPr>
+            <a:lstStyle/>
+            <a:p>
+              <a:pPr algn="ctr"/>
+              <a:r>
+                <a:rPr lang="ko-KR" altLang="en-US" dirty="0" smtClean="0"/>
+                <a:t>비</a:t>
+              </a:r>
+              <a:r>
+                <a:rPr lang="ko-KR" altLang="en-US" dirty="0"/>
+                <a:t>용</a:t>
+              </a:r>
+              <a:endParaRPr lang="en-US" dirty="0"/>
+            </a:p>
+          </p:txBody>
+        </p:sp>
+        <p:sp>
+          <p:nvSpPr>
+            <p:cNvPr id="7" name="TextBox 6"/>
+            <p:cNvSpPr txBox="1"/>
+            <p:nvPr/>
+          </p:nvSpPr>
+          <p:spPr>
+            <a:xfrm rot="5400000">
+              <a:off x="4175955" y="2416241"/>
+              <a:ext cx="2016224" cy="369332"/>
+            </a:xfrm>
+            <a:prstGeom prst="rect">
+              <a:avLst/>
+            </a:prstGeom>
             <a:noFill/>
-          </a:ln>
-        </p:spPr>
-        <p:style>
-          <a:lnRef idx="2">
-            <a:schemeClr val="accent1">
-              <a:shade val="50000"/>
-            </a:schemeClr>
-          </a:lnRef>
-          <a:fillRef idx="1">
-            <a:schemeClr val="accent1"/>
-          </a:fillRef>
-          <a:effectRef idx="0">
-            <a:schemeClr val="accent1"/>
-          </a:effectRef>
-          <a:fontRef idx="minor">
-            <a:schemeClr val="lt1"/>
-          </a:fontRef>
-        </p:style>
-        <p:txBody>
-          <a:bodyPr rtlCol="0" anchor="ctr"/>
-          <a:lstStyle/>
-          <a:p>
-            <a:pPr algn="ctr"/>
-            <a:endParaRPr lang="en-US"/>
-          </a:p>
-        </p:txBody>
-      </p:sp>
-      <p:sp>
-        <p:nvSpPr>
-          <p:cNvPr id="10" name="사다리꼴 9"/>
-          <p:cNvSpPr/>
-          <p:nvPr/>
-        </p:nvSpPr>
-        <p:spPr>
-          <a:xfrm>
-            <a:off x="1979712" y="3284984"/>
-            <a:ext cx="2880320" cy="792088"/>
-          </a:xfrm>
-          <a:prstGeom prst="trapezoid">
-            <a:avLst>
-              <a:gd name="adj" fmla="val 60013"/>
-            </a:avLst>
-          </a:prstGeom>
-          <a:solidFill>
-            <a:schemeClr val="accent5">
-              <a:lumMod val="75000"/>
-            </a:schemeClr>
-          </a:solidFill>
-          <a:ln>
+          </p:spPr>
+          <p:txBody>
+            <a:bodyPr wrap="square" rtlCol="0">
+              <a:spAutoFit/>
+            </a:bodyPr>
+            <a:lstStyle/>
+            <a:p>
+              <a:r>
+                <a:rPr lang="ko-KR" altLang="en-US" smtClean="0"/>
+                <a:t>테스트 </a:t>
+              </a:r>
+              <a:r>
+                <a:rPr lang="ko-KR" altLang="en-US" smtClean="0"/>
+                <a:t>케이</a:t>
+              </a:r>
+              <a:r>
+                <a:rPr lang="ko-KR" altLang="en-US"/>
+                <a:t>스</a:t>
+              </a:r>
+              <a:r>
+                <a:rPr lang="ko-KR" altLang="en-US" smtClean="0"/>
+                <a:t> 수</a:t>
+              </a:r>
+              <a:endParaRPr lang="en-US" dirty="0"/>
+            </a:p>
+          </p:txBody>
+        </p:sp>
+        <p:sp>
+          <p:nvSpPr>
+            <p:cNvPr id="8" name="이등변 삼각형 7"/>
+            <p:cNvSpPr/>
+            <p:nvPr/>
+          </p:nvSpPr>
+          <p:spPr>
+            <a:xfrm>
+              <a:off x="2915816" y="1628800"/>
+              <a:ext cx="1008112" cy="792088"/>
+            </a:xfrm>
+            <a:prstGeom prst="triangle">
+              <a:avLst>
+                <a:gd name="adj" fmla="val 48605"/>
+              </a:avLst>
+            </a:prstGeom>
+            <a:ln>
+              <a:noFill/>
+            </a:ln>
+          </p:spPr>
+          <p:style>
+            <a:lnRef idx="2">
+              <a:schemeClr val="accent6">
+                <a:shade val="50000"/>
+              </a:schemeClr>
+            </a:lnRef>
+            <a:fillRef idx="1">
+              <a:schemeClr val="accent6"/>
+            </a:fillRef>
+            <a:effectRef idx="0">
+              <a:schemeClr val="accent6"/>
+            </a:effectRef>
+            <a:fontRef idx="minor">
+              <a:schemeClr val="lt1"/>
+            </a:fontRef>
+          </p:style>
+          <p:txBody>
+            <a:bodyPr rtlCol="0" anchor="ctr"/>
+            <a:lstStyle/>
+            <a:p>
+              <a:pPr algn="ctr"/>
+              <a:endParaRPr lang="en-US"/>
+            </a:p>
+          </p:txBody>
+        </p:sp>
+        <p:sp>
+          <p:nvSpPr>
+            <p:cNvPr id="9" name="사다리꼴 8"/>
+            <p:cNvSpPr/>
+            <p:nvPr/>
+          </p:nvSpPr>
+          <p:spPr>
+            <a:xfrm>
+              <a:off x="2465766" y="2456892"/>
+              <a:ext cx="1908212" cy="792088"/>
+            </a:xfrm>
+            <a:prstGeom prst="trapezoid">
+              <a:avLst>
+                <a:gd name="adj" fmla="val 58237"/>
+              </a:avLst>
+            </a:prstGeom>
             <a:solidFill>
-              <a:schemeClr val="bg1"/>
+              <a:srgbClr val="00B050"/>
             </a:solidFill>
-          </a:ln>
-        </p:spPr>
-        <p:style>
-          <a:lnRef idx="2">
-            <a:schemeClr val="accent5">
-              <a:shade val="50000"/>
-            </a:schemeClr>
-          </a:lnRef>
-          <a:fillRef idx="1">
-            <a:schemeClr val="accent5"/>
-          </a:fillRef>
-          <a:effectRef idx="0">
-            <a:schemeClr val="accent5"/>
-          </a:effectRef>
-          <a:fontRef idx="minor">
-            <a:schemeClr val="lt1"/>
-          </a:fontRef>
-        </p:style>
-        <p:txBody>
-          <a:bodyPr rtlCol="0" anchor="ctr"/>
-          <a:lstStyle/>
-          <a:p>
-            <a:pPr algn="ctr"/>
-            <a:endParaRPr lang="en-US"/>
-          </a:p>
-        </p:txBody>
-      </p:sp>
-      <p:sp>
-        <p:nvSpPr>
-          <p:cNvPr id="11" name="TextBox 10"/>
-          <p:cNvSpPr txBox="1"/>
-          <p:nvPr/>
-        </p:nvSpPr>
-        <p:spPr>
-          <a:xfrm>
-            <a:off x="3131840" y="2024844"/>
-            <a:ext cx="576064" cy="369332"/>
-          </a:xfrm>
-          <a:prstGeom prst="rect">
-            <a:avLst/>
-          </a:prstGeom>
-          <a:noFill/>
-        </p:spPr>
-        <p:txBody>
-          <a:bodyPr wrap="square" rtlCol="0">
-            <a:spAutoFit/>
-          </a:bodyPr>
-          <a:lstStyle/>
-          <a:p>
-            <a:pPr algn="ctr"/>
-            <a:r>
-              <a:rPr lang="en-US" dirty="0" smtClean="0"/>
-              <a:t>UI</a:t>
-            </a:r>
-            <a:endParaRPr lang="en-US" dirty="0"/>
-          </a:p>
-        </p:txBody>
-      </p:sp>
-      <p:sp>
-        <p:nvSpPr>
-          <p:cNvPr id="12" name="TextBox 11"/>
-          <p:cNvSpPr txBox="1"/>
-          <p:nvPr/>
-        </p:nvSpPr>
-        <p:spPr>
-          <a:xfrm>
-            <a:off x="2915816" y="2699628"/>
-            <a:ext cx="1008112" cy="369332"/>
-          </a:xfrm>
-          <a:prstGeom prst="rect">
-            <a:avLst/>
-          </a:prstGeom>
-          <a:noFill/>
-        </p:spPr>
-        <p:txBody>
-          <a:bodyPr wrap="square" rtlCol="0">
-            <a:spAutoFit/>
-          </a:bodyPr>
-          <a:lstStyle/>
-          <a:p>
-            <a:pPr algn="ctr"/>
-            <a:r>
-              <a:rPr lang="ko-KR" altLang="en-US" dirty="0" smtClean="0"/>
-              <a:t>서비</a:t>
-            </a:r>
-            <a:r>
-              <a:rPr lang="ko-KR" altLang="en-US" dirty="0"/>
-              <a:t>스</a:t>
-            </a:r>
-            <a:endParaRPr lang="en-US" dirty="0"/>
-          </a:p>
-        </p:txBody>
-      </p:sp>
-      <p:sp>
-        <p:nvSpPr>
-          <p:cNvPr id="14" name="TextBox 13"/>
-          <p:cNvSpPr txBox="1"/>
-          <p:nvPr/>
-        </p:nvSpPr>
-        <p:spPr>
-          <a:xfrm>
-            <a:off x="2465766" y="3429000"/>
-            <a:ext cx="1908212" cy="369332"/>
-          </a:xfrm>
-          <a:prstGeom prst="rect">
-            <a:avLst/>
-          </a:prstGeom>
-          <a:noFill/>
-        </p:spPr>
-        <p:txBody>
-          <a:bodyPr wrap="square" rtlCol="0">
-            <a:spAutoFit/>
-          </a:bodyPr>
-          <a:lstStyle/>
-          <a:p>
-            <a:pPr algn="ctr"/>
-            <a:r>
-              <a:rPr lang="ko-KR" altLang="en-US" dirty="0" smtClean="0"/>
-              <a:t>단위</a:t>
-            </a:r>
-            <a:endParaRPr lang="en-US" dirty="0"/>
-          </a:p>
-        </p:txBody>
-      </p:sp>
-      <p:sp>
-        <p:nvSpPr>
-          <p:cNvPr id="15" name="TextBox 14"/>
-          <p:cNvSpPr txBox="1"/>
-          <p:nvPr/>
-        </p:nvSpPr>
-        <p:spPr>
-          <a:xfrm>
-            <a:off x="5868144" y="1124744"/>
-            <a:ext cx="3024336" cy="830997"/>
-          </a:xfrm>
-          <a:prstGeom prst="rect">
-            <a:avLst/>
-          </a:prstGeom>
-        </p:spPr>
-        <p:style>
-          <a:lnRef idx="1">
-            <a:schemeClr val="accent6"/>
-          </a:lnRef>
-          <a:fillRef idx="2">
-            <a:schemeClr val="accent6"/>
-          </a:fillRef>
-          <a:effectRef idx="1">
-            <a:schemeClr val="accent6"/>
-          </a:effectRef>
-          <a:fontRef idx="minor">
-            <a:schemeClr val="dk1"/>
-          </a:fontRef>
-        </p:style>
-        <p:txBody>
-          <a:bodyPr wrap="square" rtlCol="0">
-            <a:spAutoFit/>
-          </a:bodyPr>
-          <a:lstStyle/>
-          <a:p>
-            <a:r>
-              <a:rPr lang="en-US" sz="1600" dirty="0" smtClean="0"/>
-              <a:t>UI </a:t>
-            </a:r>
-            <a:r>
-              <a:rPr lang="ko-KR" altLang="en-US" sz="1600" dirty="0" smtClean="0"/>
-              <a:t>테스트들은 불확실하고 </a:t>
-            </a:r>
-            <a:r>
-              <a:rPr lang="en-US" altLang="ko-KR" sz="1600" dirty="0" smtClean="0"/>
-              <a:t>UI</a:t>
-            </a:r>
-            <a:r>
-              <a:rPr lang="ko-KR" altLang="en-US" sz="1600" dirty="0" smtClean="0"/>
-              <a:t>가 스크립트를 쓰던지 혹은 </a:t>
-            </a:r>
-            <a:r>
-              <a:rPr lang="ko-KR" altLang="en-US" sz="1600" dirty="0" err="1" smtClean="0"/>
-              <a:t>캡쳐</a:t>
-            </a:r>
-            <a:r>
-              <a:rPr lang="en-US" altLang="ko-KR" sz="1600" dirty="0" smtClean="0"/>
-              <a:t>-</a:t>
-            </a:r>
-            <a:r>
-              <a:rPr lang="ko-KR" altLang="en-US" sz="1600" dirty="0" err="1" smtClean="0"/>
-              <a:t>리플레이</a:t>
-            </a:r>
-            <a:r>
-              <a:rPr lang="ko-KR" altLang="en-US" sz="1600" dirty="0" smtClean="0"/>
-              <a:t> 통해서 진행됩니다</a:t>
-            </a:r>
-            <a:endParaRPr lang="en-US" sz="1600" dirty="0"/>
-          </a:p>
-        </p:txBody>
-      </p:sp>
-      <p:sp>
-        <p:nvSpPr>
-          <p:cNvPr id="16" name="TextBox 15"/>
-          <p:cNvSpPr txBox="1"/>
-          <p:nvPr/>
-        </p:nvSpPr>
-        <p:spPr>
-          <a:xfrm>
-            <a:off x="5868144" y="2132856"/>
-            <a:ext cx="3024336" cy="830997"/>
-          </a:xfrm>
-          <a:prstGeom prst="rect">
-            <a:avLst/>
-          </a:prstGeom>
-        </p:spPr>
-        <p:style>
-          <a:lnRef idx="1">
-            <a:schemeClr val="accent6"/>
-          </a:lnRef>
-          <a:fillRef idx="2">
-            <a:schemeClr val="accent6"/>
-          </a:fillRef>
-          <a:effectRef idx="1">
-            <a:schemeClr val="accent6"/>
-          </a:effectRef>
-          <a:fontRef idx="minor">
-            <a:schemeClr val="dk1"/>
-          </a:fontRef>
-        </p:style>
-        <p:txBody>
-          <a:bodyPr wrap="square" rtlCol="0">
-            <a:spAutoFit/>
-          </a:bodyPr>
-          <a:lstStyle/>
-          <a:p>
-            <a:r>
-              <a:rPr lang="ko-KR" altLang="en-US" sz="1600" dirty="0" smtClean="0"/>
-              <a:t>서비스 테스트들은 업무 용어와 </a:t>
-            </a:r>
-            <a:r>
-              <a:rPr lang="en-US" altLang="ko-KR" sz="1600" dirty="0" smtClean="0"/>
-              <a:t>BDD </a:t>
-            </a:r>
-            <a:r>
-              <a:rPr lang="ko-KR" altLang="en-US" sz="1600" dirty="0" smtClean="0"/>
-              <a:t>도구들 혹은 </a:t>
-            </a:r>
-            <a:r>
-              <a:rPr lang="en-US" altLang="ko-KR" sz="1600" dirty="0" err="1" smtClean="0"/>
-              <a:t>FitNEsse</a:t>
-            </a:r>
-            <a:r>
-              <a:rPr lang="ko-KR" altLang="en-US" sz="1600" dirty="0" smtClean="0"/>
-              <a:t>를 통해서 진행됩니다 </a:t>
-            </a:r>
-            <a:endParaRPr lang="en-US" sz="1600" dirty="0"/>
-          </a:p>
-        </p:txBody>
-      </p:sp>
-      <p:sp>
-        <p:nvSpPr>
-          <p:cNvPr id="17" name="TextBox 16"/>
-          <p:cNvSpPr txBox="1"/>
-          <p:nvPr/>
-        </p:nvSpPr>
-        <p:spPr>
-          <a:xfrm>
-            <a:off x="5868144" y="3140968"/>
-            <a:ext cx="3024336" cy="1077218"/>
-          </a:xfrm>
-          <a:prstGeom prst="rect">
-            <a:avLst/>
-          </a:prstGeom>
-        </p:spPr>
-        <p:style>
-          <a:lnRef idx="1">
-            <a:schemeClr val="accent6"/>
-          </a:lnRef>
-          <a:fillRef idx="2">
-            <a:schemeClr val="accent6"/>
-          </a:fillRef>
-          <a:effectRef idx="1">
-            <a:schemeClr val="accent6"/>
-          </a:effectRef>
-          <a:fontRef idx="minor">
-            <a:schemeClr val="dk1"/>
-          </a:fontRef>
-        </p:style>
-        <p:txBody>
-          <a:bodyPr wrap="square" rtlCol="0">
-            <a:spAutoFit/>
-          </a:bodyPr>
-          <a:lstStyle/>
-          <a:p>
-            <a:r>
-              <a:rPr lang="ko-KR" altLang="en-US" sz="1600" dirty="0" smtClean="0"/>
-              <a:t>단위 테스트들은 </a:t>
-            </a:r>
-            <a:r>
-              <a:rPr lang="en-US" altLang="ko-KR" sz="1600" dirty="0" err="1" smtClean="0"/>
-              <a:t>xUnit</a:t>
-            </a:r>
-            <a:r>
-              <a:rPr lang="en-US" altLang="ko-KR" sz="1600" dirty="0" smtClean="0"/>
-              <a:t> </a:t>
-            </a:r>
-            <a:r>
-              <a:rPr lang="ko-KR" altLang="en-US" sz="1600" dirty="0" smtClean="0"/>
-              <a:t>프레임워크를 이용하는 시스템의 용어들 이내로 진행됩니다</a:t>
-            </a:r>
-            <a:endParaRPr lang="en-US" sz="1600" dirty="0"/>
-          </a:p>
-        </p:txBody>
-      </p:sp>
-      <p:sp>
-        <p:nvSpPr>
-          <p:cNvPr id="18" name="TextBox 17"/>
-          <p:cNvSpPr txBox="1"/>
-          <p:nvPr/>
-        </p:nvSpPr>
-        <p:spPr>
-          <a:xfrm>
-            <a:off x="1115616" y="4941168"/>
-            <a:ext cx="7200800" cy="646331"/>
-          </a:xfrm>
-          <a:prstGeom prst="rect">
-            <a:avLst/>
-          </a:prstGeom>
-          <a:solidFill>
-            <a:srgbClr val="FF9966"/>
-          </a:solidFill>
-          <a:ln>
+            <a:ln>
+              <a:noFill/>
+            </a:ln>
+          </p:spPr>
+          <p:style>
+            <a:lnRef idx="2">
+              <a:schemeClr val="accent1">
+                <a:shade val="50000"/>
+              </a:schemeClr>
+            </a:lnRef>
+            <a:fillRef idx="1">
+              <a:schemeClr val="accent1"/>
+            </a:fillRef>
+            <a:effectRef idx="0">
+              <a:schemeClr val="accent1"/>
+            </a:effectRef>
+            <a:fontRef idx="minor">
+              <a:schemeClr val="lt1"/>
+            </a:fontRef>
+          </p:style>
+          <p:txBody>
+            <a:bodyPr rtlCol="0" anchor="ctr"/>
+            <a:lstStyle/>
+            <a:p>
+              <a:pPr algn="ctr"/>
+              <a:endParaRPr lang="en-US"/>
+            </a:p>
+          </p:txBody>
+        </p:sp>
+        <p:sp>
+          <p:nvSpPr>
+            <p:cNvPr id="10" name="사다리꼴 9"/>
+            <p:cNvSpPr/>
+            <p:nvPr/>
+          </p:nvSpPr>
+          <p:spPr>
+            <a:xfrm>
+              <a:off x="1979712" y="3284984"/>
+              <a:ext cx="2880320" cy="792088"/>
+            </a:xfrm>
+            <a:prstGeom prst="trapezoid">
+              <a:avLst>
+                <a:gd name="adj" fmla="val 60013"/>
+              </a:avLst>
+            </a:prstGeom>
             <a:solidFill>
-              <a:schemeClr val="accent6">
+              <a:schemeClr val="accent5">
                 <a:lumMod val="75000"/>
               </a:schemeClr>
             </a:solidFill>
-          </a:ln>
-        </p:spPr>
-        <p:txBody>
-          <a:bodyPr wrap="square" rtlCol="0">
-            <a:spAutoFit/>
-          </a:bodyPr>
-          <a:lstStyle/>
-          <a:p>
-            <a:r>
-              <a:rPr lang="ko-KR" altLang="en-US" dirty="0" smtClean="0"/>
-              <a:t>자동화 테스트들의 유용성을 보존하고 피드백 속도가 </a:t>
-            </a:r>
-            <a:r>
-              <a:rPr lang="ko-KR" altLang="en-US" dirty="0" err="1" smtClean="0"/>
-              <a:t>높으려면</a:t>
-            </a:r>
-            <a:r>
-              <a:rPr lang="ko-KR" altLang="en-US" dirty="0"/>
-              <a:t> </a:t>
-            </a:r>
-            <a:r>
-              <a:rPr lang="ko-KR" altLang="en-US" dirty="0" smtClean="0"/>
-              <a:t>테스트들의 양과 실행시간이 반드시 적고 짧아야 합니다</a:t>
-            </a:r>
-            <a:r>
-              <a:rPr lang="en-US" altLang="ko-KR" dirty="0" smtClean="0"/>
-              <a:t>. </a:t>
-            </a:r>
-            <a:endParaRPr lang="en-US" dirty="0"/>
-          </a:p>
-        </p:txBody>
-      </p:sp>
+            <a:ln>
+              <a:solidFill>
+                <a:schemeClr val="bg1"/>
+              </a:solidFill>
+            </a:ln>
+          </p:spPr>
+          <p:style>
+            <a:lnRef idx="2">
+              <a:schemeClr val="accent5">
+                <a:shade val="50000"/>
+              </a:schemeClr>
+            </a:lnRef>
+            <a:fillRef idx="1">
+              <a:schemeClr val="accent5"/>
+            </a:fillRef>
+            <a:effectRef idx="0">
+              <a:schemeClr val="accent5"/>
+            </a:effectRef>
+            <a:fontRef idx="minor">
+              <a:schemeClr val="lt1"/>
+            </a:fontRef>
+          </p:style>
+          <p:txBody>
+            <a:bodyPr rtlCol="0" anchor="ctr"/>
+            <a:lstStyle/>
+            <a:p>
+              <a:pPr algn="ctr"/>
+              <a:endParaRPr lang="en-US"/>
+            </a:p>
+          </p:txBody>
+        </p:sp>
+        <p:sp>
+          <p:nvSpPr>
+            <p:cNvPr id="11" name="TextBox 10"/>
+            <p:cNvSpPr txBox="1"/>
+            <p:nvPr/>
+          </p:nvSpPr>
+          <p:spPr>
+            <a:xfrm>
+              <a:off x="3131840" y="2024844"/>
+              <a:ext cx="576064" cy="369332"/>
+            </a:xfrm>
+            <a:prstGeom prst="rect">
+              <a:avLst/>
+            </a:prstGeom>
+            <a:noFill/>
+          </p:spPr>
+          <p:txBody>
+            <a:bodyPr wrap="square" rtlCol="0">
+              <a:spAutoFit/>
+            </a:bodyPr>
+            <a:lstStyle/>
+            <a:p>
+              <a:pPr algn="ctr"/>
+              <a:r>
+                <a:rPr lang="en-US" dirty="0" smtClean="0"/>
+                <a:t>UI</a:t>
+              </a:r>
+              <a:endParaRPr lang="en-US" dirty="0"/>
+            </a:p>
+          </p:txBody>
+        </p:sp>
+        <p:sp>
+          <p:nvSpPr>
+            <p:cNvPr id="12" name="TextBox 11"/>
+            <p:cNvSpPr txBox="1"/>
+            <p:nvPr/>
+          </p:nvSpPr>
+          <p:spPr>
+            <a:xfrm>
+              <a:off x="2915816" y="2699628"/>
+              <a:ext cx="1008112" cy="369332"/>
+            </a:xfrm>
+            <a:prstGeom prst="rect">
+              <a:avLst/>
+            </a:prstGeom>
+            <a:noFill/>
+          </p:spPr>
+          <p:txBody>
+            <a:bodyPr wrap="square" rtlCol="0">
+              <a:spAutoFit/>
+            </a:bodyPr>
+            <a:lstStyle/>
+            <a:p>
+              <a:pPr algn="ctr"/>
+              <a:r>
+                <a:rPr lang="ko-KR" altLang="en-US" dirty="0" smtClean="0"/>
+                <a:t>서비</a:t>
+              </a:r>
+              <a:r>
+                <a:rPr lang="ko-KR" altLang="en-US" dirty="0"/>
+                <a:t>스</a:t>
+              </a:r>
+              <a:endParaRPr lang="en-US" dirty="0"/>
+            </a:p>
+          </p:txBody>
+        </p:sp>
+        <p:sp>
+          <p:nvSpPr>
+            <p:cNvPr id="14" name="TextBox 13"/>
+            <p:cNvSpPr txBox="1"/>
+            <p:nvPr/>
+          </p:nvSpPr>
+          <p:spPr>
+            <a:xfrm>
+              <a:off x="2465766" y="3429000"/>
+              <a:ext cx="1908212" cy="369332"/>
+            </a:xfrm>
+            <a:prstGeom prst="rect">
+              <a:avLst/>
+            </a:prstGeom>
+            <a:noFill/>
+          </p:spPr>
+          <p:txBody>
+            <a:bodyPr wrap="square" rtlCol="0">
+              <a:spAutoFit/>
+            </a:bodyPr>
+            <a:lstStyle/>
+            <a:p>
+              <a:pPr algn="ctr"/>
+              <a:r>
+                <a:rPr lang="ko-KR" altLang="en-US" dirty="0" smtClean="0"/>
+                <a:t>단위</a:t>
+              </a:r>
+              <a:endParaRPr lang="en-US" dirty="0"/>
+            </a:p>
+          </p:txBody>
+        </p:sp>
+        <p:sp>
+          <p:nvSpPr>
+            <p:cNvPr id="15" name="TextBox 14"/>
+            <p:cNvSpPr txBox="1"/>
+            <p:nvPr/>
+          </p:nvSpPr>
+          <p:spPr>
+            <a:xfrm>
+              <a:off x="5868144" y="1124744"/>
+              <a:ext cx="2880320" cy="738664"/>
+            </a:xfrm>
+            <a:prstGeom prst="rect">
+              <a:avLst/>
+            </a:prstGeom>
+          </p:spPr>
+          <p:style>
+            <a:lnRef idx="1">
+              <a:schemeClr val="accent6"/>
+            </a:lnRef>
+            <a:fillRef idx="2">
+              <a:schemeClr val="accent6"/>
+            </a:fillRef>
+            <a:effectRef idx="1">
+              <a:schemeClr val="accent6"/>
+            </a:effectRef>
+            <a:fontRef idx="minor">
+              <a:schemeClr val="dk1"/>
+            </a:fontRef>
+          </p:style>
+          <p:txBody>
+            <a:bodyPr wrap="square" rtlCol="0">
+              <a:spAutoFit/>
+            </a:bodyPr>
+            <a:lstStyle/>
+            <a:p>
+              <a:r>
+                <a:rPr lang="en-US" sz="1400" smtClean="0"/>
+                <a:t>UI </a:t>
+              </a:r>
+              <a:r>
+                <a:rPr lang="ko-KR" altLang="en-US" sz="1400" smtClean="0"/>
+                <a:t>테스트는 깨지기 쉽다</a:t>
+              </a:r>
+              <a:r>
+                <a:rPr lang="en-US" altLang="ko-KR" sz="1400" smtClean="0"/>
+                <a:t>. </a:t>
+              </a:r>
+              <a:r>
+                <a:rPr lang="ko-KR" altLang="en-US" sz="1400" smtClean="0"/>
+                <a:t>스크립트를 작성하거나 캡처 후 재생방법을 통해 수행한다</a:t>
+              </a:r>
+              <a:r>
+                <a:rPr lang="en-US" altLang="ko-KR" sz="1400" smtClean="0"/>
+                <a:t>. </a:t>
+              </a:r>
+              <a:endParaRPr lang="en-US" sz="1400" dirty="0"/>
+            </a:p>
+          </p:txBody>
+        </p:sp>
+        <p:sp>
+          <p:nvSpPr>
+            <p:cNvPr id="16" name="TextBox 15"/>
+            <p:cNvSpPr txBox="1"/>
+            <p:nvPr/>
+          </p:nvSpPr>
+          <p:spPr>
+            <a:xfrm>
+              <a:off x="5868144" y="2132856"/>
+              <a:ext cx="2880320" cy="738664"/>
+            </a:xfrm>
+            <a:prstGeom prst="rect">
+              <a:avLst/>
+            </a:prstGeom>
+          </p:spPr>
+          <p:style>
+            <a:lnRef idx="1">
+              <a:schemeClr val="accent6"/>
+            </a:lnRef>
+            <a:fillRef idx="2">
+              <a:schemeClr val="accent6"/>
+            </a:fillRef>
+            <a:effectRef idx="1">
+              <a:schemeClr val="accent6"/>
+            </a:effectRef>
+            <a:fontRef idx="minor">
+              <a:schemeClr val="dk1"/>
+            </a:fontRef>
+          </p:style>
+          <p:txBody>
+            <a:bodyPr wrap="square" rtlCol="0">
+              <a:spAutoFit/>
+            </a:bodyPr>
+            <a:lstStyle/>
+            <a:p>
+              <a:r>
+                <a:rPr lang="ko-KR" altLang="en-US" sz="1400" smtClean="0"/>
+                <a:t>서비스 </a:t>
+              </a:r>
+              <a:r>
+                <a:rPr lang="ko-KR" altLang="en-US" sz="1400" smtClean="0"/>
+                <a:t>테스트는 업무 용어를 사용하며 </a:t>
+              </a:r>
+              <a:r>
+                <a:rPr lang="en-US" altLang="ko-KR" sz="1400" smtClean="0"/>
+                <a:t>BDD </a:t>
+              </a:r>
+              <a:r>
+                <a:rPr lang="ko-KR" altLang="en-US" sz="1400" smtClean="0"/>
+                <a:t>도구 </a:t>
+              </a:r>
+              <a:r>
+                <a:rPr lang="ko-KR" altLang="en-US" sz="1400" dirty="0" smtClean="0"/>
+                <a:t>혹은 </a:t>
+              </a:r>
+              <a:r>
+                <a:rPr lang="en-US" altLang="ko-KR" sz="1400" dirty="0" err="1" smtClean="0"/>
+                <a:t>FitNEsse</a:t>
+              </a:r>
+              <a:r>
+                <a:rPr lang="ko-KR" altLang="en-US" sz="1400" dirty="0" smtClean="0"/>
+                <a:t>를 </a:t>
+              </a:r>
+              <a:r>
+                <a:rPr lang="ko-KR" altLang="en-US" sz="1400" smtClean="0"/>
+                <a:t>통해서 </a:t>
+              </a:r>
+              <a:r>
+                <a:rPr lang="ko-KR" altLang="en-US" sz="1400" smtClean="0"/>
+                <a:t>진행한다</a:t>
+              </a:r>
+              <a:r>
+                <a:rPr lang="en-US" altLang="ko-KR" sz="1400" smtClean="0"/>
+                <a:t>.</a:t>
+              </a:r>
+              <a:r>
+                <a:rPr lang="ko-KR" altLang="en-US" sz="1400" smtClean="0"/>
+                <a:t> </a:t>
+              </a:r>
+              <a:endParaRPr lang="en-US" sz="1400" dirty="0"/>
+            </a:p>
+          </p:txBody>
+        </p:sp>
+        <p:sp>
+          <p:nvSpPr>
+            <p:cNvPr id="17" name="TextBox 16"/>
+            <p:cNvSpPr txBox="1"/>
+            <p:nvPr/>
+          </p:nvSpPr>
+          <p:spPr>
+            <a:xfrm>
+              <a:off x="5868144" y="3140968"/>
+              <a:ext cx="2880320" cy="738664"/>
+            </a:xfrm>
+            <a:prstGeom prst="rect">
+              <a:avLst/>
+            </a:prstGeom>
+          </p:spPr>
+          <p:style>
+            <a:lnRef idx="1">
+              <a:schemeClr val="accent6"/>
+            </a:lnRef>
+            <a:fillRef idx="2">
+              <a:schemeClr val="accent6"/>
+            </a:fillRef>
+            <a:effectRef idx="1">
+              <a:schemeClr val="accent6"/>
+            </a:effectRef>
+            <a:fontRef idx="minor">
+              <a:schemeClr val="dk1"/>
+            </a:fontRef>
+          </p:style>
+          <p:txBody>
+            <a:bodyPr wrap="square" rtlCol="0">
+              <a:spAutoFit/>
+            </a:bodyPr>
+            <a:lstStyle/>
+            <a:p>
+              <a:r>
+                <a:rPr lang="ko-KR" altLang="en-US" sz="1400" smtClean="0"/>
+                <a:t>단위 </a:t>
+              </a:r>
+              <a:r>
+                <a:rPr lang="ko-KR" altLang="en-US" sz="1400" smtClean="0"/>
+                <a:t>테스트는 시스템의 언어를 사용하며 </a:t>
+              </a:r>
+              <a:r>
+                <a:rPr lang="en-US" altLang="ko-KR" sz="1400" smtClean="0"/>
+                <a:t>xUnit </a:t>
+              </a:r>
+              <a:r>
+                <a:rPr lang="ko-KR" altLang="en-US" sz="1400" smtClean="0"/>
+                <a:t>프레임워크를 </a:t>
+              </a:r>
+              <a:r>
+                <a:rPr lang="ko-KR" altLang="en-US" sz="1400" smtClean="0"/>
+                <a:t>사용하여 수행한다</a:t>
+              </a:r>
+              <a:endParaRPr lang="en-US" sz="1400" dirty="0"/>
+            </a:p>
+          </p:txBody>
+        </p:sp>
+        <p:sp>
+          <p:nvSpPr>
+            <p:cNvPr id="18" name="TextBox 17"/>
+            <p:cNvSpPr txBox="1"/>
+            <p:nvPr/>
+          </p:nvSpPr>
+          <p:spPr>
+            <a:xfrm>
+              <a:off x="1409726" y="4679558"/>
+              <a:ext cx="7200800" cy="523220"/>
+            </a:xfrm>
+            <a:prstGeom prst="rect">
+              <a:avLst/>
+            </a:prstGeom>
+            <a:solidFill>
+              <a:srgbClr val="FFC000"/>
+            </a:solidFill>
+            <a:ln>
+              <a:solidFill>
+                <a:schemeClr val="accent6">
+                  <a:lumMod val="75000"/>
+                </a:schemeClr>
+              </a:solidFill>
+            </a:ln>
+          </p:spPr>
+          <p:txBody>
+            <a:bodyPr wrap="square" rtlCol="0">
+              <a:spAutoFit/>
+            </a:bodyPr>
+            <a:lstStyle/>
+            <a:p>
+              <a:r>
+                <a:rPr lang="ko-KR" altLang="en-US" sz="1400" smtClean="0"/>
+                <a:t>자동화 </a:t>
+              </a:r>
+              <a:r>
+                <a:rPr lang="ko-KR" altLang="en-US" sz="1400" smtClean="0"/>
+                <a:t>테스트의 유용성 보존과 신속한 피드백을 받기 위하여 테스트 실행 </a:t>
+              </a:r>
+              <a:r>
+                <a:rPr lang="ko-KR" altLang="en-US" sz="1400" smtClean="0"/>
+                <a:t>양과 </a:t>
+              </a:r>
+              <a:r>
+                <a:rPr lang="ko-KR" altLang="en-US" sz="1400" smtClean="0"/>
+                <a:t>시간은 작게 유지되어야 한다</a:t>
+              </a:r>
+              <a:r>
+                <a:rPr lang="en-US" altLang="ko-KR" sz="1400" smtClean="0"/>
+                <a:t>.</a:t>
+              </a:r>
+              <a:r>
+                <a:rPr lang="ko-KR" altLang="en-US" sz="1400" smtClean="0"/>
+                <a:t> </a:t>
+              </a:r>
+              <a:endParaRPr lang="en-US" altLang="ko-KR" sz="1400" smtClean="0"/>
+            </a:p>
+          </p:txBody>
+        </p:sp>
+      </p:grpSp>
     </p:spTree>
     <p:extLst>
       <p:ext uri="{BB962C8B-B14F-4D97-AF65-F5344CB8AC3E}">
